--- a/15 - Arquitetura de Negócio para cada Cenário.pptx
+++ b/15 - Arquitetura de Negócio para cada Cenário.pptx
@@ -1,22 +1,23 @@
 
 <file path=ppt/presentation.xml><?xml version="1.0" encoding="utf-8"?>
-<p:presentation xmlns:a="http://schemas.openxmlformats.org/drawingml/2006/main" xmlns:r="http://schemas.openxmlformats.org/officeDocument/2006/relationships" xmlns:mc="http://schemas.openxmlformats.org/markup-compatibility/2006" xmlns:mv="urn:schemas-microsoft-com:mac:vml" xmlns:p="http://schemas.openxmlformats.org/presentationml/2006/main" xmlns:c="http://schemas.openxmlformats.org/drawingml/2006/chart" xmlns:dgm="http://schemas.openxmlformats.org/drawingml/2006/diagram" xmlns:o="urn:schemas-microsoft-com:office:office" xmlns:v="urn:schemas-microsoft-com:vml" xmlns:pvml="urn:schemas-microsoft-com:office:powerpoint" xmlns:com="http://schemas.openxmlformats.org/drawingml/2006/compatibility" xmlns:p14="http://schemas.microsoft.com/office/powerpoint/2010/main" xmlns:p15="http://schemas.microsoft.com/office/powerpoint/2012/main" xmlns:ahyp="http://schemas.microsoft.com/office/drawing/2018/hyperlinkcolor" autoCompressPictures="0" strictFirstAndLastChars="0" saveSubsetFonts="1">
+<p:presentation xmlns:a="http://schemas.openxmlformats.org/drawingml/2006/main" xmlns:r="http://schemas.openxmlformats.org/officeDocument/2006/relationships" xmlns:p="http://schemas.openxmlformats.org/presentationml/2006/main" strictFirstAndLastChars="0" saveSubsetFonts="1" autoCompressPictures="0">
   <p:sldMasterIdLst>
-    <p:sldMasterId id="2147483659" r:id="rId3"/>
+    <p:sldMasterId id="2147483659" r:id="rId1"/>
   </p:sldMasterIdLst>
   <p:notesMasterIdLst>
-    <p:notesMasterId r:id="rId4"/>
+    <p:notesMasterId r:id="rId7"/>
   </p:notesMasterIdLst>
   <p:sldIdLst>
-    <p:sldId id="256" r:id="rId5"/>
-    <p:sldId id="257" r:id="rId6"/>
-    <p:sldId id="258" r:id="rId7"/>
-    <p:sldId id="259" r:id="rId8"/>
+    <p:sldId id="256" r:id="rId2"/>
+    <p:sldId id="260" r:id="rId3"/>
+    <p:sldId id="257" r:id="rId4"/>
+    <p:sldId id="258" r:id="rId5"/>
+    <p:sldId id="259" r:id="rId6"/>
   </p:sldIdLst>
-  <p:sldSz cy="6858000" cx="12192000"/>
+  <p:sldSz cx="12192000" cy="6858000"/>
   <p:notesSz cx="6858000" cy="9144000"/>
   <p:defaultTextStyle>
-    <a:defPPr lvl="0" marR="0" rtl="0" algn="l">
+    <a:defPPr marR="0" lvl="0" algn="l" rtl="0">
       <a:lnSpc>
         <a:spcPct val="100000"/>
       </a:lnSpc>
@@ -27,7 +28,7 @@
         <a:spcPts val="0"/>
       </a:spcAft>
     </a:defPPr>
-    <a:lvl1pPr lvl="0" marR="0" rtl="0" algn="l">
+    <a:lvl1pPr marR="0" lvl="0" algn="l" rtl="0">
       <a:lnSpc>
         <a:spcPct val="100000"/>
       </a:lnSpc>
@@ -41,7 +42,7 @@
         <a:srgbClr val="000000"/>
       </a:buClr>
       <a:buFont typeface="Arial"/>
-      <a:defRPr b="0" i="0" sz="1400" u="none" cap="none" strike="noStrike">
+      <a:defRPr sz="1400" b="0" i="0" u="none" strike="noStrike" cap="none">
         <a:solidFill>
           <a:srgbClr val="000000"/>
         </a:solidFill>
@@ -51,7 +52,7 @@
         <a:sym typeface="Arial"/>
       </a:defRPr>
     </a:lvl1pPr>
-    <a:lvl2pPr lvl="1" marR="0" rtl="0" algn="l">
+    <a:lvl2pPr marR="0" lvl="1" algn="l" rtl="0">
       <a:lnSpc>
         <a:spcPct val="100000"/>
       </a:lnSpc>
@@ -65,7 +66,7 @@
         <a:srgbClr val="000000"/>
       </a:buClr>
       <a:buFont typeface="Arial"/>
-      <a:defRPr b="0" i="0" sz="1400" u="none" cap="none" strike="noStrike">
+      <a:defRPr sz="1400" b="0" i="0" u="none" strike="noStrike" cap="none">
         <a:solidFill>
           <a:srgbClr val="000000"/>
         </a:solidFill>
@@ -75,7 +76,7 @@
         <a:sym typeface="Arial"/>
       </a:defRPr>
     </a:lvl2pPr>
-    <a:lvl3pPr lvl="2" marR="0" rtl="0" algn="l">
+    <a:lvl3pPr marR="0" lvl="2" algn="l" rtl="0">
       <a:lnSpc>
         <a:spcPct val="100000"/>
       </a:lnSpc>
@@ -89,7 +90,7 @@
         <a:srgbClr val="000000"/>
       </a:buClr>
       <a:buFont typeface="Arial"/>
-      <a:defRPr b="0" i="0" sz="1400" u="none" cap="none" strike="noStrike">
+      <a:defRPr sz="1400" b="0" i="0" u="none" strike="noStrike" cap="none">
         <a:solidFill>
           <a:srgbClr val="000000"/>
         </a:solidFill>
@@ -99,7 +100,7 @@
         <a:sym typeface="Arial"/>
       </a:defRPr>
     </a:lvl3pPr>
-    <a:lvl4pPr lvl="3" marR="0" rtl="0" algn="l">
+    <a:lvl4pPr marR="0" lvl="3" algn="l" rtl="0">
       <a:lnSpc>
         <a:spcPct val="100000"/>
       </a:lnSpc>
@@ -113,7 +114,7 @@
         <a:srgbClr val="000000"/>
       </a:buClr>
       <a:buFont typeface="Arial"/>
-      <a:defRPr b="0" i="0" sz="1400" u="none" cap="none" strike="noStrike">
+      <a:defRPr sz="1400" b="0" i="0" u="none" strike="noStrike" cap="none">
         <a:solidFill>
           <a:srgbClr val="000000"/>
         </a:solidFill>
@@ -123,7 +124,7 @@
         <a:sym typeface="Arial"/>
       </a:defRPr>
     </a:lvl4pPr>
-    <a:lvl5pPr lvl="4" marR="0" rtl="0" algn="l">
+    <a:lvl5pPr marR="0" lvl="4" algn="l" rtl="0">
       <a:lnSpc>
         <a:spcPct val="100000"/>
       </a:lnSpc>
@@ -137,7 +138,7 @@
         <a:srgbClr val="000000"/>
       </a:buClr>
       <a:buFont typeface="Arial"/>
-      <a:defRPr b="0" i="0" sz="1400" u="none" cap="none" strike="noStrike">
+      <a:defRPr sz="1400" b="0" i="0" u="none" strike="noStrike" cap="none">
         <a:solidFill>
           <a:srgbClr val="000000"/>
         </a:solidFill>
@@ -147,7 +148,7 @@
         <a:sym typeface="Arial"/>
       </a:defRPr>
     </a:lvl5pPr>
-    <a:lvl6pPr lvl="5" marR="0" rtl="0" algn="l">
+    <a:lvl6pPr marR="0" lvl="5" algn="l" rtl="0">
       <a:lnSpc>
         <a:spcPct val="100000"/>
       </a:lnSpc>
@@ -161,7 +162,7 @@
         <a:srgbClr val="000000"/>
       </a:buClr>
       <a:buFont typeface="Arial"/>
-      <a:defRPr b="0" i="0" sz="1400" u="none" cap="none" strike="noStrike">
+      <a:defRPr sz="1400" b="0" i="0" u="none" strike="noStrike" cap="none">
         <a:solidFill>
           <a:srgbClr val="000000"/>
         </a:solidFill>
@@ -171,7 +172,7 @@
         <a:sym typeface="Arial"/>
       </a:defRPr>
     </a:lvl6pPr>
-    <a:lvl7pPr lvl="6" marR="0" rtl="0" algn="l">
+    <a:lvl7pPr marR="0" lvl="6" algn="l" rtl="0">
       <a:lnSpc>
         <a:spcPct val="100000"/>
       </a:lnSpc>
@@ -185,7 +186,7 @@
         <a:srgbClr val="000000"/>
       </a:buClr>
       <a:buFont typeface="Arial"/>
-      <a:defRPr b="0" i="0" sz="1400" u="none" cap="none" strike="noStrike">
+      <a:defRPr sz="1400" b="0" i="0" u="none" strike="noStrike" cap="none">
         <a:solidFill>
           <a:srgbClr val="000000"/>
         </a:solidFill>
@@ -195,7 +196,7 @@
         <a:sym typeface="Arial"/>
       </a:defRPr>
     </a:lvl7pPr>
-    <a:lvl8pPr lvl="7" marR="0" rtl="0" algn="l">
+    <a:lvl8pPr marR="0" lvl="7" algn="l" rtl="0">
       <a:lnSpc>
         <a:spcPct val="100000"/>
       </a:lnSpc>
@@ -209,7 +210,7 @@
         <a:srgbClr val="000000"/>
       </a:buClr>
       <a:buFont typeface="Arial"/>
-      <a:defRPr b="0" i="0" sz="1400" u="none" cap="none" strike="noStrike">
+      <a:defRPr sz="1400" b="0" i="0" u="none" strike="noStrike" cap="none">
         <a:solidFill>
           <a:srgbClr val="000000"/>
         </a:solidFill>
@@ -219,7 +220,7 @@
         <a:sym typeface="Arial"/>
       </a:defRPr>
     </a:lvl8pPr>
-    <a:lvl9pPr lvl="8" marR="0" rtl="0" algn="l">
+    <a:lvl9pPr marR="0" lvl="8" algn="l" rtl="0">
       <a:lnSpc>
         <a:spcPct val="100000"/>
       </a:lnSpc>
@@ -233,7 +234,7 @@
         <a:srgbClr val="000000"/>
       </a:buClr>
       <a:buFont typeface="Arial"/>
-      <a:defRPr b="0" i="0" sz="1400" u="none" cap="none" strike="noStrike">
+      <a:defRPr sz="1400" b="0" i="0" u="none" strike="noStrike" cap="none">
         <a:solidFill>
           <a:srgbClr val="000000"/>
         </a:solidFill>
@@ -247,19 +248,41 @@
 </p:presentation>
 </file>
 
+<file path=ppt/changesInfos/changesInfo1.xml><?xml version="1.0" encoding="utf-8"?>
+<pc:chgInfo xmlns:a="http://schemas.openxmlformats.org/drawingml/2006/main" xmlns:r="http://schemas.openxmlformats.org/officeDocument/2006/relationships" xmlns:ac="http://schemas.microsoft.com/office/drawing/2013/main/command" xmlns:pc="http://schemas.microsoft.com/office/powerpoint/2013/main/command">
+  <pc:docChgLst>
+    <pc:chgData name="Vinícius Dias" userId="24d7ff5522ff08d3" providerId="LiveId" clId="{2624315E-07C4-4874-8816-038B675EDCC4}"/>
+    <pc:docChg chg="addSld">
+      <pc:chgData name="Vinícius Dias" userId="24d7ff5522ff08d3" providerId="LiveId" clId="{2624315E-07C4-4874-8816-038B675EDCC4}" dt="2021-03-19T00:29:43.016" v="0" actId="2890"/>
+      <pc:docMkLst>
+        <pc:docMk/>
+      </pc:docMkLst>
+      <pc:sldChg chg="add">
+        <pc:chgData name="Vinícius Dias" userId="24d7ff5522ff08d3" providerId="LiveId" clId="{2624315E-07C4-4874-8816-038B675EDCC4}" dt="2021-03-19T00:29:43.016" v="0" actId="2890"/>
+        <pc:sldMkLst>
+          <pc:docMk/>
+          <pc:sldMk cId="3643686155" sldId="260"/>
+        </pc:sldMkLst>
+      </pc:sldChg>
+    </pc:docChg>
+  </pc:docChgLst>
+</pc:chgInfo>
+</file>
+
 <file path=ppt/notesMasters/notesMaster1.xml><?xml version="1.0" encoding="utf-8"?>
-<p:notesMaster xmlns:a="http://schemas.openxmlformats.org/drawingml/2006/main" xmlns:r="http://schemas.openxmlformats.org/officeDocument/2006/relationships" xmlns:mc="http://schemas.openxmlformats.org/markup-compatibility/2006" xmlns:mv="urn:schemas-microsoft-com:mac:vml" xmlns:p="http://schemas.openxmlformats.org/presentationml/2006/main" xmlns:c="http://schemas.openxmlformats.org/drawingml/2006/chart" xmlns:dgm="http://schemas.openxmlformats.org/drawingml/2006/diagram" xmlns:o="urn:schemas-microsoft-com:office:office" xmlns:v="urn:schemas-microsoft-com:vml" xmlns:pvml="urn:schemas-microsoft-com:office:powerpoint" xmlns:com="http://schemas.openxmlformats.org/drawingml/2006/compatibility" xmlns:p14="http://schemas.microsoft.com/office/powerpoint/2010/main" xmlns:p15="http://schemas.microsoft.com/office/powerpoint/2012/main" xmlns:ahyp="http://schemas.microsoft.com/office/drawing/2018/hyperlinkcolor">
+<p:notesMaster xmlns:a="http://schemas.openxmlformats.org/drawingml/2006/main" xmlns:r="http://schemas.openxmlformats.org/officeDocument/2006/relationships" xmlns:p="http://schemas.openxmlformats.org/presentationml/2006/main">
   <p:cSld>
     <p:bg>
       <p:bgPr>
         <a:solidFill>
           <a:schemeClr val="lt1"/>
         </a:solidFill>
+        <a:effectLst/>
       </p:bgPr>
     </p:bg>
     <p:spTree>
       <p:nvGrpSpPr>
-        <p:cNvPr id="2" name="Shape 2"/>
+        <p:cNvPr id="1" name="Shape 2"/>
         <p:cNvGrpSpPr/>
         <p:nvPr/>
       </p:nvGrpSpPr>
@@ -274,9 +297,11 @@
       <p:sp>
         <p:nvSpPr>
           <p:cNvPr id="3" name="Google Shape;3;n"/>
-          <p:cNvSpPr/>
+          <p:cNvSpPr>
+            <a:spLocks noGrp="1" noRot="1" noChangeAspect="1"/>
+          </p:cNvSpPr>
           <p:nvPr>
-            <p:ph idx="2" type="sldImg"/>
+            <p:ph type="sldImg" idx="2"/>
           </p:nvPr>
         </p:nvSpPr>
         <p:spPr>
@@ -285,9 +310,13 @@
             <a:ext cx="4572225" cy="3429000"/>
           </a:xfrm>
           <a:custGeom>
-            <a:rect b="b" l="l" r="r" t="t"/>
+            <a:avLst/>
+            <a:gdLst/>
+            <a:ahLst/>
+            <a:cxnLst/>
+            <a:rect l="l" t="t" r="r" b="b"/>
             <a:pathLst>
-              <a:path extrusionOk="0" h="120000" w="120000">
+              <a:path w="120000" h="120000" extrusionOk="0">
                 <a:moveTo>
                   <a:pt x="0" y="0"/>
                 </a:moveTo>
@@ -305,23 +334,25 @@
             </a:pathLst>
           </a:custGeom>
           <a:noFill/>
-          <a:ln cap="flat" cmpd="sng" w="9525">
+          <a:ln w="9525" cap="flat" cmpd="sng">
             <a:solidFill>
               <a:srgbClr val="000000"/>
             </a:solidFill>
             <a:prstDash val="solid"/>
             <a:round/>
-            <a:headEnd len="sm" w="sm" type="none"/>
-            <a:tailEnd len="sm" w="sm" type="none"/>
+            <a:headEnd type="none" w="sm" len="sm"/>
+            <a:tailEnd type="none" w="sm" len="sm"/>
           </a:ln>
         </p:spPr>
       </p:sp>
       <p:sp>
         <p:nvSpPr>
           <p:cNvPr id="4" name="Google Shape;4;n"/>
-          <p:cNvSpPr txBox="1"/>
+          <p:cNvSpPr txBox="1">
+            <a:spLocks noGrp="1"/>
+          </p:cNvSpPr>
           <p:nvPr>
-            <p:ph idx="1" type="body"/>
+            <p:ph type="body" idx="1"/>
           </p:nvPr>
         </p:nvSpPr>
         <p:spPr>
@@ -338,11 +369,11 @@
           </a:ln>
         </p:spPr>
         <p:txBody>
-          <a:bodyPr anchorCtr="0" anchor="t" bIns="91425" lIns="91425" spcFirstLastPara="1" rIns="91425" wrap="square" tIns="91425">
+          <a:bodyPr spcFirstLastPara="1" wrap="square" lIns="91425" tIns="91425" rIns="91425" bIns="91425" anchor="t" anchorCtr="0">
             <a:noAutofit/>
           </a:bodyPr>
           <a:lstStyle>
-            <a:lvl1pPr indent="-298450" lvl="0" marL="457200" marR="0" rtl="0" algn="l">
+            <a:lvl1pPr marL="457200" marR="0" lvl="0" indent="-298450" algn="l" rtl="0">
               <a:lnSpc>
                 <a:spcPct val="100000"/>
               </a:lnSpc>
@@ -358,7 +389,7 @@
               <a:buSzPts val="1100"/>
               <a:buFont typeface="Arial"/>
               <a:buChar char="●"/>
-              <a:defRPr b="0" i="0" sz="1100" u="none" cap="none" strike="noStrike">
+              <a:defRPr sz="1100" b="0" i="0" u="none" strike="noStrike" cap="none">
                 <a:solidFill>
                   <a:srgbClr val="000000"/>
                 </a:solidFill>
@@ -368,7 +399,7 @@
                 <a:sym typeface="Arial"/>
               </a:defRPr>
             </a:lvl1pPr>
-            <a:lvl2pPr indent="-298450" lvl="1" marL="914400" marR="0" rtl="0" algn="l">
+            <a:lvl2pPr marL="914400" marR="0" lvl="1" indent="-298450" algn="l" rtl="0">
               <a:lnSpc>
                 <a:spcPct val="100000"/>
               </a:lnSpc>
@@ -384,7 +415,7 @@
               <a:buSzPts val="1100"/>
               <a:buFont typeface="Arial"/>
               <a:buChar char="○"/>
-              <a:defRPr b="0" i="0" sz="1100" u="none" cap="none" strike="noStrike">
+              <a:defRPr sz="1100" b="0" i="0" u="none" strike="noStrike" cap="none">
                 <a:solidFill>
                   <a:srgbClr val="000000"/>
                 </a:solidFill>
@@ -394,7 +425,7 @@
                 <a:sym typeface="Arial"/>
               </a:defRPr>
             </a:lvl2pPr>
-            <a:lvl3pPr indent="-298450" lvl="2" marL="1371600" marR="0" rtl="0" algn="l">
+            <a:lvl3pPr marL="1371600" marR="0" lvl="2" indent="-298450" algn="l" rtl="0">
               <a:lnSpc>
                 <a:spcPct val="100000"/>
               </a:lnSpc>
@@ -410,7 +441,7 @@
               <a:buSzPts val="1100"/>
               <a:buFont typeface="Arial"/>
               <a:buChar char="■"/>
-              <a:defRPr b="0" i="0" sz="1100" u="none" cap="none" strike="noStrike">
+              <a:defRPr sz="1100" b="0" i="0" u="none" strike="noStrike" cap="none">
                 <a:solidFill>
                   <a:srgbClr val="000000"/>
                 </a:solidFill>
@@ -420,7 +451,7 @@
                 <a:sym typeface="Arial"/>
               </a:defRPr>
             </a:lvl3pPr>
-            <a:lvl4pPr indent="-298450" lvl="3" marL="1828800" marR="0" rtl="0" algn="l">
+            <a:lvl4pPr marL="1828800" marR="0" lvl="3" indent="-298450" algn="l" rtl="0">
               <a:lnSpc>
                 <a:spcPct val="100000"/>
               </a:lnSpc>
@@ -436,7 +467,7 @@
               <a:buSzPts val="1100"/>
               <a:buFont typeface="Arial"/>
               <a:buChar char="●"/>
-              <a:defRPr b="0" i="0" sz="1100" u="none" cap="none" strike="noStrike">
+              <a:defRPr sz="1100" b="0" i="0" u="none" strike="noStrike" cap="none">
                 <a:solidFill>
                   <a:srgbClr val="000000"/>
                 </a:solidFill>
@@ -446,7 +477,7 @@
                 <a:sym typeface="Arial"/>
               </a:defRPr>
             </a:lvl4pPr>
-            <a:lvl5pPr indent="-298450" lvl="4" marL="2286000" marR="0" rtl="0" algn="l">
+            <a:lvl5pPr marL="2286000" marR="0" lvl="4" indent="-298450" algn="l" rtl="0">
               <a:lnSpc>
                 <a:spcPct val="100000"/>
               </a:lnSpc>
@@ -462,7 +493,7 @@
               <a:buSzPts val="1100"/>
               <a:buFont typeface="Arial"/>
               <a:buChar char="○"/>
-              <a:defRPr b="0" i="0" sz="1100" u="none" cap="none" strike="noStrike">
+              <a:defRPr sz="1100" b="0" i="0" u="none" strike="noStrike" cap="none">
                 <a:solidFill>
                   <a:srgbClr val="000000"/>
                 </a:solidFill>
@@ -472,7 +503,7 @@
                 <a:sym typeface="Arial"/>
               </a:defRPr>
             </a:lvl5pPr>
-            <a:lvl6pPr indent="-298450" lvl="5" marL="2743200" marR="0" rtl="0" algn="l">
+            <a:lvl6pPr marL="2743200" marR="0" lvl="5" indent="-298450" algn="l" rtl="0">
               <a:lnSpc>
                 <a:spcPct val="100000"/>
               </a:lnSpc>
@@ -488,7 +519,7 @@
               <a:buSzPts val="1100"/>
               <a:buFont typeface="Arial"/>
               <a:buChar char="■"/>
-              <a:defRPr b="0" i="0" sz="1100" u="none" cap="none" strike="noStrike">
+              <a:defRPr sz="1100" b="0" i="0" u="none" strike="noStrike" cap="none">
                 <a:solidFill>
                   <a:srgbClr val="000000"/>
                 </a:solidFill>
@@ -498,7 +529,7 @@
                 <a:sym typeface="Arial"/>
               </a:defRPr>
             </a:lvl6pPr>
-            <a:lvl7pPr indent="-298450" lvl="6" marL="3200400" marR="0" rtl="0" algn="l">
+            <a:lvl7pPr marL="3200400" marR="0" lvl="6" indent="-298450" algn="l" rtl="0">
               <a:lnSpc>
                 <a:spcPct val="100000"/>
               </a:lnSpc>
@@ -514,7 +545,7 @@
               <a:buSzPts val="1100"/>
               <a:buFont typeface="Arial"/>
               <a:buChar char="●"/>
-              <a:defRPr b="0" i="0" sz="1100" u="none" cap="none" strike="noStrike">
+              <a:defRPr sz="1100" b="0" i="0" u="none" strike="noStrike" cap="none">
                 <a:solidFill>
                   <a:srgbClr val="000000"/>
                 </a:solidFill>
@@ -524,7 +555,7 @@
                 <a:sym typeface="Arial"/>
               </a:defRPr>
             </a:lvl7pPr>
-            <a:lvl8pPr indent="-298450" lvl="7" marL="3657600" marR="0" rtl="0" algn="l">
+            <a:lvl8pPr marL="3657600" marR="0" lvl="7" indent="-298450" algn="l" rtl="0">
               <a:lnSpc>
                 <a:spcPct val="100000"/>
               </a:lnSpc>
@@ -540,7 +571,7 @@
               <a:buSzPts val="1100"/>
               <a:buFont typeface="Arial"/>
               <a:buChar char="○"/>
-              <a:defRPr b="0" i="0" sz="1100" u="none" cap="none" strike="noStrike">
+              <a:defRPr sz="1100" b="0" i="0" u="none" strike="noStrike" cap="none">
                 <a:solidFill>
                   <a:srgbClr val="000000"/>
                 </a:solidFill>
@@ -550,7 +581,7 @@
                 <a:sym typeface="Arial"/>
               </a:defRPr>
             </a:lvl8pPr>
-            <a:lvl9pPr indent="-298450" lvl="8" marL="4114800" marR="0" rtl="0" algn="l">
+            <a:lvl9pPr marL="4114800" marR="0" lvl="8" indent="-298450" algn="l" rtl="0">
               <a:lnSpc>
                 <a:spcPct val="100000"/>
               </a:lnSpc>
@@ -566,7 +597,7 @@
               <a:buSzPts val="1100"/>
               <a:buFont typeface="Arial"/>
               <a:buChar char="■"/>
-              <a:defRPr b="0" i="0" sz="1100" u="none" cap="none" strike="noStrike">
+              <a:defRPr sz="1100" b="0" i="0" u="none" strike="noStrike" cap="none">
                 <a:solidFill>
                   <a:srgbClr val="000000"/>
                 </a:solidFill>
@@ -577,14 +608,16 @@
               </a:defRPr>
             </a:lvl9pPr>
           </a:lstStyle>
-          <a:p/>
+          <a:p>
+            <a:endParaRPr/>
+          </a:p>
         </p:txBody>
       </p:sp>
     </p:spTree>
   </p:cSld>
-  <p:clrMap accent1="accent1" accent2="accent2" accent3="accent3" accent4="accent4" accent5="accent5" accent6="accent6" bg1="lt1" bg2="dk2" tx1="dk1" tx2="lt2" folHlink="folHlink" hlink="hlink"/>
+  <p:clrMap bg1="lt1" tx1="dk1" bg2="dk2" tx2="lt2" accent1="accent1" accent2="accent2" accent3="accent3" accent4="accent4" accent5="accent5" accent6="accent6" hlink="hlink" folHlink="folHlink"/>
   <p:notesStyle>
-    <a:defPPr lvl="0" marR="0" rtl="0" algn="l">
+    <a:defPPr marR="0" lvl="0" algn="l" rtl="0">
       <a:lnSpc>
         <a:spcPct val="100000"/>
       </a:lnSpc>
@@ -595,7 +628,7 @@
         <a:spcPts val="0"/>
       </a:spcAft>
     </a:defPPr>
-    <a:lvl1pPr lvl="0" marR="0" rtl="0" algn="l">
+    <a:lvl1pPr marR="0" lvl="0" algn="l" rtl="0">
       <a:lnSpc>
         <a:spcPct val="100000"/>
       </a:lnSpc>
@@ -609,7 +642,7 @@
         <a:srgbClr val="000000"/>
       </a:buClr>
       <a:buFont typeface="Arial"/>
-      <a:defRPr b="0" i="0" sz="1400" u="none" cap="none" strike="noStrike">
+      <a:defRPr sz="1400" b="0" i="0" u="none" strike="noStrike" cap="none">
         <a:solidFill>
           <a:srgbClr val="000000"/>
         </a:solidFill>
@@ -619,7 +652,7 @@
         <a:sym typeface="Arial"/>
       </a:defRPr>
     </a:lvl1pPr>
-    <a:lvl2pPr lvl="1" marR="0" rtl="0" algn="l">
+    <a:lvl2pPr marR="0" lvl="1" algn="l" rtl="0">
       <a:lnSpc>
         <a:spcPct val="100000"/>
       </a:lnSpc>
@@ -633,7 +666,7 @@
         <a:srgbClr val="000000"/>
       </a:buClr>
       <a:buFont typeface="Arial"/>
-      <a:defRPr b="0" i="0" sz="1400" u="none" cap="none" strike="noStrike">
+      <a:defRPr sz="1400" b="0" i="0" u="none" strike="noStrike" cap="none">
         <a:solidFill>
           <a:srgbClr val="000000"/>
         </a:solidFill>
@@ -643,7 +676,7 @@
         <a:sym typeface="Arial"/>
       </a:defRPr>
     </a:lvl2pPr>
-    <a:lvl3pPr lvl="2" marR="0" rtl="0" algn="l">
+    <a:lvl3pPr marR="0" lvl="2" algn="l" rtl="0">
       <a:lnSpc>
         <a:spcPct val="100000"/>
       </a:lnSpc>
@@ -657,7 +690,7 @@
         <a:srgbClr val="000000"/>
       </a:buClr>
       <a:buFont typeface="Arial"/>
-      <a:defRPr b="0" i="0" sz="1400" u="none" cap="none" strike="noStrike">
+      <a:defRPr sz="1400" b="0" i="0" u="none" strike="noStrike" cap="none">
         <a:solidFill>
           <a:srgbClr val="000000"/>
         </a:solidFill>
@@ -667,7 +700,7 @@
         <a:sym typeface="Arial"/>
       </a:defRPr>
     </a:lvl3pPr>
-    <a:lvl4pPr lvl="3" marR="0" rtl="0" algn="l">
+    <a:lvl4pPr marR="0" lvl="3" algn="l" rtl="0">
       <a:lnSpc>
         <a:spcPct val="100000"/>
       </a:lnSpc>
@@ -681,7 +714,7 @@
         <a:srgbClr val="000000"/>
       </a:buClr>
       <a:buFont typeface="Arial"/>
-      <a:defRPr b="0" i="0" sz="1400" u="none" cap="none" strike="noStrike">
+      <a:defRPr sz="1400" b="0" i="0" u="none" strike="noStrike" cap="none">
         <a:solidFill>
           <a:srgbClr val="000000"/>
         </a:solidFill>
@@ -691,7 +724,7 @@
         <a:sym typeface="Arial"/>
       </a:defRPr>
     </a:lvl4pPr>
-    <a:lvl5pPr lvl="4" marR="0" rtl="0" algn="l">
+    <a:lvl5pPr marR="0" lvl="4" algn="l" rtl="0">
       <a:lnSpc>
         <a:spcPct val="100000"/>
       </a:lnSpc>
@@ -705,7 +738,7 @@
         <a:srgbClr val="000000"/>
       </a:buClr>
       <a:buFont typeface="Arial"/>
-      <a:defRPr b="0" i="0" sz="1400" u="none" cap="none" strike="noStrike">
+      <a:defRPr sz="1400" b="0" i="0" u="none" strike="noStrike" cap="none">
         <a:solidFill>
           <a:srgbClr val="000000"/>
         </a:solidFill>
@@ -715,7 +748,7 @@
         <a:sym typeface="Arial"/>
       </a:defRPr>
     </a:lvl5pPr>
-    <a:lvl6pPr lvl="5" marR="0" rtl="0" algn="l">
+    <a:lvl6pPr marR="0" lvl="5" algn="l" rtl="0">
       <a:lnSpc>
         <a:spcPct val="100000"/>
       </a:lnSpc>
@@ -729,7 +762,7 @@
         <a:srgbClr val="000000"/>
       </a:buClr>
       <a:buFont typeface="Arial"/>
-      <a:defRPr b="0" i="0" sz="1400" u="none" cap="none" strike="noStrike">
+      <a:defRPr sz="1400" b="0" i="0" u="none" strike="noStrike" cap="none">
         <a:solidFill>
           <a:srgbClr val="000000"/>
         </a:solidFill>
@@ -739,7 +772,7 @@
         <a:sym typeface="Arial"/>
       </a:defRPr>
     </a:lvl6pPr>
-    <a:lvl7pPr lvl="6" marR="0" rtl="0" algn="l">
+    <a:lvl7pPr marR="0" lvl="6" algn="l" rtl="0">
       <a:lnSpc>
         <a:spcPct val="100000"/>
       </a:lnSpc>
@@ -753,7 +786,7 @@
         <a:srgbClr val="000000"/>
       </a:buClr>
       <a:buFont typeface="Arial"/>
-      <a:defRPr b="0" i="0" sz="1400" u="none" cap="none" strike="noStrike">
+      <a:defRPr sz="1400" b="0" i="0" u="none" strike="noStrike" cap="none">
         <a:solidFill>
           <a:srgbClr val="000000"/>
         </a:solidFill>
@@ -763,7 +796,7 @@
         <a:sym typeface="Arial"/>
       </a:defRPr>
     </a:lvl7pPr>
-    <a:lvl8pPr lvl="7" marR="0" rtl="0" algn="l">
+    <a:lvl8pPr marR="0" lvl="7" algn="l" rtl="0">
       <a:lnSpc>
         <a:spcPct val="100000"/>
       </a:lnSpc>
@@ -777,7 +810,7 @@
         <a:srgbClr val="000000"/>
       </a:buClr>
       <a:buFont typeface="Arial"/>
-      <a:defRPr b="0" i="0" sz="1400" u="none" cap="none" strike="noStrike">
+      <a:defRPr sz="1400" b="0" i="0" u="none" strike="noStrike" cap="none">
         <a:solidFill>
           <a:srgbClr val="000000"/>
         </a:solidFill>
@@ -787,7 +820,7 @@
         <a:sym typeface="Arial"/>
       </a:defRPr>
     </a:lvl8pPr>
-    <a:lvl9pPr lvl="8" marR="0" rtl="0" algn="l">
+    <a:lvl9pPr marR="0" lvl="8" algn="l" rtl="0">
       <a:lnSpc>
         <a:spcPct val="100000"/>
       </a:lnSpc>
@@ -801,7 +834,7 @@
         <a:srgbClr val="000000"/>
       </a:buClr>
       <a:buFont typeface="Arial"/>
-      <a:defRPr b="0" i="0" sz="1400" u="none" cap="none" strike="noStrike">
+      <a:defRPr sz="1400" b="0" i="0" u="none" strike="noStrike" cap="none">
         <a:solidFill>
           <a:srgbClr val="000000"/>
         </a:solidFill>
@@ -816,11 +849,11 @@
 </file>
 
 <file path=ppt/notesSlides/notesSlide1.xml><?xml version="1.0" encoding="utf-8"?>
-<p:notes xmlns:a="http://schemas.openxmlformats.org/drawingml/2006/main" xmlns:r="http://schemas.openxmlformats.org/officeDocument/2006/relationships" xmlns:mc="http://schemas.openxmlformats.org/markup-compatibility/2006" xmlns:mv="urn:schemas-microsoft-com:mac:vml" xmlns:p="http://schemas.openxmlformats.org/presentationml/2006/main" xmlns:c="http://schemas.openxmlformats.org/drawingml/2006/chart" xmlns:dgm="http://schemas.openxmlformats.org/drawingml/2006/diagram" xmlns:o="urn:schemas-microsoft-com:office:office" xmlns:v="urn:schemas-microsoft-com:vml" xmlns:pvml="urn:schemas-microsoft-com:office:powerpoint" xmlns:com="http://schemas.openxmlformats.org/drawingml/2006/compatibility" xmlns:p14="http://schemas.microsoft.com/office/powerpoint/2010/main" xmlns:p15="http://schemas.microsoft.com/office/powerpoint/2012/main" xmlns:ahyp="http://schemas.microsoft.com/office/drawing/2018/hyperlinkcolor" showMasterPhAnim="0" showMasterSp="0">
+<p:notes xmlns:a="http://schemas.openxmlformats.org/drawingml/2006/main" xmlns:r="http://schemas.openxmlformats.org/officeDocument/2006/relationships" xmlns:p="http://schemas.openxmlformats.org/presentationml/2006/main" showMasterSp="0" showMasterPhAnim="0">
   <p:cSld>
     <p:spTree>
       <p:nvGrpSpPr>
-        <p:cNvPr id="80" name="Shape 80"/>
+        <p:cNvPr id="1" name="Shape 80"/>
         <p:cNvGrpSpPr/>
         <p:nvPr/>
       </p:nvGrpSpPr>
@@ -835,9 +868,11 @@
       <p:sp>
         <p:nvSpPr>
           <p:cNvPr id="81" name="Google Shape;81;p1:notes"/>
-          <p:cNvSpPr txBox="1"/>
+          <p:cNvSpPr txBox="1">
+            <a:spLocks noGrp="1"/>
+          </p:cNvSpPr>
           <p:nvPr>
-            <p:ph idx="1" type="body"/>
+            <p:ph type="body" idx="1"/>
           </p:nvPr>
         </p:nvSpPr>
         <p:spPr>
@@ -854,12 +889,12 @@
           </a:ln>
         </p:spPr>
         <p:txBody>
-          <a:bodyPr anchorCtr="0" anchor="t" bIns="91425" lIns="91425" spcFirstLastPara="1" rIns="91425" wrap="square" tIns="91425">
+          <a:bodyPr spcFirstLastPara="1" wrap="square" lIns="91425" tIns="91425" rIns="91425" bIns="91425" anchor="t" anchorCtr="0">
             <a:noAutofit/>
           </a:bodyPr>
           <a:lstStyle/>
           <a:p>
-            <a:pPr indent="0" lvl="0" marL="0" rtl="0" algn="l">
+            <a:pPr marL="0" lvl="0" indent="0" algn="l" rtl="0">
               <a:lnSpc>
                 <a:spcPct val="100000"/>
               </a:lnSpc>
@@ -872,9 +907,6 @@
               <a:buSzPts val="1100"/>
               <a:buNone/>
             </a:pPr>
-            <a:r>
-              <a:t/>
-            </a:r>
             <a:endParaRPr/>
           </a:p>
         </p:txBody>
@@ -882,9 +914,11 @@
       <p:sp>
         <p:nvSpPr>
           <p:cNvPr id="82" name="Google Shape;82;p1:notes"/>
-          <p:cNvSpPr/>
+          <p:cNvSpPr>
+            <a:spLocks noGrp="1" noRot="1" noChangeAspect="1"/>
+          </p:cNvSpPr>
           <p:nvPr>
-            <p:ph idx="2" type="sldImg"/>
+            <p:ph type="sldImg" idx="2"/>
           </p:nvPr>
         </p:nvSpPr>
         <p:spPr>
@@ -893,9 +927,13 @@
             <a:ext cx="6096000" cy="3429000"/>
           </a:xfrm>
           <a:custGeom>
-            <a:rect b="b" l="l" r="r" t="t"/>
+            <a:avLst/>
+            <a:gdLst/>
+            <a:ahLst/>
+            <a:cxnLst/>
+            <a:rect l="l" t="t" r="r" b="b"/>
             <a:pathLst>
-              <a:path extrusionOk="0" h="120000" w="120000">
+              <a:path w="120000" h="120000" extrusionOk="0">
                 <a:moveTo>
                   <a:pt x="0" y="0"/>
                 </a:moveTo>
@@ -913,14 +951,14 @@
             </a:pathLst>
           </a:custGeom>
           <a:noFill/>
-          <a:ln cap="flat" cmpd="sng" w="9525">
+          <a:ln w="9525" cap="flat" cmpd="sng">
             <a:solidFill>
               <a:srgbClr val="000000"/>
             </a:solidFill>
             <a:prstDash val="solid"/>
             <a:round/>
-            <a:headEnd len="sm" w="sm" type="none"/>
-            <a:tailEnd len="sm" w="sm" type="none"/>
+            <a:headEnd type="none" w="sm" len="sm"/>
+            <a:tailEnd type="none" w="sm" len="sm"/>
           </a:ln>
         </p:spPr>
       </p:sp>
@@ -933,11 +971,11 @@
 </file>
 
 <file path=ppt/notesSlides/notesSlide2.xml><?xml version="1.0" encoding="utf-8"?>
-<p:notes xmlns:a="http://schemas.openxmlformats.org/drawingml/2006/main" xmlns:r="http://schemas.openxmlformats.org/officeDocument/2006/relationships" xmlns:mc="http://schemas.openxmlformats.org/markup-compatibility/2006" xmlns:mv="urn:schemas-microsoft-com:mac:vml" xmlns:p="http://schemas.openxmlformats.org/presentationml/2006/main" xmlns:c="http://schemas.openxmlformats.org/drawingml/2006/chart" xmlns:dgm="http://schemas.openxmlformats.org/drawingml/2006/diagram" xmlns:o="urn:schemas-microsoft-com:office:office" xmlns:v="urn:schemas-microsoft-com:vml" xmlns:pvml="urn:schemas-microsoft-com:office:powerpoint" xmlns:com="http://schemas.openxmlformats.org/drawingml/2006/compatibility" xmlns:p14="http://schemas.microsoft.com/office/powerpoint/2010/main" xmlns:p15="http://schemas.microsoft.com/office/powerpoint/2012/main" xmlns:ahyp="http://schemas.microsoft.com/office/drawing/2018/hyperlinkcolor" showMasterPhAnim="0" showMasterSp="0">
+<p:notes xmlns:a="http://schemas.openxmlformats.org/drawingml/2006/main" xmlns:r="http://schemas.openxmlformats.org/officeDocument/2006/relationships" xmlns:p="http://schemas.openxmlformats.org/presentationml/2006/main" showMasterSp="0" showMasterPhAnim="0">
   <p:cSld>
     <p:spTree>
       <p:nvGrpSpPr>
-        <p:cNvPr id="86" name="Shape 86"/>
+        <p:cNvPr id="1" name="Shape 80"/>
         <p:cNvGrpSpPr/>
         <p:nvPr/>
       </p:nvGrpSpPr>
@@ -951,10 +989,12 @@
       </p:grpSpPr>
       <p:sp>
         <p:nvSpPr>
-          <p:cNvPr id="87" name="Google Shape;87;p2:notes"/>
-          <p:cNvSpPr txBox="1"/>
+          <p:cNvPr id="81" name="Google Shape;81;p1:notes"/>
+          <p:cNvSpPr txBox="1">
+            <a:spLocks noGrp="1"/>
+          </p:cNvSpPr>
           <p:nvPr>
-            <p:ph idx="1" type="body"/>
+            <p:ph type="body" idx="1"/>
           </p:nvPr>
         </p:nvSpPr>
         <p:spPr>
@@ -971,12 +1011,12 @@
           </a:ln>
         </p:spPr>
         <p:txBody>
-          <a:bodyPr anchorCtr="0" anchor="t" bIns="91425" lIns="91425" spcFirstLastPara="1" rIns="91425" wrap="square" tIns="91425">
+          <a:bodyPr spcFirstLastPara="1" wrap="square" lIns="91425" tIns="91425" rIns="91425" bIns="91425" anchor="t" anchorCtr="0">
             <a:noAutofit/>
           </a:bodyPr>
           <a:lstStyle/>
           <a:p>
-            <a:pPr indent="0" lvl="0" marL="0" rtl="0" algn="l">
+            <a:pPr marL="0" lvl="0" indent="0" algn="l" rtl="0">
               <a:lnSpc>
                 <a:spcPct val="100000"/>
               </a:lnSpc>
@@ -989,19 +1029,18 @@
               <a:buSzPts val="1100"/>
               <a:buNone/>
             </a:pPr>
-            <a:r>
-              <a:t/>
-            </a:r>
             <a:endParaRPr/>
           </a:p>
         </p:txBody>
       </p:sp>
       <p:sp>
         <p:nvSpPr>
-          <p:cNvPr id="88" name="Google Shape;88;p2:notes"/>
-          <p:cNvSpPr/>
+          <p:cNvPr id="82" name="Google Shape;82;p1:notes"/>
+          <p:cNvSpPr>
+            <a:spLocks noGrp="1" noRot="1" noChangeAspect="1"/>
+          </p:cNvSpPr>
           <p:nvPr>
-            <p:ph idx="2" type="sldImg"/>
+            <p:ph type="sldImg" idx="2"/>
           </p:nvPr>
         </p:nvSpPr>
         <p:spPr>
@@ -1010,9 +1049,13 @@
             <a:ext cx="6096000" cy="3429000"/>
           </a:xfrm>
           <a:custGeom>
-            <a:rect b="b" l="l" r="r" t="t"/>
+            <a:avLst/>
+            <a:gdLst/>
+            <a:ahLst/>
+            <a:cxnLst/>
+            <a:rect l="l" t="t" r="r" b="b"/>
             <a:pathLst>
-              <a:path extrusionOk="0" h="120000" w="120000">
+              <a:path w="120000" h="120000" extrusionOk="0">
                 <a:moveTo>
                   <a:pt x="0" y="0"/>
                 </a:moveTo>
@@ -1030,18 +1073,23 @@
             </a:pathLst>
           </a:custGeom>
           <a:noFill/>
-          <a:ln cap="flat" cmpd="sng" w="9525">
+          <a:ln w="9525" cap="flat" cmpd="sng">
             <a:solidFill>
               <a:srgbClr val="000000"/>
             </a:solidFill>
             <a:prstDash val="solid"/>
             <a:round/>
-            <a:headEnd len="sm" w="sm" type="none"/>
-            <a:tailEnd len="sm" w="sm" type="none"/>
+            <a:headEnd type="none" w="sm" len="sm"/>
+            <a:tailEnd type="none" w="sm" len="sm"/>
           </a:ln>
         </p:spPr>
       </p:sp>
     </p:spTree>
+    <p:extLst>
+      <p:ext uri="{BB962C8B-B14F-4D97-AF65-F5344CB8AC3E}">
+        <p14:creationId xmlns:p14="http://schemas.microsoft.com/office/powerpoint/2010/main" val="1703244223"/>
+      </p:ext>
+    </p:extLst>
   </p:cSld>
   <p:clrMapOvr>
     <a:masterClrMapping/>
@@ -1050,11 +1098,11 @@
 </file>
 
 <file path=ppt/notesSlides/notesSlide3.xml><?xml version="1.0" encoding="utf-8"?>
-<p:notes xmlns:a="http://schemas.openxmlformats.org/drawingml/2006/main" xmlns:r="http://schemas.openxmlformats.org/officeDocument/2006/relationships" xmlns:mc="http://schemas.openxmlformats.org/markup-compatibility/2006" xmlns:mv="urn:schemas-microsoft-com:mac:vml" xmlns:p="http://schemas.openxmlformats.org/presentationml/2006/main" xmlns:c="http://schemas.openxmlformats.org/drawingml/2006/chart" xmlns:dgm="http://schemas.openxmlformats.org/drawingml/2006/diagram" xmlns:o="urn:schemas-microsoft-com:office:office" xmlns:v="urn:schemas-microsoft-com:vml" xmlns:pvml="urn:schemas-microsoft-com:office:powerpoint" xmlns:com="http://schemas.openxmlformats.org/drawingml/2006/compatibility" xmlns:p14="http://schemas.microsoft.com/office/powerpoint/2010/main" xmlns:p15="http://schemas.microsoft.com/office/powerpoint/2012/main" xmlns:ahyp="http://schemas.microsoft.com/office/drawing/2018/hyperlinkcolor" showMasterPhAnim="0" showMasterSp="0">
+<p:notes xmlns:a="http://schemas.openxmlformats.org/drawingml/2006/main" xmlns:r="http://schemas.openxmlformats.org/officeDocument/2006/relationships" xmlns:p="http://schemas.openxmlformats.org/presentationml/2006/main" showMasterSp="0" showMasterPhAnim="0">
   <p:cSld>
     <p:spTree>
       <p:nvGrpSpPr>
-        <p:cNvPr id="96" name="Shape 96"/>
+        <p:cNvPr id="1" name="Shape 86"/>
         <p:cNvGrpSpPr/>
         <p:nvPr/>
       </p:nvGrpSpPr>
@@ -1068,10 +1116,12 @@
       </p:grpSpPr>
       <p:sp>
         <p:nvSpPr>
-          <p:cNvPr id="97" name="Google Shape;97;p3:notes"/>
-          <p:cNvSpPr txBox="1"/>
+          <p:cNvPr id="87" name="Google Shape;87;p2:notes"/>
+          <p:cNvSpPr txBox="1">
+            <a:spLocks noGrp="1"/>
+          </p:cNvSpPr>
           <p:nvPr>
-            <p:ph idx="1" type="body"/>
+            <p:ph type="body" idx="1"/>
           </p:nvPr>
         </p:nvSpPr>
         <p:spPr>
@@ -1088,12 +1138,12 @@
           </a:ln>
         </p:spPr>
         <p:txBody>
-          <a:bodyPr anchorCtr="0" anchor="t" bIns="91425" lIns="91425" spcFirstLastPara="1" rIns="91425" wrap="square" tIns="91425">
+          <a:bodyPr spcFirstLastPara="1" wrap="square" lIns="91425" tIns="91425" rIns="91425" bIns="91425" anchor="t" anchorCtr="0">
             <a:noAutofit/>
           </a:bodyPr>
           <a:lstStyle/>
           <a:p>
-            <a:pPr indent="0" lvl="0" marL="0" rtl="0" algn="l">
+            <a:pPr marL="0" lvl="0" indent="0" algn="l" rtl="0">
               <a:lnSpc>
                 <a:spcPct val="100000"/>
               </a:lnSpc>
@@ -1106,19 +1156,18 @@
               <a:buSzPts val="1100"/>
               <a:buNone/>
             </a:pPr>
-            <a:r>
-              <a:t/>
-            </a:r>
             <a:endParaRPr/>
           </a:p>
         </p:txBody>
       </p:sp>
       <p:sp>
         <p:nvSpPr>
-          <p:cNvPr id="98" name="Google Shape;98;p3:notes"/>
-          <p:cNvSpPr/>
+          <p:cNvPr id="88" name="Google Shape;88;p2:notes"/>
+          <p:cNvSpPr>
+            <a:spLocks noGrp="1" noRot="1" noChangeAspect="1"/>
+          </p:cNvSpPr>
           <p:nvPr>
-            <p:ph idx="2" type="sldImg"/>
+            <p:ph type="sldImg" idx="2"/>
           </p:nvPr>
         </p:nvSpPr>
         <p:spPr>
@@ -1127,9 +1176,13 @@
             <a:ext cx="6096000" cy="3429000"/>
           </a:xfrm>
           <a:custGeom>
-            <a:rect b="b" l="l" r="r" t="t"/>
+            <a:avLst/>
+            <a:gdLst/>
+            <a:ahLst/>
+            <a:cxnLst/>
+            <a:rect l="l" t="t" r="r" b="b"/>
             <a:pathLst>
-              <a:path extrusionOk="0" h="120000" w="120000">
+              <a:path w="120000" h="120000" extrusionOk="0">
                 <a:moveTo>
                   <a:pt x="0" y="0"/>
                 </a:moveTo>
@@ -1147,14 +1200,14 @@
             </a:pathLst>
           </a:custGeom>
           <a:noFill/>
-          <a:ln cap="flat" cmpd="sng" w="9525">
+          <a:ln w="9525" cap="flat" cmpd="sng">
             <a:solidFill>
               <a:srgbClr val="000000"/>
             </a:solidFill>
             <a:prstDash val="solid"/>
             <a:round/>
-            <a:headEnd len="sm" w="sm" type="none"/>
-            <a:tailEnd len="sm" w="sm" type="none"/>
+            <a:headEnd type="none" w="sm" len="sm"/>
+            <a:tailEnd type="none" w="sm" len="sm"/>
           </a:ln>
         </p:spPr>
       </p:sp>
@@ -1167,11 +1220,11 @@
 </file>
 
 <file path=ppt/notesSlides/notesSlide4.xml><?xml version="1.0" encoding="utf-8"?>
-<p:notes xmlns:a="http://schemas.openxmlformats.org/drawingml/2006/main" xmlns:r="http://schemas.openxmlformats.org/officeDocument/2006/relationships" xmlns:mc="http://schemas.openxmlformats.org/markup-compatibility/2006" xmlns:mv="urn:schemas-microsoft-com:mac:vml" xmlns:p="http://schemas.openxmlformats.org/presentationml/2006/main" xmlns:c="http://schemas.openxmlformats.org/drawingml/2006/chart" xmlns:dgm="http://schemas.openxmlformats.org/drawingml/2006/diagram" xmlns:o="urn:schemas-microsoft-com:office:office" xmlns:v="urn:schemas-microsoft-com:vml" xmlns:pvml="urn:schemas-microsoft-com:office:powerpoint" xmlns:com="http://schemas.openxmlformats.org/drawingml/2006/compatibility" xmlns:p14="http://schemas.microsoft.com/office/powerpoint/2010/main" xmlns:p15="http://schemas.microsoft.com/office/powerpoint/2012/main" xmlns:ahyp="http://schemas.microsoft.com/office/drawing/2018/hyperlinkcolor" showMasterPhAnim="0" showMasterSp="0">
+<p:notes xmlns:a="http://schemas.openxmlformats.org/drawingml/2006/main" xmlns:r="http://schemas.openxmlformats.org/officeDocument/2006/relationships" xmlns:p="http://schemas.openxmlformats.org/presentationml/2006/main" showMasterSp="0" showMasterPhAnim="0">
   <p:cSld>
     <p:spTree>
       <p:nvGrpSpPr>
-        <p:cNvPr id="108" name="Shape 108"/>
+        <p:cNvPr id="1" name="Shape 96"/>
         <p:cNvGrpSpPr/>
         <p:nvPr/>
       </p:nvGrpSpPr>
@@ -1185,10 +1238,12 @@
       </p:grpSpPr>
       <p:sp>
         <p:nvSpPr>
-          <p:cNvPr id="109" name="Google Shape;109;p4:notes"/>
-          <p:cNvSpPr txBox="1"/>
+          <p:cNvPr id="97" name="Google Shape;97;p3:notes"/>
+          <p:cNvSpPr txBox="1">
+            <a:spLocks noGrp="1"/>
+          </p:cNvSpPr>
           <p:nvPr>
-            <p:ph idx="1" type="body"/>
+            <p:ph type="body" idx="1"/>
           </p:nvPr>
         </p:nvSpPr>
         <p:spPr>
@@ -1205,12 +1260,12 @@
           </a:ln>
         </p:spPr>
         <p:txBody>
-          <a:bodyPr anchorCtr="0" anchor="t" bIns="91425" lIns="91425" spcFirstLastPara="1" rIns="91425" wrap="square" tIns="91425">
+          <a:bodyPr spcFirstLastPara="1" wrap="square" lIns="91425" tIns="91425" rIns="91425" bIns="91425" anchor="t" anchorCtr="0">
             <a:noAutofit/>
           </a:bodyPr>
           <a:lstStyle/>
           <a:p>
-            <a:pPr indent="0" lvl="0" marL="0" rtl="0" algn="l">
+            <a:pPr marL="0" lvl="0" indent="0" algn="l" rtl="0">
               <a:lnSpc>
                 <a:spcPct val="100000"/>
               </a:lnSpc>
@@ -1223,19 +1278,18 @@
               <a:buSzPts val="1100"/>
               <a:buNone/>
             </a:pPr>
-            <a:r>
-              <a:t/>
-            </a:r>
             <a:endParaRPr/>
           </a:p>
         </p:txBody>
       </p:sp>
       <p:sp>
         <p:nvSpPr>
-          <p:cNvPr id="110" name="Google Shape;110;p4:notes"/>
-          <p:cNvSpPr/>
+          <p:cNvPr id="98" name="Google Shape;98;p3:notes"/>
+          <p:cNvSpPr>
+            <a:spLocks noGrp="1" noRot="1" noChangeAspect="1"/>
+          </p:cNvSpPr>
           <p:nvPr>
-            <p:ph idx="2" type="sldImg"/>
+            <p:ph type="sldImg" idx="2"/>
           </p:nvPr>
         </p:nvSpPr>
         <p:spPr>
@@ -1244,9 +1298,13 @@
             <a:ext cx="6096000" cy="3429000"/>
           </a:xfrm>
           <a:custGeom>
-            <a:rect b="b" l="l" r="r" t="t"/>
+            <a:avLst/>
+            <a:gdLst/>
+            <a:ahLst/>
+            <a:cxnLst/>
+            <a:rect l="l" t="t" r="r" b="b"/>
             <a:pathLst>
-              <a:path extrusionOk="0" h="120000" w="120000">
+              <a:path w="120000" h="120000" extrusionOk="0">
                 <a:moveTo>
                   <a:pt x="0" y="0"/>
                 </a:moveTo>
@@ -1264,14 +1322,136 @@
             </a:pathLst>
           </a:custGeom>
           <a:noFill/>
-          <a:ln cap="flat" cmpd="sng" w="9525">
+          <a:ln w="9525" cap="flat" cmpd="sng">
             <a:solidFill>
               <a:srgbClr val="000000"/>
             </a:solidFill>
             <a:prstDash val="solid"/>
             <a:round/>
-            <a:headEnd len="sm" w="sm" type="none"/>
-            <a:tailEnd len="sm" w="sm" type="none"/>
+            <a:headEnd type="none" w="sm" len="sm"/>
+            <a:tailEnd type="none" w="sm" len="sm"/>
+          </a:ln>
+        </p:spPr>
+      </p:sp>
+    </p:spTree>
+  </p:cSld>
+  <p:clrMapOvr>
+    <a:masterClrMapping/>
+  </p:clrMapOvr>
+</p:notes>
+</file>
+
+<file path=ppt/notesSlides/notesSlide5.xml><?xml version="1.0" encoding="utf-8"?>
+<p:notes xmlns:a="http://schemas.openxmlformats.org/drawingml/2006/main" xmlns:r="http://schemas.openxmlformats.org/officeDocument/2006/relationships" xmlns:p="http://schemas.openxmlformats.org/presentationml/2006/main" showMasterSp="0" showMasterPhAnim="0">
+  <p:cSld>
+    <p:spTree>
+      <p:nvGrpSpPr>
+        <p:cNvPr id="1" name="Shape 108"/>
+        <p:cNvGrpSpPr/>
+        <p:nvPr/>
+      </p:nvGrpSpPr>
+      <p:grpSpPr>
+        <a:xfrm>
+          <a:off x="0" y="0"/>
+          <a:ext cx="0" cy="0"/>
+          <a:chOff x="0" y="0"/>
+          <a:chExt cx="0" cy="0"/>
+        </a:xfrm>
+      </p:grpSpPr>
+      <p:sp>
+        <p:nvSpPr>
+          <p:cNvPr id="109" name="Google Shape;109;p4:notes"/>
+          <p:cNvSpPr txBox="1">
+            <a:spLocks noGrp="1"/>
+          </p:cNvSpPr>
+          <p:nvPr>
+            <p:ph type="body" idx="1"/>
+          </p:nvPr>
+        </p:nvSpPr>
+        <p:spPr>
+          <a:xfrm>
+            <a:off x="685800" y="4343400"/>
+            <a:ext cx="5486400" cy="4114800"/>
+          </a:xfrm>
+          <a:prstGeom prst="rect">
+            <a:avLst/>
+          </a:prstGeom>
+          <a:noFill/>
+          <a:ln>
+            <a:noFill/>
+          </a:ln>
+        </p:spPr>
+        <p:txBody>
+          <a:bodyPr spcFirstLastPara="1" wrap="square" lIns="91425" tIns="91425" rIns="91425" bIns="91425" anchor="t" anchorCtr="0">
+            <a:noAutofit/>
+          </a:bodyPr>
+          <a:lstStyle/>
+          <a:p>
+            <a:pPr marL="0" lvl="0" indent="0" algn="l" rtl="0">
+              <a:lnSpc>
+                <a:spcPct val="100000"/>
+              </a:lnSpc>
+              <a:spcBef>
+                <a:spcPts val="0"/>
+              </a:spcBef>
+              <a:spcAft>
+                <a:spcPts val="0"/>
+              </a:spcAft>
+              <a:buSzPts val="1100"/>
+              <a:buNone/>
+            </a:pPr>
+            <a:endParaRPr/>
+          </a:p>
+        </p:txBody>
+      </p:sp>
+      <p:sp>
+        <p:nvSpPr>
+          <p:cNvPr id="110" name="Google Shape;110;p4:notes"/>
+          <p:cNvSpPr>
+            <a:spLocks noGrp="1" noRot="1" noChangeAspect="1"/>
+          </p:cNvSpPr>
+          <p:nvPr>
+            <p:ph type="sldImg" idx="2"/>
+          </p:nvPr>
+        </p:nvSpPr>
+        <p:spPr>
+          <a:xfrm>
+            <a:off x="381000" y="685800"/>
+            <a:ext cx="6096000" cy="3429000"/>
+          </a:xfrm>
+          <a:custGeom>
+            <a:avLst/>
+            <a:gdLst/>
+            <a:ahLst/>
+            <a:cxnLst/>
+            <a:rect l="l" t="t" r="r" b="b"/>
+            <a:pathLst>
+              <a:path w="120000" h="120000" extrusionOk="0">
+                <a:moveTo>
+                  <a:pt x="0" y="0"/>
+                </a:moveTo>
+                <a:lnTo>
+                  <a:pt x="120000" y="0"/>
+                </a:lnTo>
+                <a:lnTo>
+                  <a:pt x="120000" y="120000"/>
+                </a:lnTo>
+                <a:lnTo>
+                  <a:pt x="0" y="120000"/>
+                </a:lnTo>
+                <a:close/>
+              </a:path>
+            </a:pathLst>
+          </a:custGeom>
+          <a:noFill/>
+          <a:ln w="9525" cap="flat" cmpd="sng">
+            <a:solidFill>
+              <a:srgbClr val="000000"/>
+            </a:solidFill>
+            <a:prstDash val="solid"/>
+            <a:round/>
+            <a:headEnd type="none" w="sm" len="sm"/>
+            <a:tailEnd type="none" w="sm" len="sm"/>
           </a:ln>
         </p:spPr>
       </p:sp>
@@ -1284,11 +1464,11 @@
 </file>
 
 <file path=ppt/slideLayouts/slideLayout1.xml><?xml version="1.0" encoding="utf-8"?>
-<p:sldLayout xmlns:a="http://schemas.openxmlformats.org/drawingml/2006/main" xmlns:r="http://schemas.openxmlformats.org/officeDocument/2006/relationships" xmlns:mc="http://schemas.openxmlformats.org/markup-compatibility/2006" xmlns:mv="urn:schemas-microsoft-com:mac:vml" xmlns:p="http://schemas.openxmlformats.org/presentationml/2006/main" xmlns:c="http://schemas.openxmlformats.org/drawingml/2006/chart" xmlns:dgm="http://schemas.openxmlformats.org/drawingml/2006/diagram" xmlns:o="urn:schemas-microsoft-com:office:office" xmlns:v="urn:schemas-microsoft-com:vml" xmlns:pvml="urn:schemas-microsoft-com:office:powerpoint" xmlns:com="http://schemas.openxmlformats.org/drawingml/2006/compatibility" xmlns:p14="http://schemas.microsoft.com/office/powerpoint/2010/main" xmlns:p15="http://schemas.microsoft.com/office/powerpoint/2012/main" xmlns:ahyp="http://schemas.microsoft.com/office/drawing/2018/hyperlinkcolor" matchingName="Título e Conteúdo" type="obj">
+<p:sldLayout xmlns:a="http://schemas.openxmlformats.org/drawingml/2006/main" xmlns:r="http://schemas.openxmlformats.org/officeDocument/2006/relationships" xmlns:p="http://schemas.openxmlformats.org/presentationml/2006/main" matchingName="Título e Conteúdo" type="obj">
   <p:cSld name="OBJECT">
     <p:spTree>
       <p:nvGrpSpPr>
-        <p:cNvPr id="11" name="Shape 11"/>
+        <p:cNvPr id="1" name="Shape 11"/>
         <p:cNvGrpSpPr/>
         <p:nvPr/>
       </p:nvGrpSpPr>
@@ -1303,7 +1483,9 @@
       <p:sp>
         <p:nvSpPr>
           <p:cNvPr id="12" name="Google Shape;12;p2"/>
-          <p:cNvSpPr txBox="1"/>
+          <p:cNvSpPr txBox="1">
+            <a:spLocks noGrp="1"/>
+          </p:cNvSpPr>
           <p:nvPr>
             <p:ph type="title"/>
           </p:nvPr>
@@ -1322,7 +1504,7 @@
           </a:ln>
         </p:spPr>
         <p:txBody>
-          <a:bodyPr anchorCtr="0" anchor="ctr" bIns="45700" lIns="91425" spcFirstLastPara="1" rIns="91425" wrap="square" tIns="45700">
+          <a:bodyPr spcFirstLastPara="1" wrap="square" lIns="91425" tIns="45700" rIns="91425" bIns="45700" anchor="ctr" anchorCtr="0">
             <a:normAutofit/>
           </a:bodyPr>
           <a:lstStyle>
@@ -1456,15 +1638,19 @@
               <a:defRPr/>
             </a:lvl9pPr>
           </a:lstStyle>
-          <a:p/>
+          <a:p>
+            <a:endParaRPr/>
+          </a:p>
         </p:txBody>
       </p:sp>
       <p:sp>
         <p:nvSpPr>
           <p:cNvPr id="13" name="Google Shape;13;p2"/>
-          <p:cNvSpPr txBox="1"/>
+          <p:cNvSpPr txBox="1">
+            <a:spLocks noGrp="1"/>
+          </p:cNvSpPr>
           <p:nvPr>
-            <p:ph idx="1" type="body"/>
+            <p:ph type="body" idx="1"/>
           </p:nvPr>
         </p:nvSpPr>
         <p:spPr>
@@ -1481,11 +1667,11 @@
           </a:ln>
         </p:spPr>
         <p:txBody>
-          <a:bodyPr anchorCtr="0" anchor="t" bIns="45700" lIns="91425" spcFirstLastPara="1" rIns="91425" wrap="square" tIns="45700">
+          <a:bodyPr spcFirstLastPara="1" wrap="square" lIns="91425" tIns="45700" rIns="91425" bIns="45700" anchor="t" anchorCtr="0">
             <a:normAutofit/>
           </a:bodyPr>
           <a:lstStyle>
-            <a:lvl1pPr indent="-342900" lvl="0" marL="457200" algn="l">
+            <a:lvl1pPr marL="457200" lvl="0" indent="-342900" algn="l">
               <a:lnSpc>
                 <a:spcPct val="90000"/>
               </a:lnSpc>
@@ -1502,7 +1688,7 @@
               <a:buChar char="•"/>
               <a:defRPr/>
             </a:lvl1pPr>
-            <a:lvl2pPr indent="-342900" lvl="1" marL="914400" algn="l">
+            <a:lvl2pPr marL="914400" lvl="1" indent="-342900" algn="l">
               <a:lnSpc>
                 <a:spcPct val="90000"/>
               </a:lnSpc>
@@ -1519,7 +1705,7 @@
               <a:buChar char="•"/>
               <a:defRPr/>
             </a:lvl2pPr>
-            <a:lvl3pPr indent="-342900" lvl="2" marL="1371600" algn="l">
+            <a:lvl3pPr marL="1371600" lvl="2" indent="-342900" algn="l">
               <a:lnSpc>
                 <a:spcPct val="90000"/>
               </a:lnSpc>
@@ -1536,7 +1722,7 @@
               <a:buChar char="•"/>
               <a:defRPr/>
             </a:lvl3pPr>
-            <a:lvl4pPr indent="-342900" lvl="3" marL="1828800" algn="l">
+            <a:lvl4pPr marL="1828800" lvl="3" indent="-342900" algn="l">
               <a:lnSpc>
                 <a:spcPct val="90000"/>
               </a:lnSpc>
@@ -1553,7 +1739,7 @@
               <a:buChar char="•"/>
               <a:defRPr/>
             </a:lvl4pPr>
-            <a:lvl5pPr indent="-342900" lvl="4" marL="2286000" algn="l">
+            <a:lvl5pPr marL="2286000" lvl="4" indent="-342900" algn="l">
               <a:lnSpc>
                 <a:spcPct val="90000"/>
               </a:lnSpc>
@@ -1570,7 +1756,7 @@
               <a:buChar char="•"/>
               <a:defRPr/>
             </a:lvl5pPr>
-            <a:lvl6pPr indent="-342900" lvl="5" marL="2743200" algn="l">
+            <a:lvl6pPr marL="2743200" lvl="5" indent="-342900" algn="l">
               <a:lnSpc>
                 <a:spcPct val="90000"/>
               </a:lnSpc>
@@ -1587,7 +1773,7 @@
               <a:buChar char="•"/>
               <a:defRPr/>
             </a:lvl6pPr>
-            <a:lvl7pPr indent="-342900" lvl="6" marL="3200400" algn="l">
+            <a:lvl7pPr marL="3200400" lvl="6" indent="-342900" algn="l">
               <a:lnSpc>
                 <a:spcPct val="90000"/>
               </a:lnSpc>
@@ -1604,7 +1790,7 @@
               <a:buChar char="•"/>
               <a:defRPr/>
             </a:lvl7pPr>
-            <a:lvl8pPr indent="-342900" lvl="7" marL="3657600" algn="l">
+            <a:lvl8pPr marL="3657600" lvl="7" indent="-342900" algn="l">
               <a:lnSpc>
                 <a:spcPct val="90000"/>
               </a:lnSpc>
@@ -1621,7 +1807,7 @@
               <a:buChar char="•"/>
               <a:defRPr/>
             </a:lvl8pPr>
-            <a:lvl9pPr indent="-342900" lvl="8" marL="4114800" algn="l">
+            <a:lvl9pPr marL="4114800" lvl="8" indent="-342900" algn="l">
               <a:lnSpc>
                 <a:spcPct val="90000"/>
               </a:lnSpc>
@@ -1639,15 +1825,19 @@
               <a:defRPr/>
             </a:lvl9pPr>
           </a:lstStyle>
-          <a:p/>
+          <a:p>
+            <a:endParaRPr/>
+          </a:p>
         </p:txBody>
       </p:sp>
       <p:sp>
         <p:nvSpPr>
           <p:cNvPr id="14" name="Google Shape;14;p2"/>
-          <p:cNvSpPr txBox="1"/>
+          <p:cNvSpPr txBox="1">
+            <a:spLocks noGrp="1"/>
+          </p:cNvSpPr>
           <p:nvPr>
-            <p:ph idx="10" type="dt"/>
+            <p:ph type="dt" idx="10"/>
           </p:nvPr>
         </p:nvSpPr>
         <p:spPr>
@@ -1664,7 +1854,7 @@
           </a:ln>
         </p:spPr>
         <p:txBody>
-          <a:bodyPr anchorCtr="0" anchor="ctr" bIns="45700" lIns="91425" spcFirstLastPara="1" rIns="91425" wrap="square" tIns="45700">
+          <a:bodyPr spcFirstLastPara="1" wrap="square" lIns="91425" tIns="45700" rIns="91425" bIns="45700" anchor="ctr" anchorCtr="0">
             <a:noAutofit/>
           </a:bodyPr>
           <a:lstStyle>
@@ -1795,15 +1985,19 @@
               <a:defRPr/>
             </a:lvl9pPr>
           </a:lstStyle>
-          <a:p/>
+          <a:p>
+            <a:endParaRPr/>
+          </a:p>
         </p:txBody>
       </p:sp>
       <p:sp>
         <p:nvSpPr>
           <p:cNvPr id="15" name="Google Shape;15;p2"/>
-          <p:cNvSpPr txBox="1"/>
+          <p:cNvSpPr txBox="1">
+            <a:spLocks noGrp="1"/>
+          </p:cNvSpPr>
           <p:nvPr>
-            <p:ph idx="11" type="ftr"/>
+            <p:ph type="ftr" idx="11"/>
           </p:nvPr>
         </p:nvSpPr>
         <p:spPr>
@@ -1820,7 +2014,7 @@
           </a:ln>
         </p:spPr>
         <p:txBody>
-          <a:bodyPr anchorCtr="0" anchor="ctr" bIns="45700" lIns="91425" spcFirstLastPara="1" rIns="91425" wrap="square" tIns="45700">
+          <a:bodyPr spcFirstLastPara="1" wrap="square" lIns="91425" tIns="45700" rIns="91425" bIns="45700" anchor="ctr" anchorCtr="0">
             <a:noAutofit/>
           </a:bodyPr>
           <a:lstStyle>
@@ -1951,15 +2145,19 @@
               <a:defRPr/>
             </a:lvl9pPr>
           </a:lstStyle>
-          <a:p/>
+          <a:p>
+            <a:endParaRPr/>
+          </a:p>
         </p:txBody>
       </p:sp>
       <p:sp>
         <p:nvSpPr>
           <p:cNvPr id="16" name="Google Shape;16;p2"/>
-          <p:cNvSpPr txBox="1"/>
+          <p:cNvSpPr txBox="1">
+            <a:spLocks noGrp="1"/>
+          </p:cNvSpPr>
           <p:nvPr>
-            <p:ph idx="12" type="sldNum"/>
+            <p:ph type="sldNum" idx="12"/>
           </p:nvPr>
         </p:nvSpPr>
         <p:spPr>
@@ -1976,11 +2174,11 @@
           </a:ln>
         </p:spPr>
         <p:txBody>
-          <a:bodyPr anchorCtr="0" anchor="ctr" bIns="45700" lIns="91425" spcFirstLastPara="1" rIns="91425" wrap="square" tIns="45700">
+          <a:bodyPr spcFirstLastPara="1" wrap="square" lIns="91425" tIns="45700" rIns="91425" bIns="45700" anchor="ctr" anchorCtr="0">
             <a:noAutofit/>
           </a:bodyPr>
           <a:lstStyle>
-            <a:lvl1pPr indent="0" lvl="0" marL="0" marR="0" algn="r">
+            <a:lvl1pPr marL="0" marR="0" lvl="0" indent="0" algn="r">
               <a:lnSpc>
                 <a:spcPct val="100000"/>
               </a:lnSpc>
@@ -1996,7 +2194,7 @@
               <a:buSzPts val="1200"/>
               <a:buFont typeface="Arial"/>
               <a:buNone/>
-              <a:defRPr b="0" i="0" sz="1200" u="none" cap="none" strike="noStrike">
+              <a:defRPr sz="1200" b="0" i="0" u="none" strike="noStrike" cap="none">
                 <a:solidFill>
                   <a:srgbClr val="888888"/>
                 </a:solidFill>
@@ -2006,7 +2204,7 @@
                 <a:sym typeface="Calibri"/>
               </a:defRPr>
             </a:lvl1pPr>
-            <a:lvl2pPr indent="0" lvl="1" marL="0" marR="0" algn="r">
+            <a:lvl2pPr marL="0" marR="0" lvl="1" indent="0" algn="r">
               <a:lnSpc>
                 <a:spcPct val="100000"/>
               </a:lnSpc>
@@ -2022,7 +2220,7 @@
               <a:buSzPts val="1200"/>
               <a:buFont typeface="Arial"/>
               <a:buNone/>
-              <a:defRPr b="0" i="0" sz="1200" u="none" cap="none" strike="noStrike">
+              <a:defRPr sz="1200" b="0" i="0" u="none" strike="noStrike" cap="none">
                 <a:solidFill>
                   <a:srgbClr val="888888"/>
                 </a:solidFill>
@@ -2032,7 +2230,7 @@
                 <a:sym typeface="Calibri"/>
               </a:defRPr>
             </a:lvl2pPr>
-            <a:lvl3pPr indent="0" lvl="2" marL="0" marR="0" algn="r">
+            <a:lvl3pPr marL="0" marR="0" lvl="2" indent="0" algn="r">
               <a:lnSpc>
                 <a:spcPct val="100000"/>
               </a:lnSpc>
@@ -2048,7 +2246,7 @@
               <a:buSzPts val="1200"/>
               <a:buFont typeface="Arial"/>
               <a:buNone/>
-              <a:defRPr b="0" i="0" sz="1200" u="none" cap="none" strike="noStrike">
+              <a:defRPr sz="1200" b="0" i="0" u="none" strike="noStrike" cap="none">
                 <a:solidFill>
                   <a:srgbClr val="888888"/>
                 </a:solidFill>
@@ -2058,7 +2256,7 @@
                 <a:sym typeface="Calibri"/>
               </a:defRPr>
             </a:lvl3pPr>
-            <a:lvl4pPr indent="0" lvl="3" marL="0" marR="0" algn="r">
+            <a:lvl4pPr marL="0" marR="0" lvl="3" indent="0" algn="r">
               <a:lnSpc>
                 <a:spcPct val="100000"/>
               </a:lnSpc>
@@ -2074,7 +2272,7 @@
               <a:buSzPts val="1200"/>
               <a:buFont typeface="Arial"/>
               <a:buNone/>
-              <a:defRPr b="0" i="0" sz="1200" u="none" cap="none" strike="noStrike">
+              <a:defRPr sz="1200" b="0" i="0" u="none" strike="noStrike" cap="none">
                 <a:solidFill>
                   <a:srgbClr val="888888"/>
                 </a:solidFill>
@@ -2084,7 +2282,7 @@
                 <a:sym typeface="Calibri"/>
               </a:defRPr>
             </a:lvl4pPr>
-            <a:lvl5pPr indent="0" lvl="4" marL="0" marR="0" algn="r">
+            <a:lvl5pPr marL="0" marR="0" lvl="4" indent="0" algn="r">
               <a:lnSpc>
                 <a:spcPct val="100000"/>
               </a:lnSpc>
@@ -2100,7 +2298,7 @@
               <a:buSzPts val="1200"/>
               <a:buFont typeface="Arial"/>
               <a:buNone/>
-              <a:defRPr b="0" i="0" sz="1200" u="none" cap="none" strike="noStrike">
+              <a:defRPr sz="1200" b="0" i="0" u="none" strike="noStrike" cap="none">
                 <a:solidFill>
                   <a:srgbClr val="888888"/>
                 </a:solidFill>
@@ -2110,7 +2308,7 @@
                 <a:sym typeface="Calibri"/>
               </a:defRPr>
             </a:lvl5pPr>
-            <a:lvl6pPr indent="0" lvl="5" marL="0" marR="0" algn="r">
+            <a:lvl6pPr marL="0" marR="0" lvl="5" indent="0" algn="r">
               <a:lnSpc>
                 <a:spcPct val="100000"/>
               </a:lnSpc>
@@ -2126,7 +2324,7 @@
               <a:buSzPts val="1200"/>
               <a:buFont typeface="Arial"/>
               <a:buNone/>
-              <a:defRPr b="0" i="0" sz="1200" u="none" cap="none" strike="noStrike">
+              <a:defRPr sz="1200" b="0" i="0" u="none" strike="noStrike" cap="none">
                 <a:solidFill>
                   <a:srgbClr val="888888"/>
                 </a:solidFill>
@@ -2136,7 +2334,7 @@
                 <a:sym typeface="Calibri"/>
               </a:defRPr>
             </a:lvl6pPr>
-            <a:lvl7pPr indent="0" lvl="6" marL="0" marR="0" algn="r">
+            <a:lvl7pPr marL="0" marR="0" lvl="6" indent="0" algn="r">
               <a:lnSpc>
                 <a:spcPct val="100000"/>
               </a:lnSpc>
@@ -2152,7 +2350,7 @@
               <a:buSzPts val="1200"/>
               <a:buFont typeface="Arial"/>
               <a:buNone/>
-              <a:defRPr b="0" i="0" sz="1200" u="none" cap="none" strike="noStrike">
+              <a:defRPr sz="1200" b="0" i="0" u="none" strike="noStrike" cap="none">
                 <a:solidFill>
                   <a:srgbClr val="888888"/>
                 </a:solidFill>
@@ -2162,7 +2360,7 @@
                 <a:sym typeface="Calibri"/>
               </a:defRPr>
             </a:lvl7pPr>
-            <a:lvl8pPr indent="0" lvl="7" marL="0" marR="0" algn="r">
+            <a:lvl8pPr marL="0" marR="0" lvl="7" indent="0" algn="r">
               <a:lnSpc>
                 <a:spcPct val="100000"/>
               </a:lnSpc>
@@ -2178,7 +2376,7 @@
               <a:buSzPts val="1200"/>
               <a:buFont typeface="Arial"/>
               <a:buNone/>
-              <a:defRPr b="0" i="0" sz="1200" u="none" cap="none" strike="noStrike">
+              <a:defRPr sz="1200" b="0" i="0" u="none" strike="noStrike" cap="none">
                 <a:solidFill>
                   <a:srgbClr val="888888"/>
                 </a:solidFill>
@@ -2188,7 +2386,7 @@
                 <a:sym typeface="Calibri"/>
               </a:defRPr>
             </a:lvl8pPr>
-            <a:lvl9pPr indent="0" lvl="8" marL="0" marR="0" algn="r">
+            <a:lvl9pPr marL="0" marR="0" lvl="8" indent="0" algn="r">
               <a:lnSpc>
                 <a:spcPct val="100000"/>
               </a:lnSpc>
@@ -2204,7 +2402,7 @@
               <a:buSzPts val="1200"/>
               <a:buFont typeface="Arial"/>
               <a:buNone/>
-              <a:defRPr b="0" i="0" sz="1200" u="none" cap="none" strike="noStrike">
+              <a:defRPr sz="1200" b="0" i="0" u="none" strike="noStrike" cap="none">
                 <a:solidFill>
                   <a:srgbClr val="888888"/>
                 </a:solidFill>
@@ -2216,7 +2414,7 @@
             </a:lvl9pPr>
           </a:lstStyle>
           <a:p>
-            <a:pPr indent="0" lvl="0" marL="0" rtl="0" algn="r">
+            <a:pPr marL="0" lvl="0" indent="0" algn="r" rtl="0">
               <a:spcBef>
                 <a:spcPts val="0"/>
               </a:spcBef>
@@ -2227,7 +2425,7 @@
             </a:pPr>
             <a:fld id="{00000000-1234-1234-1234-123412341234}" type="slidenum">
               <a:rPr lang="pt-BR"/>
-              <a:t>‹#›</a:t>
+              <a:t>‹nº›</a:t>
             </a:fld>
             <a:endParaRPr/>
           </a:p>
@@ -2242,11 +2440,11 @@
 </file>
 
 <file path=ppt/slideLayouts/slideLayout10.xml><?xml version="1.0" encoding="utf-8"?>
-<p:sldLayout xmlns:a="http://schemas.openxmlformats.org/drawingml/2006/main" xmlns:r="http://schemas.openxmlformats.org/officeDocument/2006/relationships" xmlns:mc="http://schemas.openxmlformats.org/markup-compatibility/2006" xmlns:mv="urn:schemas-microsoft-com:mac:vml" xmlns:p="http://schemas.openxmlformats.org/presentationml/2006/main" xmlns:c="http://schemas.openxmlformats.org/drawingml/2006/chart" xmlns:dgm="http://schemas.openxmlformats.org/drawingml/2006/diagram" xmlns:o="urn:schemas-microsoft-com:office:office" xmlns:v="urn:schemas-microsoft-com:vml" xmlns:pvml="urn:schemas-microsoft-com:office:powerpoint" xmlns:com="http://schemas.openxmlformats.org/drawingml/2006/compatibility" xmlns:p14="http://schemas.microsoft.com/office/powerpoint/2010/main" xmlns:p15="http://schemas.microsoft.com/office/powerpoint/2012/main" xmlns:ahyp="http://schemas.microsoft.com/office/drawing/2018/hyperlinkcolor" matchingName="Título e Texto Vertical" type="vertTx">
+<p:sldLayout xmlns:a="http://schemas.openxmlformats.org/drawingml/2006/main" xmlns:r="http://schemas.openxmlformats.org/officeDocument/2006/relationships" xmlns:p="http://schemas.openxmlformats.org/presentationml/2006/main" matchingName="Título e Texto Vertical" type="vertTx">
   <p:cSld name="VERTICAL_TEXT">
     <p:spTree>
       <p:nvGrpSpPr>
-        <p:cNvPr id="68" name="Shape 68"/>
+        <p:cNvPr id="1" name="Shape 68"/>
         <p:cNvGrpSpPr/>
         <p:nvPr/>
       </p:nvGrpSpPr>
@@ -2261,7 +2459,9 @@
       <p:sp>
         <p:nvSpPr>
           <p:cNvPr id="69" name="Google Shape;69;p11"/>
-          <p:cNvSpPr txBox="1"/>
+          <p:cNvSpPr txBox="1">
+            <a:spLocks noGrp="1"/>
+          </p:cNvSpPr>
           <p:nvPr>
             <p:ph type="title"/>
           </p:nvPr>
@@ -2280,7 +2480,7 @@
           </a:ln>
         </p:spPr>
         <p:txBody>
-          <a:bodyPr anchorCtr="0" anchor="ctr" bIns="45700" lIns="91425" spcFirstLastPara="1" rIns="91425" wrap="square" tIns="45700">
+          <a:bodyPr spcFirstLastPara="1" wrap="square" lIns="91425" tIns="45700" rIns="91425" bIns="45700" anchor="ctr" anchorCtr="0">
             <a:normAutofit/>
           </a:bodyPr>
           <a:lstStyle>
@@ -2414,15 +2614,19 @@
               <a:defRPr/>
             </a:lvl9pPr>
           </a:lstStyle>
-          <a:p/>
+          <a:p>
+            <a:endParaRPr/>
+          </a:p>
         </p:txBody>
       </p:sp>
       <p:sp>
         <p:nvSpPr>
           <p:cNvPr id="70" name="Google Shape;70;p11"/>
-          <p:cNvSpPr txBox="1"/>
+          <p:cNvSpPr txBox="1">
+            <a:spLocks noGrp="1"/>
+          </p:cNvSpPr>
           <p:nvPr>
-            <p:ph idx="1" type="body"/>
+            <p:ph type="body" idx="1"/>
           </p:nvPr>
         </p:nvSpPr>
         <p:spPr>
@@ -2439,11 +2643,11 @@
           </a:ln>
         </p:spPr>
         <p:txBody>
-          <a:bodyPr anchorCtr="0" anchor="t" bIns="45700" lIns="91425" spcFirstLastPara="1" rIns="91425" wrap="square" tIns="45700">
+          <a:bodyPr spcFirstLastPara="1" wrap="square" lIns="91425" tIns="45700" rIns="91425" bIns="45700" anchor="t" anchorCtr="0">
             <a:normAutofit/>
           </a:bodyPr>
           <a:lstStyle>
-            <a:lvl1pPr indent="-342900" lvl="0" marL="457200" algn="l">
+            <a:lvl1pPr marL="457200" lvl="0" indent="-342900" algn="l">
               <a:lnSpc>
                 <a:spcPct val="90000"/>
               </a:lnSpc>
@@ -2460,7 +2664,7 @@
               <a:buChar char="•"/>
               <a:defRPr/>
             </a:lvl1pPr>
-            <a:lvl2pPr indent="-342900" lvl="1" marL="914400" algn="l">
+            <a:lvl2pPr marL="914400" lvl="1" indent="-342900" algn="l">
               <a:lnSpc>
                 <a:spcPct val="90000"/>
               </a:lnSpc>
@@ -2477,7 +2681,7 @@
               <a:buChar char="•"/>
               <a:defRPr/>
             </a:lvl2pPr>
-            <a:lvl3pPr indent="-342900" lvl="2" marL="1371600" algn="l">
+            <a:lvl3pPr marL="1371600" lvl="2" indent="-342900" algn="l">
               <a:lnSpc>
                 <a:spcPct val="90000"/>
               </a:lnSpc>
@@ -2494,7 +2698,7 @@
               <a:buChar char="•"/>
               <a:defRPr/>
             </a:lvl3pPr>
-            <a:lvl4pPr indent="-342900" lvl="3" marL="1828800" algn="l">
+            <a:lvl4pPr marL="1828800" lvl="3" indent="-342900" algn="l">
               <a:lnSpc>
                 <a:spcPct val="90000"/>
               </a:lnSpc>
@@ -2511,7 +2715,7 @@
               <a:buChar char="•"/>
               <a:defRPr/>
             </a:lvl4pPr>
-            <a:lvl5pPr indent="-342900" lvl="4" marL="2286000" algn="l">
+            <a:lvl5pPr marL="2286000" lvl="4" indent="-342900" algn="l">
               <a:lnSpc>
                 <a:spcPct val="90000"/>
               </a:lnSpc>
@@ -2528,7 +2732,7 @@
               <a:buChar char="•"/>
               <a:defRPr/>
             </a:lvl5pPr>
-            <a:lvl6pPr indent="-342900" lvl="5" marL="2743200" algn="l">
+            <a:lvl6pPr marL="2743200" lvl="5" indent="-342900" algn="l">
               <a:lnSpc>
                 <a:spcPct val="90000"/>
               </a:lnSpc>
@@ -2545,7 +2749,7 @@
               <a:buChar char="•"/>
               <a:defRPr/>
             </a:lvl6pPr>
-            <a:lvl7pPr indent="-342900" lvl="6" marL="3200400" algn="l">
+            <a:lvl7pPr marL="3200400" lvl="6" indent="-342900" algn="l">
               <a:lnSpc>
                 <a:spcPct val="90000"/>
               </a:lnSpc>
@@ -2562,7 +2766,7 @@
               <a:buChar char="•"/>
               <a:defRPr/>
             </a:lvl7pPr>
-            <a:lvl8pPr indent="-342900" lvl="7" marL="3657600" algn="l">
+            <a:lvl8pPr marL="3657600" lvl="7" indent="-342900" algn="l">
               <a:lnSpc>
                 <a:spcPct val="90000"/>
               </a:lnSpc>
@@ -2579,7 +2783,7 @@
               <a:buChar char="•"/>
               <a:defRPr/>
             </a:lvl8pPr>
-            <a:lvl9pPr indent="-342900" lvl="8" marL="4114800" algn="l">
+            <a:lvl9pPr marL="4114800" lvl="8" indent="-342900" algn="l">
               <a:lnSpc>
                 <a:spcPct val="90000"/>
               </a:lnSpc>
@@ -2597,15 +2801,19 @@
               <a:defRPr/>
             </a:lvl9pPr>
           </a:lstStyle>
-          <a:p/>
+          <a:p>
+            <a:endParaRPr/>
+          </a:p>
         </p:txBody>
       </p:sp>
       <p:sp>
         <p:nvSpPr>
           <p:cNvPr id="71" name="Google Shape;71;p11"/>
-          <p:cNvSpPr txBox="1"/>
+          <p:cNvSpPr txBox="1">
+            <a:spLocks noGrp="1"/>
+          </p:cNvSpPr>
           <p:nvPr>
-            <p:ph idx="10" type="dt"/>
+            <p:ph type="dt" idx="10"/>
           </p:nvPr>
         </p:nvSpPr>
         <p:spPr>
@@ -2622,7 +2830,7 @@
           </a:ln>
         </p:spPr>
         <p:txBody>
-          <a:bodyPr anchorCtr="0" anchor="ctr" bIns="45700" lIns="91425" spcFirstLastPara="1" rIns="91425" wrap="square" tIns="45700">
+          <a:bodyPr spcFirstLastPara="1" wrap="square" lIns="91425" tIns="45700" rIns="91425" bIns="45700" anchor="ctr" anchorCtr="0">
             <a:noAutofit/>
           </a:bodyPr>
           <a:lstStyle>
@@ -2753,15 +2961,19 @@
               <a:defRPr/>
             </a:lvl9pPr>
           </a:lstStyle>
-          <a:p/>
+          <a:p>
+            <a:endParaRPr/>
+          </a:p>
         </p:txBody>
       </p:sp>
       <p:sp>
         <p:nvSpPr>
           <p:cNvPr id="72" name="Google Shape;72;p11"/>
-          <p:cNvSpPr txBox="1"/>
+          <p:cNvSpPr txBox="1">
+            <a:spLocks noGrp="1"/>
+          </p:cNvSpPr>
           <p:nvPr>
-            <p:ph idx="11" type="ftr"/>
+            <p:ph type="ftr" idx="11"/>
           </p:nvPr>
         </p:nvSpPr>
         <p:spPr>
@@ -2778,7 +2990,7 @@
           </a:ln>
         </p:spPr>
         <p:txBody>
-          <a:bodyPr anchorCtr="0" anchor="ctr" bIns="45700" lIns="91425" spcFirstLastPara="1" rIns="91425" wrap="square" tIns="45700">
+          <a:bodyPr spcFirstLastPara="1" wrap="square" lIns="91425" tIns="45700" rIns="91425" bIns="45700" anchor="ctr" anchorCtr="0">
             <a:noAutofit/>
           </a:bodyPr>
           <a:lstStyle>
@@ -2909,15 +3121,19 @@
               <a:defRPr/>
             </a:lvl9pPr>
           </a:lstStyle>
-          <a:p/>
+          <a:p>
+            <a:endParaRPr/>
+          </a:p>
         </p:txBody>
       </p:sp>
       <p:sp>
         <p:nvSpPr>
           <p:cNvPr id="73" name="Google Shape;73;p11"/>
-          <p:cNvSpPr txBox="1"/>
+          <p:cNvSpPr txBox="1">
+            <a:spLocks noGrp="1"/>
+          </p:cNvSpPr>
           <p:nvPr>
-            <p:ph idx="12" type="sldNum"/>
+            <p:ph type="sldNum" idx="12"/>
           </p:nvPr>
         </p:nvSpPr>
         <p:spPr>
@@ -2934,11 +3150,11 @@
           </a:ln>
         </p:spPr>
         <p:txBody>
-          <a:bodyPr anchorCtr="0" anchor="ctr" bIns="45700" lIns="91425" spcFirstLastPara="1" rIns="91425" wrap="square" tIns="45700">
+          <a:bodyPr spcFirstLastPara="1" wrap="square" lIns="91425" tIns="45700" rIns="91425" bIns="45700" anchor="ctr" anchorCtr="0">
             <a:noAutofit/>
           </a:bodyPr>
           <a:lstStyle>
-            <a:lvl1pPr indent="0" lvl="0" marL="0" marR="0" algn="r">
+            <a:lvl1pPr marL="0" marR="0" lvl="0" indent="0" algn="r">
               <a:lnSpc>
                 <a:spcPct val="100000"/>
               </a:lnSpc>
@@ -2954,7 +3170,7 @@
               <a:buSzPts val="1200"/>
               <a:buFont typeface="Arial"/>
               <a:buNone/>
-              <a:defRPr b="0" i="0" sz="1200" u="none" cap="none" strike="noStrike">
+              <a:defRPr sz="1200" b="0" i="0" u="none" strike="noStrike" cap="none">
                 <a:solidFill>
                   <a:srgbClr val="888888"/>
                 </a:solidFill>
@@ -2964,7 +3180,7 @@
                 <a:sym typeface="Calibri"/>
               </a:defRPr>
             </a:lvl1pPr>
-            <a:lvl2pPr indent="0" lvl="1" marL="0" marR="0" algn="r">
+            <a:lvl2pPr marL="0" marR="0" lvl="1" indent="0" algn="r">
               <a:lnSpc>
                 <a:spcPct val="100000"/>
               </a:lnSpc>
@@ -2980,7 +3196,7 @@
               <a:buSzPts val="1200"/>
               <a:buFont typeface="Arial"/>
               <a:buNone/>
-              <a:defRPr b="0" i="0" sz="1200" u="none" cap="none" strike="noStrike">
+              <a:defRPr sz="1200" b="0" i="0" u="none" strike="noStrike" cap="none">
                 <a:solidFill>
                   <a:srgbClr val="888888"/>
                 </a:solidFill>
@@ -2990,7 +3206,7 @@
                 <a:sym typeface="Calibri"/>
               </a:defRPr>
             </a:lvl2pPr>
-            <a:lvl3pPr indent="0" lvl="2" marL="0" marR="0" algn="r">
+            <a:lvl3pPr marL="0" marR="0" lvl="2" indent="0" algn="r">
               <a:lnSpc>
                 <a:spcPct val="100000"/>
               </a:lnSpc>
@@ -3006,7 +3222,7 @@
               <a:buSzPts val="1200"/>
               <a:buFont typeface="Arial"/>
               <a:buNone/>
-              <a:defRPr b="0" i="0" sz="1200" u="none" cap="none" strike="noStrike">
+              <a:defRPr sz="1200" b="0" i="0" u="none" strike="noStrike" cap="none">
                 <a:solidFill>
                   <a:srgbClr val="888888"/>
                 </a:solidFill>
@@ -3016,7 +3232,7 @@
                 <a:sym typeface="Calibri"/>
               </a:defRPr>
             </a:lvl3pPr>
-            <a:lvl4pPr indent="0" lvl="3" marL="0" marR="0" algn="r">
+            <a:lvl4pPr marL="0" marR="0" lvl="3" indent="0" algn="r">
               <a:lnSpc>
                 <a:spcPct val="100000"/>
               </a:lnSpc>
@@ -3032,7 +3248,7 @@
               <a:buSzPts val="1200"/>
               <a:buFont typeface="Arial"/>
               <a:buNone/>
-              <a:defRPr b="0" i="0" sz="1200" u="none" cap="none" strike="noStrike">
+              <a:defRPr sz="1200" b="0" i="0" u="none" strike="noStrike" cap="none">
                 <a:solidFill>
                   <a:srgbClr val="888888"/>
                 </a:solidFill>
@@ -3042,7 +3258,7 @@
                 <a:sym typeface="Calibri"/>
               </a:defRPr>
             </a:lvl4pPr>
-            <a:lvl5pPr indent="0" lvl="4" marL="0" marR="0" algn="r">
+            <a:lvl5pPr marL="0" marR="0" lvl="4" indent="0" algn="r">
               <a:lnSpc>
                 <a:spcPct val="100000"/>
               </a:lnSpc>
@@ -3058,7 +3274,7 @@
               <a:buSzPts val="1200"/>
               <a:buFont typeface="Arial"/>
               <a:buNone/>
-              <a:defRPr b="0" i="0" sz="1200" u="none" cap="none" strike="noStrike">
+              <a:defRPr sz="1200" b="0" i="0" u="none" strike="noStrike" cap="none">
                 <a:solidFill>
                   <a:srgbClr val="888888"/>
                 </a:solidFill>
@@ -3068,7 +3284,7 @@
                 <a:sym typeface="Calibri"/>
               </a:defRPr>
             </a:lvl5pPr>
-            <a:lvl6pPr indent="0" lvl="5" marL="0" marR="0" algn="r">
+            <a:lvl6pPr marL="0" marR="0" lvl="5" indent="0" algn="r">
               <a:lnSpc>
                 <a:spcPct val="100000"/>
               </a:lnSpc>
@@ -3084,7 +3300,7 @@
               <a:buSzPts val="1200"/>
               <a:buFont typeface="Arial"/>
               <a:buNone/>
-              <a:defRPr b="0" i="0" sz="1200" u="none" cap="none" strike="noStrike">
+              <a:defRPr sz="1200" b="0" i="0" u="none" strike="noStrike" cap="none">
                 <a:solidFill>
                   <a:srgbClr val="888888"/>
                 </a:solidFill>
@@ -3094,7 +3310,7 @@
                 <a:sym typeface="Calibri"/>
               </a:defRPr>
             </a:lvl6pPr>
-            <a:lvl7pPr indent="0" lvl="6" marL="0" marR="0" algn="r">
+            <a:lvl7pPr marL="0" marR="0" lvl="6" indent="0" algn="r">
               <a:lnSpc>
                 <a:spcPct val="100000"/>
               </a:lnSpc>
@@ -3110,7 +3326,7 @@
               <a:buSzPts val="1200"/>
               <a:buFont typeface="Arial"/>
               <a:buNone/>
-              <a:defRPr b="0" i="0" sz="1200" u="none" cap="none" strike="noStrike">
+              <a:defRPr sz="1200" b="0" i="0" u="none" strike="noStrike" cap="none">
                 <a:solidFill>
                   <a:srgbClr val="888888"/>
                 </a:solidFill>
@@ -3120,7 +3336,7 @@
                 <a:sym typeface="Calibri"/>
               </a:defRPr>
             </a:lvl7pPr>
-            <a:lvl8pPr indent="0" lvl="7" marL="0" marR="0" algn="r">
+            <a:lvl8pPr marL="0" marR="0" lvl="7" indent="0" algn="r">
               <a:lnSpc>
                 <a:spcPct val="100000"/>
               </a:lnSpc>
@@ -3136,7 +3352,7 @@
               <a:buSzPts val="1200"/>
               <a:buFont typeface="Arial"/>
               <a:buNone/>
-              <a:defRPr b="0" i="0" sz="1200" u="none" cap="none" strike="noStrike">
+              <a:defRPr sz="1200" b="0" i="0" u="none" strike="noStrike" cap="none">
                 <a:solidFill>
                   <a:srgbClr val="888888"/>
                 </a:solidFill>
@@ -3146,7 +3362,7 @@
                 <a:sym typeface="Calibri"/>
               </a:defRPr>
             </a:lvl8pPr>
-            <a:lvl9pPr indent="0" lvl="8" marL="0" marR="0" algn="r">
+            <a:lvl9pPr marL="0" marR="0" lvl="8" indent="0" algn="r">
               <a:lnSpc>
                 <a:spcPct val="100000"/>
               </a:lnSpc>
@@ -3162,7 +3378,7 @@
               <a:buSzPts val="1200"/>
               <a:buFont typeface="Arial"/>
               <a:buNone/>
-              <a:defRPr b="0" i="0" sz="1200" u="none" cap="none" strike="noStrike">
+              <a:defRPr sz="1200" b="0" i="0" u="none" strike="noStrike" cap="none">
                 <a:solidFill>
                   <a:srgbClr val="888888"/>
                 </a:solidFill>
@@ -3174,7 +3390,7 @@
             </a:lvl9pPr>
           </a:lstStyle>
           <a:p>
-            <a:pPr indent="0" lvl="0" marL="0" rtl="0" algn="r">
+            <a:pPr marL="0" lvl="0" indent="0" algn="r" rtl="0">
               <a:spcBef>
                 <a:spcPts val="0"/>
               </a:spcBef>
@@ -3185,7 +3401,7 @@
             </a:pPr>
             <a:fld id="{00000000-1234-1234-1234-123412341234}" type="slidenum">
               <a:rPr lang="pt-BR"/>
-              <a:t>‹#›</a:t>
+              <a:t>‹nº›</a:t>
             </a:fld>
             <a:endParaRPr/>
           </a:p>
@@ -3200,11 +3416,11 @@
 </file>
 
 <file path=ppt/slideLayouts/slideLayout11.xml><?xml version="1.0" encoding="utf-8"?>
-<p:sldLayout xmlns:a="http://schemas.openxmlformats.org/drawingml/2006/main" xmlns:r="http://schemas.openxmlformats.org/officeDocument/2006/relationships" xmlns:mc="http://schemas.openxmlformats.org/markup-compatibility/2006" xmlns:mv="urn:schemas-microsoft-com:mac:vml" xmlns:p="http://schemas.openxmlformats.org/presentationml/2006/main" xmlns:c="http://schemas.openxmlformats.org/drawingml/2006/chart" xmlns:dgm="http://schemas.openxmlformats.org/drawingml/2006/diagram" xmlns:o="urn:schemas-microsoft-com:office:office" xmlns:v="urn:schemas-microsoft-com:vml" xmlns:pvml="urn:schemas-microsoft-com:office:powerpoint" xmlns:com="http://schemas.openxmlformats.org/drawingml/2006/compatibility" xmlns:p14="http://schemas.microsoft.com/office/powerpoint/2010/main" xmlns:p15="http://schemas.microsoft.com/office/powerpoint/2012/main" xmlns:ahyp="http://schemas.microsoft.com/office/drawing/2018/hyperlinkcolor" matchingName="Texto e Título Vertical" type="vertTitleAndTx">
+<p:sldLayout xmlns:a="http://schemas.openxmlformats.org/drawingml/2006/main" xmlns:r="http://schemas.openxmlformats.org/officeDocument/2006/relationships" xmlns:p="http://schemas.openxmlformats.org/presentationml/2006/main" matchingName="Texto e Título Vertical" type="vertTitleAndTx">
   <p:cSld name="VERTICAL_TITLE_AND_VERTICAL_TEXT">
     <p:spTree>
       <p:nvGrpSpPr>
-        <p:cNvPr id="74" name="Shape 74"/>
+        <p:cNvPr id="1" name="Shape 74"/>
         <p:cNvGrpSpPr/>
         <p:nvPr/>
       </p:nvGrpSpPr>
@@ -3219,7 +3435,9 @@
       <p:sp>
         <p:nvSpPr>
           <p:cNvPr id="75" name="Google Shape;75;p12"/>
-          <p:cNvSpPr txBox="1"/>
+          <p:cNvSpPr txBox="1">
+            <a:spLocks noGrp="1"/>
+          </p:cNvSpPr>
           <p:nvPr>
             <p:ph type="title"/>
           </p:nvPr>
@@ -3238,7 +3456,7 @@
           </a:ln>
         </p:spPr>
         <p:txBody>
-          <a:bodyPr anchorCtr="0" anchor="ctr" bIns="45700" lIns="91425" spcFirstLastPara="1" rIns="91425" wrap="square" tIns="45700">
+          <a:bodyPr spcFirstLastPara="1" wrap="square" lIns="91425" tIns="45700" rIns="91425" bIns="45700" anchor="ctr" anchorCtr="0">
             <a:normAutofit/>
           </a:bodyPr>
           <a:lstStyle>
@@ -3372,15 +3590,19 @@
               <a:defRPr/>
             </a:lvl9pPr>
           </a:lstStyle>
-          <a:p/>
+          <a:p>
+            <a:endParaRPr/>
+          </a:p>
         </p:txBody>
       </p:sp>
       <p:sp>
         <p:nvSpPr>
           <p:cNvPr id="76" name="Google Shape;76;p12"/>
-          <p:cNvSpPr txBox="1"/>
+          <p:cNvSpPr txBox="1">
+            <a:spLocks noGrp="1"/>
+          </p:cNvSpPr>
           <p:nvPr>
-            <p:ph idx="1" type="body"/>
+            <p:ph type="body" idx="1"/>
           </p:nvPr>
         </p:nvSpPr>
         <p:spPr>
@@ -3397,11 +3619,11 @@
           </a:ln>
         </p:spPr>
         <p:txBody>
-          <a:bodyPr anchorCtr="0" anchor="t" bIns="45700" lIns="91425" spcFirstLastPara="1" rIns="91425" wrap="square" tIns="45700">
+          <a:bodyPr spcFirstLastPara="1" wrap="square" lIns="91425" tIns="45700" rIns="91425" bIns="45700" anchor="t" anchorCtr="0">
             <a:normAutofit/>
           </a:bodyPr>
           <a:lstStyle>
-            <a:lvl1pPr indent="-342900" lvl="0" marL="457200" algn="l">
+            <a:lvl1pPr marL="457200" lvl="0" indent="-342900" algn="l">
               <a:lnSpc>
                 <a:spcPct val="90000"/>
               </a:lnSpc>
@@ -3418,7 +3640,7 @@
               <a:buChar char="•"/>
               <a:defRPr/>
             </a:lvl1pPr>
-            <a:lvl2pPr indent="-342900" lvl="1" marL="914400" algn="l">
+            <a:lvl2pPr marL="914400" lvl="1" indent="-342900" algn="l">
               <a:lnSpc>
                 <a:spcPct val="90000"/>
               </a:lnSpc>
@@ -3435,7 +3657,7 @@
               <a:buChar char="•"/>
               <a:defRPr/>
             </a:lvl2pPr>
-            <a:lvl3pPr indent="-342900" lvl="2" marL="1371600" algn="l">
+            <a:lvl3pPr marL="1371600" lvl="2" indent="-342900" algn="l">
               <a:lnSpc>
                 <a:spcPct val="90000"/>
               </a:lnSpc>
@@ -3452,7 +3674,7 @@
               <a:buChar char="•"/>
               <a:defRPr/>
             </a:lvl3pPr>
-            <a:lvl4pPr indent="-342900" lvl="3" marL="1828800" algn="l">
+            <a:lvl4pPr marL="1828800" lvl="3" indent="-342900" algn="l">
               <a:lnSpc>
                 <a:spcPct val="90000"/>
               </a:lnSpc>
@@ -3469,7 +3691,7 @@
               <a:buChar char="•"/>
               <a:defRPr/>
             </a:lvl4pPr>
-            <a:lvl5pPr indent="-342900" lvl="4" marL="2286000" algn="l">
+            <a:lvl5pPr marL="2286000" lvl="4" indent="-342900" algn="l">
               <a:lnSpc>
                 <a:spcPct val="90000"/>
               </a:lnSpc>
@@ -3486,7 +3708,7 @@
               <a:buChar char="•"/>
               <a:defRPr/>
             </a:lvl5pPr>
-            <a:lvl6pPr indent="-342900" lvl="5" marL="2743200" algn="l">
+            <a:lvl6pPr marL="2743200" lvl="5" indent="-342900" algn="l">
               <a:lnSpc>
                 <a:spcPct val="90000"/>
               </a:lnSpc>
@@ -3503,7 +3725,7 @@
               <a:buChar char="•"/>
               <a:defRPr/>
             </a:lvl6pPr>
-            <a:lvl7pPr indent="-342900" lvl="6" marL="3200400" algn="l">
+            <a:lvl7pPr marL="3200400" lvl="6" indent="-342900" algn="l">
               <a:lnSpc>
                 <a:spcPct val="90000"/>
               </a:lnSpc>
@@ -3520,7 +3742,7 @@
               <a:buChar char="•"/>
               <a:defRPr/>
             </a:lvl7pPr>
-            <a:lvl8pPr indent="-342900" lvl="7" marL="3657600" algn="l">
+            <a:lvl8pPr marL="3657600" lvl="7" indent="-342900" algn="l">
               <a:lnSpc>
                 <a:spcPct val="90000"/>
               </a:lnSpc>
@@ -3537,7 +3759,7 @@
               <a:buChar char="•"/>
               <a:defRPr/>
             </a:lvl8pPr>
-            <a:lvl9pPr indent="-342900" lvl="8" marL="4114800" algn="l">
+            <a:lvl9pPr marL="4114800" lvl="8" indent="-342900" algn="l">
               <a:lnSpc>
                 <a:spcPct val="90000"/>
               </a:lnSpc>
@@ -3555,15 +3777,19 @@
               <a:defRPr/>
             </a:lvl9pPr>
           </a:lstStyle>
-          <a:p/>
+          <a:p>
+            <a:endParaRPr/>
+          </a:p>
         </p:txBody>
       </p:sp>
       <p:sp>
         <p:nvSpPr>
           <p:cNvPr id="77" name="Google Shape;77;p12"/>
-          <p:cNvSpPr txBox="1"/>
+          <p:cNvSpPr txBox="1">
+            <a:spLocks noGrp="1"/>
+          </p:cNvSpPr>
           <p:nvPr>
-            <p:ph idx="10" type="dt"/>
+            <p:ph type="dt" idx="10"/>
           </p:nvPr>
         </p:nvSpPr>
         <p:spPr>
@@ -3580,7 +3806,7 @@
           </a:ln>
         </p:spPr>
         <p:txBody>
-          <a:bodyPr anchorCtr="0" anchor="ctr" bIns="45700" lIns="91425" spcFirstLastPara="1" rIns="91425" wrap="square" tIns="45700">
+          <a:bodyPr spcFirstLastPara="1" wrap="square" lIns="91425" tIns="45700" rIns="91425" bIns="45700" anchor="ctr" anchorCtr="0">
             <a:noAutofit/>
           </a:bodyPr>
           <a:lstStyle>
@@ -3711,15 +3937,19 @@
               <a:defRPr/>
             </a:lvl9pPr>
           </a:lstStyle>
-          <a:p/>
+          <a:p>
+            <a:endParaRPr/>
+          </a:p>
         </p:txBody>
       </p:sp>
       <p:sp>
         <p:nvSpPr>
           <p:cNvPr id="78" name="Google Shape;78;p12"/>
-          <p:cNvSpPr txBox="1"/>
+          <p:cNvSpPr txBox="1">
+            <a:spLocks noGrp="1"/>
+          </p:cNvSpPr>
           <p:nvPr>
-            <p:ph idx="11" type="ftr"/>
+            <p:ph type="ftr" idx="11"/>
           </p:nvPr>
         </p:nvSpPr>
         <p:spPr>
@@ -3736,7 +3966,7 @@
           </a:ln>
         </p:spPr>
         <p:txBody>
-          <a:bodyPr anchorCtr="0" anchor="ctr" bIns="45700" lIns="91425" spcFirstLastPara="1" rIns="91425" wrap="square" tIns="45700">
+          <a:bodyPr spcFirstLastPara="1" wrap="square" lIns="91425" tIns="45700" rIns="91425" bIns="45700" anchor="ctr" anchorCtr="0">
             <a:noAutofit/>
           </a:bodyPr>
           <a:lstStyle>
@@ -3867,15 +4097,19 @@
               <a:defRPr/>
             </a:lvl9pPr>
           </a:lstStyle>
-          <a:p/>
+          <a:p>
+            <a:endParaRPr/>
+          </a:p>
         </p:txBody>
       </p:sp>
       <p:sp>
         <p:nvSpPr>
           <p:cNvPr id="79" name="Google Shape;79;p12"/>
-          <p:cNvSpPr txBox="1"/>
+          <p:cNvSpPr txBox="1">
+            <a:spLocks noGrp="1"/>
+          </p:cNvSpPr>
           <p:nvPr>
-            <p:ph idx="12" type="sldNum"/>
+            <p:ph type="sldNum" idx="12"/>
           </p:nvPr>
         </p:nvSpPr>
         <p:spPr>
@@ -3892,11 +4126,11 @@
           </a:ln>
         </p:spPr>
         <p:txBody>
-          <a:bodyPr anchorCtr="0" anchor="ctr" bIns="45700" lIns="91425" spcFirstLastPara="1" rIns="91425" wrap="square" tIns="45700">
+          <a:bodyPr spcFirstLastPara="1" wrap="square" lIns="91425" tIns="45700" rIns="91425" bIns="45700" anchor="ctr" anchorCtr="0">
             <a:noAutofit/>
           </a:bodyPr>
           <a:lstStyle>
-            <a:lvl1pPr indent="0" lvl="0" marL="0" marR="0" algn="r">
+            <a:lvl1pPr marL="0" marR="0" lvl="0" indent="0" algn="r">
               <a:lnSpc>
                 <a:spcPct val="100000"/>
               </a:lnSpc>
@@ -3912,7 +4146,7 @@
               <a:buSzPts val="1200"/>
               <a:buFont typeface="Arial"/>
               <a:buNone/>
-              <a:defRPr b="0" i="0" sz="1200" u="none" cap="none" strike="noStrike">
+              <a:defRPr sz="1200" b="0" i="0" u="none" strike="noStrike" cap="none">
                 <a:solidFill>
                   <a:srgbClr val="888888"/>
                 </a:solidFill>
@@ -3922,7 +4156,7 @@
                 <a:sym typeface="Calibri"/>
               </a:defRPr>
             </a:lvl1pPr>
-            <a:lvl2pPr indent="0" lvl="1" marL="0" marR="0" algn="r">
+            <a:lvl2pPr marL="0" marR="0" lvl="1" indent="0" algn="r">
               <a:lnSpc>
                 <a:spcPct val="100000"/>
               </a:lnSpc>
@@ -3938,7 +4172,7 @@
               <a:buSzPts val="1200"/>
               <a:buFont typeface="Arial"/>
               <a:buNone/>
-              <a:defRPr b="0" i="0" sz="1200" u="none" cap="none" strike="noStrike">
+              <a:defRPr sz="1200" b="0" i="0" u="none" strike="noStrike" cap="none">
                 <a:solidFill>
                   <a:srgbClr val="888888"/>
                 </a:solidFill>
@@ -3948,7 +4182,7 @@
                 <a:sym typeface="Calibri"/>
               </a:defRPr>
             </a:lvl2pPr>
-            <a:lvl3pPr indent="0" lvl="2" marL="0" marR="0" algn="r">
+            <a:lvl3pPr marL="0" marR="0" lvl="2" indent="0" algn="r">
               <a:lnSpc>
                 <a:spcPct val="100000"/>
               </a:lnSpc>
@@ -3964,7 +4198,7 @@
               <a:buSzPts val="1200"/>
               <a:buFont typeface="Arial"/>
               <a:buNone/>
-              <a:defRPr b="0" i="0" sz="1200" u="none" cap="none" strike="noStrike">
+              <a:defRPr sz="1200" b="0" i="0" u="none" strike="noStrike" cap="none">
                 <a:solidFill>
                   <a:srgbClr val="888888"/>
                 </a:solidFill>
@@ -3974,7 +4208,7 @@
                 <a:sym typeface="Calibri"/>
               </a:defRPr>
             </a:lvl3pPr>
-            <a:lvl4pPr indent="0" lvl="3" marL="0" marR="0" algn="r">
+            <a:lvl4pPr marL="0" marR="0" lvl="3" indent="0" algn="r">
               <a:lnSpc>
                 <a:spcPct val="100000"/>
               </a:lnSpc>
@@ -3990,7 +4224,7 @@
               <a:buSzPts val="1200"/>
               <a:buFont typeface="Arial"/>
               <a:buNone/>
-              <a:defRPr b="0" i="0" sz="1200" u="none" cap="none" strike="noStrike">
+              <a:defRPr sz="1200" b="0" i="0" u="none" strike="noStrike" cap="none">
                 <a:solidFill>
                   <a:srgbClr val="888888"/>
                 </a:solidFill>
@@ -4000,7 +4234,7 @@
                 <a:sym typeface="Calibri"/>
               </a:defRPr>
             </a:lvl4pPr>
-            <a:lvl5pPr indent="0" lvl="4" marL="0" marR="0" algn="r">
+            <a:lvl5pPr marL="0" marR="0" lvl="4" indent="0" algn="r">
               <a:lnSpc>
                 <a:spcPct val="100000"/>
               </a:lnSpc>
@@ -4016,7 +4250,7 @@
               <a:buSzPts val="1200"/>
               <a:buFont typeface="Arial"/>
               <a:buNone/>
-              <a:defRPr b="0" i="0" sz="1200" u="none" cap="none" strike="noStrike">
+              <a:defRPr sz="1200" b="0" i="0" u="none" strike="noStrike" cap="none">
                 <a:solidFill>
                   <a:srgbClr val="888888"/>
                 </a:solidFill>
@@ -4026,7 +4260,7 @@
                 <a:sym typeface="Calibri"/>
               </a:defRPr>
             </a:lvl5pPr>
-            <a:lvl6pPr indent="0" lvl="5" marL="0" marR="0" algn="r">
+            <a:lvl6pPr marL="0" marR="0" lvl="5" indent="0" algn="r">
               <a:lnSpc>
                 <a:spcPct val="100000"/>
               </a:lnSpc>
@@ -4042,7 +4276,7 @@
               <a:buSzPts val="1200"/>
               <a:buFont typeface="Arial"/>
               <a:buNone/>
-              <a:defRPr b="0" i="0" sz="1200" u="none" cap="none" strike="noStrike">
+              <a:defRPr sz="1200" b="0" i="0" u="none" strike="noStrike" cap="none">
                 <a:solidFill>
                   <a:srgbClr val="888888"/>
                 </a:solidFill>
@@ -4052,7 +4286,7 @@
                 <a:sym typeface="Calibri"/>
               </a:defRPr>
             </a:lvl6pPr>
-            <a:lvl7pPr indent="0" lvl="6" marL="0" marR="0" algn="r">
+            <a:lvl7pPr marL="0" marR="0" lvl="6" indent="0" algn="r">
               <a:lnSpc>
                 <a:spcPct val="100000"/>
               </a:lnSpc>
@@ -4068,7 +4302,7 @@
               <a:buSzPts val="1200"/>
               <a:buFont typeface="Arial"/>
               <a:buNone/>
-              <a:defRPr b="0" i="0" sz="1200" u="none" cap="none" strike="noStrike">
+              <a:defRPr sz="1200" b="0" i="0" u="none" strike="noStrike" cap="none">
                 <a:solidFill>
                   <a:srgbClr val="888888"/>
                 </a:solidFill>
@@ -4078,7 +4312,7 @@
                 <a:sym typeface="Calibri"/>
               </a:defRPr>
             </a:lvl7pPr>
-            <a:lvl8pPr indent="0" lvl="7" marL="0" marR="0" algn="r">
+            <a:lvl8pPr marL="0" marR="0" lvl="7" indent="0" algn="r">
               <a:lnSpc>
                 <a:spcPct val="100000"/>
               </a:lnSpc>
@@ -4094,7 +4328,7 @@
               <a:buSzPts val="1200"/>
               <a:buFont typeface="Arial"/>
               <a:buNone/>
-              <a:defRPr b="0" i="0" sz="1200" u="none" cap="none" strike="noStrike">
+              <a:defRPr sz="1200" b="0" i="0" u="none" strike="noStrike" cap="none">
                 <a:solidFill>
                   <a:srgbClr val="888888"/>
                 </a:solidFill>
@@ -4104,7 +4338,7 @@
                 <a:sym typeface="Calibri"/>
               </a:defRPr>
             </a:lvl8pPr>
-            <a:lvl9pPr indent="0" lvl="8" marL="0" marR="0" algn="r">
+            <a:lvl9pPr marL="0" marR="0" lvl="8" indent="0" algn="r">
               <a:lnSpc>
                 <a:spcPct val="100000"/>
               </a:lnSpc>
@@ -4120,7 +4354,7 @@
               <a:buSzPts val="1200"/>
               <a:buFont typeface="Arial"/>
               <a:buNone/>
-              <a:defRPr b="0" i="0" sz="1200" u="none" cap="none" strike="noStrike">
+              <a:defRPr sz="1200" b="0" i="0" u="none" strike="noStrike" cap="none">
                 <a:solidFill>
                   <a:srgbClr val="888888"/>
                 </a:solidFill>
@@ -4132,7 +4366,7 @@
             </a:lvl9pPr>
           </a:lstStyle>
           <a:p>
-            <a:pPr indent="0" lvl="0" marL="0" rtl="0" algn="r">
+            <a:pPr marL="0" lvl="0" indent="0" algn="r" rtl="0">
               <a:spcBef>
                 <a:spcPts val="0"/>
               </a:spcBef>
@@ -4143,7 +4377,7 @@
             </a:pPr>
             <a:fld id="{00000000-1234-1234-1234-123412341234}" type="slidenum">
               <a:rPr lang="pt-BR"/>
-              <a:t>‹#›</a:t>
+              <a:t>‹nº›</a:t>
             </a:fld>
             <a:endParaRPr/>
           </a:p>
@@ -4158,11 +4392,11 @@
 </file>
 
 <file path=ppt/slideLayouts/slideLayout2.xml><?xml version="1.0" encoding="utf-8"?>
-<p:sldLayout xmlns:a="http://schemas.openxmlformats.org/drawingml/2006/main" xmlns:r="http://schemas.openxmlformats.org/officeDocument/2006/relationships" xmlns:mc="http://schemas.openxmlformats.org/markup-compatibility/2006" xmlns:mv="urn:schemas-microsoft-com:mac:vml" xmlns:p="http://schemas.openxmlformats.org/presentationml/2006/main" xmlns:c="http://schemas.openxmlformats.org/drawingml/2006/chart" xmlns:dgm="http://schemas.openxmlformats.org/drawingml/2006/diagram" xmlns:o="urn:schemas-microsoft-com:office:office" xmlns:v="urn:schemas-microsoft-com:vml" xmlns:pvml="urn:schemas-microsoft-com:office:powerpoint" xmlns:com="http://schemas.openxmlformats.org/drawingml/2006/compatibility" xmlns:p14="http://schemas.microsoft.com/office/powerpoint/2010/main" xmlns:p15="http://schemas.microsoft.com/office/powerpoint/2012/main" xmlns:ahyp="http://schemas.microsoft.com/office/drawing/2018/hyperlinkcolor" matchingName="Slide de Título" type="title">
+<p:sldLayout xmlns:a="http://schemas.openxmlformats.org/drawingml/2006/main" xmlns:r="http://schemas.openxmlformats.org/officeDocument/2006/relationships" xmlns:p="http://schemas.openxmlformats.org/presentationml/2006/main" matchingName="Slide de Título" type="title">
   <p:cSld name="TITLE">
     <p:spTree>
       <p:nvGrpSpPr>
-        <p:cNvPr id="17" name="Shape 17"/>
+        <p:cNvPr id="1" name="Shape 17"/>
         <p:cNvGrpSpPr/>
         <p:nvPr/>
       </p:nvGrpSpPr>
@@ -4177,7 +4411,9 @@
       <p:sp>
         <p:nvSpPr>
           <p:cNvPr id="18" name="Google Shape;18;p3"/>
-          <p:cNvSpPr txBox="1"/>
+          <p:cNvSpPr txBox="1">
+            <a:spLocks noGrp="1"/>
+          </p:cNvSpPr>
           <p:nvPr>
             <p:ph type="ctrTitle"/>
           </p:nvPr>
@@ -4196,7 +4432,7 @@
           </a:ln>
         </p:spPr>
         <p:txBody>
-          <a:bodyPr anchorCtr="0" anchor="b" bIns="45700" lIns="91425" spcFirstLastPara="1" rIns="91425" wrap="square" tIns="45700">
+          <a:bodyPr spcFirstLastPara="1" wrap="square" lIns="91425" tIns="45700" rIns="91425" bIns="45700" anchor="b" anchorCtr="0">
             <a:normAutofit/>
           </a:bodyPr>
           <a:lstStyle>
@@ -4331,15 +4567,19 @@
               <a:defRPr/>
             </a:lvl9pPr>
           </a:lstStyle>
-          <a:p/>
+          <a:p>
+            <a:endParaRPr/>
+          </a:p>
         </p:txBody>
       </p:sp>
       <p:sp>
         <p:nvSpPr>
           <p:cNvPr id="19" name="Google Shape;19;p3"/>
-          <p:cNvSpPr txBox="1"/>
+          <p:cNvSpPr txBox="1">
+            <a:spLocks noGrp="1"/>
+          </p:cNvSpPr>
           <p:nvPr>
-            <p:ph idx="1" type="subTitle"/>
+            <p:ph type="subTitle" idx="1"/>
           </p:nvPr>
         </p:nvSpPr>
         <p:spPr>
@@ -4356,7 +4596,7 @@
           </a:ln>
         </p:spPr>
         <p:txBody>
-          <a:bodyPr anchorCtr="0" anchor="t" bIns="45700" lIns="91425" spcFirstLastPara="1" rIns="91425" wrap="square" tIns="45700">
+          <a:bodyPr spcFirstLastPara="1" wrap="square" lIns="91425" tIns="45700" rIns="91425" bIns="45700" anchor="t" anchorCtr="0">
             <a:normAutofit/>
           </a:bodyPr>
           <a:lstStyle>
@@ -4514,15 +4754,19 @@
               <a:defRPr sz="1600"/>
             </a:lvl9pPr>
           </a:lstStyle>
-          <a:p/>
+          <a:p>
+            <a:endParaRPr/>
+          </a:p>
         </p:txBody>
       </p:sp>
       <p:sp>
         <p:nvSpPr>
           <p:cNvPr id="20" name="Google Shape;20;p3"/>
-          <p:cNvSpPr txBox="1"/>
+          <p:cNvSpPr txBox="1">
+            <a:spLocks noGrp="1"/>
+          </p:cNvSpPr>
           <p:nvPr>
-            <p:ph idx="10" type="dt"/>
+            <p:ph type="dt" idx="10"/>
           </p:nvPr>
         </p:nvSpPr>
         <p:spPr>
@@ -4539,7 +4783,7 @@
           </a:ln>
         </p:spPr>
         <p:txBody>
-          <a:bodyPr anchorCtr="0" anchor="ctr" bIns="45700" lIns="91425" spcFirstLastPara="1" rIns="91425" wrap="square" tIns="45700">
+          <a:bodyPr spcFirstLastPara="1" wrap="square" lIns="91425" tIns="45700" rIns="91425" bIns="45700" anchor="ctr" anchorCtr="0">
             <a:noAutofit/>
           </a:bodyPr>
           <a:lstStyle>
@@ -4670,15 +4914,19 @@
               <a:defRPr/>
             </a:lvl9pPr>
           </a:lstStyle>
-          <a:p/>
+          <a:p>
+            <a:endParaRPr/>
+          </a:p>
         </p:txBody>
       </p:sp>
       <p:sp>
         <p:nvSpPr>
           <p:cNvPr id="21" name="Google Shape;21;p3"/>
-          <p:cNvSpPr txBox="1"/>
+          <p:cNvSpPr txBox="1">
+            <a:spLocks noGrp="1"/>
+          </p:cNvSpPr>
           <p:nvPr>
-            <p:ph idx="11" type="ftr"/>
+            <p:ph type="ftr" idx="11"/>
           </p:nvPr>
         </p:nvSpPr>
         <p:spPr>
@@ -4695,7 +4943,7 @@
           </a:ln>
         </p:spPr>
         <p:txBody>
-          <a:bodyPr anchorCtr="0" anchor="ctr" bIns="45700" lIns="91425" spcFirstLastPara="1" rIns="91425" wrap="square" tIns="45700">
+          <a:bodyPr spcFirstLastPara="1" wrap="square" lIns="91425" tIns="45700" rIns="91425" bIns="45700" anchor="ctr" anchorCtr="0">
             <a:noAutofit/>
           </a:bodyPr>
           <a:lstStyle>
@@ -4826,15 +5074,19 @@
               <a:defRPr/>
             </a:lvl9pPr>
           </a:lstStyle>
-          <a:p/>
+          <a:p>
+            <a:endParaRPr/>
+          </a:p>
         </p:txBody>
       </p:sp>
       <p:sp>
         <p:nvSpPr>
           <p:cNvPr id="22" name="Google Shape;22;p3"/>
-          <p:cNvSpPr txBox="1"/>
+          <p:cNvSpPr txBox="1">
+            <a:spLocks noGrp="1"/>
+          </p:cNvSpPr>
           <p:nvPr>
-            <p:ph idx="12" type="sldNum"/>
+            <p:ph type="sldNum" idx="12"/>
           </p:nvPr>
         </p:nvSpPr>
         <p:spPr>
@@ -4851,11 +5103,11 @@
           </a:ln>
         </p:spPr>
         <p:txBody>
-          <a:bodyPr anchorCtr="0" anchor="ctr" bIns="45700" lIns="91425" spcFirstLastPara="1" rIns="91425" wrap="square" tIns="45700">
+          <a:bodyPr spcFirstLastPara="1" wrap="square" lIns="91425" tIns="45700" rIns="91425" bIns="45700" anchor="ctr" anchorCtr="0">
             <a:noAutofit/>
           </a:bodyPr>
           <a:lstStyle>
-            <a:lvl1pPr indent="0" lvl="0" marL="0" marR="0" algn="r">
+            <a:lvl1pPr marL="0" marR="0" lvl="0" indent="0" algn="r">
               <a:lnSpc>
                 <a:spcPct val="100000"/>
               </a:lnSpc>
@@ -4871,7 +5123,7 @@
               <a:buSzPts val="1200"/>
               <a:buFont typeface="Arial"/>
               <a:buNone/>
-              <a:defRPr b="0" i="0" sz="1200" u="none" cap="none" strike="noStrike">
+              <a:defRPr sz="1200" b="0" i="0" u="none" strike="noStrike" cap="none">
                 <a:solidFill>
                   <a:srgbClr val="888888"/>
                 </a:solidFill>
@@ -4881,7 +5133,7 @@
                 <a:sym typeface="Calibri"/>
               </a:defRPr>
             </a:lvl1pPr>
-            <a:lvl2pPr indent="0" lvl="1" marL="0" marR="0" algn="r">
+            <a:lvl2pPr marL="0" marR="0" lvl="1" indent="0" algn="r">
               <a:lnSpc>
                 <a:spcPct val="100000"/>
               </a:lnSpc>
@@ -4897,7 +5149,7 @@
               <a:buSzPts val="1200"/>
               <a:buFont typeface="Arial"/>
               <a:buNone/>
-              <a:defRPr b="0" i="0" sz="1200" u="none" cap="none" strike="noStrike">
+              <a:defRPr sz="1200" b="0" i="0" u="none" strike="noStrike" cap="none">
                 <a:solidFill>
                   <a:srgbClr val="888888"/>
                 </a:solidFill>
@@ -4907,7 +5159,7 @@
                 <a:sym typeface="Calibri"/>
               </a:defRPr>
             </a:lvl2pPr>
-            <a:lvl3pPr indent="0" lvl="2" marL="0" marR="0" algn="r">
+            <a:lvl3pPr marL="0" marR="0" lvl="2" indent="0" algn="r">
               <a:lnSpc>
                 <a:spcPct val="100000"/>
               </a:lnSpc>
@@ -4923,7 +5175,7 @@
               <a:buSzPts val="1200"/>
               <a:buFont typeface="Arial"/>
               <a:buNone/>
-              <a:defRPr b="0" i="0" sz="1200" u="none" cap="none" strike="noStrike">
+              <a:defRPr sz="1200" b="0" i="0" u="none" strike="noStrike" cap="none">
                 <a:solidFill>
                   <a:srgbClr val="888888"/>
                 </a:solidFill>
@@ -4933,7 +5185,7 @@
                 <a:sym typeface="Calibri"/>
               </a:defRPr>
             </a:lvl3pPr>
-            <a:lvl4pPr indent="0" lvl="3" marL="0" marR="0" algn="r">
+            <a:lvl4pPr marL="0" marR="0" lvl="3" indent="0" algn="r">
               <a:lnSpc>
                 <a:spcPct val="100000"/>
               </a:lnSpc>
@@ -4949,7 +5201,7 @@
               <a:buSzPts val="1200"/>
               <a:buFont typeface="Arial"/>
               <a:buNone/>
-              <a:defRPr b="0" i="0" sz="1200" u="none" cap="none" strike="noStrike">
+              <a:defRPr sz="1200" b="0" i="0" u="none" strike="noStrike" cap="none">
                 <a:solidFill>
                   <a:srgbClr val="888888"/>
                 </a:solidFill>
@@ -4959,7 +5211,7 @@
                 <a:sym typeface="Calibri"/>
               </a:defRPr>
             </a:lvl4pPr>
-            <a:lvl5pPr indent="0" lvl="4" marL="0" marR="0" algn="r">
+            <a:lvl5pPr marL="0" marR="0" lvl="4" indent="0" algn="r">
               <a:lnSpc>
                 <a:spcPct val="100000"/>
               </a:lnSpc>
@@ -4975,7 +5227,7 @@
               <a:buSzPts val="1200"/>
               <a:buFont typeface="Arial"/>
               <a:buNone/>
-              <a:defRPr b="0" i="0" sz="1200" u="none" cap="none" strike="noStrike">
+              <a:defRPr sz="1200" b="0" i="0" u="none" strike="noStrike" cap="none">
                 <a:solidFill>
                   <a:srgbClr val="888888"/>
                 </a:solidFill>
@@ -4985,7 +5237,7 @@
                 <a:sym typeface="Calibri"/>
               </a:defRPr>
             </a:lvl5pPr>
-            <a:lvl6pPr indent="0" lvl="5" marL="0" marR="0" algn="r">
+            <a:lvl6pPr marL="0" marR="0" lvl="5" indent="0" algn="r">
               <a:lnSpc>
                 <a:spcPct val="100000"/>
               </a:lnSpc>
@@ -5001,7 +5253,7 @@
               <a:buSzPts val="1200"/>
               <a:buFont typeface="Arial"/>
               <a:buNone/>
-              <a:defRPr b="0" i="0" sz="1200" u="none" cap="none" strike="noStrike">
+              <a:defRPr sz="1200" b="0" i="0" u="none" strike="noStrike" cap="none">
                 <a:solidFill>
                   <a:srgbClr val="888888"/>
                 </a:solidFill>
@@ -5011,7 +5263,7 @@
                 <a:sym typeface="Calibri"/>
               </a:defRPr>
             </a:lvl6pPr>
-            <a:lvl7pPr indent="0" lvl="6" marL="0" marR="0" algn="r">
+            <a:lvl7pPr marL="0" marR="0" lvl="6" indent="0" algn="r">
               <a:lnSpc>
                 <a:spcPct val="100000"/>
               </a:lnSpc>
@@ -5027,7 +5279,7 @@
               <a:buSzPts val="1200"/>
               <a:buFont typeface="Arial"/>
               <a:buNone/>
-              <a:defRPr b="0" i="0" sz="1200" u="none" cap="none" strike="noStrike">
+              <a:defRPr sz="1200" b="0" i="0" u="none" strike="noStrike" cap="none">
                 <a:solidFill>
                   <a:srgbClr val="888888"/>
                 </a:solidFill>
@@ -5037,7 +5289,7 @@
                 <a:sym typeface="Calibri"/>
               </a:defRPr>
             </a:lvl7pPr>
-            <a:lvl8pPr indent="0" lvl="7" marL="0" marR="0" algn="r">
+            <a:lvl8pPr marL="0" marR="0" lvl="7" indent="0" algn="r">
               <a:lnSpc>
                 <a:spcPct val="100000"/>
               </a:lnSpc>
@@ -5053,7 +5305,7 @@
               <a:buSzPts val="1200"/>
               <a:buFont typeface="Arial"/>
               <a:buNone/>
-              <a:defRPr b="0" i="0" sz="1200" u="none" cap="none" strike="noStrike">
+              <a:defRPr sz="1200" b="0" i="0" u="none" strike="noStrike" cap="none">
                 <a:solidFill>
                   <a:srgbClr val="888888"/>
                 </a:solidFill>
@@ -5063,7 +5315,7 @@
                 <a:sym typeface="Calibri"/>
               </a:defRPr>
             </a:lvl8pPr>
-            <a:lvl9pPr indent="0" lvl="8" marL="0" marR="0" algn="r">
+            <a:lvl9pPr marL="0" marR="0" lvl="8" indent="0" algn="r">
               <a:lnSpc>
                 <a:spcPct val="100000"/>
               </a:lnSpc>
@@ -5079,7 +5331,7 @@
               <a:buSzPts val="1200"/>
               <a:buFont typeface="Arial"/>
               <a:buNone/>
-              <a:defRPr b="0" i="0" sz="1200" u="none" cap="none" strike="noStrike">
+              <a:defRPr sz="1200" b="0" i="0" u="none" strike="noStrike" cap="none">
                 <a:solidFill>
                   <a:srgbClr val="888888"/>
                 </a:solidFill>
@@ -5091,7 +5343,7 @@
             </a:lvl9pPr>
           </a:lstStyle>
           <a:p>
-            <a:pPr indent="0" lvl="0" marL="0" rtl="0" algn="r">
+            <a:pPr marL="0" lvl="0" indent="0" algn="r" rtl="0">
               <a:spcBef>
                 <a:spcPts val="0"/>
               </a:spcBef>
@@ -5102,7 +5354,7 @@
             </a:pPr>
             <a:fld id="{00000000-1234-1234-1234-123412341234}" type="slidenum">
               <a:rPr lang="pt-BR"/>
-              <a:t>‹#›</a:t>
+              <a:t>‹nº›</a:t>
             </a:fld>
             <a:endParaRPr/>
           </a:p>
@@ -5117,11 +5369,11 @@
 </file>
 
 <file path=ppt/slideLayouts/slideLayout3.xml><?xml version="1.0" encoding="utf-8"?>
-<p:sldLayout xmlns:a="http://schemas.openxmlformats.org/drawingml/2006/main" xmlns:r="http://schemas.openxmlformats.org/officeDocument/2006/relationships" xmlns:mc="http://schemas.openxmlformats.org/markup-compatibility/2006" xmlns:mv="urn:schemas-microsoft-com:mac:vml" xmlns:p="http://schemas.openxmlformats.org/presentationml/2006/main" xmlns:c="http://schemas.openxmlformats.org/drawingml/2006/chart" xmlns:dgm="http://schemas.openxmlformats.org/drawingml/2006/diagram" xmlns:o="urn:schemas-microsoft-com:office:office" xmlns:v="urn:schemas-microsoft-com:vml" xmlns:pvml="urn:schemas-microsoft-com:office:powerpoint" xmlns:com="http://schemas.openxmlformats.org/drawingml/2006/compatibility" xmlns:p14="http://schemas.microsoft.com/office/powerpoint/2010/main" xmlns:p15="http://schemas.microsoft.com/office/powerpoint/2012/main" xmlns:ahyp="http://schemas.microsoft.com/office/drawing/2018/hyperlinkcolor" matchingName="Cabeçalho da Seção" type="secHead">
+<p:sldLayout xmlns:a="http://schemas.openxmlformats.org/drawingml/2006/main" xmlns:r="http://schemas.openxmlformats.org/officeDocument/2006/relationships" xmlns:p="http://schemas.openxmlformats.org/presentationml/2006/main" matchingName="Cabeçalho da Seção" type="secHead">
   <p:cSld name="SECTION_HEADER">
     <p:spTree>
       <p:nvGrpSpPr>
-        <p:cNvPr id="23" name="Shape 23"/>
+        <p:cNvPr id="1" name="Shape 23"/>
         <p:cNvGrpSpPr/>
         <p:nvPr/>
       </p:nvGrpSpPr>
@@ -5136,7 +5388,9 @@
       <p:sp>
         <p:nvSpPr>
           <p:cNvPr id="24" name="Google Shape;24;p4"/>
-          <p:cNvSpPr txBox="1"/>
+          <p:cNvSpPr txBox="1">
+            <a:spLocks noGrp="1"/>
+          </p:cNvSpPr>
           <p:nvPr>
             <p:ph type="title"/>
           </p:nvPr>
@@ -5155,7 +5409,7 @@
           </a:ln>
         </p:spPr>
         <p:txBody>
-          <a:bodyPr anchorCtr="0" anchor="b" bIns="45700" lIns="91425" spcFirstLastPara="1" rIns="91425" wrap="square" tIns="45700">
+          <a:bodyPr spcFirstLastPara="1" wrap="square" lIns="91425" tIns="45700" rIns="91425" bIns="45700" anchor="b" anchorCtr="0">
             <a:normAutofit/>
           </a:bodyPr>
           <a:lstStyle>
@@ -5290,15 +5544,19 @@
               <a:defRPr/>
             </a:lvl9pPr>
           </a:lstStyle>
-          <a:p/>
+          <a:p>
+            <a:endParaRPr/>
+          </a:p>
         </p:txBody>
       </p:sp>
       <p:sp>
         <p:nvSpPr>
           <p:cNvPr id="25" name="Google Shape;25;p4"/>
-          <p:cNvSpPr txBox="1"/>
+          <p:cNvSpPr txBox="1">
+            <a:spLocks noGrp="1"/>
+          </p:cNvSpPr>
           <p:nvPr>
-            <p:ph idx="1" type="body"/>
+            <p:ph type="body" idx="1"/>
           </p:nvPr>
         </p:nvSpPr>
         <p:spPr>
@@ -5315,11 +5573,11 @@
           </a:ln>
         </p:spPr>
         <p:txBody>
-          <a:bodyPr anchorCtr="0" anchor="t" bIns="45700" lIns="91425" spcFirstLastPara="1" rIns="91425" wrap="square" tIns="45700">
+          <a:bodyPr spcFirstLastPara="1" wrap="square" lIns="91425" tIns="45700" rIns="91425" bIns="45700" anchor="t" anchorCtr="0">
             <a:normAutofit/>
           </a:bodyPr>
           <a:lstStyle>
-            <a:lvl1pPr indent="-228600" lvl="0" marL="457200" algn="l">
+            <a:lvl1pPr marL="457200" lvl="0" indent="-228600" algn="l">
               <a:lnSpc>
                 <a:spcPct val="90000"/>
               </a:lnSpc>
@@ -5340,7 +5598,7 @@
                 </a:solidFill>
               </a:defRPr>
             </a:lvl1pPr>
-            <a:lvl2pPr indent="-228600" lvl="1" marL="914400" algn="l">
+            <a:lvl2pPr marL="914400" lvl="1" indent="-228600" algn="l">
               <a:lnSpc>
                 <a:spcPct val="90000"/>
               </a:lnSpc>
@@ -5361,7 +5619,7 @@
                 </a:solidFill>
               </a:defRPr>
             </a:lvl2pPr>
-            <a:lvl3pPr indent="-228600" lvl="2" marL="1371600" algn="l">
+            <a:lvl3pPr marL="1371600" lvl="2" indent="-228600" algn="l">
               <a:lnSpc>
                 <a:spcPct val="90000"/>
               </a:lnSpc>
@@ -5382,7 +5640,7 @@
                 </a:solidFill>
               </a:defRPr>
             </a:lvl3pPr>
-            <a:lvl4pPr indent="-228600" lvl="3" marL="1828800" algn="l">
+            <a:lvl4pPr marL="1828800" lvl="3" indent="-228600" algn="l">
               <a:lnSpc>
                 <a:spcPct val="90000"/>
               </a:lnSpc>
@@ -5403,7 +5661,7 @@
                 </a:solidFill>
               </a:defRPr>
             </a:lvl4pPr>
-            <a:lvl5pPr indent="-228600" lvl="4" marL="2286000" algn="l">
+            <a:lvl5pPr marL="2286000" lvl="4" indent="-228600" algn="l">
               <a:lnSpc>
                 <a:spcPct val="90000"/>
               </a:lnSpc>
@@ -5424,7 +5682,7 @@
                 </a:solidFill>
               </a:defRPr>
             </a:lvl5pPr>
-            <a:lvl6pPr indent="-228600" lvl="5" marL="2743200" algn="l">
+            <a:lvl6pPr marL="2743200" lvl="5" indent="-228600" algn="l">
               <a:lnSpc>
                 <a:spcPct val="90000"/>
               </a:lnSpc>
@@ -5445,7 +5703,7 @@
                 </a:solidFill>
               </a:defRPr>
             </a:lvl6pPr>
-            <a:lvl7pPr indent="-228600" lvl="6" marL="3200400" algn="l">
+            <a:lvl7pPr marL="3200400" lvl="6" indent="-228600" algn="l">
               <a:lnSpc>
                 <a:spcPct val="90000"/>
               </a:lnSpc>
@@ -5466,7 +5724,7 @@
                 </a:solidFill>
               </a:defRPr>
             </a:lvl7pPr>
-            <a:lvl8pPr indent="-228600" lvl="7" marL="3657600" algn="l">
+            <a:lvl8pPr marL="3657600" lvl="7" indent="-228600" algn="l">
               <a:lnSpc>
                 <a:spcPct val="90000"/>
               </a:lnSpc>
@@ -5487,7 +5745,7 @@
                 </a:solidFill>
               </a:defRPr>
             </a:lvl8pPr>
-            <a:lvl9pPr indent="-228600" lvl="8" marL="4114800" algn="l">
+            <a:lvl9pPr marL="4114800" lvl="8" indent="-228600" algn="l">
               <a:lnSpc>
                 <a:spcPct val="90000"/>
               </a:lnSpc>
@@ -5509,15 +5767,19 @@
               </a:defRPr>
             </a:lvl9pPr>
           </a:lstStyle>
-          <a:p/>
+          <a:p>
+            <a:endParaRPr/>
+          </a:p>
         </p:txBody>
       </p:sp>
       <p:sp>
         <p:nvSpPr>
           <p:cNvPr id="26" name="Google Shape;26;p4"/>
-          <p:cNvSpPr txBox="1"/>
+          <p:cNvSpPr txBox="1">
+            <a:spLocks noGrp="1"/>
+          </p:cNvSpPr>
           <p:nvPr>
-            <p:ph idx="10" type="dt"/>
+            <p:ph type="dt" idx="10"/>
           </p:nvPr>
         </p:nvSpPr>
         <p:spPr>
@@ -5534,7 +5796,7 @@
           </a:ln>
         </p:spPr>
         <p:txBody>
-          <a:bodyPr anchorCtr="0" anchor="ctr" bIns="45700" lIns="91425" spcFirstLastPara="1" rIns="91425" wrap="square" tIns="45700">
+          <a:bodyPr spcFirstLastPara="1" wrap="square" lIns="91425" tIns="45700" rIns="91425" bIns="45700" anchor="ctr" anchorCtr="0">
             <a:noAutofit/>
           </a:bodyPr>
           <a:lstStyle>
@@ -5665,15 +5927,19 @@
               <a:defRPr/>
             </a:lvl9pPr>
           </a:lstStyle>
-          <a:p/>
+          <a:p>
+            <a:endParaRPr/>
+          </a:p>
         </p:txBody>
       </p:sp>
       <p:sp>
         <p:nvSpPr>
           <p:cNvPr id="27" name="Google Shape;27;p4"/>
-          <p:cNvSpPr txBox="1"/>
+          <p:cNvSpPr txBox="1">
+            <a:spLocks noGrp="1"/>
+          </p:cNvSpPr>
           <p:nvPr>
-            <p:ph idx="11" type="ftr"/>
+            <p:ph type="ftr" idx="11"/>
           </p:nvPr>
         </p:nvSpPr>
         <p:spPr>
@@ -5690,7 +5956,7 @@
           </a:ln>
         </p:spPr>
         <p:txBody>
-          <a:bodyPr anchorCtr="0" anchor="ctr" bIns="45700" lIns="91425" spcFirstLastPara="1" rIns="91425" wrap="square" tIns="45700">
+          <a:bodyPr spcFirstLastPara="1" wrap="square" lIns="91425" tIns="45700" rIns="91425" bIns="45700" anchor="ctr" anchorCtr="0">
             <a:noAutofit/>
           </a:bodyPr>
           <a:lstStyle>
@@ -5821,15 +6087,19 @@
               <a:defRPr/>
             </a:lvl9pPr>
           </a:lstStyle>
-          <a:p/>
+          <a:p>
+            <a:endParaRPr/>
+          </a:p>
         </p:txBody>
       </p:sp>
       <p:sp>
         <p:nvSpPr>
           <p:cNvPr id="28" name="Google Shape;28;p4"/>
-          <p:cNvSpPr txBox="1"/>
+          <p:cNvSpPr txBox="1">
+            <a:spLocks noGrp="1"/>
+          </p:cNvSpPr>
           <p:nvPr>
-            <p:ph idx="12" type="sldNum"/>
+            <p:ph type="sldNum" idx="12"/>
           </p:nvPr>
         </p:nvSpPr>
         <p:spPr>
@@ -5846,11 +6116,11 @@
           </a:ln>
         </p:spPr>
         <p:txBody>
-          <a:bodyPr anchorCtr="0" anchor="ctr" bIns="45700" lIns="91425" spcFirstLastPara="1" rIns="91425" wrap="square" tIns="45700">
+          <a:bodyPr spcFirstLastPara="1" wrap="square" lIns="91425" tIns="45700" rIns="91425" bIns="45700" anchor="ctr" anchorCtr="0">
             <a:noAutofit/>
           </a:bodyPr>
           <a:lstStyle>
-            <a:lvl1pPr indent="0" lvl="0" marL="0" marR="0" algn="r">
+            <a:lvl1pPr marL="0" marR="0" lvl="0" indent="0" algn="r">
               <a:lnSpc>
                 <a:spcPct val="100000"/>
               </a:lnSpc>
@@ -5866,7 +6136,7 @@
               <a:buSzPts val="1200"/>
               <a:buFont typeface="Arial"/>
               <a:buNone/>
-              <a:defRPr b="0" i="0" sz="1200" u="none" cap="none" strike="noStrike">
+              <a:defRPr sz="1200" b="0" i="0" u="none" strike="noStrike" cap="none">
                 <a:solidFill>
                   <a:srgbClr val="888888"/>
                 </a:solidFill>
@@ -5876,7 +6146,7 @@
                 <a:sym typeface="Calibri"/>
               </a:defRPr>
             </a:lvl1pPr>
-            <a:lvl2pPr indent="0" lvl="1" marL="0" marR="0" algn="r">
+            <a:lvl2pPr marL="0" marR="0" lvl="1" indent="0" algn="r">
               <a:lnSpc>
                 <a:spcPct val="100000"/>
               </a:lnSpc>
@@ -5892,7 +6162,7 @@
               <a:buSzPts val="1200"/>
               <a:buFont typeface="Arial"/>
               <a:buNone/>
-              <a:defRPr b="0" i="0" sz="1200" u="none" cap="none" strike="noStrike">
+              <a:defRPr sz="1200" b="0" i="0" u="none" strike="noStrike" cap="none">
                 <a:solidFill>
                   <a:srgbClr val="888888"/>
                 </a:solidFill>
@@ -5902,7 +6172,7 @@
                 <a:sym typeface="Calibri"/>
               </a:defRPr>
             </a:lvl2pPr>
-            <a:lvl3pPr indent="0" lvl="2" marL="0" marR="0" algn="r">
+            <a:lvl3pPr marL="0" marR="0" lvl="2" indent="0" algn="r">
               <a:lnSpc>
                 <a:spcPct val="100000"/>
               </a:lnSpc>
@@ -5918,7 +6188,7 @@
               <a:buSzPts val="1200"/>
               <a:buFont typeface="Arial"/>
               <a:buNone/>
-              <a:defRPr b="0" i="0" sz="1200" u="none" cap="none" strike="noStrike">
+              <a:defRPr sz="1200" b="0" i="0" u="none" strike="noStrike" cap="none">
                 <a:solidFill>
                   <a:srgbClr val="888888"/>
                 </a:solidFill>
@@ -5928,7 +6198,7 @@
                 <a:sym typeface="Calibri"/>
               </a:defRPr>
             </a:lvl3pPr>
-            <a:lvl4pPr indent="0" lvl="3" marL="0" marR="0" algn="r">
+            <a:lvl4pPr marL="0" marR="0" lvl="3" indent="0" algn="r">
               <a:lnSpc>
                 <a:spcPct val="100000"/>
               </a:lnSpc>
@@ -5944,7 +6214,7 @@
               <a:buSzPts val="1200"/>
               <a:buFont typeface="Arial"/>
               <a:buNone/>
-              <a:defRPr b="0" i="0" sz="1200" u="none" cap="none" strike="noStrike">
+              <a:defRPr sz="1200" b="0" i="0" u="none" strike="noStrike" cap="none">
                 <a:solidFill>
                   <a:srgbClr val="888888"/>
                 </a:solidFill>
@@ -5954,7 +6224,7 @@
                 <a:sym typeface="Calibri"/>
               </a:defRPr>
             </a:lvl4pPr>
-            <a:lvl5pPr indent="0" lvl="4" marL="0" marR="0" algn="r">
+            <a:lvl5pPr marL="0" marR="0" lvl="4" indent="0" algn="r">
               <a:lnSpc>
                 <a:spcPct val="100000"/>
               </a:lnSpc>
@@ -5970,7 +6240,7 @@
               <a:buSzPts val="1200"/>
               <a:buFont typeface="Arial"/>
               <a:buNone/>
-              <a:defRPr b="0" i="0" sz="1200" u="none" cap="none" strike="noStrike">
+              <a:defRPr sz="1200" b="0" i="0" u="none" strike="noStrike" cap="none">
                 <a:solidFill>
                   <a:srgbClr val="888888"/>
                 </a:solidFill>
@@ -5980,7 +6250,7 @@
                 <a:sym typeface="Calibri"/>
               </a:defRPr>
             </a:lvl5pPr>
-            <a:lvl6pPr indent="0" lvl="5" marL="0" marR="0" algn="r">
+            <a:lvl6pPr marL="0" marR="0" lvl="5" indent="0" algn="r">
               <a:lnSpc>
                 <a:spcPct val="100000"/>
               </a:lnSpc>
@@ -5996,7 +6266,7 @@
               <a:buSzPts val="1200"/>
               <a:buFont typeface="Arial"/>
               <a:buNone/>
-              <a:defRPr b="0" i="0" sz="1200" u="none" cap="none" strike="noStrike">
+              <a:defRPr sz="1200" b="0" i="0" u="none" strike="noStrike" cap="none">
                 <a:solidFill>
                   <a:srgbClr val="888888"/>
                 </a:solidFill>
@@ -6006,7 +6276,7 @@
                 <a:sym typeface="Calibri"/>
               </a:defRPr>
             </a:lvl6pPr>
-            <a:lvl7pPr indent="0" lvl="6" marL="0" marR="0" algn="r">
+            <a:lvl7pPr marL="0" marR="0" lvl="6" indent="0" algn="r">
               <a:lnSpc>
                 <a:spcPct val="100000"/>
               </a:lnSpc>
@@ -6022,7 +6292,7 @@
               <a:buSzPts val="1200"/>
               <a:buFont typeface="Arial"/>
               <a:buNone/>
-              <a:defRPr b="0" i="0" sz="1200" u="none" cap="none" strike="noStrike">
+              <a:defRPr sz="1200" b="0" i="0" u="none" strike="noStrike" cap="none">
                 <a:solidFill>
                   <a:srgbClr val="888888"/>
                 </a:solidFill>
@@ -6032,7 +6302,7 @@
                 <a:sym typeface="Calibri"/>
               </a:defRPr>
             </a:lvl7pPr>
-            <a:lvl8pPr indent="0" lvl="7" marL="0" marR="0" algn="r">
+            <a:lvl8pPr marL="0" marR="0" lvl="7" indent="0" algn="r">
               <a:lnSpc>
                 <a:spcPct val="100000"/>
               </a:lnSpc>
@@ -6048,7 +6318,7 @@
               <a:buSzPts val="1200"/>
               <a:buFont typeface="Arial"/>
               <a:buNone/>
-              <a:defRPr b="0" i="0" sz="1200" u="none" cap="none" strike="noStrike">
+              <a:defRPr sz="1200" b="0" i="0" u="none" strike="noStrike" cap="none">
                 <a:solidFill>
                   <a:srgbClr val="888888"/>
                 </a:solidFill>
@@ -6058,7 +6328,7 @@
                 <a:sym typeface="Calibri"/>
               </a:defRPr>
             </a:lvl8pPr>
-            <a:lvl9pPr indent="0" lvl="8" marL="0" marR="0" algn="r">
+            <a:lvl9pPr marL="0" marR="0" lvl="8" indent="0" algn="r">
               <a:lnSpc>
                 <a:spcPct val="100000"/>
               </a:lnSpc>
@@ -6074,7 +6344,7 @@
               <a:buSzPts val="1200"/>
               <a:buFont typeface="Arial"/>
               <a:buNone/>
-              <a:defRPr b="0" i="0" sz="1200" u="none" cap="none" strike="noStrike">
+              <a:defRPr sz="1200" b="0" i="0" u="none" strike="noStrike" cap="none">
                 <a:solidFill>
                   <a:srgbClr val="888888"/>
                 </a:solidFill>
@@ -6086,7 +6356,7 @@
             </a:lvl9pPr>
           </a:lstStyle>
           <a:p>
-            <a:pPr indent="0" lvl="0" marL="0" rtl="0" algn="r">
+            <a:pPr marL="0" lvl="0" indent="0" algn="r" rtl="0">
               <a:spcBef>
                 <a:spcPts val="0"/>
               </a:spcBef>
@@ -6097,7 +6367,7 @@
             </a:pPr>
             <a:fld id="{00000000-1234-1234-1234-123412341234}" type="slidenum">
               <a:rPr lang="pt-BR"/>
-              <a:t>‹#›</a:t>
+              <a:t>‹nº›</a:t>
             </a:fld>
             <a:endParaRPr/>
           </a:p>
@@ -6112,11 +6382,11 @@
 </file>
 
 <file path=ppt/slideLayouts/slideLayout4.xml><?xml version="1.0" encoding="utf-8"?>
-<p:sldLayout xmlns:a="http://schemas.openxmlformats.org/drawingml/2006/main" xmlns:r="http://schemas.openxmlformats.org/officeDocument/2006/relationships" xmlns:mc="http://schemas.openxmlformats.org/markup-compatibility/2006" xmlns:mv="urn:schemas-microsoft-com:mac:vml" xmlns:p="http://schemas.openxmlformats.org/presentationml/2006/main" xmlns:c="http://schemas.openxmlformats.org/drawingml/2006/chart" xmlns:dgm="http://schemas.openxmlformats.org/drawingml/2006/diagram" xmlns:o="urn:schemas-microsoft-com:office:office" xmlns:v="urn:schemas-microsoft-com:vml" xmlns:pvml="urn:schemas-microsoft-com:office:powerpoint" xmlns:com="http://schemas.openxmlformats.org/drawingml/2006/compatibility" xmlns:p14="http://schemas.microsoft.com/office/powerpoint/2010/main" xmlns:p15="http://schemas.microsoft.com/office/powerpoint/2012/main" xmlns:ahyp="http://schemas.microsoft.com/office/drawing/2018/hyperlinkcolor" matchingName="Duas Partes de Conteúdo" type="twoObj">
+<p:sldLayout xmlns:a="http://schemas.openxmlformats.org/drawingml/2006/main" xmlns:r="http://schemas.openxmlformats.org/officeDocument/2006/relationships" xmlns:p="http://schemas.openxmlformats.org/presentationml/2006/main" matchingName="Duas Partes de Conteúdo" type="twoObj">
   <p:cSld name="TWO_OBJECTS">
     <p:spTree>
       <p:nvGrpSpPr>
-        <p:cNvPr id="29" name="Shape 29"/>
+        <p:cNvPr id="1" name="Shape 29"/>
         <p:cNvGrpSpPr/>
         <p:nvPr/>
       </p:nvGrpSpPr>
@@ -6131,7 +6401,9 @@
       <p:sp>
         <p:nvSpPr>
           <p:cNvPr id="30" name="Google Shape;30;p5"/>
-          <p:cNvSpPr txBox="1"/>
+          <p:cNvSpPr txBox="1">
+            <a:spLocks noGrp="1"/>
+          </p:cNvSpPr>
           <p:nvPr>
             <p:ph type="title"/>
           </p:nvPr>
@@ -6150,7 +6422,7 @@
           </a:ln>
         </p:spPr>
         <p:txBody>
-          <a:bodyPr anchorCtr="0" anchor="ctr" bIns="45700" lIns="91425" spcFirstLastPara="1" rIns="91425" wrap="square" tIns="45700">
+          <a:bodyPr spcFirstLastPara="1" wrap="square" lIns="91425" tIns="45700" rIns="91425" bIns="45700" anchor="ctr" anchorCtr="0">
             <a:normAutofit/>
           </a:bodyPr>
           <a:lstStyle>
@@ -6284,15 +6556,19 @@
               <a:defRPr/>
             </a:lvl9pPr>
           </a:lstStyle>
-          <a:p/>
+          <a:p>
+            <a:endParaRPr/>
+          </a:p>
         </p:txBody>
       </p:sp>
       <p:sp>
         <p:nvSpPr>
           <p:cNvPr id="31" name="Google Shape;31;p5"/>
-          <p:cNvSpPr txBox="1"/>
+          <p:cNvSpPr txBox="1">
+            <a:spLocks noGrp="1"/>
+          </p:cNvSpPr>
           <p:nvPr>
-            <p:ph idx="1" type="body"/>
+            <p:ph type="body" idx="1"/>
           </p:nvPr>
         </p:nvSpPr>
         <p:spPr>
@@ -6309,11 +6585,11 @@
           </a:ln>
         </p:spPr>
         <p:txBody>
-          <a:bodyPr anchorCtr="0" anchor="t" bIns="45700" lIns="91425" spcFirstLastPara="1" rIns="91425" wrap="square" tIns="45700">
+          <a:bodyPr spcFirstLastPara="1" wrap="square" lIns="91425" tIns="45700" rIns="91425" bIns="45700" anchor="t" anchorCtr="0">
             <a:normAutofit/>
           </a:bodyPr>
           <a:lstStyle>
-            <a:lvl1pPr indent="-342900" lvl="0" marL="457200" algn="l">
+            <a:lvl1pPr marL="457200" lvl="0" indent="-342900" algn="l">
               <a:lnSpc>
                 <a:spcPct val="90000"/>
               </a:lnSpc>
@@ -6330,7 +6606,7 @@
               <a:buChar char="•"/>
               <a:defRPr/>
             </a:lvl1pPr>
-            <a:lvl2pPr indent="-342900" lvl="1" marL="914400" algn="l">
+            <a:lvl2pPr marL="914400" lvl="1" indent="-342900" algn="l">
               <a:lnSpc>
                 <a:spcPct val="90000"/>
               </a:lnSpc>
@@ -6347,7 +6623,7 @@
               <a:buChar char="•"/>
               <a:defRPr/>
             </a:lvl2pPr>
-            <a:lvl3pPr indent="-342900" lvl="2" marL="1371600" algn="l">
+            <a:lvl3pPr marL="1371600" lvl="2" indent="-342900" algn="l">
               <a:lnSpc>
                 <a:spcPct val="90000"/>
               </a:lnSpc>
@@ -6364,7 +6640,7 @@
               <a:buChar char="•"/>
               <a:defRPr/>
             </a:lvl3pPr>
-            <a:lvl4pPr indent="-342900" lvl="3" marL="1828800" algn="l">
+            <a:lvl4pPr marL="1828800" lvl="3" indent="-342900" algn="l">
               <a:lnSpc>
                 <a:spcPct val="90000"/>
               </a:lnSpc>
@@ -6381,7 +6657,7 @@
               <a:buChar char="•"/>
               <a:defRPr/>
             </a:lvl4pPr>
-            <a:lvl5pPr indent="-342900" lvl="4" marL="2286000" algn="l">
+            <a:lvl5pPr marL="2286000" lvl="4" indent="-342900" algn="l">
               <a:lnSpc>
                 <a:spcPct val="90000"/>
               </a:lnSpc>
@@ -6398,7 +6674,7 @@
               <a:buChar char="•"/>
               <a:defRPr/>
             </a:lvl5pPr>
-            <a:lvl6pPr indent="-342900" lvl="5" marL="2743200" algn="l">
+            <a:lvl6pPr marL="2743200" lvl="5" indent="-342900" algn="l">
               <a:lnSpc>
                 <a:spcPct val="90000"/>
               </a:lnSpc>
@@ -6415,7 +6691,7 @@
               <a:buChar char="•"/>
               <a:defRPr/>
             </a:lvl6pPr>
-            <a:lvl7pPr indent="-342900" lvl="6" marL="3200400" algn="l">
+            <a:lvl7pPr marL="3200400" lvl="6" indent="-342900" algn="l">
               <a:lnSpc>
                 <a:spcPct val="90000"/>
               </a:lnSpc>
@@ -6432,7 +6708,7 @@
               <a:buChar char="•"/>
               <a:defRPr/>
             </a:lvl7pPr>
-            <a:lvl8pPr indent="-342900" lvl="7" marL="3657600" algn="l">
+            <a:lvl8pPr marL="3657600" lvl="7" indent="-342900" algn="l">
               <a:lnSpc>
                 <a:spcPct val="90000"/>
               </a:lnSpc>
@@ -6449,7 +6725,7 @@
               <a:buChar char="•"/>
               <a:defRPr/>
             </a:lvl8pPr>
-            <a:lvl9pPr indent="-342900" lvl="8" marL="4114800" algn="l">
+            <a:lvl9pPr marL="4114800" lvl="8" indent="-342900" algn="l">
               <a:lnSpc>
                 <a:spcPct val="90000"/>
               </a:lnSpc>
@@ -6467,15 +6743,19 @@
               <a:defRPr/>
             </a:lvl9pPr>
           </a:lstStyle>
-          <a:p/>
+          <a:p>
+            <a:endParaRPr/>
+          </a:p>
         </p:txBody>
       </p:sp>
       <p:sp>
         <p:nvSpPr>
           <p:cNvPr id="32" name="Google Shape;32;p5"/>
-          <p:cNvSpPr txBox="1"/>
+          <p:cNvSpPr txBox="1">
+            <a:spLocks noGrp="1"/>
+          </p:cNvSpPr>
           <p:nvPr>
-            <p:ph idx="2" type="body"/>
+            <p:ph type="body" idx="2"/>
           </p:nvPr>
         </p:nvSpPr>
         <p:spPr>
@@ -6492,11 +6772,11 @@
           </a:ln>
         </p:spPr>
         <p:txBody>
-          <a:bodyPr anchorCtr="0" anchor="t" bIns="45700" lIns="91425" spcFirstLastPara="1" rIns="91425" wrap="square" tIns="45700">
+          <a:bodyPr spcFirstLastPara="1" wrap="square" lIns="91425" tIns="45700" rIns="91425" bIns="45700" anchor="t" anchorCtr="0">
             <a:normAutofit/>
           </a:bodyPr>
           <a:lstStyle>
-            <a:lvl1pPr indent="-342900" lvl="0" marL="457200" algn="l">
+            <a:lvl1pPr marL="457200" lvl="0" indent="-342900" algn="l">
               <a:lnSpc>
                 <a:spcPct val="90000"/>
               </a:lnSpc>
@@ -6513,7 +6793,7 @@
               <a:buChar char="•"/>
               <a:defRPr/>
             </a:lvl1pPr>
-            <a:lvl2pPr indent="-342900" lvl="1" marL="914400" algn="l">
+            <a:lvl2pPr marL="914400" lvl="1" indent="-342900" algn="l">
               <a:lnSpc>
                 <a:spcPct val="90000"/>
               </a:lnSpc>
@@ -6530,7 +6810,7 @@
               <a:buChar char="•"/>
               <a:defRPr/>
             </a:lvl2pPr>
-            <a:lvl3pPr indent="-342900" lvl="2" marL="1371600" algn="l">
+            <a:lvl3pPr marL="1371600" lvl="2" indent="-342900" algn="l">
               <a:lnSpc>
                 <a:spcPct val="90000"/>
               </a:lnSpc>
@@ -6547,7 +6827,7 @@
               <a:buChar char="•"/>
               <a:defRPr/>
             </a:lvl3pPr>
-            <a:lvl4pPr indent="-342900" lvl="3" marL="1828800" algn="l">
+            <a:lvl4pPr marL="1828800" lvl="3" indent="-342900" algn="l">
               <a:lnSpc>
                 <a:spcPct val="90000"/>
               </a:lnSpc>
@@ -6564,7 +6844,7 @@
               <a:buChar char="•"/>
               <a:defRPr/>
             </a:lvl4pPr>
-            <a:lvl5pPr indent="-342900" lvl="4" marL="2286000" algn="l">
+            <a:lvl5pPr marL="2286000" lvl="4" indent="-342900" algn="l">
               <a:lnSpc>
                 <a:spcPct val="90000"/>
               </a:lnSpc>
@@ -6581,7 +6861,7 @@
               <a:buChar char="•"/>
               <a:defRPr/>
             </a:lvl5pPr>
-            <a:lvl6pPr indent="-342900" lvl="5" marL="2743200" algn="l">
+            <a:lvl6pPr marL="2743200" lvl="5" indent="-342900" algn="l">
               <a:lnSpc>
                 <a:spcPct val="90000"/>
               </a:lnSpc>
@@ -6598,7 +6878,7 @@
               <a:buChar char="•"/>
               <a:defRPr/>
             </a:lvl6pPr>
-            <a:lvl7pPr indent="-342900" lvl="6" marL="3200400" algn="l">
+            <a:lvl7pPr marL="3200400" lvl="6" indent="-342900" algn="l">
               <a:lnSpc>
                 <a:spcPct val="90000"/>
               </a:lnSpc>
@@ -6615,7 +6895,7 @@
               <a:buChar char="•"/>
               <a:defRPr/>
             </a:lvl7pPr>
-            <a:lvl8pPr indent="-342900" lvl="7" marL="3657600" algn="l">
+            <a:lvl8pPr marL="3657600" lvl="7" indent="-342900" algn="l">
               <a:lnSpc>
                 <a:spcPct val="90000"/>
               </a:lnSpc>
@@ -6632,7 +6912,7 @@
               <a:buChar char="•"/>
               <a:defRPr/>
             </a:lvl8pPr>
-            <a:lvl9pPr indent="-342900" lvl="8" marL="4114800" algn="l">
+            <a:lvl9pPr marL="4114800" lvl="8" indent="-342900" algn="l">
               <a:lnSpc>
                 <a:spcPct val="90000"/>
               </a:lnSpc>
@@ -6650,15 +6930,19 @@
               <a:defRPr/>
             </a:lvl9pPr>
           </a:lstStyle>
-          <a:p/>
+          <a:p>
+            <a:endParaRPr/>
+          </a:p>
         </p:txBody>
       </p:sp>
       <p:sp>
         <p:nvSpPr>
           <p:cNvPr id="33" name="Google Shape;33;p5"/>
-          <p:cNvSpPr txBox="1"/>
+          <p:cNvSpPr txBox="1">
+            <a:spLocks noGrp="1"/>
+          </p:cNvSpPr>
           <p:nvPr>
-            <p:ph idx="10" type="dt"/>
+            <p:ph type="dt" idx="10"/>
           </p:nvPr>
         </p:nvSpPr>
         <p:spPr>
@@ -6675,7 +6959,7 @@
           </a:ln>
         </p:spPr>
         <p:txBody>
-          <a:bodyPr anchorCtr="0" anchor="ctr" bIns="45700" lIns="91425" spcFirstLastPara="1" rIns="91425" wrap="square" tIns="45700">
+          <a:bodyPr spcFirstLastPara="1" wrap="square" lIns="91425" tIns="45700" rIns="91425" bIns="45700" anchor="ctr" anchorCtr="0">
             <a:noAutofit/>
           </a:bodyPr>
           <a:lstStyle>
@@ -6806,15 +7090,19 @@
               <a:defRPr/>
             </a:lvl9pPr>
           </a:lstStyle>
-          <a:p/>
+          <a:p>
+            <a:endParaRPr/>
+          </a:p>
         </p:txBody>
       </p:sp>
       <p:sp>
         <p:nvSpPr>
           <p:cNvPr id="34" name="Google Shape;34;p5"/>
-          <p:cNvSpPr txBox="1"/>
+          <p:cNvSpPr txBox="1">
+            <a:spLocks noGrp="1"/>
+          </p:cNvSpPr>
           <p:nvPr>
-            <p:ph idx="11" type="ftr"/>
+            <p:ph type="ftr" idx="11"/>
           </p:nvPr>
         </p:nvSpPr>
         <p:spPr>
@@ -6831,7 +7119,7 @@
           </a:ln>
         </p:spPr>
         <p:txBody>
-          <a:bodyPr anchorCtr="0" anchor="ctr" bIns="45700" lIns="91425" spcFirstLastPara="1" rIns="91425" wrap="square" tIns="45700">
+          <a:bodyPr spcFirstLastPara="1" wrap="square" lIns="91425" tIns="45700" rIns="91425" bIns="45700" anchor="ctr" anchorCtr="0">
             <a:noAutofit/>
           </a:bodyPr>
           <a:lstStyle>
@@ -6962,15 +7250,19 @@
               <a:defRPr/>
             </a:lvl9pPr>
           </a:lstStyle>
-          <a:p/>
+          <a:p>
+            <a:endParaRPr/>
+          </a:p>
         </p:txBody>
       </p:sp>
       <p:sp>
         <p:nvSpPr>
           <p:cNvPr id="35" name="Google Shape;35;p5"/>
-          <p:cNvSpPr txBox="1"/>
+          <p:cNvSpPr txBox="1">
+            <a:spLocks noGrp="1"/>
+          </p:cNvSpPr>
           <p:nvPr>
-            <p:ph idx="12" type="sldNum"/>
+            <p:ph type="sldNum" idx="12"/>
           </p:nvPr>
         </p:nvSpPr>
         <p:spPr>
@@ -6987,11 +7279,11 @@
           </a:ln>
         </p:spPr>
         <p:txBody>
-          <a:bodyPr anchorCtr="0" anchor="ctr" bIns="45700" lIns="91425" spcFirstLastPara="1" rIns="91425" wrap="square" tIns="45700">
+          <a:bodyPr spcFirstLastPara="1" wrap="square" lIns="91425" tIns="45700" rIns="91425" bIns="45700" anchor="ctr" anchorCtr="0">
             <a:noAutofit/>
           </a:bodyPr>
           <a:lstStyle>
-            <a:lvl1pPr indent="0" lvl="0" marL="0" marR="0" algn="r">
+            <a:lvl1pPr marL="0" marR="0" lvl="0" indent="0" algn="r">
               <a:lnSpc>
                 <a:spcPct val="100000"/>
               </a:lnSpc>
@@ -7007,7 +7299,7 @@
               <a:buSzPts val="1200"/>
               <a:buFont typeface="Arial"/>
               <a:buNone/>
-              <a:defRPr b="0" i="0" sz="1200" u="none" cap="none" strike="noStrike">
+              <a:defRPr sz="1200" b="0" i="0" u="none" strike="noStrike" cap="none">
                 <a:solidFill>
                   <a:srgbClr val="888888"/>
                 </a:solidFill>
@@ -7017,7 +7309,7 @@
                 <a:sym typeface="Calibri"/>
               </a:defRPr>
             </a:lvl1pPr>
-            <a:lvl2pPr indent="0" lvl="1" marL="0" marR="0" algn="r">
+            <a:lvl2pPr marL="0" marR="0" lvl="1" indent="0" algn="r">
               <a:lnSpc>
                 <a:spcPct val="100000"/>
               </a:lnSpc>
@@ -7033,7 +7325,7 @@
               <a:buSzPts val="1200"/>
               <a:buFont typeface="Arial"/>
               <a:buNone/>
-              <a:defRPr b="0" i="0" sz="1200" u="none" cap="none" strike="noStrike">
+              <a:defRPr sz="1200" b="0" i="0" u="none" strike="noStrike" cap="none">
                 <a:solidFill>
                   <a:srgbClr val="888888"/>
                 </a:solidFill>
@@ -7043,7 +7335,7 @@
                 <a:sym typeface="Calibri"/>
               </a:defRPr>
             </a:lvl2pPr>
-            <a:lvl3pPr indent="0" lvl="2" marL="0" marR="0" algn="r">
+            <a:lvl3pPr marL="0" marR="0" lvl="2" indent="0" algn="r">
               <a:lnSpc>
                 <a:spcPct val="100000"/>
               </a:lnSpc>
@@ -7059,7 +7351,7 @@
               <a:buSzPts val="1200"/>
               <a:buFont typeface="Arial"/>
               <a:buNone/>
-              <a:defRPr b="0" i="0" sz="1200" u="none" cap="none" strike="noStrike">
+              <a:defRPr sz="1200" b="0" i="0" u="none" strike="noStrike" cap="none">
                 <a:solidFill>
                   <a:srgbClr val="888888"/>
                 </a:solidFill>
@@ -7069,7 +7361,7 @@
                 <a:sym typeface="Calibri"/>
               </a:defRPr>
             </a:lvl3pPr>
-            <a:lvl4pPr indent="0" lvl="3" marL="0" marR="0" algn="r">
+            <a:lvl4pPr marL="0" marR="0" lvl="3" indent="0" algn="r">
               <a:lnSpc>
                 <a:spcPct val="100000"/>
               </a:lnSpc>
@@ -7085,7 +7377,7 @@
               <a:buSzPts val="1200"/>
               <a:buFont typeface="Arial"/>
               <a:buNone/>
-              <a:defRPr b="0" i="0" sz="1200" u="none" cap="none" strike="noStrike">
+              <a:defRPr sz="1200" b="0" i="0" u="none" strike="noStrike" cap="none">
                 <a:solidFill>
                   <a:srgbClr val="888888"/>
                 </a:solidFill>
@@ -7095,7 +7387,7 @@
                 <a:sym typeface="Calibri"/>
               </a:defRPr>
             </a:lvl4pPr>
-            <a:lvl5pPr indent="0" lvl="4" marL="0" marR="0" algn="r">
+            <a:lvl5pPr marL="0" marR="0" lvl="4" indent="0" algn="r">
               <a:lnSpc>
                 <a:spcPct val="100000"/>
               </a:lnSpc>
@@ -7111,7 +7403,7 @@
               <a:buSzPts val="1200"/>
               <a:buFont typeface="Arial"/>
               <a:buNone/>
-              <a:defRPr b="0" i="0" sz="1200" u="none" cap="none" strike="noStrike">
+              <a:defRPr sz="1200" b="0" i="0" u="none" strike="noStrike" cap="none">
                 <a:solidFill>
                   <a:srgbClr val="888888"/>
                 </a:solidFill>
@@ -7121,7 +7413,7 @@
                 <a:sym typeface="Calibri"/>
               </a:defRPr>
             </a:lvl5pPr>
-            <a:lvl6pPr indent="0" lvl="5" marL="0" marR="0" algn="r">
+            <a:lvl6pPr marL="0" marR="0" lvl="5" indent="0" algn="r">
               <a:lnSpc>
                 <a:spcPct val="100000"/>
               </a:lnSpc>
@@ -7137,7 +7429,7 @@
               <a:buSzPts val="1200"/>
               <a:buFont typeface="Arial"/>
               <a:buNone/>
-              <a:defRPr b="0" i="0" sz="1200" u="none" cap="none" strike="noStrike">
+              <a:defRPr sz="1200" b="0" i="0" u="none" strike="noStrike" cap="none">
                 <a:solidFill>
                   <a:srgbClr val="888888"/>
                 </a:solidFill>
@@ -7147,7 +7439,7 @@
                 <a:sym typeface="Calibri"/>
               </a:defRPr>
             </a:lvl6pPr>
-            <a:lvl7pPr indent="0" lvl="6" marL="0" marR="0" algn="r">
+            <a:lvl7pPr marL="0" marR="0" lvl="6" indent="0" algn="r">
               <a:lnSpc>
                 <a:spcPct val="100000"/>
               </a:lnSpc>
@@ -7163,7 +7455,7 @@
               <a:buSzPts val="1200"/>
               <a:buFont typeface="Arial"/>
               <a:buNone/>
-              <a:defRPr b="0" i="0" sz="1200" u="none" cap="none" strike="noStrike">
+              <a:defRPr sz="1200" b="0" i="0" u="none" strike="noStrike" cap="none">
                 <a:solidFill>
                   <a:srgbClr val="888888"/>
                 </a:solidFill>
@@ -7173,7 +7465,7 @@
                 <a:sym typeface="Calibri"/>
               </a:defRPr>
             </a:lvl7pPr>
-            <a:lvl8pPr indent="0" lvl="7" marL="0" marR="0" algn="r">
+            <a:lvl8pPr marL="0" marR="0" lvl="7" indent="0" algn="r">
               <a:lnSpc>
                 <a:spcPct val="100000"/>
               </a:lnSpc>
@@ -7189,7 +7481,7 @@
               <a:buSzPts val="1200"/>
               <a:buFont typeface="Arial"/>
               <a:buNone/>
-              <a:defRPr b="0" i="0" sz="1200" u="none" cap="none" strike="noStrike">
+              <a:defRPr sz="1200" b="0" i="0" u="none" strike="noStrike" cap="none">
                 <a:solidFill>
                   <a:srgbClr val="888888"/>
                 </a:solidFill>
@@ -7199,7 +7491,7 @@
                 <a:sym typeface="Calibri"/>
               </a:defRPr>
             </a:lvl8pPr>
-            <a:lvl9pPr indent="0" lvl="8" marL="0" marR="0" algn="r">
+            <a:lvl9pPr marL="0" marR="0" lvl="8" indent="0" algn="r">
               <a:lnSpc>
                 <a:spcPct val="100000"/>
               </a:lnSpc>
@@ -7215,7 +7507,7 @@
               <a:buSzPts val="1200"/>
               <a:buFont typeface="Arial"/>
               <a:buNone/>
-              <a:defRPr b="0" i="0" sz="1200" u="none" cap="none" strike="noStrike">
+              <a:defRPr sz="1200" b="0" i="0" u="none" strike="noStrike" cap="none">
                 <a:solidFill>
                   <a:srgbClr val="888888"/>
                 </a:solidFill>
@@ -7227,7 +7519,7 @@
             </a:lvl9pPr>
           </a:lstStyle>
           <a:p>
-            <a:pPr indent="0" lvl="0" marL="0" rtl="0" algn="r">
+            <a:pPr marL="0" lvl="0" indent="0" algn="r" rtl="0">
               <a:spcBef>
                 <a:spcPts val="0"/>
               </a:spcBef>
@@ -7238,7 +7530,7 @@
             </a:pPr>
             <a:fld id="{00000000-1234-1234-1234-123412341234}" type="slidenum">
               <a:rPr lang="pt-BR"/>
-              <a:t>‹#›</a:t>
+              <a:t>‹nº›</a:t>
             </a:fld>
             <a:endParaRPr/>
           </a:p>
@@ -7253,11 +7545,11 @@
 </file>
 
 <file path=ppt/slideLayouts/slideLayout5.xml><?xml version="1.0" encoding="utf-8"?>
-<p:sldLayout xmlns:a="http://schemas.openxmlformats.org/drawingml/2006/main" xmlns:r="http://schemas.openxmlformats.org/officeDocument/2006/relationships" xmlns:mc="http://schemas.openxmlformats.org/markup-compatibility/2006" xmlns:mv="urn:schemas-microsoft-com:mac:vml" xmlns:p="http://schemas.openxmlformats.org/presentationml/2006/main" xmlns:c="http://schemas.openxmlformats.org/drawingml/2006/chart" xmlns:dgm="http://schemas.openxmlformats.org/drawingml/2006/diagram" xmlns:o="urn:schemas-microsoft-com:office:office" xmlns:v="urn:schemas-microsoft-com:vml" xmlns:pvml="urn:schemas-microsoft-com:office:powerpoint" xmlns:com="http://schemas.openxmlformats.org/drawingml/2006/compatibility" xmlns:p14="http://schemas.microsoft.com/office/powerpoint/2010/main" xmlns:p15="http://schemas.microsoft.com/office/powerpoint/2012/main" xmlns:ahyp="http://schemas.microsoft.com/office/drawing/2018/hyperlinkcolor" matchingName="Comparação" type="twoTxTwoObj">
+<p:sldLayout xmlns:a="http://schemas.openxmlformats.org/drawingml/2006/main" xmlns:r="http://schemas.openxmlformats.org/officeDocument/2006/relationships" xmlns:p="http://schemas.openxmlformats.org/presentationml/2006/main" matchingName="Comparação" type="twoTxTwoObj">
   <p:cSld name="TWO_OBJECTS_WITH_TEXT">
     <p:spTree>
       <p:nvGrpSpPr>
-        <p:cNvPr id="36" name="Shape 36"/>
+        <p:cNvPr id="1" name="Shape 36"/>
         <p:cNvGrpSpPr/>
         <p:nvPr/>
       </p:nvGrpSpPr>
@@ -7272,7 +7564,9 @@
       <p:sp>
         <p:nvSpPr>
           <p:cNvPr id="37" name="Google Shape;37;p6"/>
-          <p:cNvSpPr txBox="1"/>
+          <p:cNvSpPr txBox="1">
+            <a:spLocks noGrp="1"/>
+          </p:cNvSpPr>
           <p:nvPr>
             <p:ph type="title"/>
           </p:nvPr>
@@ -7291,7 +7585,7 @@
           </a:ln>
         </p:spPr>
         <p:txBody>
-          <a:bodyPr anchorCtr="0" anchor="ctr" bIns="45700" lIns="91425" spcFirstLastPara="1" rIns="91425" wrap="square" tIns="45700">
+          <a:bodyPr spcFirstLastPara="1" wrap="square" lIns="91425" tIns="45700" rIns="91425" bIns="45700" anchor="ctr" anchorCtr="0">
             <a:normAutofit/>
           </a:bodyPr>
           <a:lstStyle>
@@ -7425,15 +7719,19 @@
               <a:defRPr/>
             </a:lvl9pPr>
           </a:lstStyle>
-          <a:p/>
+          <a:p>
+            <a:endParaRPr/>
+          </a:p>
         </p:txBody>
       </p:sp>
       <p:sp>
         <p:nvSpPr>
           <p:cNvPr id="38" name="Google Shape;38;p6"/>
-          <p:cNvSpPr txBox="1"/>
+          <p:cNvSpPr txBox="1">
+            <a:spLocks noGrp="1"/>
+          </p:cNvSpPr>
           <p:nvPr>
-            <p:ph idx="1" type="body"/>
+            <p:ph type="body" idx="1"/>
           </p:nvPr>
         </p:nvSpPr>
         <p:spPr>
@@ -7450,11 +7748,11 @@
           </a:ln>
         </p:spPr>
         <p:txBody>
-          <a:bodyPr anchorCtr="0" anchor="b" bIns="45700" lIns="91425" spcFirstLastPara="1" rIns="91425" wrap="square" tIns="45700">
+          <a:bodyPr spcFirstLastPara="1" wrap="square" lIns="91425" tIns="45700" rIns="91425" bIns="45700" anchor="b" anchorCtr="0">
             <a:normAutofit/>
           </a:bodyPr>
           <a:lstStyle>
-            <a:lvl1pPr indent="-228600" lvl="0" marL="457200" algn="l">
+            <a:lvl1pPr marL="457200" lvl="0" indent="-228600" algn="l">
               <a:lnSpc>
                 <a:spcPct val="90000"/>
               </a:lnSpc>
@@ -7469,9 +7767,9 @@
               </a:buClr>
               <a:buSzPts val="2400"/>
               <a:buNone/>
-              <a:defRPr b="1" sz="2400"/>
+              <a:defRPr sz="2400" b="1"/>
             </a:lvl1pPr>
-            <a:lvl2pPr indent="-228600" lvl="1" marL="914400" algn="l">
+            <a:lvl2pPr marL="914400" lvl="1" indent="-228600" algn="l">
               <a:lnSpc>
                 <a:spcPct val="90000"/>
               </a:lnSpc>
@@ -7486,9 +7784,9 @@
               </a:buClr>
               <a:buSzPts val="2000"/>
               <a:buNone/>
-              <a:defRPr b="1" sz="2000"/>
+              <a:defRPr sz="2000" b="1"/>
             </a:lvl2pPr>
-            <a:lvl3pPr indent="-228600" lvl="2" marL="1371600" algn="l">
+            <a:lvl3pPr marL="1371600" lvl="2" indent="-228600" algn="l">
               <a:lnSpc>
                 <a:spcPct val="90000"/>
               </a:lnSpc>
@@ -7503,9 +7801,9 @@
               </a:buClr>
               <a:buSzPts val="1800"/>
               <a:buNone/>
-              <a:defRPr b="1" sz="1800"/>
+              <a:defRPr sz="1800" b="1"/>
             </a:lvl3pPr>
-            <a:lvl4pPr indent="-228600" lvl="3" marL="1828800" algn="l">
+            <a:lvl4pPr marL="1828800" lvl="3" indent="-228600" algn="l">
               <a:lnSpc>
                 <a:spcPct val="90000"/>
               </a:lnSpc>
@@ -7520,9 +7818,9 @@
               </a:buClr>
               <a:buSzPts val="1600"/>
               <a:buNone/>
-              <a:defRPr b="1" sz="1600"/>
+              <a:defRPr sz="1600" b="1"/>
             </a:lvl4pPr>
-            <a:lvl5pPr indent="-228600" lvl="4" marL="2286000" algn="l">
+            <a:lvl5pPr marL="2286000" lvl="4" indent="-228600" algn="l">
               <a:lnSpc>
                 <a:spcPct val="90000"/>
               </a:lnSpc>
@@ -7537,9 +7835,9 @@
               </a:buClr>
               <a:buSzPts val="1600"/>
               <a:buNone/>
-              <a:defRPr b="1" sz="1600"/>
+              <a:defRPr sz="1600" b="1"/>
             </a:lvl5pPr>
-            <a:lvl6pPr indent="-228600" lvl="5" marL="2743200" algn="l">
+            <a:lvl6pPr marL="2743200" lvl="5" indent="-228600" algn="l">
               <a:lnSpc>
                 <a:spcPct val="90000"/>
               </a:lnSpc>
@@ -7554,9 +7852,9 @@
               </a:buClr>
               <a:buSzPts val="1600"/>
               <a:buNone/>
-              <a:defRPr b="1" sz="1600"/>
+              <a:defRPr sz="1600" b="1"/>
             </a:lvl6pPr>
-            <a:lvl7pPr indent="-228600" lvl="6" marL="3200400" algn="l">
+            <a:lvl7pPr marL="3200400" lvl="6" indent="-228600" algn="l">
               <a:lnSpc>
                 <a:spcPct val="90000"/>
               </a:lnSpc>
@@ -7571,9 +7869,9 @@
               </a:buClr>
               <a:buSzPts val="1600"/>
               <a:buNone/>
-              <a:defRPr b="1" sz="1600"/>
+              <a:defRPr sz="1600" b="1"/>
             </a:lvl7pPr>
-            <a:lvl8pPr indent="-228600" lvl="7" marL="3657600" algn="l">
+            <a:lvl8pPr marL="3657600" lvl="7" indent="-228600" algn="l">
               <a:lnSpc>
                 <a:spcPct val="90000"/>
               </a:lnSpc>
@@ -7588,9 +7886,9 @@
               </a:buClr>
               <a:buSzPts val="1600"/>
               <a:buNone/>
-              <a:defRPr b="1" sz="1600"/>
+              <a:defRPr sz="1600" b="1"/>
             </a:lvl8pPr>
-            <a:lvl9pPr indent="-228600" lvl="8" marL="4114800" algn="l">
+            <a:lvl9pPr marL="4114800" lvl="8" indent="-228600" algn="l">
               <a:lnSpc>
                 <a:spcPct val="90000"/>
               </a:lnSpc>
@@ -7605,18 +7903,22 @@
               </a:buClr>
               <a:buSzPts val="1600"/>
               <a:buNone/>
-              <a:defRPr b="1" sz="1600"/>
+              <a:defRPr sz="1600" b="1"/>
             </a:lvl9pPr>
           </a:lstStyle>
-          <a:p/>
+          <a:p>
+            <a:endParaRPr/>
+          </a:p>
         </p:txBody>
       </p:sp>
       <p:sp>
         <p:nvSpPr>
           <p:cNvPr id="39" name="Google Shape;39;p6"/>
-          <p:cNvSpPr txBox="1"/>
+          <p:cNvSpPr txBox="1">
+            <a:spLocks noGrp="1"/>
+          </p:cNvSpPr>
           <p:nvPr>
-            <p:ph idx="2" type="body"/>
+            <p:ph type="body" idx="2"/>
           </p:nvPr>
         </p:nvSpPr>
         <p:spPr>
@@ -7633,11 +7935,11 @@
           </a:ln>
         </p:spPr>
         <p:txBody>
-          <a:bodyPr anchorCtr="0" anchor="t" bIns="45700" lIns="91425" spcFirstLastPara="1" rIns="91425" wrap="square" tIns="45700">
+          <a:bodyPr spcFirstLastPara="1" wrap="square" lIns="91425" tIns="45700" rIns="91425" bIns="45700" anchor="t" anchorCtr="0">
             <a:normAutofit/>
           </a:bodyPr>
           <a:lstStyle>
-            <a:lvl1pPr indent="-342900" lvl="0" marL="457200" algn="l">
+            <a:lvl1pPr marL="457200" lvl="0" indent="-342900" algn="l">
               <a:lnSpc>
                 <a:spcPct val="90000"/>
               </a:lnSpc>
@@ -7654,7 +7956,7 @@
               <a:buChar char="•"/>
               <a:defRPr/>
             </a:lvl1pPr>
-            <a:lvl2pPr indent="-342900" lvl="1" marL="914400" algn="l">
+            <a:lvl2pPr marL="914400" lvl="1" indent="-342900" algn="l">
               <a:lnSpc>
                 <a:spcPct val="90000"/>
               </a:lnSpc>
@@ -7671,7 +7973,7 @@
               <a:buChar char="•"/>
               <a:defRPr/>
             </a:lvl2pPr>
-            <a:lvl3pPr indent="-342900" lvl="2" marL="1371600" algn="l">
+            <a:lvl3pPr marL="1371600" lvl="2" indent="-342900" algn="l">
               <a:lnSpc>
                 <a:spcPct val="90000"/>
               </a:lnSpc>
@@ -7688,7 +7990,7 @@
               <a:buChar char="•"/>
               <a:defRPr/>
             </a:lvl3pPr>
-            <a:lvl4pPr indent="-342900" lvl="3" marL="1828800" algn="l">
+            <a:lvl4pPr marL="1828800" lvl="3" indent="-342900" algn="l">
               <a:lnSpc>
                 <a:spcPct val="90000"/>
               </a:lnSpc>
@@ -7705,7 +8007,7 @@
               <a:buChar char="•"/>
               <a:defRPr/>
             </a:lvl4pPr>
-            <a:lvl5pPr indent="-342900" lvl="4" marL="2286000" algn="l">
+            <a:lvl5pPr marL="2286000" lvl="4" indent="-342900" algn="l">
               <a:lnSpc>
                 <a:spcPct val="90000"/>
               </a:lnSpc>
@@ -7722,7 +8024,7 @@
               <a:buChar char="•"/>
               <a:defRPr/>
             </a:lvl5pPr>
-            <a:lvl6pPr indent="-342900" lvl="5" marL="2743200" algn="l">
+            <a:lvl6pPr marL="2743200" lvl="5" indent="-342900" algn="l">
               <a:lnSpc>
                 <a:spcPct val="90000"/>
               </a:lnSpc>
@@ -7739,7 +8041,7 @@
               <a:buChar char="•"/>
               <a:defRPr/>
             </a:lvl6pPr>
-            <a:lvl7pPr indent="-342900" lvl="6" marL="3200400" algn="l">
+            <a:lvl7pPr marL="3200400" lvl="6" indent="-342900" algn="l">
               <a:lnSpc>
                 <a:spcPct val="90000"/>
               </a:lnSpc>
@@ -7756,7 +8058,7 @@
               <a:buChar char="•"/>
               <a:defRPr/>
             </a:lvl7pPr>
-            <a:lvl8pPr indent="-342900" lvl="7" marL="3657600" algn="l">
+            <a:lvl8pPr marL="3657600" lvl="7" indent="-342900" algn="l">
               <a:lnSpc>
                 <a:spcPct val="90000"/>
               </a:lnSpc>
@@ -7773,7 +8075,7 @@
               <a:buChar char="•"/>
               <a:defRPr/>
             </a:lvl8pPr>
-            <a:lvl9pPr indent="-342900" lvl="8" marL="4114800" algn="l">
+            <a:lvl9pPr marL="4114800" lvl="8" indent="-342900" algn="l">
               <a:lnSpc>
                 <a:spcPct val="90000"/>
               </a:lnSpc>
@@ -7791,15 +8093,19 @@
               <a:defRPr/>
             </a:lvl9pPr>
           </a:lstStyle>
-          <a:p/>
+          <a:p>
+            <a:endParaRPr/>
+          </a:p>
         </p:txBody>
       </p:sp>
       <p:sp>
         <p:nvSpPr>
           <p:cNvPr id="40" name="Google Shape;40;p6"/>
-          <p:cNvSpPr txBox="1"/>
+          <p:cNvSpPr txBox="1">
+            <a:spLocks noGrp="1"/>
+          </p:cNvSpPr>
           <p:nvPr>
-            <p:ph idx="3" type="body"/>
+            <p:ph type="body" idx="3"/>
           </p:nvPr>
         </p:nvSpPr>
         <p:spPr>
@@ -7816,11 +8122,11 @@
           </a:ln>
         </p:spPr>
         <p:txBody>
-          <a:bodyPr anchorCtr="0" anchor="b" bIns="45700" lIns="91425" spcFirstLastPara="1" rIns="91425" wrap="square" tIns="45700">
+          <a:bodyPr spcFirstLastPara="1" wrap="square" lIns="91425" tIns="45700" rIns="91425" bIns="45700" anchor="b" anchorCtr="0">
             <a:normAutofit/>
           </a:bodyPr>
           <a:lstStyle>
-            <a:lvl1pPr indent="-228600" lvl="0" marL="457200" algn="l">
+            <a:lvl1pPr marL="457200" lvl="0" indent="-228600" algn="l">
               <a:lnSpc>
                 <a:spcPct val="90000"/>
               </a:lnSpc>
@@ -7835,9 +8141,9 @@
               </a:buClr>
               <a:buSzPts val="2400"/>
               <a:buNone/>
-              <a:defRPr b="1" sz="2400"/>
+              <a:defRPr sz="2400" b="1"/>
             </a:lvl1pPr>
-            <a:lvl2pPr indent="-228600" lvl="1" marL="914400" algn="l">
+            <a:lvl2pPr marL="914400" lvl="1" indent="-228600" algn="l">
               <a:lnSpc>
                 <a:spcPct val="90000"/>
               </a:lnSpc>
@@ -7852,9 +8158,9 @@
               </a:buClr>
               <a:buSzPts val="2000"/>
               <a:buNone/>
-              <a:defRPr b="1" sz="2000"/>
+              <a:defRPr sz="2000" b="1"/>
             </a:lvl2pPr>
-            <a:lvl3pPr indent="-228600" lvl="2" marL="1371600" algn="l">
+            <a:lvl3pPr marL="1371600" lvl="2" indent="-228600" algn="l">
               <a:lnSpc>
                 <a:spcPct val="90000"/>
               </a:lnSpc>
@@ -7869,9 +8175,9 @@
               </a:buClr>
               <a:buSzPts val="1800"/>
               <a:buNone/>
-              <a:defRPr b="1" sz="1800"/>
+              <a:defRPr sz="1800" b="1"/>
             </a:lvl3pPr>
-            <a:lvl4pPr indent="-228600" lvl="3" marL="1828800" algn="l">
+            <a:lvl4pPr marL="1828800" lvl="3" indent="-228600" algn="l">
               <a:lnSpc>
                 <a:spcPct val="90000"/>
               </a:lnSpc>
@@ -7886,9 +8192,9 @@
               </a:buClr>
               <a:buSzPts val="1600"/>
               <a:buNone/>
-              <a:defRPr b="1" sz="1600"/>
+              <a:defRPr sz="1600" b="1"/>
             </a:lvl4pPr>
-            <a:lvl5pPr indent="-228600" lvl="4" marL="2286000" algn="l">
+            <a:lvl5pPr marL="2286000" lvl="4" indent="-228600" algn="l">
               <a:lnSpc>
                 <a:spcPct val="90000"/>
               </a:lnSpc>
@@ -7903,9 +8209,9 @@
               </a:buClr>
               <a:buSzPts val="1600"/>
               <a:buNone/>
-              <a:defRPr b="1" sz="1600"/>
+              <a:defRPr sz="1600" b="1"/>
             </a:lvl5pPr>
-            <a:lvl6pPr indent="-228600" lvl="5" marL="2743200" algn="l">
+            <a:lvl6pPr marL="2743200" lvl="5" indent="-228600" algn="l">
               <a:lnSpc>
                 <a:spcPct val="90000"/>
               </a:lnSpc>
@@ -7920,9 +8226,9 @@
               </a:buClr>
               <a:buSzPts val="1600"/>
               <a:buNone/>
-              <a:defRPr b="1" sz="1600"/>
+              <a:defRPr sz="1600" b="1"/>
             </a:lvl6pPr>
-            <a:lvl7pPr indent="-228600" lvl="6" marL="3200400" algn="l">
+            <a:lvl7pPr marL="3200400" lvl="6" indent="-228600" algn="l">
               <a:lnSpc>
                 <a:spcPct val="90000"/>
               </a:lnSpc>
@@ -7937,9 +8243,9 @@
               </a:buClr>
               <a:buSzPts val="1600"/>
               <a:buNone/>
-              <a:defRPr b="1" sz="1600"/>
+              <a:defRPr sz="1600" b="1"/>
             </a:lvl7pPr>
-            <a:lvl8pPr indent="-228600" lvl="7" marL="3657600" algn="l">
+            <a:lvl8pPr marL="3657600" lvl="7" indent="-228600" algn="l">
               <a:lnSpc>
                 <a:spcPct val="90000"/>
               </a:lnSpc>
@@ -7954,9 +8260,9 @@
               </a:buClr>
               <a:buSzPts val="1600"/>
               <a:buNone/>
-              <a:defRPr b="1" sz="1600"/>
+              <a:defRPr sz="1600" b="1"/>
             </a:lvl8pPr>
-            <a:lvl9pPr indent="-228600" lvl="8" marL="4114800" algn="l">
+            <a:lvl9pPr marL="4114800" lvl="8" indent="-228600" algn="l">
               <a:lnSpc>
                 <a:spcPct val="90000"/>
               </a:lnSpc>
@@ -7971,18 +8277,22 @@
               </a:buClr>
               <a:buSzPts val="1600"/>
               <a:buNone/>
-              <a:defRPr b="1" sz="1600"/>
+              <a:defRPr sz="1600" b="1"/>
             </a:lvl9pPr>
           </a:lstStyle>
-          <a:p/>
+          <a:p>
+            <a:endParaRPr/>
+          </a:p>
         </p:txBody>
       </p:sp>
       <p:sp>
         <p:nvSpPr>
           <p:cNvPr id="41" name="Google Shape;41;p6"/>
-          <p:cNvSpPr txBox="1"/>
+          <p:cNvSpPr txBox="1">
+            <a:spLocks noGrp="1"/>
+          </p:cNvSpPr>
           <p:nvPr>
-            <p:ph idx="4" type="body"/>
+            <p:ph type="body" idx="4"/>
           </p:nvPr>
         </p:nvSpPr>
         <p:spPr>
@@ -7999,11 +8309,11 @@
           </a:ln>
         </p:spPr>
         <p:txBody>
-          <a:bodyPr anchorCtr="0" anchor="t" bIns="45700" lIns="91425" spcFirstLastPara="1" rIns="91425" wrap="square" tIns="45700">
+          <a:bodyPr spcFirstLastPara="1" wrap="square" lIns="91425" tIns="45700" rIns="91425" bIns="45700" anchor="t" anchorCtr="0">
             <a:normAutofit/>
           </a:bodyPr>
           <a:lstStyle>
-            <a:lvl1pPr indent="-342900" lvl="0" marL="457200" algn="l">
+            <a:lvl1pPr marL="457200" lvl="0" indent="-342900" algn="l">
               <a:lnSpc>
                 <a:spcPct val="90000"/>
               </a:lnSpc>
@@ -8020,7 +8330,7 @@
               <a:buChar char="•"/>
               <a:defRPr/>
             </a:lvl1pPr>
-            <a:lvl2pPr indent="-342900" lvl="1" marL="914400" algn="l">
+            <a:lvl2pPr marL="914400" lvl="1" indent="-342900" algn="l">
               <a:lnSpc>
                 <a:spcPct val="90000"/>
               </a:lnSpc>
@@ -8037,7 +8347,7 @@
               <a:buChar char="•"/>
               <a:defRPr/>
             </a:lvl2pPr>
-            <a:lvl3pPr indent="-342900" lvl="2" marL="1371600" algn="l">
+            <a:lvl3pPr marL="1371600" lvl="2" indent="-342900" algn="l">
               <a:lnSpc>
                 <a:spcPct val="90000"/>
               </a:lnSpc>
@@ -8054,7 +8364,7 @@
               <a:buChar char="•"/>
               <a:defRPr/>
             </a:lvl3pPr>
-            <a:lvl4pPr indent="-342900" lvl="3" marL="1828800" algn="l">
+            <a:lvl4pPr marL="1828800" lvl="3" indent="-342900" algn="l">
               <a:lnSpc>
                 <a:spcPct val="90000"/>
               </a:lnSpc>
@@ -8071,7 +8381,7 @@
               <a:buChar char="•"/>
               <a:defRPr/>
             </a:lvl4pPr>
-            <a:lvl5pPr indent="-342900" lvl="4" marL="2286000" algn="l">
+            <a:lvl5pPr marL="2286000" lvl="4" indent="-342900" algn="l">
               <a:lnSpc>
                 <a:spcPct val="90000"/>
               </a:lnSpc>
@@ -8088,7 +8398,7 @@
               <a:buChar char="•"/>
               <a:defRPr/>
             </a:lvl5pPr>
-            <a:lvl6pPr indent="-342900" lvl="5" marL="2743200" algn="l">
+            <a:lvl6pPr marL="2743200" lvl="5" indent="-342900" algn="l">
               <a:lnSpc>
                 <a:spcPct val="90000"/>
               </a:lnSpc>
@@ -8105,7 +8415,7 @@
               <a:buChar char="•"/>
               <a:defRPr/>
             </a:lvl6pPr>
-            <a:lvl7pPr indent="-342900" lvl="6" marL="3200400" algn="l">
+            <a:lvl7pPr marL="3200400" lvl="6" indent="-342900" algn="l">
               <a:lnSpc>
                 <a:spcPct val="90000"/>
               </a:lnSpc>
@@ -8122,7 +8432,7 @@
               <a:buChar char="•"/>
               <a:defRPr/>
             </a:lvl7pPr>
-            <a:lvl8pPr indent="-342900" lvl="7" marL="3657600" algn="l">
+            <a:lvl8pPr marL="3657600" lvl="7" indent="-342900" algn="l">
               <a:lnSpc>
                 <a:spcPct val="90000"/>
               </a:lnSpc>
@@ -8139,7 +8449,7 @@
               <a:buChar char="•"/>
               <a:defRPr/>
             </a:lvl8pPr>
-            <a:lvl9pPr indent="-342900" lvl="8" marL="4114800" algn="l">
+            <a:lvl9pPr marL="4114800" lvl="8" indent="-342900" algn="l">
               <a:lnSpc>
                 <a:spcPct val="90000"/>
               </a:lnSpc>
@@ -8157,15 +8467,19 @@
               <a:defRPr/>
             </a:lvl9pPr>
           </a:lstStyle>
-          <a:p/>
+          <a:p>
+            <a:endParaRPr/>
+          </a:p>
         </p:txBody>
       </p:sp>
       <p:sp>
         <p:nvSpPr>
           <p:cNvPr id="42" name="Google Shape;42;p6"/>
-          <p:cNvSpPr txBox="1"/>
+          <p:cNvSpPr txBox="1">
+            <a:spLocks noGrp="1"/>
+          </p:cNvSpPr>
           <p:nvPr>
-            <p:ph idx="10" type="dt"/>
+            <p:ph type="dt" idx="10"/>
           </p:nvPr>
         </p:nvSpPr>
         <p:spPr>
@@ -8182,7 +8496,7 @@
           </a:ln>
         </p:spPr>
         <p:txBody>
-          <a:bodyPr anchorCtr="0" anchor="ctr" bIns="45700" lIns="91425" spcFirstLastPara="1" rIns="91425" wrap="square" tIns="45700">
+          <a:bodyPr spcFirstLastPara="1" wrap="square" lIns="91425" tIns="45700" rIns="91425" bIns="45700" anchor="ctr" anchorCtr="0">
             <a:noAutofit/>
           </a:bodyPr>
           <a:lstStyle>
@@ -8313,15 +8627,19 @@
               <a:defRPr/>
             </a:lvl9pPr>
           </a:lstStyle>
-          <a:p/>
+          <a:p>
+            <a:endParaRPr/>
+          </a:p>
         </p:txBody>
       </p:sp>
       <p:sp>
         <p:nvSpPr>
           <p:cNvPr id="43" name="Google Shape;43;p6"/>
-          <p:cNvSpPr txBox="1"/>
+          <p:cNvSpPr txBox="1">
+            <a:spLocks noGrp="1"/>
+          </p:cNvSpPr>
           <p:nvPr>
-            <p:ph idx="11" type="ftr"/>
+            <p:ph type="ftr" idx="11"/>
           </p:nvPr>
         </p:nvSpPr>
         <p:spPr>
@@ -8338,7 +8656,7 @@
           </a:ln>
         </p:spPr>
         <p:txBody>
-          <a:bodyPr anchorCtr="0" anchor="ctr" bIns="45700" lIns="91425" spcFirstLastPara="1" rIns="91425" wrap="square" tIns="45700">
+          <a:bodyPr spcFirstLastPara="1" wrap="square" lIns="91425" tIns="45700" rIns="91425" bIns="45700" anchor="ctr" anchorCtr="0">
             <a:noAutofit/>
           </a:bodyPr>
           <a:lstStyle>
@@ -8469,15 +8787,19 @@
               <a:defRPr/>
             </a:lvl9pPr>
           </a:lstStyle>
-          <a:p/>
+          <a:p>
+            <a:endParaRPr/>
+          </a:p>
         </p:txBody>
       </p:sp>
       <p:sp>
         <p:nvSpPr>
           <p:cNvPr id="44" name="Google Shape;44;p6"/>
-          <p:cNvSpPr txBox="1"/>
+          <p:cNvSpPr txBox="1">
+            <a:spLocks noGrp="1"/>
+          </p:cNvSpPr>
           <p:nvPr>
-            <p:ph idx="12" type="sldNum"/>
+            <p:ph type="sldNum" idx="12"/>
           </p:nvPr>
         </p:nvSpPr>
         <p:spPr>
@@ -8494,11 +8816,11 @@
           </a:ln>
         </p:spPr>
         <p:txBody>
-          <a:bodyPr anchorCtr="0" anchor="ctr" bIns="45700" lIns="91425" spcFirstLastPara="1" rIns="91425" wrap="square" tIns="45700">
+          <a:bodyPr spcFirstLastPara="1" wrap="square" lIns="91425" tIns="45700" rIns="91425" bIns="45700" anchor="ctr" anchorCtr="0">
             <a:noAutofit/>
           </a:bodyPr>
           <a:lstStyle>
-            <a:lvl1pPr indent="0" lvl="0" marL="0" marR="0" algn="r">
+            <a:lvl1pPr marL="0" marR="0" lvl="0" indent="0" algn="r">
               <a:lnSpc>
                 <a:spcPct val="100000"/>
               </a:lnSpc>
@@ -8514,7 +8836,7 @@
               <a:buSzPts val="1200"/>
               <a:buFont typeface="Arial"/>
               <a:buNone/>
-              <a:defRPr b="0" i="0" sz="1200" u="none" cap="none" strike="noStrike">
+              <a:defRPr sz="1200" b="0" i="0" u="none" strike="noStrike" cap="none">
                 <a:solidFill>
                   <a:srgbClr val="888888"/>
                 </a:solidFill>
@@ -8524,7 +8846,7 @@
                 <a:sym typeface="Calibri"/>
               </a:defRPr>
             </a:lvl1pPr>
-            <a:lvl2pPr indent="0" lvl="1" marL="0" marR="0" algn="r">
+            <a:lvl2pPr marL="0" marR="0" lvl="1" indent="0" algn="r">
               <a:lnSpc>
                 <a:spcPct val="100000"/>
               </a:lnSpc>
@@ -8540,7 +8862,7 @@
               <a:buSzPts val="1200"/>
               <a:buFont typeface="Arial"/>
               <a:buNone/>
-              <a:defRPr b="0" i="0" sz="1200" u="none" cap="none" strike="noStrike">
+              <a:defRPr sz="1200" b="0" i="0" u="none" strike="noStrike" cap="none">
                 <a:solidFill>
                   <a:srgbClr val="888888"/>
                 </a:solidFill>
@@ -8550,7 +8872,7 @@
                 <a:sym typeface="Calibri"/>
               </a:defRPr>
             </a:lvl2pPr>
-            <a:lvl3pPr indent="0" lvl="2" marL="0" marR="0" algn="r">
+            <a:lvl3pPr marL="0" marR="0" lvl="2" indent="0" algn="r">
               <a:lnSpc>
                 <a:spcPct val="100000"/>
               </a:lnSpc>
@@ -8566,7 +8888,7 @@
               <a:buSzPts val="1200"/>
               <a:buFont typeface="Arial"/>
               <a:buNone/>
-              <a:defRPr b="0" i="0" sz="1200" u="none" cap="none" strike="noStrike">
+              <a:defRPr sz="1200" b="0" i="0" u="none" strike="noStrike" cap="none">
                 <a:solidFill>
                   <a:srgbClr val="888888"/>
                 </a:solidFill>
@@ -8576,7 +8898,7 @@
                 <a:sym typeface="Calibri"/>
               </a:defRPr>
             </a:lvl3pPr>
-            <a:lvl4pPr indent="0" lvl="3" marL="0" marR="0" algn="r">
+            <a:lvl4pPr marL="0" marR="0" lvl="3" indent="0" algn="r">
               <a:lnSpc>
                 <a:spcPct val="100000"/>
               </a:lnSpc>
@@ -8592,7 +8914,7 @@
               <a:buSzPts val="1200"/>
               <a:buFont typeface="Arial"/>
               <a:buNone/>
-              <a:defRPr b="0" i="0" sz="1200" u="none" cap="none" strike="noStrike">
+              <a:defRPr sz="1200" b="0" i="0" u="none" strike="noStrike" cap="none">
                 <a:solidFill>
                   <a:srgbClr val="888888"/>
                 </a:solidFill>
@@ -8602,7 +8924,7 @@
                 <a:sym typeface="Calibri"/>
               </a:defRPr>
             </a:lvl4pPr>
-            <a:lvl5pPr indent="0" lvl="4" marL="0" marR="0" algn="r">
+            <a:lvl5pPr marL="0" marR="0" lvl="4" indent="0" algn="r">
               <a:lnSpc>
                 <a:spcPct val="100000"/>
               </a:lnSpc>
@@ -8618,7 +8940,7 @@
               <a:buSzPts val="1200"/>
               <a:buFont typeface="Arial"/>
               <a:buNone/>
-              <a:defRPr b="0" i="0" sz="1200" u="none" cap="none" strike="noStrike">
+              <a:defRPr sz="1200" b="0" i="0" u="none" strike="noStrike" cap="none">
                 <a:solidFill>
                   <a:srgbClr val="888888"/>
                 </a:solidFill>
@@ -8628,7 +8950,7 @@
                 <a:sym typeface="Calibri"/>
               </a:defRPr>
             </a:lvl5pPr>
-            <a:lvl6pPr indent="0" lvl="5" marL="0" marR="0" algn="r">
+            <a:lvl6pPr marL="0" marR="0" lvl="5" indent="0" algn="r">
               <a:lnSpc>
                 <a:spcPct val="100000"/>
               </a:lnSpc>
@@ -8644,7 +8966,7 @@
               <a:buSzPts val="1200"/>
               <a:buFont typeface="Arial"/>
               <a:buNone/>
-              <a:defRPr b="0" i="0" sz="1200" u="none" cap="none" strike="noStrike">
+              <a:defRPr sz="1200" b="0" i="0" u="none" strike="noStrike" cap="none">
                 <a:solidFill>
                   <a:srgbClr val="888888"/>
                 </a:solidFill>
@@ -8654,7 +8976,7 @@
                 <a:sym typeface="Calibri"/>
               </a:defRPr>
             </a:lvl6pPr>
-            <a:lvl7pPr indent="0" lvl="6" marL="0" marR="0" algn="r">
+            <a:lvl7pPr marL="0" marR="0" lvl="6" indent="0" algn="r">
               <a:lnSpc>
                 <a:spcPct val="100000"/>
               </a:lnSpc>
@@ -8670,7 +8992,7 @@
               <a:buSzPts val="1200"/>
               <a:buFont typeface="Arial"/>
               <a:buNone/>
-              <a:defRPr b="0" i="0" sz="1200" u="none" cap="none" strike="noStrike">
+              <a:defRPr sz="1200" b="0" i="0" u="none" strike="noStrike" cap="none">
                 <a:solidFill>
                   <a:srgbClr val="888888"/>
                 </a:solidFill>
@@ -8680,7 +9002,7 @@
                 <a:sym typeface="Calibri"/>
               </a:defRPr>
             </a:lvl7pPr>
-            <a:lvl8pPr indent="0" lvl="7" marL="0" marR="0" algn="r">
+            <a:lvl8pPr marL="0" marR="0" lvl="7" indent="0" algn="r">
               <a:lnSpc>
                 <a:spcPct val="100000"/>
               </a:lnSpc>
@@ -8696,7 +9018,7 @@
               <a:buSzPts val="1200"/>
               <a:buFont typeface="Arial"/>
               <a:buNone/>
-              <a:defRPr b="0" i="0" sz="1200" u="none" cap="none" strike="noStrike">
+              <a:defRPr sz="1200" b="0" i="0" u="none" strike="noStrike" cap="none">
                 <a:solidFill>
                   <a:srgbClr val="888888"/>
                 </a:solidFill>
@@ -8706,7 +9028,7 @@
                 <a:sym typeface="Calibri"/>
               </a:defRPr>
             </a:lvl8pPr>
-            <a:lvl9pPr indent="0" lvl="8" marL="0" marR="0" algn="r">
+            <a:lvl9pPr marL="0" marR="0" lvl="8" indent="0" algn="r">
               <a:lnSpc>
                 <a:spcPct val="100000"/>
               </a:lnSpc>
@@ -8722,7 +9044,7 @@
               <a:buSzPts val="1200"/>
               <a:buFont typeface="Arial"/>
               <a:buNone/>
-              <a:defRPr b="0" i="0" sz="1200" u="none" cap="none" strike="noStrike">
+              <a:defRPr sz="1200" b="0" i="0" u="none" strike="noStrike" cap="none">
                 <a:solidFill>
                   <a:srgbClr val="888888"/>
                 </a:solidFill>
@@ -8734,7 +9056,7 @@
             </a:lvl9pPr>
           </a:lstStyle>
           <a:p>
-            <a:pPr indent="0" lvl="0" marL="0" rtl="0" algn="r">
+            <a:pPr marL="0" lvl="0" indent="0" algn="r" rtl="0">
               <a:spcBef>
                 <a:spcPts val="0"/>
               </a:spcBef>
@@ -8745,7 +9067,7 @@
             </a:pPr>
             <a:fld id="{00000000-1234-1234-1234-123412341234}" type="slidenum">
               <a:rPr lang="pt-BR"/>
-              <a:t>‹#›</a:t>
+              <a:t>‹nº›</a:t>
             </a:fld>
             <a:endParaRPr/>
           </a:p>
@@ -8760,11 +9082,11 @@
 </file>
 
 <file path=ppt/slideLayouts/slideLayout6.xml><?xml version="1.0" encoding="utf-8"?>
-<p:sldLayout xmlns:a="http://schemas.openxmlformats.org/drawingml/2006/main" xmlns:r="http://schemas.openxmlformats.org/officeDocument/2006/relationships" xmlns:mc="http://schemas.openxmlformats.org/markup-compatibility/2006" xmlns:mv="urn:schemas-microsoft-com:mac:vml" xmlns:p="http://schemas.openxmlformats.org/presentationml/2006/main" xmlns:c="http://schemas.openxmlformats.org/drawingml/2006/chart" xmlns:dgm="http://schemas.openxmlformats.org/drawingml/2006/diagram" xmlns:o="urn:schemas-microsoft-com:office:office" xmlns:v="urn:schemas-microsoft-com:vml" xmlns:pvml="urn:schemas-microsoft-com:office:powerpoint" xmlns:com="http://schemas.openxmlformats.org/drawingml/2006/compatibility" xmlns:p14="http://schemas.microsoft.com/office/powerpoint/2010/main" xmlns:p15="http://schemas.microsoft.com/office/powerpoint/2012/main" xmlns:ahyp="http://schemas.microsoft.com/office/drawing/2018/hyperlinkcolor" matchingName="Somente Título" type="titleOnly">
+<p:sldLayout xmlns:a="http://schemas.openxmlformats.org/drawingml/2006/main" xmlns:r="http://schemas.openxmlformats.org/officeDocument/2006/relationships" xmlns:p="http://schemas.openxmlformats.org/presentationml/2006/main" matchingName="Somente Título" type="titleOnly">
   <p:cSld name="TITLE_ONLY">
     <p:spTree>
       <p:nvGrpSpPr>
-        <p:cNvPr id="45" name="Shape 45"/>
+        <p:cNvPr id="1" name="Shape 45"/>
         <p:cNvGrpSpPr/>
         <p:nvPr/>
       </p:nvGrpSpPr>
@@ -8779,7 +9101,9 @@
       <p:sp>
         <p:nvSpPr>
           <p:cNvPr id="46" name="Google Shape;46;p7"/>
-          <p:cNvSpPr txBox="1"/>
+          <p:cNvSpPr txBox="1">
+            <a:spLocks noGrp="1"/>
+          </p:cNvSpPr>
           <p:nvPr>
             <p:ph type="title"/>
           </p:nvPr>
@@ -8798,7 +9122,7 @@
           </a:ln>
         </p:spPr>
         <p:txBody>
-          <a:bodyPr anchorCtr="0" anchor="ctr" bIns="45700" lIns="91425" spcFirstLastPara="1" rIns="91425" wrap="square" tIns="45700">
+          <a:bodyPr spcFirstLastPara="1" wrap="square" lIns="91425" tIns="45700" rIns="91425" bIns="45700" anchor="ctr" anchorCtr="0">
             <a:normAutofit/>
           </a:bodyPr>
           <a:lstStyle>
@@ -8932,15 +9256,19 @@
               <a:defRPr/>
             </a:lvl9pPr>
           </a:lstStyle>
-          <a:p/>
+          <a:p>
+            <a:endParaRPr/>
+          </a:p>
         </p:txBody>
       </p:sp>
       <p:sp>
         <p:nvSpPr>
           <p:cNvPr id="47" name="Google Shape;47;p7"/>
-          <p:cNvSpPr txBox="1"/>
+          <p:cNvSpPr txBox="1">
+            <a:spLocks noGrp="1"/>
+          </p:cNvSpPr>
           <p:nvPr>
-            <p:ph idx="10" type="dt"/>
+            <p:ph type="dt" idx="10"/>
           </p:nvPr>
         </p:nvSpPr>
         <p:spPr>
@@ -8957,7 +9285,7 @@
           </a:ln>
         </p:spPr>
         <p:txBody>
-          <a:bodyPr anchorCtr="0" anchor="ctr" bIns="45700" lIns="91425" spcFirstLastPara="1" rIns="91425" wrap="square" tIns="45700">
+          <a:bodyPr spcFirstLastPara="1" wrap="square" lIns="91425" tIns="45700" rIns="91425" bIns="45700" anchor="ctr" anchorCtr="0">
             <a:noAutofit/>
           </a:bodyPr>
           <a:lstStyle>
@@ -9088,15 +9416,19 @@
               <a:defRPr/>
             </a:lvl9pPr>
           </a:lstStyle>
-          <a:p/>
+          <a:p>
+            <a:endParaRPr/>
+          </a:p>
         </p:txBody>
       </p:sp>
       <p:sp>
         <p:nvSpPr>
           <p:cNvPr id="48" name="Google Shape;48;p7"/>
-          <p:cNvSpPr txBox="1"/>
+          <p:cNvSpPr txBox="1">
+            <a:spLocks noGrp="1"/>
+          </p:cNvSpPr>
           <p:nvPr>
-            <p:ph idx="11" type="ftr"/>
+            <p:ph type="ftr" idx="11"/>
           </p:nvPr>
         </p:nvSpPr>
         <p:spPr>
@@ -9113,7 +9445,7 @@
           </a:ln>
         </p:spPr>
         <p:txBody>
-          <a:bodyPr anchorCtr="0" anchor="ctr" bIns="45700" lIns="91425" spcFirstLastPara="1" rIns="91425" wrap="square" tIns="45700">
+          <a:bodyPr spcFirstLastPara="1" wrap="square" lIns="91425" tIns="45700" rIns="91425" bIns="45700" anchor="ctr" anchorCtr="0">
             <a:noAutofit/>
           </a:bodyPr>
           <a:lstStyle>
@@ -9244,15 +9576,19 @@
               <a:defRPr/>
             </a:lvl9pPr>
           </a:lstStyle>
-          <a:p/>
+          <a:p>
+            <a:endParaRPr/>
+          </a:p>
         </p:txBody>
       </p:sp>
       <p:sp>
         <p:nvSpPr>
           <p:cNvPr id="49" name="Google Shape;49;p7"/>
-          <p:cNvSpPr txBox="1"/>
+          <p:cNvSpPr txBox="1">
+            <a:spLocks noGrp="1"/>
+          </p:cNvSpPr>
           <p:nvPr>
-            <p:ph idx="12" type="sldNum"/>
+            <p:ph type="sldNum" idx="12"/>
           </p:nvPr>
         </p:nvSpPr>
         <p:spPr>
@@ -9269,11 +9605,11 @@
           </a:ln>
         </p:spPr>
         <p:txBody>
-          <a:bodyPr anchorCtr="0" anchor="ctr" bIns="45700" lIns="91425" spcFirstLastPara="1" rIns="91425" wrap="square" tIns="45700">
+          <a:bodyPr spcFirstLastPara="1" wrap="square" lIns="91425" tIns="45700" rIns="91425" bIns="45700" anchor="ctr" anchorCtr="0">
             <a:noAutofit/>
           </a:bodyPr>
           <a:lstStyle>
-            <a:lvl1pPr indent="0" lvl="0" marL="0" marR="0" algn="r">
+            <a:lvl1pPr marL="0" marR="0" lvl="0" indent="0" algn="r">
               <a:lnSpc>
                 <a:spcPct val="100000"/>
               </a:lnSpc>
@@ -9289,7 +9625,7 @@
               <a:buSzPts val="1200"/>
               <a:buFont typeface="Arial"/>
               <a:buNone/>
-              <a:defRPr b="0" i="0" sz="1200" u="none" cap="none" strike="noStrike">
+              <a:defRPr sz="1200" b="0" i="0" u="none" strike="noStrike" cap="none">
                 <a:solidFill>
                   <a:srgbClr val="888888"/>
                 </a:solidFill>
@@ -9299,7 +9635,7 @@
                 <a:sym typeface="Calibri"/>
               </a:defRPr>
             </a:lvl1pPr>
-            <a:lvl2pPr indent="0" lvl="1" marL="0" marR="0" algn="r">
+            <a:lvl2pPr marL="0" marR="0" lvl="1" indent="0" algn="r">
               <a:lnSpc>
                 <a:spcPct val="100000"/>
               </a:lnSpc>
@@ -9315,7 +9651,7 @@
               <a:buSzPts val="1200"/>
               <a:buFont typeface="Arial"/>
               <a:buNone/>
-              <a:defRPr b="0" i="0" sz="1200" u="none" cap="none" strike="noStrike">
+              <a:defRPr sz="1200" b="0" i="0" u="none" strike="noStrike" cap="none">
                 <a:solidFill>
                   <a:srgbClr val="888888"/>
                 </a:solidFill>
@@ -9325,7 +9661,7 @@
                 <a:sym typeface="Calibri"/>
               </a:defRPr>
             </a:lvl2pPr>
-            <a:lvl3pPr indent="0" lvl="2" marL="0" marR="0" algn="r">
+            <a:lvl3pPr marL="0" marR="0" lvl="2" indent="0" algn="r">
               <a:lnSpc>
                 <a:spcPct val="100000"/>
               </a:lnSpc>
@@ -9341,7 +9677,7 @@
               <a:buSzPts val="1200"/>
               <a:buFont typeface="Arial"/>
               <a:buNone/>
-              <a:defRPr b="0" i="0" sz="1200" u="none" cap="none" strike="noStrike">
+              <a:defRPr sz="1200" b="0" i="0" u="none" strike="noStrike" cap="none">
                 <a:solidFill>
                   <a:srgbClr val="888888"/>
                 </a:solidFill>
@@ -9351,7 +9687,7 @@
                 <a:sym typeface="Calibri"/>
               </a:defRPr>
             </a:lvl3pPr>
-            <a:lvl4pPr indent="0" lvl="3" marL="0" marR="0" algn="r">
+            <a:lvl4pPr marL="0" marR="0" lvl="3" indent="0" algn="r">
               <a:lnSpc>
                 <a:spcPct val="100000"/>
               </a:lnSpc>
@@ -9367,7 +9703,7 @@
               <a:buSzPts val="1200"/>
               <a:buFont typeface="Arial"/>
               <a:buNone/>
-              <a:defRPr b="0" i="0" sz="1200" u="none" cap="none" strike="noStrike">
+              <a:defRPr sz="1200" b="0" i="0" u="none" strike="noStrike" cap="none">
                 <a:solidFill>
                   <a:srgbClr val="888888"/>
                 </a:solidFill>
@@ -9377,7 +9713,7 @@
                 <a:sym typeface="Calibri"/>
               </a:defRPr>
             </a:lvl4pPr>
-            <a:lvl5pPr indent="0" lvl="4" marL="0" marR="0" algn="r">
+            <a:lvl5pPr marL="0" marR="0" lvl="4" indent="0" algn="r">
               <a:lnSpc>
                 <a:spcPct val="100000"/>
               </a:lnSpc>
@@ -9393,7 +9729,7 @@
               <a:buSzPts val="1200"/>
               <a:buFont typeface="Arial"/>
               <a:buNone/>
-              <a:defRPr b="0" i="0" sz="1200" u="none" cap="none" strike="noStrike">
+              <a:defRPr sz="1200" b="0" i="0" u="none" strike="noStrike" cap="none">
                 <a:solidFill>
                   <a:srgbClr val="888888"/>
                 </a:solidFill>
@@ -9403,7 +9739,7 @@
                 <a:sym typeface="Calibri"/>
               </a:defRPr>
             </a:lvl5pPr>
-            <a:lvl6pPr indent="0" lvl="5" marL="0" marR="0" algn="r">
+            <a:lvl6pPr marL="0" marR="0" lvl="5" indent="0" algn="r">
               <a:lnSpc>
                 <a:spcPct val="100000"/>
               </a:lnSpc>
@@ -9419,7 +9755,7 @@
               <a:buSzPts val="1200"/>
               <a:buFont typeface="Arial"/>
               <a:buNone/>
-              <a:defRPr b="0" i="0" sz="1200" u="none" cap="none" strike="noStrike">
+              <a:defRPr sz="1200" b="0" i="0" u="none" strike="noStrike" cap="none">
                 <a:solidFill>
                   <a:srgbClr val="888888"/>
                 </a:solidFill>
@@ -9429,7 +9765,7 @@
                 <a:sym typeface="Calibri"/>
               </a:defRPr>
             </a:lvl6pPr>
-            <a:lvl7pPr indent="0" lvl="6" marL="0" marR="0" algn="r">
+            <a:lvl7pPr marL="0" marR="0" lvl="6" indent="0" algn="r">
               <a:lnSpc>
                 <a:spcPct val="100000"/>
               </a:lnSpc>
@@ -9445,7 +9781,7 @@
               <a:buSzPts val="1200"/>
               <a:buFont typeface="Arial"/>
               <a:buNone/>
-              <a:defRPr b="0" i="0" sz="1200" u="none" cap="none" strike="noStrike">
+              <a:defRPr sz="1200" b="0" i="0" u="none" strike="noStrike" cap="none">
                 <a:solidFill>
                   <a:srgbClr val="888888"/>
                 </a:solidFill>
@@ -9455,7 +9791,7 @@
                 <a:sym typeface="Calibri"/>
               </a:defRPr>
             </a:lvl7pPr>
-            <a:lvl8pPr indent="0" lvl="7" marL="0" marR="0" algn="r">
+            <a:lvl8pPr marL="0" marR="0" lvl="7" indent="0" algn="r">
               <a:lnSpc>
                 <a:spcPct val="100000"/>
               </a:lnSpc>
@@ -9471,7 +9807,7 @@
               <a:buSzPts val="1200"/>
               <a:buFont typeface="Arial"/>
               <a:buNone/>
-              <a:defRPr b="0" i="0" sz="1200" u="none" cap="none" strike="noStrike">
+              <a:defRPr sz="1200" b="0" i="0" u="none" strike="noStrike" cap="none">
                 <a:solidFill>
                   <a:srgbClr val="888888"/>
                 </a:solidFill>
@@ -9481,7 +9817,7 @@
                 <a:sym typeface="Calibri"/>
               </a:defRPr>
             </a:lvl8pPr>
-            <a:lvl9pPr indent="0" lvl="8" marL="0" marR="0" algn="r">
+            <a:lvl9pPr marL="0" marR="0" lvl="8" indent="0" algn="r">
               <a:lnSpc>
                 <a:spcPct val="100000"/>
               </a:lnSpc>
@@ -9497,7 +9833,7 @@
               <a:buSzPts val="1200"/>
               <a:buFont typeface="Arial"/>
               <a:buNone/>
-              <a:defRPr b="0" i="0" sz="1200" u="none" cap="none" strike="noStrike">
+              <a:defRPr sz="1200" b="0" i="0" u="none" strike="noStrike" cap="none">
                 <a:solidFill>
                   <a:srgbClr val="888888"/>
                 </a:solidFill>
@@ -9509,7 +9845,7 @@
             </a:lvl9pPr>
           </a:lstStyle>
           <a:p>
-            <a:pPr indent="0" lvl="0" marL="0" rtl="0" algn="r">
+            <a:pPr marL="0" lvl="0" indent="0" algn="r" rtl="0">
               <a:spcBef>
                 <a:spcPts val="0"/>
               </a:spcBef>
@@ -9520,7 +9856,7 @@
             </a:pPr>
             <a:fld id="{00000000-1234-1234-1234-123412341234}" type="slidenum">
               <a:rPr lang="pt-BR"/>
-              <a:t>‹#›</a:t>
+              <a:t>‹nº›</a:t>
             </a:fld>
             <a:endParaRPr/>
           </a:p>
@@ -9535,11 +9871,11 @@
 </file>
 
 <file path=ppt/slideLayouts/slideLayout7.xml><?xml version="1.0" encoding="utf-8"?>
-<p:sldLayout xmlns:a="http://schemas.openxmlformats.org/drawingml/2006/main" xmlns:r="http://schemas.openxmlformats.org/officeDocument/2006/relationships" xmlns:mc="http://schemas.openxmlformats.org/markup-compatibility/2006" xmlns:mv="urn:schemas-microsoft-com:mac:vml" xmlns:p="http://schemas.openxmlformats.org/presentationml/2006/main" xmlns:c="http://schemas.openxmlformats.org/drawingml/2006/chart" xmlns:dgm="http://schemas.openxmlformats.org/drawingml/2006/diagram" xmlns:o="urn:schemas-microsoft-com:office:office" xmlns:v="urn:schemas-microsoft-com:vml" xmlns:pvml="urn:schemas-microsoft-com:office:powerpoint" xmlns:com="http://schemas.openxmlformats.org/drawingml/2006/compatibility" xmlns:p14="http://schemas.microsoft.com/office/powerpoint/2010/main" xmlns:p15="http://schemas.microsoft.com/office/powerpoint/2012/main" xmlns:ahyp="http://schemas.microsoft.com/office/drawing/2018/hyperlinkcolor" matchingName="Em Branco" type="blank">
+<p:sldLayout xmlns:a="http://schemas.openxmlformats.org/drawingml/2006/main" xmlns:r="http://schemas.openxmlformats.org/officeDocument/2006/relationships" xmlns:p="http://schemas.openxmlformats.org/presentationml/2006/main" matchingName="Em Branco" type="blank">
   <p:cSld name="BLANK">
     <p:spTree>
       <p:nvGrpSpPr>
-        <p:cNvPr id="50" name="Shape 50"/>
+        <p:cNvPr id="1" name="Shape 50"/>
         <p:cNvGrpSpPr/>
         <p:nvPr/>
       </p:nvGrpSpPr>
@@ -9554,9 +9890,11 @@
       <p:sp>
         <p:nvSpPr>
           <p:cNvPr id="51" name="Google Shape;51;p8"/>
-          <p:cNvSpPr txBox="1"/>
+          <p:cNvSpPr txBox="1">
+            <a:spLocks noGrp="1"/>
+          </p:cNvSpPr>
           <p:nvPr>
-            <p:ph idx="10" type="dt"/>
+            <p:ph type="dt" idx="10"/>
           </p:nvPr>
         </p:nvSpPr>
         <p:spPr>
@@ -9573,7 +9911,7 @@
           </a:ln>
         </p:spPr>
         <p:txBody>
-          <a:bodyPr anchorCtr="0" anchor="ctr" bIns="45700" lIns="91425" spcFirstLastPara="1" rIns="91425" wrap="square" tIns="45700">
+          <a:bodyPr spcFirstLastPara="1" wrap="square" lIns="91425" tIns="45700" rIns="91425" bIns="45700" anchor="ctr" anchorCtr="0">
             <a:noAutofit/>
           </a:bodyPr>
           <a:lstStyle>
@@ -9704,15 +10042,19 @@
               <a:defRPr/>
             </a:lvl9pPr>
           </a:lstStyle>
-          <a:p/>
+          <a:p>
+            <a:endParaRPr/>
+          </a:p>
         </p:txBody>
       </p:sp>
       <p:sp>
         <p:nvSpPr>
           <p:cNvPr id="52" name="Google Shape;52;p8"/>
-          <p:cNvSpPr txBox="1"/>
+          <p:cNvSpPr txBox="1">
+            <a:spLocks noGrp="1"/>
+          </p:cNvSpPr>
           <p:nvPr>
-            <p:ph idx="11" type="ftr"/>
+            <p:ph type="ftr" idx="11"/>
           </p:nvPr>
         </p:nvSpPr>
         <p:spPr>
@@ -9729,7 +10071,7 @@
           </a:ln>
         </p:spPr>
         <p:txBody>
-          <a:bodyPr anchorCtr="0" anchor="ctr" bIns="45700" lIns="91425" spcFirstLastPara="1" rIns="91425" wrap="square" tIns="45700">
+          <a:bodyPr spcFirstLastPara="1" wrap="square" lIns="91425" tIns="45700" rIns="91425" bIns="45700" anchor="ctr" anchorCtr="0">
             <a:noAutofit/>
           </a:bodyPr>
           <a:lstStyle>
@@ -9860,15 +10202,19 @@
               <a:defRPr/>
             </a:lvl9pPr>
           </a:lstStyle>
-          <a:p/>
+          <a:p>
+            <a:endParaRPr/>
+          </a:p>
         </p:txBody>
       </p:sp>
       <p:sp>
         <p:nvSpPr>
           <p:cNvPr id="53" name="Google Shape;53;p8"/>
-          <p:cNvSpPr txBox="1"/>
+          <p:cNvSpPr txBox="1">
+            <a:spLocks noGrp="1"/>
+          </p:cNvSpPr>
           <p:nvPr>
-            <p:ph idx="12" type="sldNum"/>
+            <p:ph type="sldNum" idx="12"/>
           </p:nvPr>
         </p:nvSpPr>
         <p:spPr>
@@ -9885,11 +10231,11 @@
           </a:ln>
         </p:spPr>
         <p:txBody>
-          <a:bodyPr anchorCtr="0" anchor="ctr" bIns="45700" lIns="91425" spcFirstLastPara="1" rIns="91425" wrap="square" tIns="45700">
+          <a:bodyPr spcFirstLastPara="1" wrap="square" lIns="91425" tIns="45700" rIns="91425" bIns="45700" anchor="ctr" anchorCtr="0">
             <a:noAutofit/>
           </a:bodyPr>
           <a:lstStyle>
-            <a:lvl1pPr indent="0" lvl="0" marL="0" marR="0" algn="r">
+            <a:lvl1pPr marL="0" marR="0" lvl="0" indent="0" algn="r">
               <a:lnSpc>
                 <a:spcPct val="100000"/>
               </a:lnSpc>
@@ -9905,7 +10251,7 @@
               <a:buSzPts val="1200"/>
               <a:buFont typeface="Arial"/>
               <a:buNone/>
-              <a:defRPr b="0" i="0" sz="1200" u="none" cap="none" strike="noStrike">
+              <a:defRPr sz="1200" b="0" i="0" u="none" strike="noStrike" cap="none">
                 <a:solidFill>
                   <a:srgbClr val="888888"/>
                 </a:solidFill>
@@ -9915,7 +10261,7 @@
                 <a:sym typeface="Calibri"/>
               </a:defRPr>
             </a:lvl1pPr>
-            <a:lvl2pPr indent="0" lvl="1" marL="0" marR="0" algn="r">
+            <a:lvl2pPr marL="0" marR="0" lvl="1" indent="0" algn="r">
               <a:lnSpc>
                 <a:spcPct val="100000"/>
               </a:lnSpc>
@@ -9931,7 +10277,7 @@
               <a:buSzPts val="1200"/>
               <a:buFont typeface="Arial"/>
               <a:buNone/>
-              <a:defRPr b="0" i="0" sz="1200" u="none" cap="none" strike="noStrike">
+              <a:defRPr sz="1200" b="0" i="0" u="none" strike="noStrike" cap="none">
                 <a:solidFill>
                   <a:srgbClr val="888888"/>
                 </a:solidFill>
@@ -9941,7 +10287,7 @@
                 <a:sym typeface="Calibri"/>
               </a:defRPr>
             </a:lvl2pPr>
-            <a:lvl3pPr indent="0" lvl="2" marL="0" marR="0" algn="r">
+            <a:lvl3pPr marL="0" marR="0" lvl="2" indent="0" algn="r">
               <a:lnSpc>
                 <a:spcPct val="100000"/>
               </a:lnSpc>
@@ -9957,7 +10303,7 @@
               <a:buSzPts val="1200"/>
               <a:buFont typeface="Arial"/>
               <a:buNone/>
-              <a:defRPr b="0" i="0" sz="1200" u="none" cap="none" strike="noStrike">
+              <a:defRPr sz="1200" b="0" i="0" u="none" strike="noStrike" cap="none">
                 <a:solidFill>
                   <a:srgbClr val="888888"/>
                 </a:solidFill>
@@ -9967,7 +10313,7 @@
                 <a:sym typeface="Calibri"/>
               </a:defRPr>
             </a:lvl3pPr>
-            <a:lvl4pPr indent="0" lvl="3" marL="0" marR="0" algn="r">
+            <a:lvl4pPr marL="0" marR="0" lvl="3" indent="0" algn="r">
               <a:lnSpc>
                 <a:spcPct val="100000"/>
               </a:lnSpc>
@@ -9983,7 +10329,7 @@
               <a:buSzPts val="1200"/>
               <a:buFont typeface="Arial"/>
               <a:buNone/>
-              <a:defRPr b="0" i="0" sz="1200" u="none" cap="none" strike="noStrike">
+              <a:defRPr sz="1200" b="0" i="0" u="none" strike="noStrike" cap="none">
                 <a:solidFill>
                   <a:srgbClr val="888888"/>
                 </a:solidFill>
@@ -9993,7 +10339,7 @@
                 <a:sym typeface="Calibri"/>
               </a:defRPr>
             </a:lvl4pPr>
-            <a:lvl5pPr indent="0" lvl="4" marL="0" marR="0" algn="r">
+            <a:lvl5pPr marL="0" marR="0" lvl="4" indent="0" algn="r">
               <a:lnSpc>
                 <a:spcPct val="100000"/>
               </a:lnSpc>
@@ -10009,7 +10355,7 @@
               <a:buSzPts val="1200"/>
               <a:buFont typeface="Arial"/>
               <a:buNone/>
-              <a:defRPr b="0" i="0" sz="1200" u="none" cap="none" strike="noStrike">
+              <a:defRPr sz="1200" b="0" i="0" u="none" strike="noStrike" cap="none">
                 <a:solidFill>
                   <a:srgbClr val="888888"/>
                 </a:solidFill>
@@ -10019,7 +10365,7 @@
                 <a:sym typeface="Calibri"/>
               </a:defRPr>
             </a:lvl5pPr>
-            <a:lvl6pPr indent="0" lvl="5" marL="0" marR="0" algn="r">
+            <a:lvl6pPr marL="0" marR="0" lvl="5" indent="0" algn="r">
               <a:lnSpc>
                 <a:spcPct val="100000"/>
               </a:lnSpc>
@@ -10035,7 +10381,7 @@
               <a:buSzPts val="1200"/>
               <a:buFont typeface="Arial"/>
               <a:buNone/>
-              <a:defRPr b="0" i="0" sz="1200" u="none" cap="none" strike="noStrike">
+              <a:defRPr sz="1200" b="0" i="0" u="none" strike="noStrike" cap="none">
                 <a:solidFill>
                   <a:srgbClr val="888888"/>
                 </a:solidFill>
@@ -10045,7 +10391,7 @@
                 <a:sym typeface="Calibri"/>
               </a:defRPr>
             </a:lvl6pPr>
-            <a:lvl7pPr indent="0" lvl="6" marL="0" marR="0" algn="r">
+            <a:lvl7pPr marL="0" marR="0" lvl="6" indent="0" algn="r">
               <a:lnSpc>
                 <a:spcPct val="100000"/>
               </a:lnSpc>
@@ -10061,7 +10407,7 @@
               <a:buSzPts val="1200"/>
               <a:buFont typeface="Arial"/>
               <a:buNone/>
-              <a:defRPr b="0" i="0" sz="1200" u="none" cap="none" strike="noStrike">
+              <a:defRPr sz="1200" b="0" i="0" u="none" strike="noStrike" cap="none">
                 <a:solidFill>
                   <a:srgbClr val="888888"/>
                 </a:solidFill>
@@ -10071,7 +10417,7 @@
                 <a:sym typeface="Calibri"/>
               </a:defRPr>
             </a:lvl7pPr>
-            <a:lvl8pPr indent="0" lvl="7" marL="0" marR="0" algn="r">
+            <a:lvl8pPr marL="0" marR="0" lvl="7" indent="0" algn="r">
               <a:lnSpc>
                 <a:spcPct val="100000"/>
               </a:lnSpc>
@@ -10087,7 +10433,7 @@
               <a:buSzPts val="1200"/>
               <a:buFont typeface="Arial"/>
               <a:buNone/>
-              <a:defRPr b="0" i="0" sz="1200" u="none" cap="none" strike="noStrike">
+              <a:defRPr sz="1200" b="0" i="0" u="none" strike="noStrike" cap="none">
                 <a:solidFill>
                   <a:srgbClr val="888888"/>
                 </a:solidFill>
@@ -10097,7 +10443,7 @@
                 <a:sym typeface="Calibri"/>
               </a:defRPr>
             </a:lvl8pPr>
-            <a:lvl9pPr indent="0" lvl="8" marL="0" marR="0" algn="r">
+            <a:lvl9pPr marL="0" marR="0" lvl="8" indent="0" algn="r">
               <a:lnSpc>
                 <a:spcPct val="100000"/>
               </a:lnSpc>
@@ -10113,7 +10459,7 @@
               <a:buSzPts val="1200"/>
               <a:buFont typeface="Arial"/>
               <a:buNone/>
-              <a:defRPr b="0" i="0" sz="1200" u="none" cap="none" strike="noStrike">
+              <a:defRPr sz="1200" b="0" i="0" u="none" strike="noStrike" cap="none">
                 <a:solidFill>
                   <a:srgbClr val="888888"/>
                 </a:solidFill>
@@ -10125,7 +10471,7 @@
             </a:lvl9pPr>
           </a:lstStyle>
           <a:p>
-            <a:pPr indent="0" lvl="0" marL="0" rtl="0" algn="r">
+            <a:pPr marL="0" lvl="0" indent="0" algn="r" rtl="0">
               <a:spcBef>
                 <a:spcPts val="0"/>
               </a:spcBef>
@@ -10136,7 +10482,7 @@
             </a:pPr>
             <a:fld id="{00000000-1234-1234-1234-123412341234}" type="slidenum">
               <a:rPr lang="pt-BR"/>
-              <a:t>‹#›</a:t>
+              <a:t>‹nº›</a:t>
             </a:fld>
             <a:endParaRPr/>
           </a:p>
@@ -10151,11 +10497,11 @@
 </file>
 
 <file path=ppt/slideLayouts/slideLayout8.xml><?xml version="1.0" encoding="utf-8"?>
-<p:sldLayout xmlns:a="http://schemas.openxmlformats.org/drawingml/2006/main" xmlns:r="http://schemas.openxmlformats.org/officeDocument/2006/relationships" xmlns:mc="http://schemas.openxmlformats.org/markup-compatibility/2006" xmlns:mv="urn:schemas-microsoft-com:mac:vml" xmlns:p="http://schemas.openxmlformats.org/presentationml/2006/main" xmlns:c="http://schemas.openxmlformats.org/drawingml/2006/chart" xmlns:dgm="http://schemas.openxmlformats.org/drawingml/2006/diagram" xmlns:o="urn:schemas-microsoft-com:office:office" xmlns:v="urn:schemas-microsoft-com:vml" xmlns:pvml="urn:schemas-microsoft-com:office:powerpoint" xmlns:com="http://schemas.openxmlformats.org/drawingml/2006/compatibility" xmlns:p14="http://schemas.microsoft.com/office/powerpoint/2010/main" xmlns:p15="http://schemas.microsoft.com/office/powerpoint/2012/main" xmlns:ahyp="http://schemas.microsoft.com/office/drawing/2018/hyperlinkcolor" matchingName="Conteúdo com Legenda" type="objTx">
+<p:sldLayout xmlns:a="http://schemas.openxmlformats.org/drawingml/2006/main" xmlns:r="http://schemas.openxmlformats.org/officeDocument/2006/relationships" xmlns:p="http://schemas.openxmlformats.org/presentationml/2006/main" matchingName="Conteúdo com Legenda" type="objTx">
   <p:cSld name="OBJECT_WITH_CAPTION_TEXT">
     <p:spTree>
       <p:nvGrpSpPr>
-        <p:cNvPr id="54" name="Shape 54"/>
+        <p:cNvPr id="1" name="Shape 54"/>
         <p:cNvGrpSpPr/>
         <p:nvPr/>
       </p:nvGrpSpPr>
@@ -10170,7 +10516,9 @@
       <p:sp>
         <p:nvSpPr>
           <p:cNvPr id="55" name="Google Shape;55;p9"/>
-          <p:cNvSpPr txBox="1"/>
+          <p:cNvSpPr txBox="1">
+            <a:spLocks noGrp="1"/>
+          </p:cNvSpPr>
           <p:nvPr>
             <p:ph type="title"/>
           </p:nvPr>
@@ -10189,7 +10537,7 @@
           </a:ln>
         </p:spPr>
         <p:txBody>
-          <a:bodyPr anchorCtr="0" anchor="b" bIns="45700" lIns="91425" spcFirstLastPara="1" rIns="91425" wrap="square" tIns="45700">
+          <a:bodyPr spcFirstLastPara="1" wrap="square" lIns="91425" tIns="45700" rIns="91425" bIns="45700" anchor="b" anchorCtr="0">
             <a:normAutofit/>
           </a:bodyPr>
           <a:lstStyle>
@@ -10324,15 +10672,19 @@
               <a:defRPr/>
             </a:lvl9pPr>
           </a:lstStyle>
-          <a:p/>
+          <a:p>
+            <a:endParaRPr/>
+          </a:p>
         </p:txBody>
       </p:sp>
       <p:sp>
         <p:nvSpPr>
           <p:cNvPr id="56" name="Google Shape;56;p9"/>
-          <p:cNvSpPr txBox="1"/>
+          <p:cNvSpPr txBox="1">
+            <a:spLocks noGrp="1"/>
+          </p:cNvSpPr>
           <p:nvPr>
-            <p:ph idx="1" type="body"/>
+            <p:ph type="body" idx="1"/>
           </p:nvPr>
         </p:nvSpPr>
         <p:spPr>
@@ -10349,11 +10701,11 @@
           </a:ln>
         </p:spPr>
         <p:txBody>
-          <a:bodyPr anchorCtr="0" anchor="t" bIns="45700" lIns="91425" spcFirstLastPara="1" rIns="91425" wrap="square" tIns="45700">
+          <a:bodyPr spcFirstLastPara="1" wrap="square" lIns="91425" tIns="45700" rIns="91425" bIns="45700" anchor="t" anchorCtr="0">
             <a:normAutofit/>
           </a:bodyPr>
           <a:lstStyle>
-            <a:lvl1pPr indent="-431800" lvl="0" marL="457200" algn="l">
+            <a:lvl1pPr marL="457200" lvl="0" indent="-431800" algn="l">
               <a:lnSpc>
                 <a:spcPct val="90000"/>
               </a:lnSpc>
@@ -10370,7 +10722,7 @@
               <a:buChar char="•"/>
               <a:defRPr sz="3200"/>
             </a:lvl1pPr>
-            <a:lvl2pPr indent="-406400" lvl="1" marL="914400" algn="l">
+            <a:lvl2pPr marL="914400" lvl="1" indent="-406400" algn="l">
               <a:lnSpc>
                 <a:spcPct val="90000"/>
               </a:lnSpc>
@@ -10387,7 +10739,7 @@
               <a:buChar char="•"/>
               <a:defRPr sz="2800"/>
             </a:lvl2pPr>
-            <a:lvl3pPr indent="-381000" lvl="2" marL="1371600" algn="l">
+            <a:lvl3pPr marL="1371600" lvl="2" indent="-381000" algn="l">
               <a:lnSpc>
                 <a:spcPct val="90000"/>
               </a:lnSpc>
@@ -10404,7 +10756,7 @@
               <a:buChar char="•"/>
               <a:defRPr sz="2400"/>
             </a:lvl3pPr>
-            <a:lvl4pPr indent="-355600" lvl="3" marL="1828800" algn="l">
+            <a:lvl4pPr marL="1828800" lvl="3" indent="-355600" algn="l">
               <a:lnSpc>
                 <a:spcPct val="90000"/>
               </a:lnSpc>
@@ -10421,7 +10773,7 @@
               <a:buChar char="•"/>
               <a:defRPr sz="2000"/>
             </a:lvl4pPr>
-            <a:lvl5pPr indent="-355600" lvl="4" marL="2286000" algn="l">
+            <a:lvl5pPr marL="2286000" lvl="4" indent="-355600" algn="l">
               <a:lnSpc>
                 <a:spcPct val="90000"/>
               </a:lnSpc>
@@ -10438,7 +10790,7 @@
               <a:buChar char="•"/>
               <a:defRPr sz="2000"/>
             </a:lvl5pPr>
-            <a:lvl6pPr indent="-355600" lvl="5" marL="2743200" algn="l">
+            <a:lvl6pPr marL="2743200" lvl="5" indent="-355600" algn="l">
               <a:lnSpc>
                 <a:spcPct val="90000"/>
               </a:lnSpc>
@@ -10455,7 +10807,7 @@
               <a:buChar char="•"/>
               <a:defRPr sz="2000"/>
             </a:lvl6pPr>
-            <a:lvl7pPr indent="-355600" lvl="6" marL="3200400" algn="l">
+            <a:lvl7pPr marL="3200400" lvl="6" indent="-355600" algn="l">
               <a:lnSpc>
                 <a:spcPct val="90000"/>
               </a:lnSpc>
@@ -10472,7 +10824,7 @@
               <a:buChar char="•"/>
               <a:defRPr sz="2000"/>
             </a:lvl7pPr>
-            <a:lvl8pPr indent="-355600" lvl="7" marL="3657600" algn="l">
+            <a:lvl8pPr marL="3657600" lvl="7" indent="-355600" algn="l">
               <a:lnSpc>
                 <a:spcPct val="90000"/>
               </a:lnSpc>
@@ -10489,7 +10841,7 @@
               <a:buChar char="•"/>
               <a:defRPr sz="2000"/>
             </a:lvl8pPr>
-            <a:lvl9pPr indent="-355600" lvl="8" marL="4114800" algn="l">
+            <a:lvl9pPr marL="4114800" lvl="8" indent="-355600" algn="l">
               <a:lnSpc>
                 <a:spcPct val="90000"/>
               </a:lnSpc>
@@ -10507,15 +10859,19 @@
               <a:defRPr sz="2000"/>
             </a:lvl9pPr>
           </a:lstStyle>
-          <a:p/>
+          <a:p>
+            <a:endParaRPr/>
+          </a:p>
         </p:txBody>
       </p:sp>
       <p:sp>
         <p:nvSpPr>
           <p:cNvPr id="57" name="Google Shape;57;p9"/>
-          <p:cNvSpPr txBox="1"/>
+          <p:cNvSpPr txBox="1">
+            <a:spLocks noGrp="1"/>
+          </p:cNvSpPr>
           <p:nvPr>
-            <p:ph idx="2" type="body"/>
+            <p:ph type="body" idx="2"/>
           </p:nvPr>
         </p:nvSpPr>
         <p:spPr>
@@ -10532,11 +10888,11 @@
           </a:ln>
         </p:spPr>
         <p:txBody>
-          <a:bodyPr anchorCtr="0" anchor="t" bIns="45700" lIns="91425" spcFirstLastPara="1" rIns="91425" wrap="square" tIns="45700">
+          <a:bodyPr spcFirstLastPara="1" wrap="square" lIns="91425" tIns="45700" rIns="91425" bIns="45700" anchor="t" anchorCtr="0">
             <a:normAutofit/>
           </a:bodyPr>
           <a:lstStyle>
-            <a:lvl1pPr indent="-228600" lvl="0" marL="457200" algn="l">
+            <a:lvl1pPr marL="457200" lvl="0" indent="-228600" algn="l">
               <a:lnSpc>
                 <a:spcPct val="90000"/>
               </a:lnSpc>
@@ -10553,7 +10909,7 @@
               <a:buNone/>
               <a:defRPr sz="1600"/>
             </a:lvl1pPr>
-            <a:lvl2pPr indent="-228600" lvl="1" marL="914400" algn="l">
+            <a:lvl2pPr marL="914400" lvl="1" indent="-228600" algn="l">
               <a:lnSpc>
                 <a:spcPct val="90000"/>
               </a:lnSpc>
@@ -10570,7 +10926,7 @@
               <a:buNone/>
               <a:defRPr sz="1400"/>
             </a:lvl2pPr>
-            <a:lvl3pPr indent="-228600" lvl="2" marL="1371600" algn="l">
+            <a:lvl3pPr marL="1371600" lvl="2" indent="-228600" algn="l">
               <a:lnSpc>
                 <a:spcPct val="90000"/>
               </a:lnSpc>
@@ -10587,7 +10943,7 @@
               <a:buNone/>
               <a:defRPr sz="1200"/>
             </a:lvl3pPr>
-            <a:lvl4pPr indent="-228600" lvl="3" marL="1828800" algn="l">
+            <a:lvl4pPr marL="1828800" lvl="3" indent="-228600" algn="l">
               <a:lnSpc>
                 <a:spcPct val="90000"/>
               </a:lnSpc>
@@ -10604,7 +10960,7 @@
               <a:buNone/>
               <a:defRPr sz="1000"/>
             </a:lvl4pPr>
-            <a:lvl5pPr indent="-228600" lvl="4" marL="2286000" algn="l">
+            <a:lvl5pPr marL="2286000" lvl="4" indent="-228600" algn="l">
               <a:lnSpc>
                 <a:spcPct val="90000"/>
               </a:lnSpc>
@@ -10621,7 +10977,7 @@
               <a:buNone/>
               <a:defRPr sz="1000"/>
             </a:lvl5pPr>
-            <a:lvl6pPr indent="-228600" lvl="5" marL="2743200" algn="l">
+            <a:lvl6pPr marL="2743200" lvl="5" indent="-228600" algn="l">
               <a:lnSpc>
                 <a:spcPct val="90000"/>
               </a:lnSpc>
@@ -10638,7 +10994,7 @@
               <a:buNone/>
               <a:defRPr sz="1000"/>
             </a:lvl6pPr>
-            <a:lvl7pPr indent="-228600" lvl="6" marL="3200400" algn="l">
+            <a:lvl7pPr marL="3200400" lvl="6" indent="-228600" algn="l">
               <a:lnSpc>
                 <a:spcPct val="90000"/>
               </a:lnSpc>
@@ -10655,7 +11011,7 @@
               <a:buNone/>
               <a:defRPr sz="1000"/>
             </a:lvl7pPr>
-            <a:lvl8pPr indent="-228600" lvl="7" marL="3657600" algn="l">
+            <a:lvl8pPr marL="3657600" lvl="7" indent="-228600" algn="l">
               <a:lnSpc>
                 <a:spcPct val="90000"/>
               </a:lnSpc>
@@ -10672,7 +11028,7 @@
               <a:buNone/>
               <a:defRPr sz="1000"/>
             </a:lvl8pPr>
-            <a:lvl9pPr indent="-228600" lvl="8" marL="4114800" algn="l">
+            <a:lvl9pPr marL="4114800" lvl="8" indent="-228600" algn="l">
               <a:lnSpc>
                 <a:spcPct val="90000"/>
               </a:lnSpc>
@@ -10690,15 +11046,19 @@
               <a:defRPr sz="1000"/>
             </a:lvl9pPr>
           </a:lstStyle>
-          <a:p/>
+          <a:p>
+            <a:endParaRPr/>
+          </a:p>
         </p:txBody>
       </p:sp>
       <p:sp>
         <p:nvSpPr>
           <p:cNvPr id="58" name="Google Shape;58;p9"/>
-          <p:cNvSpPr txBox="1"/>
+          <p:cNvSpPr txBox="1">
+            <a:spLocks noGrp="1"/>
+          </p:cNvSpPr>
           <p:nvPr>
-            <p:ph idx="10" type="dt"/>
+            <p:ph type="dt" idx="10"/>
           </p:nvPr>
         </p:nvSpPr>
         <p:spPr>
@@ -10715,7 +11075,7 @@
           </a:ln>
         </p:spPr>
         <p:txBody>
-          <a:bodyPr anchorCtr="0" anchor="ctr" bIns="45700" lIns="91425" spcFirstLastPara="1" rIns="91425" wrap="square" tIns="45700">
+          <a:bodyPr spcFirstLastPara="1" wrap="square" lIns="91425" tIns="45700" rIns="91425" bIns="45700" anchor="ctr" anchorCtr="0">
             <a:noAutofit/>
           </a:bodyPr>
           <a:lstStyle>
@@ -10846,15 +11206,19 @@
               <a:defRPr/>
             </a:lvl9pPr>
           </a:lstStyle>
-          <a:p/>
+          <a:p>
+            <a:endParaRPr/>
+          </a:p>
         </p:txBody>
       </p:sp>
       <p:sp>
         <p:nvSpPr>
           <p:cNvPr id="59" name="Google Shape;59;p9"/>
-          <p:cNvSpPr txBox="1"/>
+          <p:cNvSpPr txBox="1">
+            <a:spLocks noGrp="1"/>
+          </p:cNvSpPr>
           <p:nvPr>
-            <p:ph idx="11" type="ftr"/>
+            <p:ph type="ftr" idx="11"/>
           </p:nvPr>
         </p:nvSpPr>
         <p:spPr>
@@ -10871,7 +11235,7 @@
           </a:ln>
         </p:spPr>
         <p:txBody>
-          <a:bodyPr anchorCtr="0" anchor="ctr" bIns="45700" lIns="91425" spcFirstLastPara="1" rIns="91425" wrap="square" tIns="45700">
+          <a:bodyPr spcFirstLastPara="1" wrap="square" lIns="91425" tIns="45700" rIns="91425" bIns="45700" anchor="ctr" anchorCtr="0">
             <a:noAutofit/>
           </a:bodyPr>
           <a:lstStyle>
@@ -11002,15 +11366,19 @@
               <a:defRPr/>
             </a:lvl9pPr>
           </a:lstStyle>
-          <a:p/>
+          <a:p>
+            <a:endParaRPr/>
+          </a:p>
         </p:txBody>
       </p:sp>
       <p:sp>
         <p:nvSpPr>
           <p:cNvPr id="60" name="Google Shape;60;p9"/>
-          <p:cNvSpPr txBox="1"/>
+          <p:cNvSpPr txBox="1">
+            <a:spLocks noGrp="1"/>
+          </p:cNvSpPr>
           <p:nvPr>
-            <p:ph idx="12" type="sldNum"/>
+            <p:ph type="sldNum" idx="12"/>
           </p:nvPr>
         </p:nvSpPr>
         <p:spPr>
@@ -11027,11 +11395,11 @@
           </a:ln>
         </p:spPr>
         <p:txBody>
-          <a:bodyPr anchorCtr="0" anchor="ctr" bIns="45700" lIns="91425" spcFirstLastPara="1" rIns="91425" wrap="square" tIns="45700">
+          <a:bodyPr spcFirstLastPara="1" wrap="square" lIns="91425" tIns="45700" rIns="91425" bIns="45700" anchor="ctr" anchorCtr="0">
             <a:noAutofit/>
           </a:bodyPr>
           <a:lstStyle>
-            <a:lvl1pPr indent="0" lvl="0" marL="0" marR="0" algn="r">
+            <a:lvl1pPr marL="0" marR="0" lvl="0" indent="0" algn="r">
               <a:lnSpc>
                 <a:spcPct val="100000"/>
               </a:lnSpc>
@@ -11047,7 +11415,7 @@
               <a:buSzPts val="1200"/>
               <a:buFont typeface="Arial"/>
               <a:buNone/>
-              <a:defRPr b="0" i="0" sz="1200" u="none" cap="none" strike="noStrike">
+              <a:defRPr sz="1200" b="0" i="0" u="none" strike="noStrike" cap="none">
                 <a:solidFill>
                   <a:srgbClr val="888888"/>
                 </a:solidFill>
@@ -11057,7 +11425,7 @@
                 <a:sym typeface="Calibri"/>
               </a:defRPr>
             </a:lvl1pPr>
-            <a:lvl2pPr indent="0" lvl="1" marL="0" marR="0" algn="r">
+            <a:lvl2pPr marL="0" marR="0" lvl="1" indent="0" algn="r">
               <a:lnSpc>
                 <a:spcPct val="100000"/>
               </a:lnSpc>
@@ -11073,7 +11441,7 @@
               <a:buSzPts val="1200"/>
               <a:buFont typeface="Arial"/>
               <a:buNone/>
-              <a:defRPr b="0" i="0" sz="1200" u="none" cap="none" strike="noStrike">
+              <a:defRPr sz="1200" b="0" i="0" u="none" strike="noStrike" cap="none">
                 <a:solidFill>
                   <a:srgbClr val="888888"/>
                 </a:solidFill>
@@ -11083,7 +11451,7 @@
                 <a:sym typeface="Calibri"/>
               </a:defRPr>
             </a:lvl2pPr>
-            <a:lvl3pPr indent="0" lvl="2" marL="0" marR="0" algn="r">
+            <a:lvl3pPr marL="0" marR="0" lvl="2" indent="0" algn="r">
               <a:lnSpc>
                 <a:spcPct val="100000"/>
               </a:lnSpc>
@@ -11099,7 +11467,7 @@
               <a:buSzPts val="1200"/>
               <a:buFont typeface="Arial"/>
               <a:buNone/>
-              <a:defRPr b="0" i="0" sz="1200" u="none" cap="none" strike="noStrike">
+              <a:defRPr sz="1200" b="0" i="0" u="none" strike="noStrike" cap="none">
                 <a:solidFill>
                   <a:srgbClr val="888888"/>
                 </a:solidFill>
@@ -11109,7 +11477,7 @@
                 <a:sym typeface="Calibri"/>
               </a:defRPr>
             </a:lvl3pPr>
-            <a:lvl4pPr indent="0" lvl="3" marL="0" marR="0" algn="r">
+            <a:lvl4pPr marL="0" marR="0" lvl="3" indent="0" algn="r">
               <a:lnSpc>
                 <a:spcPct val="100000"/>
               </a:lnSpc>
@@ -11125,7 +11493,7 @@
               <a:buSzPts val="1200"/>
               <a:buFont typeface="Arial"/>
               <a:buNone/>
-              <a:defRPr b="0" i="0" sz="1200" u="none" cap="none" strike="noStrike">
+              <a:defRPr sz="1200" b="0" i="0" u="none" strike="noStrike" cap="none">
                 <a:solidFill>
                   <a:srgbClr val="888888"/>
                 </a:solidFill>
@@ -11135,7 +11503,7 @@
                 <a:sym typeface="Calibri"/>
               </a:defRPr>
             </a:lvl4pPr>
-            <a:lvl5pPr indent="0" lvl="4" marL="0" marR="0" algn="r">
+            <a:lvl5pPr marL="0" marR="0" lvl="4" indent="0" algn="r">
               <a:lnSpc>
                 <a:spcPct val="100000"/>
               </a:lnSpc>
@@ -11151,7 +11519,7 @@
               <a:buSzPts val="1200"/>
               <a:buFont typeface="Arial"/>
               <a:buNone/>
-              <a:defRPr b="0" i="0" sz="1200" u="none" cap="none" strike="noStrike">
+              <a:defRPr sz="1200" b="0" i="0" u="none" strike="noStrike" cap="none">
                 <a:solidFill>
                   <a:srgbClr val="888888"/>
                 </a:solidFill>
@@ -11161,7 +11529,7 @@
                 <a:sym typeface="Calibri"/>
               </a:defRPr>
             </a:lvl5pPr>
-            <a:lvl6pPr indent="0" lvl="5" marL="0" marR="0" algn="r">
+            <a:lvl6pPr marL="0" marR="0" lvl="5" indent="0" algn="r">
               <a:lnSpc>
                 <a:spcPct val="100000"/>
               </a:lnSpc>
@@ -11177,7 +11545,7 @@
               <a:buSzPts val="1200"/>
               <a:buFont typeface="Arial"/>
               <a:buNone/>
-              <a:defRPr b="0" i="0" sz="1200" u="none" cap="none" strike="noStrike">
+              <a:defRPr sz="1200" b="0" i="0" u="none" strike="noStrike" cap="none">
                 <a:solidFill>
                   <a:srgbClr val="888888"/>
                 </a:solidFill>
@@ -11187,7 +11555,7 @@
                 <a:sym typeface="Calibri"/>
               </a:defRPr>
             </a:lvl6pPr>
-            <a:lvl7pPr indent="0" lvl="6" marL="0" marR="0" algn="r">
+            <a:lvl7pPr marL="0" marR="0" lvl="6" indent="0" algn="r">
               <a:lnSpc>
                 <a:spcPct val="100000"/>
               </a:lnSpc>
@@ -11203,7 +11571,7 @@
               <a:buSzPts val="1200"/>
               <a:buFont typeface="Arial"/>
               <a:buNone/>
-              <a:defRPr b="0" i="0" sz="1200" u="none" cap="none" strike="noStrike">
+              <a:defRPr sz="1200" b="0" i="0" u="none" strike="noStrike" cap="none">
                 <a:solidFill>
                   <a:srgbClr val="888888"/>
                 </a:solidFill>
@@ -11213,7 +11581,7 @@
                 <a:sym typeface="Calibri"/>
               </a:defRPr>
             </a:lvl7pPr>
-            <a:lvl8pPr indent="0" lvl="7" marL="0" marR="0" algn="r">
+            <a:lvl8pPr marL="0" marR="0" lvl="7" indent="0" algn="r">
               <a:lnSpc>
                 <a:spcPct val="100000"/>
               </a:lnSpc>
@@ -11229,7 +11597,7 @@
               <a:buSzPts val="1200"/>
               <a:buFont typeface="Arial"/>
               <a:buNone/>
-              <a:defRPr b="0" i="0" sz="1200" u="none" cap="none" strike="noStrike">
+              <a:defRPr sz="1200" b="0" i="0" u="none" strike="noStrike" cap="none">
                 <a:solidFill>
                   <a:srgbClr val="888888"/>
                 </a:solidFill>
@@ -11239,7 +11607,7 @@
                 <a:sym typeface="Calibri"/>
               </a:defRPr>
             </a:lvl8pPr>
-            <a:lvl9pPr indent="0" lvl="8" marL="0" marR="0" algn="r">
+            <a:lvl9pPr marL="0" marR="0" lvl="8" indent="0" algn="r">
               <a:lnSpc>
                 <a:spcPct val="100000"/>
               </a:lnSpc>
@@ -11255,7 +11623,7 @@
               <a:buSzPts val="1200"/>
               <a:buFont typeface="Arial"/>
               <a:buNone/>
-              <a:defRPr b="0" i="0" sz="1200" u="none" cap="none" strike="noStrike">
+              <a:defRPr sz="1200" b="0" i="0" u="none" strike="noStrike" cap="none">
                 <a:solidFill>
                   <a:srgbClr val="888888"/>
                 </a:solidFill>
@@ -11267,7 +11635,7 @@
             </a:lvl9pPr>
           </a:lstStyle>
           <a:p>
-            <a:pPr indent="0" lvl="0" marL="0" rtl="0" algn="r">
+            <a:pPr marL="0" lvl="0" indent="0" algn="r" rtl="0">
               <a:spcBef>
                 <a:spcPts val="0"/>
               </a:spcBef>
@@ -11278,7 +11646,7 @@
             </a:pPr>
             <a:fld id="{00000000-1234-1234-1234-123412341234}" type="slidenum">
               <a:rPr lang="pt-BR"/>
-              <a:t>‹#›</a:t>
+              <a:t>‹nº›</a:t>
             </a:fld>
             <a:endParaRPr/>
           </a:p>
@@ -11293,11 +11661,11 @@
 </file>
 
 <file path=ppt/slideLayouts/slideLayout9.xml><?xml version="1.0" encoding="utf-8"?>
-<p:sldLayout xmlns:a="http://schemas.openxmlformats.org/drawingml/2006/main" xmlns:r="http://schemas.openxmlformats.org/officeDocument/2006/relationships" xmlns:mc="http://schemas.openxmlformats.org/markup-compatibility/2006" xmlns:mv="urn:schemas-microsoft-com:mac:vml" xmlns:p="http://schemas.openxmlformats.org/presentationml/2006/main" xmlns:c="http://schemas.openxmlformats.org/drawingml/2006/chart" xmlns:dgm="http://schemas.openxmlformats.org/drawingml/2006/diagram" xmlns:o="urn:schemas-microsoft-com:office:office" xmlns:v="urn:schemas-microsoft-com:vml" xmlns:pvml="urn:schemas-microsoft-com:office:powerpoint" xmlns:com="http://schemas.openxmlformats.org/drawingml/2006/compatibility" xmlns:p14="http://schemas.microsoft.com/office/powerpoint/2010/main" xmlns:p15="http://schemas.microsoft.com/office/powerpoint/2012/main" xmlns:ahyp="http://schemas.microsoft.com/office/drawing/2018/hyperlinkcolor" matchingName="Imagem com Legenda" type="picTx">
+<p:sldLayout xmlns:a="http://schemas.openxmlformats.org/drawingml/2006/main" xmlns:r="http://schemas.openxmlformats.org/officeDocument/2006/relationships" xmlns:p="http://schemas.openxmlformats.org/presentationml/2006/main" matchingName="Imagem com Legenda" type="picTx">
   <p:cSld name="PICTURE_WITH_CAPTION_TEXT">
     <p:spTree>
       <p:nvGrpSpPr>
-        <p:cNvPr id="61" name="Shape 61"/>
+        <p:cNvPr id="1" name="Shape 61"/>
         <p:cNvGrpSpPr/>
         <p:nvPr/>
       </p:nvGrpSpPr>
@@ -11312,7 +11680,9 @@
       <p:sp>
         <p:nvSpPr>
           <p:cNvPr id="62" name="Google Shape;62;p10"/>
-          <p:cNvSpPr txBox="1"/>
+          <p:cNvSpPr txBox="1">
+            <a:spLocks noGrp="1"/>
+          </p:cNvSpPr>
           <p:nvPr>
             <p:ph type="title"/>
           </p:nvPr>
@@ -11331,7 +11701,7 @@
           </a:ln>
         </p:spPr>
         <p:txBody>
-          <a:bodyPr anchorCtr="0" anchor="b" bIns="45700" lIns="91425" spcFirstLastPara="1" rIns="91425" wrap="square" tIns="45700">
+          <a:bodyPr spcFirstLastPara="1" wrap="square" lIns="91425" tIns="45700" rIns="91425" bIns="45700" anchor="b" anchorCtr="0">
             <a:normAutofit/>
           </a:bodyPr>
           <a:lstStyle>
@@ -11466,15 +11836,19 @@
               <a:defRPr/>
             </a:lvl9pPr>
           </a:lstStyle>
-          <a:p/>
+          <a:p>
+            <a:endParaRPr/>
+          </a:p>
         </p:txBody>
       </p:sp>
       <p:sp>
         <p:nvSpPr>
           <p:cNvPr id="63" name="Google Shape;63;p10"/>
-          <p:cNvSpPr/>
+          <p:cNvSpPr>
+            <a:spLocks noGrp="1"/>
+          </p:cNvSpPr>
           <p:nvPr>
-            <p:ph idx="2" type="pic"/>
+            <p:ph type="pic" idx="2"/>
           </p:nvPr>
         </p:nvSpPr>
         <p:spPr>
@@ -11491,11 +11865,11 @@
           </a:ln>
         </p:spPr>
         <p:txBody>
-          <a:bodyPr anchorCtr="0" anchor="t" bIns="45700" lIns="91425" spcFirstLastPara="1" rIns="91425" wrap="square" tIns="45700">
+          <a:bodyPr spcFirstLastPara="1" wrap="square" lIns="91425" tIns="45700" rIns="91425" bIns="45700" anchor="t" anchorCtr="0">
             <a:noAutofit/>
           </a:bodyPr>
           <a:lstStyle>
-            <a:lvl1pPr lvl="0" marR="0" rtl="0" algn="l">
+            <a:lvl1pPr marR="0" lvl="0" algn="l" rtl="0">
               <a:lnSpc>
                 <a:spcPct val="90000"/>
               </a:lnSpc>
@@ -11511,7 +11885,7 @@
               <a:buSzPts val="3200"/>
               <a:buFont typeface="Arial"/>
               <a:buNone/>
-              <a:defRPr b="0" i="0" sz="3200" u="none" cap="none" strike="noStrike">
+              <a:defRPr sz="3200" b="0" i="0" u="none" strike="noStrike" cap="none">
                 <a:solidFill>
                   <a:schemeClr val="dk1"/>
                 </a:solidFill>
@@ -11521,7 +11895,7 @@
                 <a:sym typeface="Calibri"/>
               </a:defRPr>
             </a:lvl1pPr>
-            <a:lvl2pPr lvl="1" marR="0" rtl="0" algn="l">
+            <a:lvl2pPr marR="0" lvl="1" algn="l" rtl="0">
               <a:lnSpc>
                 <a:spcPct val="90000"/>
               </a:lnSpc>
@@ -11537,7 +11911,7 @@
               <a:buSzPts val="2800"/>
               <a:buFont typeface="Arial"/>
               <a:buNone/>
-              <a:defRPr b="0" i="0" sz="2800" u="none" cap="none" strike="noStrike">
+              <a:defRPr sz="2800" b="0" i="0" u="none" strike="noStrike" cap="none">
                 <a:solidFill>
                   <a:schemeClr val="dk1"/>
                 </a:solidFill>
@@ -11547,7 +11921,7 @@
                 <a:sym typeface="Calibri"/>
               </a:defRPr>
             </a:lvl2pPr>
-            <a:lvl3pPr lvl="2" marR="0" rtl="0" algn="l">
+            <a:lvl3pPr marR="0" lvl="2" algn="l" rtl="0">
               <a:lnSpc>
                 <a:spcPct val="90000"/>
               </a:lnSpc>
@@ -11563,7 +11937,7 @@
               <a:buSzPts val="2400"/>
               <a:buFont typeface="Arial"/>
               <a:buNone/>
-              <a:defRPr b="0" i="0" sz="2400" u="none" cap="none" strike="noStrike">
+              <a:defRPr sz="2400" b="0" i="0" u="none" strike="noStrike" cap="none">
                 <a:solidFill>
                   <a:schemeClr val="dk1"/>
                 </a:solidFill>
@@ -11573,7 +11947,7 @@
                 <a:sym typeface="Calibri"/>
               </a:defRPr>
             </a:lvl3pPr>
-            <a:lvl4pPr lvl="3" marR="0" rtl="0" algn="l">
+            <a:lvl4pPr marR="0" lvl="3" algn="l" rtl="0">
               <a:lnSpc>
                 <a:spcPct val="90000"/>
               </a:lnSpc>
@@ -11589,7 +11963,7 @@
               <a:buSzPts val="2000"/>
               <a:buFont typeface="Arial"/>
               <a:buNone/>
-              <a:defRPr b="0" i="0" sz="2000" u="none" cap="none" strike="noStrike">
+              <a:defRPr sz="2000" b="0" i="0" u="none" strike="noStrike" cap="none">
                 <a:solidFill>
                   <a:schemeClr val="dk1"/>
                 </a:solidFill>
@@ -11599,7 +11973,7 @@
                 <a:sym typeface="Calibri"/>
               </a:defRPr>
             </a:lvl4pPr>
-            <a:lvl5pPr lvl="4" marR="0" rtl="0" algn="l">
+            <a:lvl5pPr marR="0" lvl="4" algn="l" rtl="0">
               <a:lnSpc>
                 <a:spcPct val="90000"/>
               </a:lnSpc>
@@ -11615,7 +11989,7 @@
               <a:buSzPts val="2000"/>
               <a:buFont typeface="Arial"/>
               <a:buNone/>
-              <a:defRPr b="0" i="0" sz="2000" u="none" cap="none" strike="noStrike">
+              <a:defRPr sz="2000" b="0" i="0" u="none" strike="noStrike" cap="none">
                 <a:solidFill>
                   <a:schemeClr val="dk1"/>
                 </a:solidFill>
@@ -11625,7 +11999,7 @@
                 <a:sym typeface="Calibri"/>
               </a:defRPr>
             </a:lvl5pPr>
-            <a:lvl6pPr lvl="5" marR="0" rtl="0" algn="l">
+            <a:lvl6pPr marR="0" lvl="5" algn="l" rtl="0">
               <a:lnSpc>
                 <a:spcPct val="90000"/>
               </a:lnSpc>
@@ -11641,7 +12015,7 @@
               <a:buSzPts val="2000"/>
               <a:buFont typeface="Arial"/>
               <a:buNone/>
-              <a:defRPr b="0" i="0" sz="2000" u="none" cap="none" strike="noStrike">
+              <a:defRPr sz="2000" b="0" i="0" u="none" strike="noStrike" cap="none">
                 <a:solidFill>
                   <a:schemeClr val="dk1"/>
                 </a:solidFill>
@@ -11651,7 +12025,7 @@
                 <a:sym typeface="Calibri"/>
               </a:defRPr>
             </a:lvl6pPr>
-            <a:lvl7pPr lvl="6" marR="0" rtl="0" algn="l">
+            <a:lvl7pPr marR="0" lvl="6" algn="l" rtl="0">
               <a:lnSpc>
                 <a:spcPct val="90000"/>
               </a:lnSpc>
@@ -11667,7 +12041,7 @@
               <a:buSzPts val="2000"/>
               <a:buFont typeface="Arial"/>
               <a:buNone/>
-              <a:defRPr b="0" i="0" sz="2000" u="none" cap="none" strike="noStrike">
+              <a:defRPr sz="2000" b="0" i="0" u="none" strike="noStrike" cap="none">
                 <a:solidFill>
                   <a:schemeClr val="dk1"/>
                 </a:solidFill>
@@ -11677,7 +12051,7 @@
                 <a:sym typeface="Calibri"/>
               </a:defRPr>
             </a:lvl7pPr>
-            <a:lvl8pPr lvl="7" marR="0" rtl="0" algn="l">
+            <a:lvl8pPr marR="0" lvl="7" algn="l" rtl="0">
               <a:lnSpc>
                 <a:spcPct val="90000"/>
               </a:lnSpc>
@@ -11693,7 +12067,7 @@
               <a:buSzPts val="2000"/>
               <a:buFont typeface="Arial"/>
               <a:buNone/>
-              <a:defRPr b="0" i="0" sz="2000" u="none" cap="none" strike="noStrike">
+              <a:defRPr sz="2000" b="0" i="0" u="none" strike="noStrike" cap="none">
                 <a:solidFill>
                   <a:schemeClr val="dk1"/>
                 </a:solidFill>
@@ -11703,7 +12077,7 @@
                 <a:sym typeface="Calibri"/>
               </a:defRPr>
             </a:lvl8pPr>
-            <a:lvl9pPr lvl="8" marR="0" rtl="0" algn="l">
+            <a:lvl9pPr marR="0" lvl="8" algn="l" rtl="0">
               <a:lnSpc>
                 <a:spcPct val="90000"/>
               </a:lnSpc>
@@ -11719,7 +12093,7 @@
               <a:buSzPts val="2000"/>
               <a:buFont typeface="Arial"/>
               <a:buNone/>
-              <a:defRPr b="0" i="0" sz="2000" u="none" cap="none" strike="noStrike">
+              <a:defRPr sz="2000" b="0" i="0" u="none" strike="noStrike" cap="none">
                 <a:solidFill>
                   <a:schemeClr val="dk1"/>
                 </a:solidFill>
@@ -11730,15 +12104,19 @@
               </a:defRPr>
             </a:lvl9pPr>
           </a:lstStyle>
-          <a:p/>
+          <a:p>
+            <a:endParaRPr/>
+          </a:p>
         </p:txBody>
       </p:sp>
       <p:sp>
         <p:nvSpPr>
           <p:cNvPr id="64" name="Google Shape;64;p10"/>
-          <p:cNvSpPr txBox="1"/>
+          <p:cNvSpPr txBox="1">
+            <a:spLocks noGrp="1"/>
+          </p:cNvSpPr>
           <p:nvPr>
-            <p:ph idx="1" type="body"/>
+            <p:ph type="body" idx="1"/>
           </p:nvPr>
         </p:nvSpPr>
         <p:spPr>
@@ -11755,11 +12133,11 @@
           </a:ln>
         </p:spPr>
         <p:txBody>
-          <a:bodyPr anchorCtr="0" anchor="t" bIns="45700" lIns="91425" spcFirstLastPara="1" rIns="91425" wrap="square" tIns="45700">
+          <a:bodyPr spcFirstLastPara="1" wrap="square" lIns="91425" tIns="45700" rIns="91425" bIns="45700" anchor="t" anchorCtr="0">
             <a:normAutofit/>
           </a:bodyPr>
           <a:lstStyle>
-            <a:lvl1pPr indent="-228600" lvl="0" marL="457200" algn="l">
+            <a:lvl1pPr marL="457200" lvl="0" indent="-228600" algn="l">
               <a:lnSpc>
                 <a:spcPct val="90000"/>
               </a:lnSpc>
@@ -11776,7 +12154,7 @@
               <a:buNone/>
               <a:defRPr sz="1600"/>
             </a:lvl1pPr>
-            <a:lvl2pPr indent="-228600" lvl="1" marL="914400" algn="l">
+            <a:lvl2pPr marL="914400" lvl="1" indent="-228600" algn="l">
               <a:lnSpc>
                 <a:spcPct val="90000"/>
               </a:lnSpc>
@@ -11793,7 +12171,7 @@
               <a:buNone/>
               <a:defRPr sz="1400"/>
             </a:lvl2pPr>
-            <a:lvl3pPr indent="-228600" lvl="2" marL="1371600" algn="l">
+            <a:lvl3pPr marL="1371600" lvl="2" indent="-228600" algn="l">
               <a:lnSpc>
                 <a:spcPct val="90000"/>
               </a:lnSpc>
@@ -11810,7 +12188,7 @@
               <a:buNone/>
               <a:defRPr sz="1200"/>
             </a:lvl3pPr>
-            <a:lvl4pPr indent="-228600" lvl="3" marL="1828800" algn="l">
+            <a:lvl4pPr marL="1828800" lvl="3" indent="-228600" algn="l">
               <a:lnSpc>
                 <a:spcPct val="90000"/>
               </a:lnSpc>
@@ -11827,7 +12205,7 @@
               <a:buNone/>
               <a:defRPr sz="1000"/>
             </a:lvl4pPr>
-            <a:lvl5pPr indent="-228600" lvl="4" marL="2286000" algn="l">
+            <a:lvl5pPr marL="2286000" lvl="4" indent="-228600" algn="l">
               <a:lnSpc>
                 <a:spcPct val="90000"/>
               </a:lnSpc>
@@ -11844,7 +12222,7 @@
               <a:buNone/>
               <a:defRPr sz="1000"/>
             </a:lvl5pPr>
-            <a:lvl6pPr indent="-228600" lvl="5" marL="2743200" algn="l">
+            <a:lvl6pPr marL="2743200" lvl="5" indent="-228600" algn="l">
               <a:lnSpc>
                 <a:spcPct val="90000"/>
               </a:lnSpc>
@@ -11861,7 +12239,7 @@
               <a:buNone/>
               <a:defRPr sz="1000"/>
             </a:lvl6pPr>
-            <a:lvl7pPr indent="-228600" lvl="6" marL="3200400" algn="l">
+            <a:lvl7pPr marL="3200400" lvl="6" indent="-228600" algn="l">
               <a:lnSpc>
                 <a:spcPct val="90000"/>
               </a:lnSpc>
@@ -11878,7 +12256,7 @@
               <a:buNone/>
               <a:defRPr sz="1000"/>
             </a:lvl7pPr>
-            <a:lvl8pPr indent="-228600" lvl="7" marL="3657600" algn="l">
+            <a:lvl8pPr marL="3657600" lvl="7" indent="-228600" algn="l">
               <a:lnSpc>
                 <a:spcPct val="90000"/>
               </a:lnSpc>
@@ -11895,7 +12273,7 @@
               <a:buNone/>
               <a:defRPr sz="1000"/>
             </a:lvl8pPr>
-            <a:lvl9pPr indent="-228600" lvl="8" marL="4114800" algn="l">
+            <a:lvl9pPr marL="4114800" lvl="8" indent="-228600" algn="l">
               <a:lnSpc>
                 <a:spcPct val="90000"/>
               </a:lnSpc>
@@ -11913,15 +12291,19 @@
               <a:defRPr sz="1000"/>
             </a:lvl9pPr>
           </a:lstStyle>
-          <a:p/>
+          <a:p>
+            <a:endParaRPr/>
+          </a:p>
         </p:txBody>
       </p:sp>
       <p:sp>
         <p:nvSpPr>
           <p:cNvPr id="65" name="Google Shape;65;p10"/>
-          <p:cNvSpPr txBox="1"/>
+          <p:cNvSpPr txBox="1">
+            <a:spLocks noGrp="1"/>
+          </p:cNvSpPr>
           <p:nvPr>
-            <p:ph idx="10" type="dt"/>
+            <p:ph type="dt" idx="10"/>
           </p:nvPr>
         </p:nvSpPr>
         <p:spPr>
@@ -11938,7 +12320,7 @@
           </a:ln>
         </p:spPr>
         <p:txBody>
-          <a:bodyPr anchorCtr="0" anchor="ctr" bIns="45700" lIns="91425" spcFirstLastPara="1" rIns="91425" wrap="square" tIns="45700">
+          <a:bodyPr spcFirstLastPara="1" wrap="square" lIns="91425" tIns="45700" rIns="91425" bIns="45700" anchor="ctr" anchorCtr="0">
             <a:noAutofit/>
           </a:bodyPr>
           <a:lstStyle>
@@ -12069,15 +12451,19 @@
               <a:defRPr/>
             </a:lvl9pPr>
           </a:lstStyle>
-          <a:p/>
+          <a:p>
+            <a:endParaRPr/>
+          </a:p>
         </p:txBody>
       </p:sp>
       <p:sp>
         <p:nvSpPr>
           <p:cNvPr id="66" name="Google Shape;66;p10"/>
-          <p:cNvSpPr txBox="1"/>
+          <p:cNvSpPr txBox="1">
+            <a:spLocks noGrp="1"/>
+          </p:cNvSpPr>
           <p:nvPr>
-            <p:ph idx="11" type="ftr"/>
+            <p:ph type="ftr" idx="11"/>
           </p:nvPr>
         </p:nvSpPr>
         <p:spPr>
@@ -12094,7 +12480,7 @@
           </a:ln>
         </p:spPr>
         <p:txBody>
-          <a:bodyPr anchorCtr="0" anchor="ctr" bIns="45700" lIns="91425" spcFirstLastPara="1" rIns="91425" wrap="square" tIns="45700">
+          <a:bodyPr spcFirstLastPara="1" wrap="square" lIns="91425" tIns="45700" rIns="91425" bIns="45700" anchor="ctr" anchorCtr="0">
             <a:noAutofit/>
           </a:bodyPr>
           <a:lstStyle>
@@ -12225,15 +12611,19 @@
               <a:defRPr/>
             </a:lvl9pPr>
           </a:lstStyle>
-          <a:p/>
+          <a:p>
+            <a:endParaRPr/>
+          </a:p>
         </p:txBody>
       </p:sp>
       <p:sp>
         <p:nvSpPr>
           <p:cNvPr id="67" name="Google Shape;67;p10"/>
-          <p:cNvSpPr txBox="1"/>
+          <p:cNvSpPr txBox="1">
+            <a:spLocks noGrp="1"/>
+          </p:cNvSpPr>
           <p:nvPr>
-            <p:ph idx="12" type="sldNum"/>
+            <p:ph type="sldNum" idx="12"/>
           </p:nvPr>
         </p:nvSpPr>
         <p:spPr>
@@ -12250,11 +12640,11 @@
           </a:ln>
         </p:spPr>
         <p:txBody>
-          <a:bodyPr anchorCtr="0" anchor="ctr" bIns="45700" lIns="91425" spcFirstLastPara="1" rIns="91425" wrap="square" tIns="45700">
+          <a:bodyPr spcFirstLastPara="1" wrap="square" lIns="91425" tIns="45700" rIns="91425" bIns="45700" anchor="ctr" anchorCtr="0">
             <a:noAutofit/>
           </a:bodyPr>
           <a:lstStyle>
-            <a:lvl1pPr indent="0" lvl="0" marL="0" marR="0" algn="r">
+            <a:lvl1pPr marL="0" marR="0" lvl="0" indent="0" algn="r">
               <a:lnSpc>
                 <a:spcPct val="100000"/>
               </a:lnSpc>
@@ -12270,7 +12660,7 @@
               <a:buSzPts val="1200"/>
               <a:buFont typeface="Arial"/>
               <a:buNone/>
-              <a:defRPr b="0" i="0" sz="1200" u="none" cap="none" strike="noStrike">
+              <a:defRPr sz="1200" b="0" i="0" u="none" strike="noStrike" cap="none">
                 <a:solidFill>
                   <a:srgbClr val="888888"/>
                 </a:solidFill>
@@ -12280,7 +12670,7 @@
                 <a:sym typeface="Calibri"/>
               </a:defRPr>
             </a:lvl1pPr>
-            <a:lvl2pPr indent="0" lvl="1" marL="0" marR="0" algn="r">
+            <a:lvl2pPr marL="0" marR="0" lvl="1" indent="0" algn="r">
               <a:lnSpc>
                 <a:spcPct val="100000"/>
               </a:lnSpc>
@@ -12296,7 +12686,7 @@
               <a:buSzPts val="1200"/>
               <a:buFont typeface="Arial"/>
               <a:buNone/>
-              <a:defRPr b="0" i="0" sz="1200" u="none" cap="none" strike="noStrike">
+              <a:defRPr sz="1200" b="0" i="0" u="none" strike="noStrike" cap="none">
                 <a:solidFill>
                   <a:srgbClr val="888888"/>
                 </a:solidFill>
@@ -12306,7 +12696,7 @@
                 <a:sym typeface="Calibri"/>
               </a:defRPr>
             </a:lvl2pPr>
-            <a:lvl3pPr indent="0" lvl="2" marL="0" marR="0" algn="r">
+            <a:lvl3pPr marL="0" marR="0" lvl="2" indent="0" algn="r">
               <a:lnSpc>
                 <a:spcPct val="100000"/>
               </a:lnSpc>
@@ -12322,7 +12712,7 @@
               <a:buSzPts val="1200"/>
               <a:buFont typeface="Arial"/>
               <a:buNone/>
-              <a:defRPr b="0" i="0" sz="1200" u="none" cap="none" strike="noStrike">
+              <a:defRPr sz="1200" b="0" i="0" u="none" strike="noStrike" cap="none">
                 <a:solidFill>
                   <a:srgbClr val="888888"/>
                 </a:solidFill>
@@ -12332,7 +12722,7 @@
                 <a:sym typeface="Calibri"/>
               </a:defRPr>
             </a:lvl3pPr>
-            <a:lvl4pPr indent="0" lvl="3" marL="0" marR="0" algn="r">
+            <a:lvl4pPr marL="0" marR="0" lvl="3" indent="0" algn="r">
               <a:lnSpc>
                 <a:spcPct val="100000"/>
               </a:lnSpc>
@@ -12348,7 +12738,7 @@
               <a:buSzPts val="1200"/>
               <a:buFont typeface="Arial"/>
               <a:buNone/>
-              <a:defRPr b="0" i="0" sz="1200" u="none" cap="none" strike="noStrike">
+              <a:defRPr sz="1200" b="0" i="0" u="none" strike="noStrike" cap="none">
                 <a:solidFill>
                   <a:srgbClr val="888888"/>
                 </a:solidFill>
@@ -12358,7 +12748,7 @@
                 <a:sym typeface="Calibri"/>
               </a:defRPr>
             </a:lvl4pPr>
-            <a:lvl5pPr indent="0" lvl="4" marL="0" marR="0" algn="r">
+            <a:lvl5pPr marL="0" marR="0" lvl="4" indent="0" algn="r">
               <a:lnSpc>
                 <a:spcPct val="100000"/>
               </a:lnSpc>
@@ -12374,7 +12764,7 @@
               <a:buSzPts val="1200"/>
               <a:buFont typeface="Arial"/>
               <a:buNone/>
-              <a:defRPr b="0" i="0" sz="1200" u="none" cap="none" strike="noStrike">
+              <a:defRPr sz="1200" b="0" i="0" u="none" strike="noStrike" cap="none">
                 <a:solidFill>
                   <a:srgbClr val="888888"/>
                 </a:solidFill>
@@ -12384,7 +12774,7 @@
                 <a:sym typeface="Calibri"/>
               </a:defRPr>
             </a:lvl5pPr>
-            <a:lvl6pPr indent="0" lvl="5" marL="0" marR="0" algn="r">
+            <a:lvl6pPr marL="0" marR="0" lvl="5" indent="0" algn="r">
               <a:lnSpc>
                 <a:spcPct val="100000"/>
               </a:lnSpc>
@@ -12400,7 +12790,7 @@
               <a:buSzPts val="1200"/>
               <a:buFont typeface="Arial"/>
               <a:buNone/>
-              <a:defRPr b="0" i="0" sz="1200" u="none" cap="none" strike="noStrike">
+              <a:defRPr sz="1200" b="0" i="0" u="none" strike="noStrike" cap="none">
                 <a:solidFill>
                   <a:srgbClr val="888888"/>
                 </a:solidFill>
@@ -12410,7 +12800,7 @@
                 <a:sym typeface="Calibri"/>
               </a:defRPr>
             </a:lvl6pPr>
-            <a:lvl7pPr indent="0" lvl="6" marL="0" marR="0" algn="r">
+            <a:lvl7pPr marL="0" marR="0" lvl="6" indent="0" algn="r">
               <a:lnSpc>
                 <a:spcPct val="100000"/>
               </a:lnSpc>
@@ -12426,7 +12816,7 @@
               <a:buSzPts val="1200"/>
               <a:buFont typeface="Arial"/>
               <a:buNone/>
-              <a:defRPr b="0" i="0" sz="1200" u="none" cap="none" strike="noStrike">
+              <a:defRPr sz="1200" b="0" i="0" u="none" strike="noStrike" cap="none">
                 <a:solidFill>
                   <a:srgbClr val="888888"/>
                 </a:solidFill>
@@ -12436,7 +12826,7 @@
                 <a:sym typeface="Calibri"/>
               </a:defRPr>
             </a:lvl7pPr>
-            <a:lvl8pPr indent="0" lvl="7" marL="0" marR="0" algn="r">
+            <a:lvl8pPr marL="0" marR="0" lvl="7" indent="0" algn="r">
               <a:lnSpc>
                 <a:spcPct val="100000"/>
               </a:lnSpc>
@@ -12452,7 +12842,7 @@
               <a:buSzPts val="1200"/>
               <a:buFont typeface="Arial"/>
               <a:buNone/>
-              <a:defRPr b="0" i="0" sz="1200" u="none" cap="none" strike="noStrike">
+              <a:defRPr sz="1200" b="0" i="0" u="none" strike="noStrike" cap="none">
                 <a:solidFill>
                   <a:srgbClr val="888888"/>
                 </a:solidFill>
@@ -12462,7 +12852,7 @@
                 <a:sym typeface="Calibri"/>
               </a:defRPr>
             </a:lvl8pPr>
-            <a:lvl9pPr indent="0" lvl="8" marL="0" marR="0" algn="r">
+            <a:lvl9pPr marL="0" marR="0" lvl="8" indent="0" algn="r">
               <a:lnSpc>
                 <a:spcPct val="100000"/>
               </a:lnSpc>
@@ -12478,7 +12868,7 @@
               <a:buSzPts val="1200"/>
               <a:buFont typeface="Arial"/>
               <a:buNone/>
-              <a:defRPr b="0" i="0" sz="1200" u="none" cap="none" strike="noStrike">
+              <a:defRPr sz="1200" b="0" i="0" u="none" strike="noStrike" cap="none">
                 <a:solidFill>
                   <a:srgbClr val="888888"/>
                 </a:solidFill>
@@ -12490,7 +12880,7 @@
             </a:lvl9pPr>
           </a:lstStyle>
           <a:p>
-            <a:pPr indent="0" lvl="0" marL="0" rtl="0" algn="r">
+            <a:pPr marL="0" lvl="0" indent="0" algn="r" rtl="0">
               <a:spcBef>
                 <a:spcPts val="0"/>
               </a:spcBef>
@@ -12501,7 +12891,7 @@
             </a:pPr>
             <a:fld id="{00000000-1234-1234-1234-123412341234}" type="slidenum">
               <a:rPr lang="pt-BR"/>
-              <a:t>‹#›</a:t>
+              <a:t>‹nº›</a:t>
             </a:fld>
             <a:endParaRPr/>
           </a:p>
@@ -12516,18 +12906,19 @@
 </file>
 
 <file path=ppt/slideMasters/slideMaster1.xml><?xml version="1.0" encoding="utf-8"?>
-<p:sldMaster xmlns:a="http://schemas.openxmlformats.org/drawingml/2006/main" xmlns:r="http://schemas.openxmlformats.org/officeDocument/2006/relationships" xmlns:mc="http://schemas.openxmlformats.org/markup-compatibility/2006" xmlns:mv="urn:schemas-microsoft-com:mac:vml" xmlns:p="http://schemas.openxmlformats.org/presentationml/2006/main" xmlns:c="http://schemas.openxmlformats.org/drawingml/2006/chart" xmlns:dgm="http://schemas.openxmlformats.org/drawingml/2006/diagram" xmlns:o="urn:schemas-microsoft-com:office:office" xmlns:v="urn:schemas-microsoft-com:vml" xmlns:pvml="urn:schemas-microsoft-com:office:powerpoint" xmlns:com="http://schemas.openxmlformats.org/drawingml/2006/compatibility" xmlns:p14="http://schemas.microsoft.com/office/powerpoint/2010/main" xmlns:p15="http://schemas.microsoft.com/office/powerpoint/2012/main" xmlns:ahyp="http://schemas.microsoft.com/office/drawing/2018/hyperlinkcolor">
+<p:sldMaster xmlns:a="http://schemas.openxmlformats.org/drawingml/2006/main" xmlns:r="http://schemas.openxmlformats.org/officeDocument/2006/relationships" xmlns:p="http://schemas.openxmlformats.org/presentationml/2006/main">
   <p:cSld>
     <p:bg>
       <p:bgPr>
         <a:solidFill>
           <a:schemeClr val="lt1"/>
         </a:solidFill>
+        <a:effectLst/>
       </p:bgPr>
     </p:bg>
     <p:spTree>
       <p:nvGrpSpPr>
-        <p:cNvPr id="5" name="Shape 5"/>
+        <p:cNvPr id="1" name="Shape 5"/>
         <p:cNvGrpSpPr/>
         <p:nvPr/>
       </p:nvGrpSpPr>
@@ -12542,7 +12933,9 @@
       <p:sp>
         <p:nvSpPr>
           <p:cNvPr id="6" name="Google Shape;6;p1"/>
-          <p:cNvSpPr txBox="1"/>
+          <p:cNvSpPr txBox="1">
+            <a:spLocks noGrp="1"/>
+          </p:cNvSpPr>
           <p:nvPr>
             <p:ph type="title"/>
           </p:nvPr>
@@ -12561,11 +12954,11 @@
           </a:ln>
         </p:spPr>
         <p:txBody>
-          <a:bodyPr anchorCtr="0" anchor="ctr" bIns="45700" lIns="91425" spcFirstLastPara="1" rIns="91425" wrap="square" tIns="45700">
+          <a:bodyPr spcFirstLastPara="1" wrap="square" lIns="91425" tIns="45700" rIns="91425" bIns="45700" anchor="ctr" anchorCtr="0">
             <a:normAutofit/>
           </a:bodyPr>
           <a:lstStyle>
-            <a:lvl1pPr lvl="0" marR="0" rtl="0" algn="l">
+            <a:lvl1pPr marR="0" lvl="0" algn="l" rtl="0">
               <a:lnSpc>
                 <a:spcPct val="90000"/>
               </a:lnSpc>
@@ -12581,7 +12974,7 @@
               <a:buSzPts val="4400"/>
               <a:buFont typeface="Calibri"/>
               <a:buNone/>
-              <a:defRPr b="0" i="0" sz="4400" u="none" cap="none" strike="noStrike">
+              <a:defRPr sz="4400" b="0" i="0" u="none" strike="noStrike" cap="none">
                 <a:solidFill>
                   <a:schemeClr val="dk1"/>
                 </a:solidFill>
@@ -12591,23 +12984,23 @@
                 <a:sym typeface="Calibri"/>
               </a:defRPr>
             </a:lvl1pPr>
-            <a:lvl2pPr lvl="1" marR="0" rtl="0" algn="l">
-              <a:lnSpc>
-                <a:spcPct val="100000"/>
-              </a:lnSpc>
-              <a:spcBef>
-                <a:spcPts val="0"/>
-              </a:spcBef>
-              <a:spcAft>
-                <a:spcPts val="0"/>
-              </a:spcAft>
-              <a:buClr>
-                <a:srgbClr val="000000"/>
-              </a:buClr>
-              <a:buSzPts val="1400"/>
-              <a:buFont typeface="Arial"/>
-              <a:buNone/>
-              <a:defRPr b="0" i="0" sz="1800" u="none" cap="none" strike="noStrike">
+            <a:lvl2pPr marR="0" lvl="1" algn="l" rtl="0">
+              <a:lnSpc>
+                <a:spcPct val="100000"/>
+              </a:lnSpc>
+              <a:spcBef>
+                <a:spcPts val="0"/>
+              </a:spcBef>
+              <a:spcAft>
+                <a:spcPts val="0"/>
+              </a:spcAft>
+              <a:buClr>
+                <a:srgbClr val="000000"/>
+              </a:buClr>
+              <a:buSzPts val="1400"/>
+              <a:buFont typeface="Arial"/>
+              <a:buNone/>
+              <a:defRPr sz="1800" b="0" i="0" u="none" strike="noStrike" cap="none">
                 <a:solidFill>
                   <a:srgbClr val="000000"/>
                 </a:solidFill>
@@ -12617,23 +13010,23 @@
                 <a:sym typeface="Arial"/>
               </a:defRPr>
             </a:lvl2pPr>
-            <a:lvl3pPr lvl="2" marR="0" rtl="0" algn="l">
-              <a:lnSpc>
-                <a:spcPct val="100000"/>
-              </a:lnSpc>
-              <a:spcBef>
-                <a:spcPts val="0"/>
-              </a:spcBef>
-              <a:spcAft>
-                <a:spcPts val="0"/>
-              </a:spcAft>
-              <a:buClr>
-                <a:srgbClr val="000000"/>
-              </a:buClr>
-              <a:buSzPts val="1400"/>
-              <a:buFont typeface="Arial"/>
-              <a:buNone/>
-              <a:defRPr b="0" i="0" sz="1800" u="none" cap="none" strike="noStrike">
+            <a:lvl3pPr marR="0" lvl="2" algn="l" rtl="0">
+              <a:lnSpc>
+                <a:spcPct val="100000"/>
+              </a:lnSpc>
+              <a:spcBef>
+                <a:spcPts val="0"/>
+              </a:spcBef>
+              <a:spcAft>
+                <a:spcPts val="0"/>
+              </a:spcAft>
+              <a:buClr>
+                <a:srgbClr val="000000"/>
+              </a:buClr>
+              <a:buSzPts val="1400"/>
+              <a:buFont typeface="Arial"/>
+              <a:buNone/>
+              <a:defRPr sz="1800" b="0" i="0" u="none" strike="noStrike" cap="none">
                 <a:solidFill>
                   <a:srgbClr val="000000"/>
                 </a:solidFill>
@@ -12643,23 +13036,23 @@
                 <a:sym typeface="Arial"/>
               </a:defRPr>
             </a:lvl3pPr>
-            <a:lvl4pPr lvl="3" marR="0" rtl="0" algn="l">
-              <a:lnSpc>
-                <a:spcPct val="100000"/>
-              </a:lnSpc>
-              <a:spcBef>
-                <a:spcPts val="0"/>
-              </a:spcBef>
-              <a:spcAft>
-                <a:spcPts val="0"/>
-              </a:spcAft>
-              <a:buClr>
-                <a:srgbClr val="000000"/>
-              </a:buClr>
-              <a:buSzPts val="1400"/>
-              <a:buFont typeface="Arial"/>
-              <a:buNone/>
-              <a:defRPr b="0" i="0" sz="1800" u="none" cap="none" strike="noStrike">
+            <a:lvl4pPr marR="0" lvl="3" algn="l" rtl="0">
+              <a:lnSpc>
+                <a:spcPct val="100000"/>
+              </a:lnSpc>
+              <a:spcBef>
+                <a:spcPts val="0"/>
+              </a:spcBef>
+              <a:spcAft>
+                <a:spcPts val="0"/>
+              </a:spcAft>
+              <a:buClr>
+                <a:srgbClr val="000000"/>
+              </a:buClr>
+              <a:buSzPts val="1400"/>
+              <a:buFont typeface="Arial"/>
+              <a:buNone/>
+              <a:defRPr sz="1800" b="0" i="0" u="none" strike="noStrike" cap="none">
                 <a:solidFill>
                   <a:srgbClr val="000000"/>
                 </a:solidFill>
@@ -12669,23 +13062,23 @@
                 <a:sym typeface="Arial"/>
               </a:defRPr>
             </a:lvl4pPr>
-            <a:lvl5pPr lvl="4" marR="0" rtl="0" algn="l">
-              <a:lnSpc>
-                <a:spcPct val="100000"/>
-              </a:lnSpc>
-              <a:spcBef>
-                <a:spcPts val="0"/>
-              </a:spcBef>
-              <a:spcAft>
-                <a:spcPts val="0"/>
-              </a:spcAft>
-              <a:buClr>
-                <a:srgbClr val="000000"/>
-              </a:buClr>
-              <a:buSzPts val="1400"/>
-              <a:buFont typeface="Arial"/>
-              <a:buNone/>
-              <a:defRPr b="0" i="0" sz="1800" u="none" cap="none" strike="noStrike">
+            <a:lvl5pPr marR="0" lvl="4" algn="l" rtl="0">
+              <a:lnSpc>
+                <a:spcPct val="100000"/>
+              </a:lnSpc>
+              <a:spcBef>
+                <a:spcPts val="0"/>
+              </a:spcBef>
+              <a:spcAft>
+                <a:spcPts val="0"/>
+              </a:spcAft>
+              <a:buClr>
+                <a:srgbClr val="000000"/>
+              </a:buClr>
+              <a:buSzPts val="1400"/>
+              <a:buFont typeface="Arial"/>
+              <a:buNone/>
+              <a:defRPr sz="1800" b="0" i="0" u="none" strike="noStrike" cap="none">
                 <a:solidFill>
                   <a:srgbClr val="000000"/>
                 </a:solidFill>
@@ -12695,23 +13088,23 @@
                 <a:sym typeface="Arial"/>
               </a:defRPr>
             </a:lvl5pPr>
-            <a:lvl6pPr lvl="5" marR="0" rtl="0" algn="l">
-              <a:lnSpc>
-                <a:spcPct val="100000"/>
-              </a:lnSpc>
-              <a:spcBef>
-                <a:spcPts val="0"/>
-              </a:spcBef>
-              <a:spcAft>
-                <a:spcPts val="0"/>
-              </a:spcAft>
-              <a:buClr>
-                <a:srgbClr val="000000"/>
-              </a:buClr>
-              <a:buSzPts val="1400"/>
-              <a:buFont typeface="Arial"/>
-              <a:buNone/>
-              <a:defRPr b="0" i="0" sz="1800" u="none" cap="none" strike="noStrike">
+            <a:lvl6pPr marR="0" lvl="5" algn="l" rtl="0">
+              <a:lnSpc>
+                <a:spcPct val="100000"/>
+              </a:lnSpc>
+              <a:spcBef>
+                <a:spcPts val="0"/>
+              </a:spcBef>
+              <a:spcAft>
+                <a:spcPts val="0"/>
+              </a:spcAft>
+              <a:buClr>
+                <a:srgbClr val="000000"/>
+              </a:buClr>
+              <a:buSzPts val="1400"/>
+              <a:buFont typeface="Arial"/>
+              <a:buNone/>
+              <a:defRPr sz="1800" b="0" i="0" u="none" strike="noStrike" cap="none">
                 <a:solidFill>
                   <a:srgbClr val="000000"/>
                 </a:solidFill>
@@ -12721,23 +13114,23 @@
                 <a:sym typeface="Arial"/>
               </a:defRPr>
             </a:lvl6pPr>
-            <a:lvl7pPr lvl="6" marR="0" rtl="0" algn="l">
-              <a:lnSpc>
-                <a:spcPct val="100000"/>
-              </a:lnSpc>
-              <a:spcBef>
-                <a:spcPts val="0"/>
-              </a:spcBef>
-              <a:spcAft>
-                <a:spcPts val="0"/>
-              </a:spcAft>
-              <a:buClr>
-                <a:srgbClr val="000000"/>
-              </a:buClr>
-              <a:buSzPts val="1400"/>
-              <a:buFont typeface="Arial"/>
-              <a:buNone/>
-              <a:defRPr b="0" i="0" sz="1800" u="none" cap="none" strike="noStrike">
+            <a:lvl7pPr marR="0" lvl="6" algn="l" rtl="0">
+              <a:lnSpc>
+                <a:spcPct val="100000"/>
+              </a:lnSpc>
+              <a:spcBef>
+                <a:spcPts val="0"/>
+              </a:spcBef>
+              <a:spcAft>
+                <a:spcPts val="0"/>
+              </a:spcAft>
+              <a:buClr>
+                <a:srgbClr val="000000"/>
+              </a:buClr>
+              <a:buSzPts val="1400"/>
+              <a:buFont typeface="Arial"/>
+              <a:buNone/>
+              <a:defRPr sz="1800" b="0" i="0" u="none" strike="noStrike" cap="none">
                 <a:solidFill>
                   <a:srgbClr val="000000"/>
                 </a:solidFill>
@@ -12747,23 +13140,23 @@
                 <a:sym typeface="Arial"/>
               </a:defRPr>
             </a:lvl7pPr>
-            <a:lvl8pPr lvl="7" marR="0" rtl="0" algn="l">
-              <a:lnSpc>
-                <a:spcPct val="100000"/>
-              </a:lnSpc>
-              <a:spcBef>
-                <a:spcPts val="0"/>
-              </a:spcBef>
-              <a:spcAft>
-                <a:spcPts val="0"/>
-              </a:spcAft>
-              <a:buClr>
-                <a:srgbClr val="000000"/>
-              </a:buClr>
-              <a:buSzPts val="1400"/>
-              <a:buFont typeface="Arial"/>
-              <a:buNone/>
-              <a:defRPr b="0" i="0" sz="1800" u="none" cap="none" strike="noStrike">
+            <a:lvl8pPr marR="0" lvl="7" algn="l" rtl="0">
+              <a:lnSpc>
+                <a:spcPct val="100000"/>
+              </a:lnSpc>
+              <a:spcBef>
+                <a:spcPts val="0"/>
+              </a:spcBef>
+              <a:spcAft>
+                <a:spcPts val="0"/>
+              </a:spcAft>
+              <a:buClr>
+                <a:srgbClr val="000000"/>
+              </a:buClr>
+              <a:buSzPts val="1400"/>
+              <a:buFont typeface="Arial"/>
+              <a:buNone/>
+              <a:defRPr sz="1800" b="0" i="0" u="none" strike="noStrike" cap="none">
                 <a:solidFill>
                   <a:srgbClr val="000000"/>
                 </a:solidFill>
@@ -12773,23 +13166,23 @@
                 <a:sym typeface="Arial"/>
               </a:defRPr>
             </a:lvl8pPr>
-            <a:lvl9pPr lvl="8" marR="0" rtl="0" algn="l">
-              <a:lnSpc>
-                <a:spcPct val="100000"/>
-              </a:lnSpc>
-              <a:spcBef>
-                <a:spcPts val="0"/>
-              </a:spcBef>
-              <a:spcAft>
-                <a:spcPts val="0"/>
-              </a:spcAft>
-              <a:buClr>
-                <a:srgbClr val="000000"/>
-              </a:buClr>
-              <a:buSzPts val="1400"/>
-              <a:buFont typeface="Arial"/>
-              <a:buNone/>
-              <a:defRPr b="0" i="0" sz="1800" u="none" cap="none" strike="noStrike">
+            <a:lvl9pPr marR="0" lvl="8" algn="l" rtl="0">
+              <a:lnSpc>
+                <a:spcPct val="100000"/>
+              </a:lnSpc>
+              <a:spcBef>
+                <a:spcPts val="0"/>
+              </a:spcBef>
+              <a:spcAft>
+                <a:spcPts val="0"/>
+              </a:spcAft>
+              <a:buClr>
+                <a:srgbClr val="000000"/>
+              </a:buClr>
+              <a:buSzPts val="1400"/>
+              <a:buFont typeface="Arial"/>
+              <a:buNone/>
+              <a:defRPr sz="1800" b="0" i="0" u="none" strike="noStrike" cap="none">
                 <a:solidFill>
                   <a:srgbClr val="000000"/>
                 </a:solidFill>
@@ -12800,15 +13193,19 @@
               </a:defRPr>
             </a:lvl9pPr>
           </a:lstStyle>
-          <a:p/>
+          <a:p>
+            <a:endParaRPr/>
+          </a:p>
         </p:txBody>
       </p:sp>
       <p:sp>
         <p:nvSpPr>
           <p:cNvPr id="7" name="Google Shape;7;p1"/>
-          <p:cNvSpPr txBox="1"/>
+          <p:cNvSpPr txBox="1">
+            <a:spLocks noGrp="1"/>
+          </p:cNvSpPr>
           <p:nvPr>
-            <p:ph idx="1" type="body"/>
+            <p:ph type="body" idx="1"/>
           </p:nvPr>
         </p:nvSpPr>
         <p:spPr>
@@ -12825,11 +13222,11 @@
           </a:ln>
         </p:spPr>
         <p:txBody>
-          <a:bodyPr anchorCtr="0" anchor="t" bIns="45700" lIns="91425" spcFirstLastPara="1" rIns="91425" wrap="square" tIns="45700">
+          <a:bodyPr spcFirstLastPara="1" wrap="square" lIns="91425" tIns="45700" rIns="91425" bIns="45700" anchor="t" anchorCtr="0">
             <a:normAutofit/>
           </a:bodyPr>
           <a:lstStyle>
-            <a:lvl1pPr indent="-406400" lvl="0" marL="457200" marR="0" rtl="0" algn="l">
+            <a:lvl1pPr marL="457200" marR="0" lvl="0" indent="-406400" algn="l" rtl="0">
               <a:lnSpc>
                 <a:spcPct val="90000"/>
               </a:lnSpc>
@@ -12845,7 +13242,7 @@
               <a:buSzPts val="2800"/>
               <a:buFont typeface="Arial"/>
               <a:buChar char="•"/>
-              <a:defRPr b="0" i="0" sz="2800" u="none" cap="none" strike="noStrike">
+              <a:defRPr sz="2800" b="0" i="0" u="none" strike="noStrike" cap="none">
                 <a:solidFill>
                   <a:schemeClr val="dk1"/>
                 </a:solidFill>
@@ -12855,7 +13252,7 @@
                 <a:sym typeface="Calibri"/>
               </a:defRPr>
             </a:lvl1pPr>
-            <a:lvl2pPr indent="-381000" lvl="1" marL="914400" marR="0" rtl="0" algn="l">
+            <a:lvl2pPr marL="914400" marR="0" lvl="1" indent="-381000" algn="l" rtl="0">
               <a:lnSpc>
                 <a:spcPct val="90000"/>
               </a:lnSpc>
@@ -12871,7 +13268,7 @@
               <a:buSzPts val="2400"/>
               <a:buFont typeface="Arial"/>
               <a:buChar char="•"/>
-              <a:defRPr b="0" i="0" sz="2400" u="none" cap="none" strike="noStrike">
+              <a:defRPr sz="2400" b="0" i="0" u="none" strike="noStrike" cap="none">
                 <a:solidFill>
                   <a:schemeClr val="dk1"/>
                 </a:solidFill>
@@ -12881,7 +13278,7 @@
                 <a:sym typeface="Calibri"/>
               </a:defRPr>
             </a:lvl2pPr>
-            <a:lvl3pPr indent="-355600" lvl="2" marL="1371600" marR="0" rtl="0" algn="l">
+            <a:lvl3pPr marL="1371600" marR="0" lvl="2" indent="-355600" algn="l" rtl="0">
               <a:lnSpc>
                 <a:spcPct val="90000"/>
               </a:lnSpc>
@@ -12897,7 +13294,7 @@
               <a:buSzPts val="2000"/>
               <a:buFont typeface="Arial"/>
               <a:buChar char="•"/>
-              <a:defRPr b="0" i="0" sz="2000" u="none" cap="none" strike="noStrike">
+              <a:defRPr sz="2000" b="0" i="0" u="none" strike="noStrike" cap="none">
                 <a:solidFill>
                   <a:schemeClr val="dk1"/>
                 </a:solidFill>
@@ -12907,7 +13304,7 @@
                 <a:sym typeface="Calibri"/>
               </a:defRPr>
             </a:lvl3pPr>
-            <a:lvl4pPr indent="-342900" lvl="3" marL="1828800" marR="0" rtl="0" algn="l">
+            <a:lvl4pPr marL="1828800" marR="0" lvl="3" indent="-342900" algn="l" rtl="0">
               <a:lnSpc>
                 <a:spcPct val="90000"/>
               </a:lnSpc>
@@ -12923,7 +13320,7 @@
               <a:buSzPts val="1800"/>
               <a:buFont typeface="Arial"/>
               <a:buChar char="•"/>
-              <a:defRPr b="0" i="0" sz="1800" u="none" cap="none" strike="noStrike">
+              <a:defRPr sz="1800" b="0" i="0" u="none" strike="noStrike" cap="none">
                 <a:solidFill>
                   <a:schemeClr val="dk1"/>
                 </a:solidFill>
@@ -12933,7 +13330,7 @@
                 <a:sym typeface="Calibri"/>
               </a:defRPr>
             </a:lvl4pPr>
-            <a:lvl5pPr indent="-342900" lvl="4" marL="2286000" marR="0" rtl="0" algn="l">
+            <a:lvl5pPr marL="2286000" marR="0" lvl="4" indent="-342900" algn="l" rtl="0">
               <a:lnSpc>
                 <a:spcPct val="90000"/>
               </a:lnSpc>
@@ -12949,7 +13346,7 @@
               <a:buSzPts val="1800"/>
               <a:buFont typeface="Arial"/>
               <a:buChar char="•"/>
-              <a:defRPr b="0" i="0" sz="1800" u="none" cap="none" strike="noStrike">
+              <a:defRPr sz="1800" b="0" i="0" u="none" strike="noStrike" cap="none">
                 <a:solidFill>
                   <a:schemeClr val="dk1"/>
                 </a:solidFill>
@@ -12959,7 +13356,7 @@
                 <a:sym typeface="Calibri"/>
               </a:defRPr>
             </a:lvl5pPr>
-            <a:lvl6pPr indent="-342900" lvl="5" marL="2743200" marR="0" rtl="0" algn="l">
+            <a:lvl6pPr marL="2743200" marR="0" lvl="5" indent="-342900" algn="l" rtl="0">
               <a:lnSpc>
                 <a:spcPct val="90000"/>
               </a:lnSpc>
@@ -12975,7 +13372,7 @@
               <a:buSzPts val="1800"/>
               <a:buFont typeface="Arial"/>
               <a:buChar char="•"/>
-              <a:defRPr b="0" i="0" sz="1800" u="none" cap="none" strike="noStrike">
+              <a:defRPr sz="1800" b="0" i="0" u="none" strike="noStrike" cap="none">
                 <a:solidFill>
                   <a:schemeClr val="dk1"/>
                 </a:solidFill>
@@ -12985,7 +13382,7 @@
                 <a:sym typeface="Calibri"/>
               </a:defRPr>
             </a:lvl6pPr>
-            <a:lvl7pPr indent="-342900" lvl="6" marL="3200400" marR="0" rtl="0" algn="l">
+            <a:lvl7pPr marL="3200400" marR="0" lvl="6" indent="-342900" algn="l" rtl="0">
               <a:lnSpc>
                 <a:spcPct val="90000"/>
               </a:lnSpc>
@@ -13001,7 +13398,7 @@
               <a:buSzPts val="1800"/>
               <a:buFont typeface="Arial"/>
               <a:buChar char="•"/>
-              <a:defRPr b="0" i="0" sz="1800" u="none" cap="none" strike="noStrike">
+              <a:defRPr sz="1800" b="0" i="0" u="none" strike="noStrike" cap="none">
                 <a:solidFill>
                   <a:schemeClr val="dk1"/>
                 </a:solidFill>
@@ -13011,7 +13408,7 @@
                 <a:sym typeface="Calibri"/>
               </a:defRPr>
             </a:lvl7pPr>
-            <a:lvl8pPr indent="-342900" lvl="7" marL="3657600" marR="0" rtl="0" algn="l">
+            <a:lvl8pPr marL="3657600" marR="0" lvl="7" indent="-342900" algn="l" rtl="0">
               <a:lnSpc>
                 <a:spcPct val="90000"/>
               </a:lnSpc>
@@ -13027,7 +13424,7 @@
               <a:buSzPts val="1800"/>
               <a:buFont typeface="Arial"/>
               <a:buChar char="•"/>
-              <a:defRPr b="0" i="0" sz="1800" u="none" cap="none" strike="noStrike">
+              <a:defRPr sz="1800" b="0" i="0" u="none" strike="noStrike" cap="none">
                 <a:solidFill>
                   <a:schemeClr val="dk1"/>
                 </a:solidFill>
@@ -13037,7 +13434,7 @@
                 <a:sym typeface="Calibri"/>
               </a:defRPr>
             </a:lvl8pPr>
-            <a:lvl9pPr indent="-342900" lvl="8" marL="4114800" marR="0" rtl="0" algn="l">
+            <a:lvl9pPr marL="4114800" marR="0" lvl="8" indent="-342900" algn="l" rtl="0">
               <a:lnSpc>
                 <a:spcPct val="90000"/>
               </a:lnSpc>
@@ -13053,7 +13450,7 @@
               <a:buSzPts val="1800"/>
               <a:buFont typeface="Arial"/>
               <a:buChar char="•"/>
-              <a:defRPr b="0" i="0" sz="1800" u="none" cap="none" strike="noStrike">
+              <a:defRPr sz="1800" b="0" i="0" u="none" strike="noStrike" cap="none">
                 <a:solidFill>
                   <a:schemeClr val="dk1"/>
                 </a:solidFill>
@@ -13064,15 +13461,19 @@
               </a:defRPr>
             </a:lvl9pPr>
           </a:lstStyle>
-          <a:p/>
+          <a:p>
+            <a:endParaRPr/>
+          </a:p>
         </p:txBody>
       </p:sp>
       <p:sp>
         <p:nvSpPr>
           <p:cNvPr id="8" name="Google Shape;8;p1"/>
-          <p:cNvSpPr txBox="1"/>
+          <p:cNvSpPr txBox="1">
+            <a:spLocks noGrp="1"/>
+          </p:cNvSpPr>
           <p:nvPr>
-            <p:ph idx="10" type="dt"/>
+            <p:ph type="dt" idx="10"/>
           </p:nvPr>
         </p:nvSpPr>
         <p:spPr>
@@ -13089,27 +13490,27 @@
           </a:ln>
         </p:spPr>
         <p:txBody>
-          <a:bodyPr anchorCtr="0" anchor="ctr" bIns="45700" lIns="91425" spcFirstLastPara="1" rIns="91425" wrap="square" tIns="45700">
+          <a:bodyPr spcFirstLastPara="1" wrap="square" lIns="91425" tIns="45700" rIns="91425" bIns="45700" anchor="ctr" anchorCtr="0">
             <a:noAutofit/>
           </a:bodyPr>
           <a:lstStyle>
-            <a:lvl1pPr lvl="0" marR="0" rtl="0" algn="l">
-              <a:lnSpc>
-                <a:spcPct val="100000"/>
-              </a:lnSpc>
-              <a:spcBef>
-                <a:spcPts val="0"/>
-              </a:spcBef>
-              <a:spcAft>
-                <a:spcPts val="0"/>
-              </a:spcAft>
-              <a:buClr>
-                <a:srgbClr val="000000"/>
-              </a:buClr>
-              <a:buSzPts val="1400"/>
-              <a:buFont typeface="Arial"/>
-              <a:buNone/>
-              <a:defRPr b="0" i="0" sz="1200" u="none" cap="none" strike="noStrike">
+            <a:lvl1pPr marR="0" lvl="0" algn="l" rtl="0">
+              <a:lnSpc>
+                <a:spcPct val="100000"/>
+              </a:lnSpc>
+              <a:spcBef>
+                <a:spcPts val="0"/>
+              </a:spcBef>
+              <a:spcAft>
+                <a:spcPts val="0"/>
+              </a:spcAft>
+              <a:buClr>
+                <a:srgbClr val="000000"/>
+              </a:buClr>
+              <a:buSzPts val="1400"/>
+              <a:buFont typeface="Arial"/>
+              <a:buNone/>
+              <a:defRPr sz="1200" b="0" i="0" u="none" strike="noStrike" cap="none">
                 <a:solidFill>
                   <a:srgbClr val="888888"/>
                 </a:solidFill>
@@ -13119,23 +13520,23 @@
                 <a:sym typeface="Calibri"/>
               </a:defRPr>
             </a:lvl1pPr>
-            <a:lvl2pPr lvl="1" marR="0" rtl="0" algn="l">
-              <a:lnSpc>
-                <a:spcPct val="100000"/>
-              </a:lnSpc>
-              <a:spcBef>
-                <a:spcPts val="0"/>
-              </a:spcBef>
-              <a:spcAft>
-                <a:spcPts val="0"/>
-              </a:spcAft>
-              <a:buClr>
-                <a:srgbClr val="000000"/>
-              </a:buClr>
-              <a:buSzPts val="1400"/>
-              <a:buFont typeface="Arial"/>
-              <a:buNone/>
-              <a:defRPr b="0" i="0" sz="1800" u="none" cap="none" strike="noStrike">
+            <a:lvl2pPr marR="0" lvl="1" algn="l" rtl="0">
+              <a:lnSpc>
+                <a:spcPct val="100000"/>
+              </a:lnSpc>
+              <a:spcBef>
+                <a:spcPts val="0"/>
+              </a:spcBef>
+              <a:spcAft>
+                <a:spcPts val="0"/>
+              </a:spcAft>
+              <a:buClr>
+                <a:srgbClr val="000000"/>
+              </a:buClr>
+              <a:buSzPts val="1400"/>
+              <a:buFont typeface="Arial"/>
+              <a:buNone/>
+              <a:defRPr sz="1800" b="0" i="0" u="none" strike="noStrike" cap="none">
                 <a:solidFill>
                   <a:schemeClr val="dk1"/>
                 </a:solidFill>
@@ -13145,23 +13546,23 @@
                 <a:sym typeface="Calibri"/>
               </a:defRPr>
             </a:lvl2pPr>
-            <a:lvl3pPr lvl="2" marR="0" rtl="0" algn="l">
-              <a:lnSpc>
-                <a:spcPct val="100000"/>
-              </a:lnSpc>
-              <a:spcBef>
-                <a:spcPts val="0"/>
-              </a:spcBef>
-              <a:spcAft>
-                <a:spcPts val="0"/>
-              </a:spcAft>
-              <a:buClr>
-                <a:srgbClr val="000000"/>
-              </a:buClr>
-              <a:buSzPts val="1400"/>
-              <a:buFont typeface="Arial"/>
-              <a:buNone/>
-              <a:defRPr b="0" i="0" sz="1800" u="none" cap="none" strike="noStrike">
+            <a:lvl3pPr marR="0" lvl="2" algn="l" rtl="0">
+              <a:lnSpc>
+                <a:spcPct val="100000"/>
+              </a:lnSpc>
+              <a:spcBef>
+                <a:spcPts val="0"/>
+              </a:spcBef>
+              <a:spcAft>
+                <a:spcPts val="0"/>
+              </a:spcAft>
+              <a:buClr>
+                <a:srgbClr val="000000"/>
+              </a:buClr>
+              <a:buSzPts val="1400"/>
+              <a:buFont typeface="Arial"/>
+              <a:buNone/>
+              <a:defRPr sz="1800" b="0" i="0" u="none" strike="noStrike" cap="none">
                 <a:solidFill>
                   <a:schemeClr val="dk1"/>
                 </a:solidFill>
@@ -13171,23 +13572,23 @@
                 <a:sym typeface="Calibri"/>
               </a:defRPr>
             </a:lvl3pPr>
-            <a:lvl4pPr lvl="3" marR="0" rtl="0" algn="l">
-              <a:lnSpc>
-                <a:spcPct val="100000"/>
-              </a:lnSpc>
-              <a:spcBef>
-                <a:spcPts val="0"/>
-              </a:spcBef>
-              <a:spcAft>
-                <a:spcPts val="0"/>
-              </a:spcAft>
-              <a:buClr>
-                <a:srgbClr val="000000"/>
-              </a:buClr>
-              <a:buSzPts val="1400"/>
-              <a:buFont typeface="Arial"/>
-              <a:buNone/>
-              <a:defRPr b="0" i="0" sz="1800" u="none" cap="none" strike="noStrike">
+            <a:lvl4pPr marR="0" lvl="3" algn="l" rtl="0">
+              <a:lnSpc>
+                <a:spcPct val="100000"/>
+              </a:lnSpc>
+              <a:spcBef>
+                <a:spcPts val="0"/>
+              </a:spcBef>
+              <a:spcAft>
+                <a:spcPts val="0"/>
+              </a:spcAft>
+              <a:buClr>
+                <a:srgbClr val="000000"/>
+              </a:buClr>
+              <a:buSzPts val="1400"/>
+              <a:buFont typeface="Arial"/>
+              <a:buNone/>
+              <a:defRPr sz="1800" b="0" i="0" u="none" strike="noStrike" cap="none">
                 <a:solidFill>
                   <a:schemeClr val="dk1"/>
                 </a:solidFill>
@@ -13197,23 +13598,23 @@
                 <a:sym typeface="Calibri"/>
               </a:defRPr>
             </a:lvl4pPr>
-            <a:lvl5pPr lvl="4" marR="0" rtl="0" algn="l">
-              <a:lnSpc>
-                <a:spcPct val="100000"/>
-              </a:lnSpc>
-              <a:spcBef>
-                <a:spcPts val="0"/>
-              </a:spcBef>
-              <a:spcAft>
-                <a:spcPts val="0"/>
-              </a:spcAft>
-              <a:buClr>
-                <a:srgbClr val="000000"/>
-              </a:buClr>
-              <a:buSzPts val="1400"/>
-              <a:buFont typeface="Arial"/>
-              <a:buNone/>
-              <a:defRPr b="0" i="0" sz="1800" u="none" cap="none" strike="noStrike">
+            <a:lvl5pPr marR="0" lvl="4" algn="l" rtl="0">
+              <a:lnSpc>
+                <a:spcPct val="100000"/>
+              </a:lnSpc>
+              <a:spcBef>
+                <a:spcPts val="0"/>
+              </a:spcBef>
+              <a:spcAft>
+                <a:spcPts val="0"/>
+              </a:spcAft>
+              <a:buClr>
+                <a:srgbClr val="000000"/>
+              </a:buClr>
+              <a:buSzPts val="1400"/>
+              <a:buFont typeface="Arial"/>
+              <a:buNone/>
+              <a:defRPr sz="1800" b="0" i="0" u="none" strike="noStrike" cap="none">
                 <a:solidFill>
                   <a:schemeClr val="dk1"/>
                 </a:solidFill>
@@ -13223,23 +13624,23 @@
                 <a:sym typeface="Calibri"/>
               </a:defRPr>
             </a:lvl5pPr>
-            <a:lvl6pPr lvl="5" marR="0" rtl="0" algn="l">
-              <a:lnSpc>
-                <a:spcPct val="100000"/>
-              </a:lnSpc>
-              <a:spcBef>
-                <a:spcPts val="0"/>
-              </a:spcBef>
-              <a:spcAft>
-                <a:spcPts val="0"/>
-              </a:spcAft>
-              <a:buClr>
-                <a:srgbClr val="000000"/>
-              </a:buClr>
-              <a:buSzPts val="1400"/>
-              <a:buFont typeface="Arial"/>
-              <a:buNone/>
-              <a:defRPr b="0" i="0" sz="1800" u="none" cap="none" strike="noStrike">
+            <a:lvl6pPr marR="0" lvl="5" algn="l" rtl="0">
+              <a:lnSpc>
+                <a:spcPct val="100000"/>
+              </a:lnSpc>
+              <a:spcBef>
+                <a:spcPts val="0"/>
+              </a:spcBef>
+              <a:spcAft>
+                <a:spcPts val="0"/>
+              </a:spcAft>
+              <a:buClr>
+                <a:srgbClr val="000000"/>
+              </a:buClr>
+              <a:buSzPts val="1400"/>
+              <a:buFont typeface="Arial"/>
+              <a:buNone/>
+              <a:defRPr sz="1800" b="0" i="0" u="none" strike="noStrike" cap="none">
                 <a:solidFill>
                   <a:schemeClr val="dk1"/>
                 </a:solidFill>
@@ -13249,23 +13650,23 @@
                 <a:sym typeface="Calibri"/>
               </a:defRPr>
             </a:lvl6pPr>
-            <a:lvl7pPr lvl="6" marR="0" rtl="0" algn="l">
-              <a:lnSpc>
-                <a:spcPct val="100000"/>
-              </a:lnSpc>
-              <a:spcBef>
-                <a:spcPts val="0"/>
-              </a:spcBef>
-              <a:spcAft>
-                <a:spcPts val="0"/>
-              </a:spcAft>
-              <a:buClr>
-                <a:srgbClr val="000000"/>
-              </a:buClr>
-              <a:buSzPts val="1400"/>
-              <a:buFont typeface="Arial"/>
-              <a:buNone/>
-              <a:defRPr b="0" i="0" sz="1800" u="none" cap="none" strike="noStrike">
+            <a:lvl7pPr marR="0" lvl="6" algn="l" rtl="0">
+              <a:lnSpc>
+                <a:spcPct val="100000"/>
+              </a:lnSpc>
+              <a:spcBef>
+                <a:spcPts val="0"/>
+              </a:spcBef>
+              <a:spcAft>
+                <a:spcPts val="0"/>
+              </a:spcAft>
+              <a:buClr>
+                <a:srgbClr val="000000"/>
+              </a:buClr>
+              <a:buSzPts val="1400"/>
+              <a:buFont typeface="Arial"/>
+              <a:buNone/>
+              <a:defRPr sz="1800" b="0" i="0" u="none" strike="noStrike" cap="none">
                 <a:solidFill>
                   <a:schemeClr val="dk1"/>
                 </a:solidFill>
@@ -13275,23 +13676,23 @@
                 <a:sym typeface="Calibri"/>
               </a:defRPr>
             </a:lvl7pPr>
-            <a:lvl8pPr lvl="7" marR="0" rtl="0" algn="l">
-              <a:lnSpc>
-                <a:spcPct val="100000"/>
-              </a:lnSpc>
-              <a:spcBef>
-                <a:spcPts val="0"/>
-              </a:spcBef>
-              <a:spcAft>
-                <a:spcPts val="0"/>
-              </a:spcAft>
-              <a:buClr>
-                <a:srgbClr val="000000"/>
-              </a:buClr>
-              <a:buSzPts val="1400"/>
-              <a:buFont typeface="Arial"/>
-              <a:buNone/>
-              <a:defRPr b="0" i="0" sz="1800" u="none" cap="none" strike="noStrike">
+            <a:lvl8pPr marR="0" lvl="7" algn="l" rtl="0">
+              <a:lnSpc>
+                <a:spcPct val="100000"/>
+              </a:lnSpc>
+              <a:spcBef>
+                <a:spcPts val="0"/>
+              </a:spcBef>
+              <a:spcAft>
+                <a:spcPts val="0"/>
+              </a:spcAft>
+              <a:buClr>
+                <a:srgbClr val="000000"/>
+              </a:buClr>
+              <a:buSzPts val="1400"/>
+              <a:buFont typeface="Arial"/>
+              <a:buNone/>
+              <a:defRPr sz="1800" b="0" i="0" u="none" strike="noStrike" cap="none">
                 <a:solidFill>
                   <a:schemeClr val="dk1"/>
                 </a:solidFill>
@@ -13301,23 +13702,23 @@
                 <a:sym typeface="Calibri"/>
               </a:defRPr>
             </a:lvl8pPr>
-            <a:lvl9pPr lvl="8" marR="0" rtl="0" algn="l">
-              <a:lnSpc>
-                <a:spcPct val="100000"/>
-              </a:lnSpc>
-              <a:spcBef>
-                <a:spcPts val="0"/>
-              </a:spcBef>
-              <a:spcAft>
-                <a:spcPts val="0"/>
-              </a:spcAft>
-              <a:buClr>
-                <a:srgbClr val="000000"/>
-              </a:buClr>
-              <a:buSzPts val="1400"/>
-              <a:buFont typeface="Arial"/>
-              <a:buNone/>
-              <a:defRPr b="0" i="0" sz="1800" u="none" cap="none" strike="noStrike">
+            <a:lvl9pPr marR="0" lvl="8" algn="l" rtl="0">
+              <a:lnSpc>
+                <a:spcPct val="100000"/>
+              </a:lnSpc>
+              <a:spcBef>
+                <a:spcPts val="0"/>
+              </a:spcBef>
+              <a:spcAft>
+                <a:spcPts val="0"/>
+              </a:spcAft>
+              <a:buClr>
+                <a:srgbClr val="000000"/>
+              </a:buClr>
+              <a:buSzPts val="1400"/>
+              <a:buFont typeface="Arial"/>
+              <a:buNone/>
+              <a:defRPr sz="1800" b="0" i="0" u="none" strike="noStrike" cap="none">
                 <a:solidFill>
                   <a:schemeClr val="dk1"/>
                 </a:solidFill>
@@ -13328,15 +13729,19 @@
               </a:defRPr>
             </a:lvl9pPr>
           </a:lstStyle>
-          <a:p/>
+          <a:p>
+            <a:endParaRPr/>
+          </a:p>
         </p:txBody>
       </p:sp>
       <p:sp>
         <p:nvSpPr>
           <p:cNvPr id="9" name="Google Shape;9;p1"/>
-          <p:cNvSpPr txBox="1"/>
+          <p:cNvSpPr txBox="1">
+            <a:spLocks noGrp="1"/>
+          </p:cNvSpPr>
           <p:nvPr>
-            <p:ph idx="11" type="ftr"/>
+            <p:ph type="ftr" idx="11"/>
           </p:nvPr>
         </p:nvSpPr>
         <p:spPr>
@@ -13353,27 +13758,27 @@
           </a:ln>
         </p:spPr>
         <p:txBody>
-          <a:bodyPr anchorCtr="0" anchor="ctr" bIns="45700" lIns="91425" spcFirstLastPara="1" rIns="91425" wrap="square" tIns="45700">
+          <a:bodyPr spcFirstLastPara="1" wrap="square" lIns="91425" tIns="45700" rIns="91425" bIns="45700" anchor="ctr" anchorCtr="0">
             <a:noAutofit/>
           </a:bodyPr>
           <a:lstStyle>
-            <a:lvl1pPr lvl="0" marR="0" rtl="0" algn="ctr">
-              <a:lnSpc>
-                <a:spcPct val="100000"/>
-              </a:lnSpc>
-              <a:spcBef>
-                <a:spcPts val="0"/>
-              </a:spcBef>
-              <a:spcAft>
-                <a:spcPts val="0"/>
-              </a:spcAft>
-              <a:buClr>
-                <a:srgbClr val="000000"/>
-              </a:buClr>
-              <a:buSzPts val="1400"/>
-              <a:buFont typeface="Arial"/>
-              <a:buNone/>
-              <a:defRPr b="0" i="0" sz="1200" u="none" cap="none" strike="noStrike">
+            <a:lvl1pPr marR="0" lvl="0" algn="ctr" rtl="0">
+              <a:lnSpc>
+                <a:spcPct val="100000"/>
+              </a:lnSpc>
+              <a:spcBef>
+                <a:spcPts val="0"/>
+              </a:spcBef>
+              <a:spcAft>
+                <a:spcPts val="0"/>
+              </a:spcAft>
+              <a:buClr>
+                <a:srgbClr val="000000"/>
+              </a:buClr>
+              <a:buSzPts val="1400"/>
+              <a:buFont typeface="Arial"/>
+              <a:buNone/>
+              <a:defRPr sz="1200" b="0" i="0" u="none" strike="noStrike" cap="none">
                 <a:solidFill>
                   <a:srgbClr val="888888"/>
                 </a:solidFill>
@@ -13383,23 +13788,23 @@
                 <a:sym typeface="Calibri"/>
               </a:defRPr>
             </a:lvl1pPr>
-            <a:lvl2pPr lvl="1" marR="0" rtl="0" algn="l">
-              <a:lnSpc>
-                <a:spcPct val="100000"/>
-              </a:lnSpc>
-              <a:spcBef>
-                <a:spcPts val="0"/>
-              </a:spcBef>
-              <a:spcAft>
-                <a:spcPts val="0"/>
-              </a:spcAft>
-              <a:buClr>
-                <a:srgbClr val="000000"/>
-              </a:buClr>
-              <a:buSzPts val="1400"/>
-              <a:buFont typeface="Arial"/>
-              <a:buNone/>
-              <a:defRPr b="0" i="0" sz="1800" u="none" cap="none" strike="noStrike">
+            <a:lvl2pPr marR="0" lvl="1" algn="l" rtl="0">
+              <a:lnSpc>
+                <a:spcPct val="100000"/>
+              </a:lnSpc>
+              <a:spcBef>
+                <a:spcPts val="0"/>
+              </a:spcBef>
+              <a:spcAft>
+                <a:spcPts val="0"/>
+              </a:spcAft>
+              <a:buClr>
+                <a:srgbClr val="000000"/>
+              </a:buClr>
+              <a:buSzPts val="1400"/>
+              <a:buFont typeface="Arial"/>
+              <a:buNone/>
+              <a:defRPr sz="1800" b="0" i="0" u="none" strike="noStrike" cap="none">
                 <a:solidFill>
                   <a:schemeClr val="dk1"/>
                 </a:solidFill>
@@ -13409,23 +13814,23 @@
                 <a:sym typeface="Calibri"/>
               </a:defRPr>
             </a:lvl2pPr>
-            <a:lvl3pPr lvl="2" marR="0" rtl="0" algn="l">
-              <a:lnSpc>
-                <a:spcPct val="100000"/>
-              </a:lnSpc>
-              <a:spcBef>
-                <a:spcPts val="0"/>
-              </a:spcBef>
-              <a:spcAft>
-                <a:spcPts val="0"/>
-              </a:spcAft>
-              <a:buClr>
-                <a:srgbClr val="000000"/>
-              </a:buClr>
-              <a:buSzPts val="1400"/>
-              <a:buFont typeface="Arial"/>
-              <a:buNone/>
-              <a:defRPr b="0" i="0" sz="1800" u="none" cap="none" strike="noStrike">
+            <a:lvl3pPr marR="0" lvl="2" algn="l" rtl="0">
+              <a:lnSpc>
+                <a:spcPct val="100000"/>
+              </a:lnSpc>
+              <a:spcBef>
+                <a:spcPts val="0"/>
+              </a:spcBef>
+              <a:spcAft>
+                <a:spcPts val="0"/>
+              </a:spcAft>
+              <a:buClr>
+                <a:srgbClr val="000000"/>
+              </a:buClr>
+              <a:buSzPts val="1400"/>
+              <a:buFont typeface="Arial"/>
+              <a:buNone/>
+              <a:defRPr sz="1800" b="0" i="0" u="none" strike="noStrike" cap="none">
                 <a:solidFill>
                   <a:schemeClr val="dk1"/>
                 </a:solidFill>
@@ -13435,23 +13840,23 @@
                 <a:sym typeface="Calibri"/>
               </a:defRPr>
             </a:lvl3pPr>
-            <a:lvl4pPr lvl="3" marR="0" rtl="0" algn="l">
-              <a:lnSpc>
-                <a:spcPct val="100000"/>
-              </a:lnSpc>
-              <a:spcBef>
-                <a:spcPts val="0"/>
-              </a:spcBef>
-              <a:spcAft>
-                <a:spcPts val="0"/>
-              </a:spcAft>
-              <a:buClr>
-                <a:srgbClr val="000000"/>
-              </a:buClr>
-              <a:buSzPts val="1400"/>
-              <a:buFont typeface="Arial"/>
-              <a:buNone/>
-              <a:defRPr b="0" i="0" sz="1800" u="none" cap="none" strike="noStrike">
+            <a:lvl4pPr marR="0" lvl="3" algn="l" rtl="0">
+              <a:lnSpc>
+                <a:spcPct val="100000"/>
+              </a:lnSpc>
+              <a:spcBef>
+                <a:spcPts val="0"/>
+              </a:spcBef>
+              <a:spcAft>
+                <a:spcPts val="0"/>
+              </a:spcAft>
+              <a:buClr>
+                <a:srgbClr val="000000"/>
+              </a:buClr>
+              <a:buSzPts val="1400"/>
+              <a:buFont typeface="Arial"/>
+              <a:buNone/>
+              <a:defRPr sz="1800" b="0" i="0" u="none" strike="noStrike" cap="none">
                 <a:solidFill>
                   <a:schemeClr val="dk1"/>
                 </a:solidFill>
@@ -13461,23 +13866,23 @@
                 <a:sym typeface="Calibri"/>
               </a:defRPr>
             </a:lvl4pPr>
-            <a:lvl5pPr lvl="4" marR="0" rtl="0" algn="l">
-              <a:lnSpc>
-                <a:spcPct val="100000"/>
-              </a:lnSpc>
-              <a:spcBef>
-                <a:spcPts val="0"/>
-              </a:spcBef>
-              <a:spcAft>
-                <a:spcPts val="0"/>
-              </a:spcAft>
-              <a:buClr>
-                <a:srgbClr val="000000"/>
-              </a:buClr>
-              <a:buSzPts val="1400"/>
-              <a:buFont typeface="Arial"/>
-              <a:buNone/>
-              <a:defRPr b="0" i="0" sz="1800" u="none" cap="none" strike="noStrike">
+            <a:lvl5pPr marR="0" lvl="4" algn="l" rtl="0">
+              <a:lnSpc>
+                <a:spcPct val="100000"/>
+              </a:lnSpc>
+              <a:spcBef>
+                <a:spcPts val="0"/>
+              </a:spcBef>
+              <a:spcAft>
+                <a:spcPts val="0"/>
+              </a:spcAft>
+              <a:buClr>
+                <a:srgbClr val="000000"/>
+              </a:buClr>
+              <a:buSzPts val="1400"/>
+              <a:buFont typeface="Arial"/>
+              <a:buNone/>
+              <a:defRPr sz="1800" b="0" i="0" u="none" strike="noStrike" cap="none">
                 <a:solidFill>
                   <a:schemeClr val="dk1"/>
                 </a:solidFill>
@@ -13487,23 +13892,23 @@
                 <a:sym typeface="Calibri"/>
               </a:defRPr>
             </a:lvl5pPr>
-            <a:lvl6pPr lvl="5" marR="0" rtl="0" algn="l">
-              <a:lnSpc>
-                <a:spcPct val="100000"/>
-              </a:lnSpc>
-              <a:spcBef>
-                <a:spcPts val="0"/>
-              </a:spcBef>
-              <a:spcAft>
-                <a:spcPts val="0"/>
-              </a:spcAft>
-              <a:buClr>
-                <a:srgbClr val="000000"/>
-              </a:buClr>
-              <a:buSzPts val="1400"/>
-              <a:buFont typeface="Arial"/>
-              <a:buNone/>
-              <a:defRPr b="0" i="0" sz="1800" u="none" cap="none" strike="noStrike">
+            <a:lvl6pPr marR="0" lvl="5" algn="l" rtl="0">
+              <a:lnSpc>
+                <a:spcPct val="100000"/>
+              </a:lnSpc>
+              <a:spcBef>
+                <a:spcPts val="0"/>
+              </a:spcBef>
+              <a:spcAft>
+                <a:spcPts val="0"/>
+              </a:spcAft>
+              <a:buClr>
+                <a:srgbClr val="000000"/>
+              </a:buClr>
+              <a:buSzPts val="1400"/>
+              <a:buFont typeface="Arial"/>
+              <a:buNone/>
+              <a:defRPr sz="1800" b="0" i="0" u="none" strike="noStrike" cap="none">
                 <a:solidFill>
                   <a:schemeClr val="dk1"/>
                 </a:solidFill>
@@ -13513,23 +13918,23 @@
                 <a:sym typeface="Calibri"/>
               </a:defRPr>
             </a:lvl6pPr>
-            <a:lvl7pPr lvl="6" marR="0" rtl="0" algn="l">
-              <a:lnSpc>
-                <a:spcPct val="100000"/>
-              </a:lnSpc>
-              <a:spcBef>
-                <a:spcPts val="0"/>
-              </a:spcBef>
-              <a:spcAft>
-                <a:spcPts val="0"/>
-              </a:spcAft>
-              <a:buClr>
-                <a:srgbClr val="000000"/>
-              </a:buClr>
-              <a:buSzPts val="1400"/>
-              <a:buFont typeface="Arial"/>
-              <a:buNone/>
-              <a:defRPr b="0" i="0" sz="1800" u="none" cap="none" strike="noStrike">
+            <a:lvl7pPr marR="0" lvl="6" algn="l" rtl="0">
+              <a:lnSpc>
+                <a:spcPct val="100000"/>
+              </a:lnSpc>
+              <a:spcBef>
+                <a:spcPts val="0"/>
+              </a:spcBef>
+              <a:spcAft>
+                <a:spcPts val="0"/>
+              </a:spcAft>
+              <a:buClr>
+                <a:srgbClr val="000000"/>
+              </a:buClr>
+              <a:buSzPts val="1400"/>
+              <a:buFont typeface="Arial"/>
+              <a:buNone/>
+              <a:defRPr sz="1800" b="0" i="0" u="none" strike="noStrike" cap="none">
                 <a:solidFill>
                   <a:schemeClr val="dk1"/>
                 </a:solidFill>
@@ -13539,23 +13944,23 @@
                 <a:sym typeface="Calibri"/>
               </a:defRPr>
             </a:lvl7pPr>
-            <a:lvl8pPr lvl="7" marR="0" rtl="0" algn="l">
-              <a:lnSpc>
-                <a:spcPct val="100000"/>
-              </a:lnSpc>
-              <a:spcBef>
-                <a:spcPts val="0"/>
-              </a:spcBef>
-              <a:spcAft>
-                <a:spcPts val="0"/>
-              </a:spcAft>
-              <a:buClr>
-                <a:srgbClr val="000000"/>
-              </a:buClr>
-              <a:buSzPts val="1400"/>
-              <a:buFont typeface="Arial"/>
-              <a:buNone/>
-              <a:defRPr b="0" i="0" sz="1800" u="none" cap="none" strike="noStrike">
+            <a:lvl8pPr marR="0" lvl="7" algn="l" rtl="0">
+              <a:lnSpc>
+                <a:spcPct val="100000"/>
+              </a:lnSpc>
+              <a:spcBef>
+                <a:spcPts val="0"/>
+              </a:spcBef>
+              <a:spcAft>
+                <a:spcPts val="0"/>
+              </a:spcAft>
+              <a:buClr>
+                <a:srgbClr val="000000"/>
+              </a:buClr>
+              <a:buSzPts val="1400"/>
+              <a:buFont typeface="Arial"/>
+              <a:buNone/>
+              <a:defRPr sz="1800" b="0" i="0" u="none" strike="noStrike" cap="none">
                 <a:solidFill>
                   <a:schemeClr val="dk1"/>
                 </a:solidFill>
@@ -13565,23 +13970,23 @@
                 <a:sym typeface="Calibri"/>
               </a:defRPr>
             </a:lvl8pPr>
-            <a:lvl9pPr lvl="8" marR="0" rtl="0" algn="l">
-              <a:lnSpc>
-                <a:spcPct val="100000"/>
-              </a:lnSpc>
-              <a:spcBef>
-                <a:spcPts val="0"/>
-              </a:spcBef>
-              <a:spcAft>
-                <a:spcPts val="0"/>
-              </a:spcAft>
-              <a:buClr>
-                <a:srgbClr val="000000"/>
-              </a:buClr>
-              <a:buSzPts val="1400"/>
-              <a:buFont typeface="Arial"/>
-              <a:buNone/>
-              <a:defRPr b="0" i="0" sz="1800" u="none" cap="none" strike="noStrike">
+            <a:lvl9pPr marR="0" lvl="8" algn="l" rtl="0">
+              <a:lnSpc>
+                <a:spcPct val="100000"/>
+              </a:lnSpc>
+              <a:spcBef>
+                <a:spcPts val="0"/>
+              </a:spcBef>
+              <a:spcAft>
+                <a:spcPts val="0"/>
+              </a:spcAft>
+              <a:buClr>
+                <a:srgbClr val="000000"/>
+              </a:buClr>
+              <a:buSzPts val="1400"/>
+              <a:buFont typeface="Arial"/>
+              <a:buNone/>
+              <a:defRPr sz="1800" b="0" i="0" u="none" strike="noStrike" cap="none">
                 <a:solidFill>
                   <a:schemeClr val="dk1"/>
                 </a:solidFill>
@@ -13592,15 +13997,19 @@
               </a:defRPr>
             </a:lvl9pPr>
           </a:lstStyle>
-          <a:p/>
+          <a:p>
+            <a:endParaRPr/>
+          </a:p>
         </p:txBody>
       </p:sp>
       <p:sp>
         <p:nvSpPr>
           <p:cNvPr id="10" name="Google Shape;10;p1"/>
-          <p:cNvSpPr txBox="1"/>
+          <p:cNvSpPr txBox="1">
+            <a:spLocks noGrp="1"/>
+          </p:cNvSpPr>
           <p:nvPr>
-            <p:ph idx="12" type="sldNum"/>
+            <p:ph type="sldNum" idx="12"/>
           </p:nvPr>
         </p:nvSpPr>
         <p:spPr>
@@ -13617,11 +14026,11 @@
           </a:ln>
         </p:spPr>
         <p:txBody>
-          <a:bodyPr anchorCtr="0" anchor="ctr" bIns="45700" lIns="91425" spcFirstLastPara="1" rIns="91425" wrap="square" tIns="45700">
+          <a:bodyPr spcFirstLastPara="1" wrap="square" lIns="91425" tIns="45700" rIns="91425" bIns="45700" anchor="ctr" anchorCtr="0">
             <a:noAutofit/>
           </a:bodyPr>
           <a:lstStyle>
-            <a:lvl1pPr indent="0" lvl="0" marL="0" marR="0" rtl="0" algn="r">
+            <a:lvl1pPr marL="0" marR="0" lvl="0" indent="0" algn="r" rtl="0">
               <a:lnSpc>
                 <a:spcPct val="100000"/>
               </a:lnSpc>
@@ -13637,7 +14046,7 @@
               <a:buSzPts val="1200"/>
               <a:buFont typeface="Arial"/>
               <a:buNone/>
-              <a:defRPr b="0" i="0" sz="1200" u="none" cap="none" strike="noStrike">
+              <a:defRPr sz="1200" b="0" i="0" u="none" strike="noStrike" cap="none">
                 <a:solidFill>
                   <a:srgbClr val="888888"/>
                 </a:solidFill>
@@ -13647,7 +14056,7 @@
                 <a:sym typeface="Calibri"/>
               </a:defRPr>
             </a:lvl1pPr>
-            <a:lvl2pPr indent="0" lvl="1" marL="0" marR="0" rtl="0" algn="r">
+            <a:lvl2pPr marL="0" marR="0" lvl="1" indent="0" algn="r" rtl="0">
               <a:lnSpc>
                 <a:spcPct val="100000"/>
               </a:lnSpc>
@@ -13663,7 +14072,7 @@
               <a:buSzPts val="1200"/>
               <a:buFont typeface="Arial"/>
               <a:buNone/>
-              <a:defRPr b="0" i="0" sz="1200" u="none" cap="none" strike="noStrike">
+              <a:defRPr sz="1200" b="0" i="0" u="none" strike="noStrike" cap="none">
                 <a:solidFill>
                   <a:srgbClr val="888888"/>
                 </a:solidFill>
@@ -13673,7 +14082,7 @@
                 <a:sym typeface="Calibri"/>
               </a:defRPr>
             </a:lvl2pPr>
-            <a:lvl3pPr indent="0" lvl="2" marL="0" marR="0" rtl="0" algn="r">
+            <a:lvl3pPr marL="0" marR="0" lvl="2" indent="0" algn="r" rtl="0">
               <a:lnSpc>
                 <a:spcPct val="100000"/>
               </a:lnSpc>
@@ -13689,7 +14098,7 @@
               <a:buSzPts val="1200"/>
               <a:buFont typeface="Arial"/>
               <a:buNone/>
-              <a:defRPr b="0" i="0" sz="1200" u="none" cap="none" strike="noStrike">
+              <a:defRPr sz="1200" b="0" i="0" u="none" strike="noStrike" cap="none">
                 <a:solidFill>
                   <a:srgbClr val="888888"/>
                 </a:solidFill>
@@ -13699,7 +14108,7 @@
                 <a:sym typeface="Calibri"/>
               </a:defRPr>
             </a:lvl3pPr>
-            <a:lvl4pPr indent="0" lvl="3" marL="0" marR="0" rtl="0" algn="r">
+            <a:lvl4pPr marL="0" marR="0" lvl="3" indent="0" algn="r" rtl="0">
               <a:lnSpc>
                 <a:spcPct val="100000"/>
               </a:lnSpc>
@@ -13715,7 +14124,7 @@
               <a:buSzPts val="1200"/>
               <a:buFont typeface="Arial"/>
               <a:buNone/>
-              <a:defRPr b="0" i="0" sz="1200" u="none" cap="none" strike="noStrike">
+              <a:defRPr sz="1200" b="0" i="0" u="none" strike="noStrike" cap="none">
                 <a:solidFill>
                   <a:srgbClr val="888888"/>
                 </a:solidFill>
@@ -13725,7 +14134,7 @@
                 <a:sym typeface="Calibri"/>
               </a:defRPr>
             </a:lvl4pPr>
-            <a:lvl5pPr indent="0" lvl="4" marL="0" marR="0" rtl="0" algn="r">
+            <a:lvl5pPr marL="0" marR="0" lvl="4" indent="0" algn="r" rtl="0">
               <a:lnSpc>
                 <a:spcPct val="100000"/>
               </a:lnSpc>
@@ -13741,7 +14150,7 @@
               <a:buSzPts val="1200"/>
               <a:buFont typeface="Arial"/>
               <a:buNone/>
-              <a:defRPr b="0" i="0" sz="1200" u="none" cap="none" strike="noStrike">
+              <a:defRPr sz="1200" b="0" i="0" u="none" strike="noStrike" cap="none">
                 <a:solidFill>
                   <a:srgbClr val="888888"/>
                 </a:solidFill>
@@ -13751,7 +14160,7 @@
                 <a:sym typeface="Calibri"/>
               </a:defRPr>
             </a:lvl5pPr>
-            <a:lvl6pPr indent="0" lvl="5" marL="0" marR="0" rtl="0" algn="r">
+            <a:lvl6pPr marL="0" marR="0" lvl="5" indent="0" algn="r" rtl="0">
               <a:lnSpc>
                 <a:spcPct val="100000"/>
               </a:lnSpc>
@@ -13767,7 +14176,7 @@
               <a:buSzPts val="1200"/>
               <a:buFont typeface="Arial"/>
               <a:buNone/>
-              <a:defRPr b="0" i="0" sz="1200" u="none" cap="none" strike="noStrike">
+              <a:defRPr sz="1200" b="0" i="0" u="none" strike="noStrike" cap="none">
                 <a:solidFill>
                   <a:srgbClr val="888888"/>
                 </a:solidFill>
@@ -13777,7 +14186,7 @@
                 <a:sym typeface="Calibri"/>
               </a:defRPr>
             </a:lvl6pPr>
-            <a:lvl7pPr indent="0" lvl="6" marL="0" marR="0" rtl="0" algn="r">
+            <a:lvl7pPr marL="0" marR="0" lvl="6" indent="0" algn="r" rtl="0">
               <a:lnSpc>
                 <a:spcPct val="100000"/>
               </a:lnSpc>
@@ -13793,7 +14202,7 @@
               <a:buSzPts val="1200"/>
               <a:buFont typeface="Arial"/>
               <a:buNone/>
-              <a:defRPr b="0" i="0" sz="1200" u="none" cap="none" strike="noStrike">
+              <a:defRPr sz="1200" b="0" i="0" u="none" strike="noStrike" cap="none">
                 <a:solidFill>
                   <a:srgbClr val="888888"/>
                 </a:solidFill>
@@ -13803,7 +14212,7 @@
                 <a:sym typeface="Calibri"/>
               </a:defRPr>
             </a:lvl7pPr>
-            <a:lvl8pPr indent="0" lvl="7" marL="0" marR="0" rtl="0" algn="r">
+            <a:lvl8pPr marL="0" marR="0" lvl="7" indent="0" algn="r" rtl="0">
               <a:lnSpc>
                 <a:spcPct val="100000"/>
               </a:lnSpc>
@@ -13819,7 +14228,7 @@
               <a:buSzPts val="1200"/>
               <a:buFont typeface="Arial"/>
               <a:buNone/>
-              <a:defRPr b="0" i="0" sz="1200" u="none" cap="none" strike="noStrike">
+              <a:defRPr sz="1200" b="0" i="0" u="none" strike="noStrike" cap="none">
                 <a:solidFill>
                   <a:srgbClr val="888888"/>
                 </a:solidFill>
@@ -13829,7 +14238,7 @@
                 <a:sym typeface="Calibri"/>
               </a:defRPr>
             </a:lvl8pPr>
-            <a:lvl9pPr indent="0" lvl="8" marL="0" marR="0" rtl="0" algn="r">
+            <a:lvl9pPr marL="0" marR="0" lvl="8" indent="0" algn="r" rtl="0">
               <a:lnSpc>
                 <a:spcPct val="100000"/>
               </a:lnSpc>
@@ -13845,7 +14254,7 @@
               <a:buSzPts val="1200"/>
               <a:buFont typeface="Arial"/>
               <a:buNone/>
-              <a:defRPr b="0" i="0" sz="1200" u="none" cap="none" strike="noStrike">
+              <a:defRPr sz="1200" b="0" i="0" u="none" strike="noStrike" cap="none">
                 <a:solidFill>
                   <a:srgbClr val="888888"/>
                 </a:solidFill>
@@ -13857,7 +14266,7 @@
             </a:lvl9pPr>
           </a:lstStyle>
           <a:p>
-            <a:pPr indent="0" lvl="0" marL="0" rtl="0" algn="r">
+            <a:pPr marL="0" lvl="0" indent="0" algn="r" rtl="0">
               <a:spcBef>
                 <a:spcPts val="0"/>
               </a:spcBef>
@@ -13868,7 +14277,7 @@
             </a:pPr>
             <a:fld id="{00000000-1234-1234-1234-123412341234}" type="slidenum">
               <a:rPr lang="pt-BR"/>
-              <a:t>‹#›</a:t>
+              <a:t>‹nº›</a:t>
             </a:fld>
             <a:endParaRPr/>
           </a:p>
@@ -13876,7 +14285,7 @@
       </p:sp>
     </p:spTree>
   </p:cSld>
-  <p:clrMap accent1="accent1" accent2="accent2" accent3="accent3" accent4="accent4" accent5="accent5" accent6="accent6" bg1="lt1" bg2="dk2" tx1="dk1" tx2="lt2" folHlink="folHlink" hlink="hlink"/>
+  <p:clrMap bg1="lt1" tx1="dk1" bg2="dk2" tx2="lt2" accent1="accent1" accent2="accent2" accent3="accent3" accent4="accent4" accent5="accent5" accent6="accent6" hlink="hlink" folHlink="folHlink"/>
   <p:sldLayoutIdLst>
     <p:sldLayoutId id="2147483648" r:id="rId1"/>
     <p:sldLayoutId id="2147483649" r:id="rId2"/>
@@ -13890,10 +14299,10 @@
     <p:sldLayoutId id="2147483657" r:id="rId10"/>
     <p:sldLayoutId id="2147483658" r:id="rId11"/>
   </p:sldLayoutIdLst>
-  <p:hf dt="0" ftr="0" hdr="0" sldNum="0"/>
+  <p:hf sldNum="0" hdr="0" ftr="0" dt="0"/>
   <p:txStyles>
     <p:titleStyle>
-      <a:defPPr lvl="0" marR="0" rtl="0" algn="l">
+      <a:defPPr marR="0" lvl="0" algn="l" rtl="0">
         <a:lnSpc>
           <a:spcPct val="100000"/>
         </a:lnSpc>
@@ -13904,7 +14313,7 @@
           <a:spcPts val="0"/>
         </a:spcAft>
       </a:defPPr>
-      <a:lvl1pPr lvl="0" marR="0" rtl="0" algn="l">
+      <a:lvl1pPr marR="0" lvl="0" algn="l" rtl="0">
         <a:lnSpc>
           <a:spcPct val="100000"/>
         </a:lnSpc>
@@ -13918,7 +14327,7 @@
           <a:srgbClr val="000000"/>
         </a:buClr>
         <a:buFont typeface="Arial"/>
-        <a:defRPr b="0" i="0" sz="1400" u="none" cap="none" strike="noStrike">
+        <a:defRPr sz="1400" b="0" i="0" u="none" strike="noStrike" cap="none">
           <a:solidFill>
             <a:srgbClr val="000000"/>
           </a:solidFill>
@@ -13928,7 +14337,7 @@
           <a:sym typeface="Arial"/>
         </a:defRPr>
       </a:lvl1pPr>
-      <a:lvl2pPr lvl="1" marR="0" rtl="0" algn="l">
+      <a:lvl2pPr marR="0" lvl="1" algn="l" rtl="0">
         <a:lnSpc>
           <a:spcPct val="100000"/>
         </a:lnSpc>
@@ -13942,7 +14351,7 @@
           <a:srgbClr val="000000"/>
         </a:buClr>
         <a:buFont typeface="Arial"/>
-        <a:defRPr b="0" i="0" sz="1400" u="none" cap="none" strike="noStrike">
+        <a:defRPr sz="1400" b="0" i="0" u="none" strike="noStrike" cap="none">
           <a:solidFill>
             <a:srgbClr val="000000"/>
           </a:solidFill>
@@ -13952,7 +14361,7 @@
           <a:sym typeface="Arial"/>
         </a:defRPr>
       </a:lvl2pPr>
-      <a:lvl3pPr lvl="2" marR="0" rtl="0" algn="l">
+      <a:lvl3pPr marR="0" lvl="2" algn="l" rtl="0">
         <a:lnSpc>
           <a:spcPct val="100000"/>
         </a:lnSpc>
@@ -13966,7 +14375,7 @@
           <a:srgbClr val="000000"/>
         </a:buClr>
         <a:buFont typeface="Arial"/>
-        <a:defRPr b="0" i="0" sz="1400" u="none" cap="none" strike="noStrike">
+        <a:defRPr sz="1400" b="0" i="0" u="none" strike="noStrike" cap="none">
           <a:solidFill>
             <a:srgbClr val="000000"/>
           </a:solidFill>
@@ -13976,7 +14385,7 @@
           <a:sym typeface="Arial"/>
         </a:defRPr>
       </a:lvl3pPr>
-      <a:lvl4pPr lvl="3" marR="0" rtl="0" algn="l">
+      <a:lvl4pPr marR="0" lvl="3" algn="l" rtl="0">
         <a:lnSpc>
           <a:spcPct val="100000"/>
         </a:lnSpc>
@@ -13990,7 +14399,7 @@
           <a:srgbClr val="000000"/>
         </a:buClr>
         <a:buFont typeface="Arial"/>
-        <a:defRPr b="0" i="0" sz="1400" u="none" cap="none" strike="noStrike">
+        <a:defRPr sz="1400" b="0" i="0" u="none" strike="noStrike" cap="none">
           <a:solidFill>
             <a:srgbClr val="000000"/>
           </a:solidFill>
@@ -14000,7 +14409,7 @@
           <a:sym typeface="Arial"/>
         </a:defRPr>
       </a:lvl4pPr>
-      <a:lvl5pPr lvl="4" marR="0" rtl="0" algn="l">
+      <a:lvl5pPr marR="0" lvl="4" algn="l" rtl="0">
         <a:lnSpc>
           <a:spcPct val="100000"/>
         </a:lnSpc>
@@ -14014,7 +14423,7 @@
           <a:srgbClr val="000000"/>
         </a:buClr>
         <a:buFont typeface="Arial"/>
-        <a:defRPr b="0" i="0" sz="1400" u="none" cap="none" strike="noStrike">
+        <a:defRPr sz="1400" b="0" i="0" u="none" strike="noStrike" cap="none">
           <a:solidFill>
             <a:srgbClr val="000000"/>
           </a:solidFill>
@@ -14024,7 +14433,7 @@
           <a:sym typeface="Arial"/>
         </a:defRPr>
       </a:lvl5pPr>
-      <a:lvl6pPr lvl="5" marR="0" rtl="0" algn="l">
+      <a:lvl6pPr marR="0" lvl="5" algn="l" rtl="0">
         <a:lnSpc>
           <a:spcPct val="100000"/>
         </a:lnSpc>
@@ -14038,7 +14447,7 @@
           <a:srgbClr val="000000"/>
         </a:buClr>
         <a:buFont typeface="Arial"/>
-        <a:defRPr b="0" i="0" sz="1400" u="none" cap="none" strike="noStrike">
+        <a:defRPr sz="1400" b="0" i="0" u="none" strike="noStrike" cap="none">
           <a:solidFill>
             <a:srgbClr val="000000"/>
           </a:solidFill>
@@ -14048,7 +14457,7 @@
           <a:sym typeface="Arial"/>
         </a:defRPr>
       </a:lvl6pPr>
-      <a:lvl7pPr lvl="6" marR="0" rtl="0" algn="l">
+      <a:lvl7pPr marR="0" lvl="6" algn="l" rtl="0">
         <a:lnSpc>
           <a:spcPct val="100000"/>
         </a:lnSpc>
@@ -14062,7 +14471,7 @@
           <a:srgbClr val="000000"/>
         </a:buClr>
         <a:buFont typeface="Arial"/>
-        <a:defRPr b="0" i="0" sz="1400" u="none" cap="none" strike="noStrike">
+        <a:defRPr sz="1400" b="0" i="0" u="none" strike="noStrike" cap="none">
           <a:solidFill>
             <a:srgbClr val="000000"/>
           </a:solidFill>
@@ -14072,7 +14481,7 @@
           <a:sym typeface="Arial"/>
         </a:defRPr>
       </a:lvl7pPr>
-      <a:lvl8pPr lvl="7" marR="0" rtl="0" algn="l">
+      <a:lvl8pPr marR="0" lvl="7" algn="l" rtl="0">
         <a:lnSpc>
           <a:spcPct val="100000"/>
         </a:lnSpc>
@@ -14086,7 +14495,7 @@
           <a:srgbClr val="000000"/>
         </a:buClr>
         <a:buFont typeface="Arial"/>
-        <a:defRPr b="0" i="0" sz="1400" u="none" cap="none" strike="noStrike">
+        <a:defRPr sz="1400" b="0" i="0" u="none" strike="noStrike" cap="none">
           <a:solidFill>
             <a:srgbClr val="000000"/>
           </a:solidFill>
@@ -14096,7 +14505,7 @@
           <a:sym typeface="Arial"/>
         </a:defRPr>
       </a:lvl8pPr>
-      <a:lvl9pPr lvl="8" marR="0" rtl="0" algn="l">
+      <a:lvl9pPr marR="0" lvl="8" algn="l" rtl="0">
         <a:lnSpc>
           <a:spcPct val="100000"/>
         </a:lnSpc>
@@ -14110,7 +14519,7 @@
           <a:srgbClr val="000000"/>
         </a:buClr>
         <a:buFont typeface="Arial"/>
-        <a:defRPr b="0" i="0" sz="1400" u="none" cap="none" strike="noStrike">
+        <a:defRPr sz="1400" b="0" i="0" u="none" strike="noStrike" cap="none">
           <a:solidFill>
             <a:srgbClr val="000000"/>
           </a:solidFill>
@@ -14122,7 +14531,7 @@
       </a:lvl9pPr>
     </p:titleStyle>
     <p:bodyStyle>
-      <a:defPPr lvl="0" marR="0" rtl="0" algn="l">
+      <a:defPPr marR="0" lvl="0" algn="l" rtl="0">
         <a:lnSpc>
           <a:spcPct val="100000"/>
         </a:lnSpc>
@@ -14133,7 +14542,7 @@
           <a:spcPts val="0"/>
         </a:spcAft>
       </a:defPPr>
-      <a:lvl1pPr lvl="0" marR="0" rtl="0" algn="l">
+      <a:lvl1pPr marR="0" lvl="0" algn="l" rtl="0">
         <a:lnSpc>
           <a:spcPct val="100000"/>
         </a:lnSpc>
@@ -14147,7 +14556,7 @@
           <a:srgbClr val="000000"/>
         </a:buClr>
         <a:buFont typeface="Arial"/>
-        <a:defRPr b="0" i="0" sz="1400" u="none" cap="none" strike="noStrike">
+        <a:defRPr sz="1400" b="0" i="0" u="none" strike="noStrike" cap="none">
           <a:solidFill>
             <a:srgbClr val="000000"/>
           </a:solidFill>
@@ -14157,7 +14566,7 @@
           <a:sym typeface="Arial"/>
         </a:defRPr>
       </a:lvl1pPr>
-      <a:lvl2pPr lvl="1" marR="0" rtl="0" algn="l">
+      <a:lvl2pPr marR="0" lvl="1" algn="l" rtl="0">
         <a:lnSpc>
           <a:spcPct val="100000"/>
         </a:lnSpc>
@@ -14171,7 +14580,7 @@
           <a:srgbClr val="000000"/>
         </a:buClr>
         <a:buFont typeface="Arial"/>
-        <a:defRPr b="0" i="0" sz="1400" u="none" cap="none" strike="noStrike">
+        <a:defRPr sz="1400" b="0" i="0" u="none" strike="noStrike" cap="none">
           <a:solidFill>
             <a:srgbClr val="000000"/>
           </a:solidFill>
@@ -14181,7 +14590,7 @@
           <a:sym typeface="Arial"/>
         </a:defRPr>
       </a:lvl2pPr>
-      <a:lvl3pPr lvl="2" marR="0" rtl="0" algn="l">
+      <a:lvl3pPr marR="0" lvl="2" algn="l" rtl="0">
         <a:lnSpc>
           <a:spcPct val="100000"/>
         </a:lnSpc>
@@ -14195,7 +14604,7 @@
           <a:srgbClr val="000000"/>
         </a:buClr>
         <a:buFont typeface="Arial"/>
-        <a:defRPr b="0" i="0" sz="1400" u="none" cap="none" strike="noStrike">
+        <a:defRPr sz="1400" b="0" i="0" u="none" strike="noStrike" cap="none">
           <a:solidFill>
             <a:srgbClr val="000000"/>
           </a:solidFill>
@@ -14205,7 +14614,7 @@
           <a:sym typeface="Arial"/>
         </a:defRPr>
       </a:lvl3pPr>
-      <a:lvl4pPr lvl="3" marR="0" rtl="0" algn="l">
+      <a:lvl4pPr marR="0" lvl="3" algn="l" rtl="0">
         <a:lnSpc>
           <a:spcPct val="100000"/>
         </a:lnSpc>
@@ -14219,7 +14628,7 @@
           <a:srgbClr val="000000"/>
         </a:buClr>
         <a:buFont typeface="Arial"/>
-        <a:defRPr b="0" i="0" sz="1400" u="none" cap="none" strike="noStrike">
+        <a:defRPr sz="1400" b="0" i="0" u="none" strike="noStrike" cap="none">
           <a:solidFill>
             <a:srgbClr val="000000"/>
           </a:solidFill>
@@ -14229,7 +14638,7 @@
           <a:sym typeface="Arial"/>
         </a:defRPr>
       </a:lvl4pPr>
-      <a:lvl5pPr lvl="4" marR="0" rtl="0" algn="l">
+      <a:lvl5pPr marR="0" lvl="4" algn="l" rtl="0">
         <a:lnSpc>
           <a:spcPct val="100000"/>
         </a:lnSpc>
@@ -14243,7 +14652,7 @@
           <a:srgbClr val="000000"/>
         </a:buClr>
         <a:buFont typeface="Arial"/>
-        <a:defRPr b="0" i="0" sz="1400" u="none" cap="none" strike="noStrike">
+        <a:defRPr sz="1400" b="0" i="0" u="none" strike="noStrike" cap="none">
           <a:solidFill>
             <a:srgbClr val="000000"/>
           </a:solidFill>
@@ -14253,7 +14662,7 @@
           <a:sym typeface="Arial"/>
         </a:defRPr>
       </a:lvl5pPr>
-      <a:lvl6pPr lvl="5" marR="0" rtl="0" algn="l">
+      <a:lvl6pPr marR="0" lvl="5" algn="l" rtl="0">
         <a:lnSpc>
           <a:spcPct val="100000"/>
         </a:lnSpc>
@@ -14267,7 +14676,7 @@
           <a:srgbClr val="000000"/>
         </a:buClr>
         <a:buFont typeface="Arial"/>
-        <a:defRPr b="0" i="0" sz="1400" u="none" cap="none" strike="noStrike">
+        <a:defRPr sz="1400" b="0" i="0" u="none" strike="noStrike" cap="none">
           <a:solidFill>
             <a:srgbClr val="000000"/>
           </a:solidFill>
@@ -14277,7 +14686,7 @@
           <a:sym typeface="Arial"/>
         </a:defRPr>
       </a:lvl6pPr>
-      <a:lvl7pPr lvl="6" marR="0" rtl="0" algn="l">
+      <a:lvl7pPr marR="0" lvl="6" algn="l" rtl="0">
         <a:lnSpc>
           <a:spcPct val="100000"/>
         </a:lnSpc>
@@ -14291,7 +14700,7 @@
           <a:srgbClr val="000000"/>
         </a:buClr>
         <a:buFont typeface="Arial"/>
-        <a:defRPr b="0" i="0" sz="1400" u="none" cap="none" strike="noStrike">
+        <a:defRPr sz="1400" b="0" i="0" u="none" strike="noStrike" cap="none">
           <a:solidFill>
             <a:srgbClr val="000000"/>
           </a:solidFill>
@@ -14301,7 +14710,7 @@
           <a:sym typeface="Arial"/>
         </a:defRPr>
       </a:lvl7pPr>
-      <a:lvl8pPr lvl="7" marR="0" rtl="0" algn="l">
+      <a:lvl8pPr marR="0" lvl="7" algn="l" rtl="0">
         <a:lnSpc>
           <a:spcPct val="100000"/>
         </a:lnSpc>
@@ -14315,7 +14724,7 @@
           <a:srgbClr val="000000"/>
         </a:buClr>
         <a:buFont typeface="Arial"/>
-        <a:defRPr b="0" i="0" sz="1400" u="none" cap="none" strike="noStrike">
+        <a:defRPr sz="1400" b="0" i="0" u="none" strike="noStrike" cap="none">
           <a:solidFill>
             <a:srgbClr val="000000"/>
           </a:solidFill>
@@ -14325,7 +14734,7 @@
           <a:sym typeface="Arial"/>
         </a:defRPr>
       </a:lvl8pPr>
-      <a:lvl9pPr lvl="8" marR="0" rtl="0" algn="l">
+      <a:lvl9pPr marR="0" lvl="8" algn="l" rtl="0">
         <a:lnSpc>
           <a:spcPct val="100000"/>
         </a:lnSpc>
@@ -14339,7 +14748,7 @@
           <a:srgbClr val="000000"/>
         </a:buClr>
         <a:buFont typeface="Arial"/>
-        <a:defRPr b="0" i="0" sz="1400" u="none" cap="none" strike="noStrike">
+        <a:defRPr sz="1400" b="0" i="0" u="none" strike="noStrike" cap="none">
           <a:solidFill>
             <a:srgbClr val="000000"/>
           </a:solidFill>
@@ -14351,7 +14760,7 @@
       </a:lvl9pPr>
     </p:bodyStyle>
     <p:otherStyle>
-      <a:defPPr lvl="0" marR="0" rtl="0" algn="l">
+      <a:defPPr marR="0" lvl="0" algn="l" rtl="0">
         <a:lnSpc>
           <a:spcPct val="100000"/>
         </a:lnSpc>
@@ -14362,7 +14771,7 @@
           <a:spcPts val="0"/>
         </a:spcAft>
       </a:defPPr>
-      <a:lvl1pPr lvl="0" marR="0" rtl="0" algn="l">
+      <a:lvl1pPr marR="0" lvl="0" algn="l" rtl="0">
         <a:lnSpc>
           <a:spcPct val="100000"/>
         </a:lnSpc>
@@ -14376,7 +14785,7 @@
           <a:srgbClr val="000000"/>
         </a:buClr>
         <a:buFont typeface="Arial"/>
-        <a:defRPr b="0" i="0" sz="1400" u="none" cap="none" strike="noStrike">
+        <a:defRPr sz="1400" b="0" i="0" u="none" strike="noStrike" cap="none">
           <a:solidFill>
             <a:srgbClr val="000000"/>
           </a:solidFill>
@@ -14386,7 +14795,7 @@
           <a:sym typeface="Arial"/>
         </a:defRPr>
       </a:lvl1pPr>
-      <a:lvl2pPr lvl="1" marR="0" rtl="0" algn="l">
+      <a:lvl2pPr marR="0" lvl="1" algn="l" rtl="0">
         <a:lnSpc>
           <a:spcPct val="100000"/>
         </a:lnSpc>
@@ -14400,7 +14809,7 @@
           <a:srgbClr val="000000"/>
         </a:buClr>
         <a:buFont typeface="Arial"/>
-        <a:defRPr b="0" i="0" sz="1400" u="none" cap="none" strike="noStrike">
+        <a:defRPr sz="1400" b="0" i="0" u="none" strike="noStrike" cap="none">
           <a:solidFill>
             <a:srgbClr val="000000"/>
           </a:solidFill>
@@ -14410,7 +14819,7 @@
           <a:sym typeface="Arial"/>
         </a:defRPr>
       </a:lvl2pPr>
-      <a:lvl3pPr lvl="2" marR="0" rtl="0" algn="l">
+      <a:lvl3pPr marR="0" lvl="2" algn="l" rtl="0">
         <a:lnSpc>
           <a:spcPct val="100000"/>
         </a:lnSpc>
@@ -14424,7 +14833,7 @@
           <a:srgbClr val="000000"/>
         </a:buClr>
         <a:buFont typeface="Arial"/>
-        <a:defRPr b="0" i="0" sz="1400" u="none" cap="none" strike="noStrike">
+        <a:defRPr sz="1400" b="0" i="0" u="none" strike="noStrike" cap="none">
           <a:solidFill>
             <a:srgbClr val="000000"/>
           </a:solidFill>
@@ -14434,7 +14843,7 @@
           <a:sym typeface="Arial"/>
         </a:defRPr>
       </a:lvl3pPr>
-      <a:lvl4pPr lvl="3" marR="0" rtl="0" algn="l">
+      <a:lvl4pPr marR="0" lvl="3" algn="l" rtl="0">
         <a:lnSpc>
           <a:spcPct val="100000"/>
         </a:lnSpc>
@@ -14448,7 +14857,7 @@
           <a:srgbClr val="000000"/>
         </a:buClr>
         <a:buFont typeface="Arial"/>
-        <a:defRPr b="0" i="0" sz="1400" u="none" cap="none" strike="noStrike">
+        <a:defRPr sz="1400" b="0" i="0" u="none" strike="noStrike" cap="none">
           <a:solidFill>
             <a:srgbClr val="000000"/>
           </a:solidFill>
@@ -14458,7 +14867,7 @@
           <a:sym typeface="Arial"/>
         </a:defRPr>
       </a:lvl4pPr>
-      <a:lvl5pPr lvl="4" marR="0" rtl="0" algn="l">
+      <a:lvl5pPr marR="0" lvl="4" algn="l" rtl="0">
         <a:lnSpc>
           <a:spcPct val="100000"/>
         </a:lnSpc>
@@ -14472,7 +14881,7 @@
           <a:srgbClr val="000000"/>
         </a:buClr>
         <a:buFont typeface="Arial"/>
-        <a:defRPr b="0" i="0" sz="1400" u="none" cap="none" strike="noStrike">
+        <a:defRPr sz="1400" b="0" i="0" u="none" strike="noStrike" cap="none">
           <a:solidFill>
             <a:srgbClr val="000000"/>
           </a:solidFill>
@@ -14482,7 +14891,7 @@
           <a:sym typeface="Arial"/>
         </a:defRPr>
       </a:lvl5pPr>
-      <a:lvl6pPr lvl="5" marR="0" rtl="0" algn="l">
+      <a:lvl6pPr marR="0" lvl="5" algn="l" rtl="0">
         <a:lnSpc>
           <a:spcPct val="100000"/>
         </a:lnSpc>
@@ -14496,7 +14905,7 @@
           <a:srgbClr val="000000"/>
         </a:buClr>
         <a:buFont typeface="Arial"/>
-        <a:defRPr b="0" i="0" sz="1400" u="none" cap="none" strike="noStrike">
+        <a:defRPr sz="1400" b="0" i="0" u="none" strike="noStrike" cap="none">
           <a:solidFill>
             <a:srgbClr val="000000"/>
           </a:solidFill>
@@ -14506,7 +14915,7 @@
           <a:sym typeface="Arial"/>
         </a:defRPr>
       </a:lvl6pPr>
-      <a:lvl7pPr lvl="6" marR="0" rtl="0" algn="l">
+      <a:lvl7pPr marR="0" lvl="6" algn="l" rtl="0">
         <a:lnSpc>
           <a:spcPct val="100000"/>
         </a:lnSpc>
@@ -14520,7 +14929,7 @@
           <a:srgbClr val="000000"/>
         </a:buClr>
         <a:buFont typeface="Arial"/>
-        <a:defRPr b="0" i="0" sz="1400" u="none" cap="none" strike="noStrike">
+        <a:defRPr sz="1400" b="0" i="0" u="none" strike="noStrike" cap="none">
           <a:solidFill>
             <a:srgbClr val="000000"/>
           </a:solidFill>
@@ -14530,7 +14939,7 @@
           <a:sym typeface="Arial"/>
         </a:defRPr>
       </a:lvl7pPr>
-      <a:lvl8pPr lvl="7" marR="0" rtl="0" algn="l">
+      <a:lvl8pPr marR="0" lvl="7" algn="l" rtl="0">
         <a:lnSpc>
           <a:spcPct val="100000"/>
         </a:lnSpc>
@@ -14544,7 +14953,7 @@
           <a:srgbClr val="000000"/>
         </a:buClr>
         <a:buFont typeface="Arial"/>
-        <a:defRPr b="0" i="0" sz="1400" u="none" cap="none" strike="noStrike">
+        <a:defRPr sz="1400" b="0" i="0" u="none" strike="noStrike" cap="none">
           <a:solidFill>
             <a:srgbClr val="000000"/>
           </a:solidFill>
@@ -14554,7 +14963,7 @@
           <a:sym typeface="Arial"/>
         </a:defRPr>
       </a:lvl8pPr>
-      <a:lvl9pPr lvl="8" marR="0" rtl="0" algn="l">
+      <a:lvl9pPr marR="0" lvl="8" algn="l" rtl="0">
         <a:lnSpc>
           <a:spcPct val="100000"/>
         </a:lnSpc>
@@ -14568,7 +14977,7 @@
           <a:srgbClr val="000000"/>
         </a:buClr>
         <a:buFont typeface="Arial"/>
-        <a:defRPr b="0" i="0" sz="1400" u="none" cap="none" strike="noStrike">
+        <a:defRPr sz="1400" b="0" i="0" u="none" strike="noStrike" cap="none">
           <a:solidFill>
             <a:srgbClr val="000000"/>
           </a:solidFill>
@@ -14584,11 +14993,11 @@
 </file>
 
 <file path=ppt/slides/slide1.xml><?xml version="1.0" encoding="utf-8"?>
-<p:sld xmlns:a="http://schemas.openxmlformats.org/drawingml/2006/main" xmlns:r="http://schemas.openxmlformats.org/officeDocument/2006/relationships" xmlns:mc="http://schemas.openxmlformats.org/markup-compatibility/2006" xmlns:mv="urn:schemas-microsoft-com:mac:vml" xmlns:p="http://schemas.openxmlformats.org/presentationml/2006/main" xmlns:c="http://schemas.openxmlformats.org/drawingml/2006/chart" xmlns:dgm="http://schemas.openxmlformats.org/drawingml/2006/diagram" xmlns:o="urn:schemas-microsoft-com:office:office" xmlns:v="urn:schemas-microsoft-com:vml" xmlns:pvml="urn:schemas-microsoft-com:office:powerpoint" xmlns:com="http://schemas.openxmlformats.org/drawingml/2006/compatibility" xmlns:p14="http://schemas.microsoft.com/office/powerpoint/2010/main" xmlns:p15="http://schemas.microsoft.com/office/powerpoint/2012/main" xmlns:ahyp="http://schemas.microsoft.com/office/drawing/2018/hyperlinkcolor">
+<p:sld xmlns:a="http://schemas.openxmlformats.org/drawingml/2006/main" xmlns:r="http://schemas.openxmlformats.org/officeDocument/2006/relationships" xmlns:p="http://schemas.openxmlformats.org/presentationml/2006/main">
   <p:cSld>
     <p:spTree>
       <p:nvGrpSpPr>
-        <p:cNvPr id="83" name="Shape 83"/>
+        <p:cNvPr id="1" name="Shape 83"/>
         <p:cNvGrpSpPr/>
         <p:nvPr/>
       </p:nvGrpSpPr>
@@ -14603,9 +15012,11 @@
       <p:sp>
         <p:nvSpPr>
           <p:cNvPr id="84" name="Google Shape;84;p13"/>
-          <p:cNvSpPr txBox="1"/>
+          <p:cNvSpPr txBox="1">
+            <a:spLocks noGrp="1"/>
+          </p:cNvSpPr>
           <p:nvPr>
-            <p:ph idx="1" type="body"/>
+            <p:ph type="body" idx="1"/>
           </p:nvPr>
         </p:nvSpPr>
         <p:spPr>
@@ -14622,12 +15033,12 @@
           </a:ln>
         </p:spPr>
         <p:txBody>
-          <a:bodyPr anchorCtr="0" anchor="t" bIns="45700" lIns="91425" spcFirstLastPara="1" rIns="91425" wrap="square" tIns="45700">
+          <a:bodyPr spcFirstLastPara="1" wrap="square" lIns="91425" tIns="45700" rIns="91425" bIns="45700" anchor="t" anchorCtr="0">
             <a:normAutofit fontScale="77500" lnSpcReduction="20000"/>
           </a:bodyPr>
           <a:lstStyle/>
           <a:p>
-            <a:pPr indent="-366395" lvl="0" marL="457200" rtl="0" algn="l">
+            <a:pPr marL="457200" lvl="0" indent="-366395" algn="l" rtl="0">
               <a:spcBef>
                 <a:spcPts val="0"/>
               </a:spcBef>
@@ -14644,7 +15055,7 @@
             <a:endParaRPr/>
           </a:p>
           <a:p>
-            <a:pPr indent="-366395" lvl="0" marL="457200" rtl="0" algn="l">
+            <a:pPr marL="457200" lvl="0" indent="-366395" algn="l" rtl="0">
               <a:spcBef>
                 <a:spcPts val="1000"/>
               </a:spcBef>
@@ -14661,7 +15072,7 @@
             <a:endParaRPr/>
           </a:p>
           <a:p>
-            <a:pPr indent="-366395" lvl="0" marL="457200" rtl="0" algn="l">
+            <a:pPr marL="457200" lvl="0" indent="-366395" algn="l" rtl="0">
               <a:spcBef>
                 <a:spcPts val="1000"/>
               </a:spcBef>
@@ -14678,7 +15089,7 @@
             <a:endParaRPr/>
           </a:p>
           <a:p>
-            <a:pPr indent="-366395" lvl="0" marL="457200" rtl="0" algn="l">
+            <a:pPr marL="457200" lvl="0" indent="-366395" algn="l" rtl="0">
               <a:spcBef>
                 <a:spcPts val="1000"/>
               </a:spcBef>
@@ -14695,7 +15106,7 @@
             <a:endParaRPr/>
           </a:p>
           <a:p>
-            <a:pPr indent="-366395" lvl="0" marL="457200" rtl="0" algn="l">
+            <a:pPr marL="457200" lvl="0" indent="-366395" algn="l" rtl="0">
               <a:spcBef>
                 <a:spcPts val="1000"/>
               </a:spcBef>
@@ -14712,7 +15123,7 @@
             <a:endParaRPr/>
           </a:p>
           <a:p>
-            <a:pPr indent="-366395" lvl="0" marL="457200" rtl="0" algn="l">
+            <a:pPr marL="457200" lvl="0" indent="-366395" algn="l" rtl="0">
               <a:spcBef>
                 <a:spcPts val="1000"/>
               </a:spcBef>
@@ -14729,7 +15140,7 @@
             <a:endParaRPr/>
           </a:p>
           <a:p>
-            <a:pPr indent="-317182" lvl="0" marL="457200" rtl="0" algn="l">
+            <a:pPr marL="457200" lvl="0" indent="-317182" algn="l" rtl="0">
               <a:spcBef>
                 <a:spcPts val="1000"/>
               </a:spcBef>
@@ -14746,7 +15157,7 @@
             <a:endParaRPr/>
           </a:p>
           <a:p>
-            <a:pPr indent="-139382" lvl="0" marL="228600" rtl="0" algn="l">
+            <a:pPr marL="228600" lvl="0" indent="-139382" algn="l" rtl="0">
               <a:lnSpc>
                 <a:spcPct val="90000"/>
               </a:lnSpc>
@@ -14759,9 +15170,6 @@
               <a:buSzPct val="64285"/>
               <a:buChar char="•"/>
             </a:pPr>
-            <a:r>
-              <a:t/>
-            </a:r>
             <a:endParaRPr/>
           </a:p>
         </p:txBody>
@@ -14786,12 +15194,12 @@
           </a:ln>
         </p:spPr>
         <p:txBody>
-          <a:bodyPr anchorCtr="0" anchor="t" bIns="45700" lIns="91425" spcFirstLastPara="1" rIns="91425" wrap="square" tIns="45700">
+          <a:bodyPr spcFirstLastPara="1" wrap="square" lIns="91425" tIns="45700" rIns="91425" bIns="45700" anchor="t" anchorCtr="0">
             <a:normAutofit/>
           </a:bodyPr>
           <a:lstStyle/>
           <a:p>
-            <a:pPr indent="0" lvl="0" marL="0" marR="0" rtl="0" algn="ctr">
+            <a:pPr marL="0" marR="0" lvl="0" indent="0" algn="ctr" rtl="0">
               <a:lnSpc>
                 <a:spcPct val="90000"/>
               </a:lnSpc>
@@ -14809,7 +15217,7 @@
               <a:buNone/>
             </a:pPr>
             <a:r>
-              <a:rPr b="0" i="0" lang="pt-BR" sz="2800" u="none" cap="none" strike="noStrike">
+              <a:rPr lang="pt-BR" sz="2800" b="0" i="0" u="none" strike="noStrike" cap="none">
                 <a:solidFill>
                   <a:schemeClr val="dk1"/>
                 </a:solidFill>
@@ -14820,7 +15228,7 @@
               </a:rPr>
               <a:t>Agendamento – Salão de Beleza</a:t>
             </a:r>
-            <a:endParaRPr b="0" i="0" sz="1400" u="none" cap="none" strike="noStrike">
+            <a:endParaRPr sz="1400" b="0" i="0" u="none" strike="noStrike" cap="none">
               <a:solidFill>
                 <a:srgbClr val="000000"/>
               </a:solidFill>
@@ -14841,11 +15249,272 @@
 </file>
 
 <file path=ppt/slides/slide2.xml><?xml version="1.0" encoding="utf-8"?>
-<p:sld xmlns:a="http://schemas.openxmlformats.org/drawingml/2006/main" xmlns:r="http://schemas.openxmlformats.org/officeDocument/2006/relationships" xmlns:mc="http://schemas.openxmlformats.org/markup-compatibility/2006" xmlns:mv="urn:schemas-microsoft-com:mac:vml" xmlns:p="http://schemas.openxmlformats.org/presentationml/2006/main" xmlns:c="http://schemas.openxmlformats.org/drawingml/2006/chart" xmlns:dgm="http://schemas.openxmlformats.org/drawingml/2006/diagram" xmlns:o="urn:schemas-microsoft-com:office:office" xmlns:v="urn:schemas-microsoft-com:vml" xmlns:pvml="urn:schemas-microsoft-com:office:powerpoint" xmlns:com="http://schemas.openxmlformats.org/drawingml/2006/compatibility" xmlns:p14="http://schemas.microsoft.com/office/powerpoint/2010/main" xmlns:p15="http://schemas.microsoft.com/office/powerpoint/2012/main" xmlns:ahyp="http://schemas.microsoft.com/office/drawing/2018/hyperlinkcolor">
+<p:sld xmlns:a="http://schemas.openxmlformats.org/drawingml/2006/main" xmlns:r="http://schemas.openxmlformats.org/officeDocument/2006/relationships" xmlns:p="http://schemas.openxmlformats.org/presentationml/2006/main">
   <p:cSld>
     <p:spTree>
       <p:nvGrpSpPr>
-        <p:cNvPr id="89" name="Shape 89"/>
+        <p:cNvPr id="1" name="Shape 83"/>
+        <p:cNvGrpSpPr/>
+        <p:nvPr/>
+      </p:nvGrpSpPr>
+      <p:grpSpPr>
+        <a:xfrm>
+          <a:off x="0" y="0"/>
+          <a:ext cx="0" cy="0"/>
+          <a:chOff x="0" y="0"/>
+          <a:chExt cx="0" cy="0"/>
+        </a:xfrm>
+      </p:grpSpPr>
+      <p:sp>
+        <p:nvSpPr>
+          <p:cNvPr id="84" name="Google Shape;84;p13"/>
+          <p:cNvSpPr txBox="1">
+            <a:spLocks noGrp="1"/>
+          </p:cNvSpPr>
+          <p:nvPr>
+            <p:ph type="body" idx="1"/>
+          </p:nvPr>
+        </p:nvSpPr>
+        <p:spPr>
+          <a:xfrm>
+            <a:off x="838200" y="1431342"/>
+            <a:ext cx="10515600" cy="5296628"/>
+          </a:xfrm>
+          <a:prstGeom prst="rect">
+            <a:avLst/>
+          </a:prstGeom>
+          <a:noFill/>
+          <a:ln>
+            <a:noFill/>
+          </a:ln>
+        </p:spPr>
+        <p:txBody>
+          <a:bodyPr spcFirstLastPara="1" wrap="square" lIns="91425" tIns="45700" rIns="91425" bIns="45700" anchor="t" anchorCtr="0">
+            <a:normAutofit fontScale="77500" lnSpcReduction="20000"/>
+          </a:bodyPr>
+          <a:lstStyle/>
+          <a:p>
+            <a:pPr marL="457200" lvl="0" indent="-366395" algn="l" rtl="0">
+              <a:spcBef>
+                <a:spcPts val="0"/>
+              </a:spcBef>
+              <a:spcAft>
+                <a:spcPts val="0"/>
+              </a:spcAft>
+              <a:buSzPct val="100000"/>
+              <a:buChar char="•"/>
+            </a:pPr>
+            <a:r>
+              <a:rPr lang="pt-BR"/>
+              <a:t>Deseja-se mapear os processos de um Salão de Beleza.</a:t>
+            </a:r>
+            <a:endParaRPr/>
+          </a:p>
+          <a:p>
+            <a:pPr marL="457200" lvl="0" indent="-366395" algn="l" rtl="0">
+              <a:spcBef>
+                <a:spcPts val="1000"/>
+              </a:spcBef>
+              <a:spcAft>
+                <a:spcPts val="0"/>
+              </a:spcAft>
+              <a:buSzPct val="100000"/>
+              <a:buChar char="•"/>
+            </a:pPr>
+            <a:r>
+              <a:rPr lang="pt-BR"/>
+              <a:t>Quando um cliente entra em contato com o estabelecimento, ele solicita um agendamento de horário para realizar algum procedimento estético fornecido pelo salão.</a:t>
+            </a:r>
+            <a:endParaRPr/>
+          </a:p>
+          <a:p>
+            <a:pPr marL="457200" lvl="0" indent="-366395" algn="l" rtl="0">
+              <a:spcBef>
+                <a:spcPts val="1000"/>
+              </a:spcBef>
+              <a:spcAft>
+                <a:spcPts val="0"/>
+              </a:spcAft>
+              <a:buSzPct val="100000"/>
+              <a:buChar char="•"/>
+            </a:pPr>
+            <a:r>
+              <a:rPr lang="pt-BR"/>
+              <a:t>O atendente pergunta qual procedimento o cliente gostaria de fazer e após a resposta do cliente, verifica no catálogo se o serviço consta na lista de serviços realizados pelo estabelecimento. Se o procedimento estiver na lista ele informa o valor do serviço. Se não, informa o cliente que o procedimento não é realizado pelo salão.</a:t>
+            </a:r>
+            <a:endParaRPr/>
+          </a:p>
+          <a:p>
+            <a:pPr marL="457200" lvl="0" indent="-366395" algn="l" rtl="0">
+              <a:spcBef>
+                <a:spcPts val="1000"/>
+              </a:spcBef>
+              <a:spcAft>
+                <a:spcPts val="0"/>
+              </a:spcAft>
+              <a:buSzPct val="100000"/>
+              <a:buChar char="•"/>
+            </a:pPr>
+            <a:r>
+              <a:rPr lang="pt-BR"/>
+              <a:t> Se o cliente aceitar o valor, o atendente irá verificar se há horários vagos na agenda e retornará uma resposta ao cliente. </a:t>
+            </a:r>
+            <a:endParaRPr/>
+          </a:p>
+          <a:p>
+            <a:pPr marL="457200" lvl="0" indent="-366395" algn="l" rtl="0">
+              <a:spcBef>
+                <a:spcPts val="1000"/>
+              </a:spcBef>
+              <a:spcAft>
+                <a:spcPts val="0"/>
+              </a:spcAft>
+              <a:buSzPct val="100000"/>
+              <a:buChar char="•"/>
+            </a:pPr>
+            <a:r>
+              <a:rPr lang="pt-BR"/>
+              <a:t>Se houver um horário disponível e consentimento entre o cliente e o estabelecimento sobre o horário, será feita uma reserva para uma data e horário específicos. Se não, o processo é finalizado.</a:t>
+            </a:r>
+            <a:endParaRPr/>
+          </a:p>
+          <a:p>
+            <a:pPr marL="457200" lvl="0" indent="-366395" algn="l" rtl="0">
+              <a:spcBef>
+                <a:spcPts val="1000"/>
+              </a:spcBef>
+              <a:spcAft>
+                <a:spcPts val="0"/>
+              </a:spcAft>
+              <a:buSzPct val="100000"/>
+              <a:buChar char="•"/>
+            </a:pPr>
+            <a:r>
+              <a:rPr lang="pt-BR"/>
+              <a:t>Após o agendamento, o cliente receberá um comprovante de agendamento e irá até o local na data combinada para realizar seu procedimento agendado.</a:t>
+            </a:r>
+            <a:endParaRPr/>
+          </a:p>
+          <a:p>
+            <a:pPr marL="457200" lvl="0" indent="-317182" algn="l" rtl="0">
+              <a:spcBef>
+                <a:spcPts val="1000"/>
+              </a:spcBef>
+              <a:spcAft>
+                <a:spcPts val="0"/>
+              </a:spcAft>
+              <a:buSzPct val="64285"/>
+              <a:buChar char="•"/>
+            </a:pPr>
+            <a:r>
+              <a:rPr lang="pt-BR"/>
+              <a:t>Após a realização do serviço, o cliente se dirige a recepção e efetua o pagamento.</a:t>
+            </a:r>
+            <a:endParaRPr/>
+          </a:p>
+          <a:p>
+            <a:pPr marL="228600" lvl="0" indent="-139382" algn="l" rtl="0">
+              <a:lnSpc>
+                <a:spcPct val="90000"/>
+              </a:lnSpc>
+              <a:spcBef>
+                <a:spcPts val="1000"/>
+              </a:spcBef>
+              <a:spcAft>
+                <a:spcPts val="0"/>
+              </a:spcAft>
+              <a:buSzPct val="64285"/>
+              <a:buChar char="•"/>
+            </a:pPr>
+            <a:endParaRPr/>
+          </a:p>
+        </p:txBody>
+      </p:sp>
+      <p:sp>
+        <p:nvSpPr>
+          <p:cNvPr id="85" name="Google Shape;85;p13"/>
+          <p:cNvSpPr txBox="1"/>
+          <p:nvPr/>
+        </p:nvSpPr>
+        <p:spPr>
+          <a:xfrm>
+            <a:off x="520817" y="423645"/>
+            <a:ext cx="10515600" cy="834704"/>
+          </a:xfrm>
+          <a:prstGeom prst="rect">
+            <a:avLst/>
+          </a:prstGeom>
+          <a:noFill/>
+          <a:ln>
+            <a:noFill/>
+          </a:ln>
+        </p:spPr>
+        <p:txBody>
+          <a:bodyPr spcFirstLastPara="1" wrap="square" lIns="91425" tIns="45700" rIns="91425" bIns="45700" anchor="t" anchorCtr="0">
+            <a:normAutofit/>
+          </a:bodyPr>
+          <a:lstStyle/>
+          <a:p>
+            <a:pPr marL="0" marR="0" lvl="0" indent="0" algn="ctr" rtl="0">
+              <a:lnSpc>
+                <a:spcPct val="90000"/>
+              </a:lnSpc>
+              <a:spcBef>
+                <a:spcPts val="0"/>
+              </a:spcBef>
+              <a:spcAft>
+                <a:spcPts val="0"/>
+              </a:spcAft>
+              <a:buClr>
+                <a:schemeClr val="dk1"/>
+              </a:buClr>
+              <a:buSzPts val="2800"/>
+              <a:buFont typeface="Arial"/>
+              <a:buNone/>
+            </a:pPr>
+            <a:r>
+              <a:rPr lang="pt-BR" sz="2800" b="0" i="0" u="none" strike="noStrike" cap="none">
+                <a:solidFill>
+                  <a:schemeClr val="dk1"/>
+                </a:solidFill>
+                <a:latin typeface="Calibri"/>
+                <a:ea typeface="Calibri"/>
+                <a:cs typeface="Calibri"/>
+                <a:sym typeface="Calibri"/>
+              </a:rPr>
+              <a:t>Agendamento – Salão de Beleza</a:t>
+            </a:r>
+            <a:endParaRPr sz="1400" b="0" i="0" u="none" strike="noStrike" cap="none">
+              <a:solidFill>
+                <a:srgbClr val="000000"/>
+              </a:solidFill>
+              <a:latin typeface="Arial"/>
+              <a:ea typeface="Arial"/>
+              <a:cs typeface="Arial"/>
+              <a:sym typeface="Arial"/>
+            </a:endParaRPr>
+          </a:p>
+        </p:txBody>
+      </p:sp>
+    </p:spTree>
+    <p:extLst>
+      <p:ext uri="{BB962C8B-B14F-4D97-AF65-F5344CB8AC3E}">
+        <p14:creationId xmlns:p14="http://schemas.microsoft.com/office/powerpoint/2010/main" val="3643686155"/>
+      </p:ext>
+    </p:extLst>
+  </p:cSld>
+  <p:clrMapOvr>
+    <a:masterClrMapping/>
+  </p:clrMapOvr>
+</p:sld>
+</file>
+
+<file path=ppt/slides/slide3.xml><?xml version="1.0" encoding="utf-8"?>
+<p:sld xmlns:a="http://schemas.openxmlformats.org/drawingml/2006/main" xmlns:r="http://schemas.openxmlformats.org/officeDocument/2006/relationships" xmlns:p="http://schemas.openxmlformats.org/presentationml/2006/main">
+  <p:cSld>
+    <p:spTree>
+      <p:nvGrpSpPr>
+        <p:cNvPr id="1" name="Shape 89"/>
         <p:cNvGrpSpPr/>
         <p:nvPr/>
       </p:nvGrpSpPr>
@@ -14870,29 +15539,29 @@
           </a:xfrm>
           <a:prstGeom prst="roundRect">
             <a:avLst>
-              <a:gd fmla="val 16667" name="adj"/>
+              <a:gd name="adj" fmla="val 16667"/>
             </a:avLst>
           </a:prstGeom>
           <a:solidFill>
             <a:srgbClr val="F2F2F2"/>
           </a:solidFill>
-          <a:ln cap="flat" cmpd="sng" w="12700">
+          <a:ln w="12700" cap="flat" cmpd="sng">
             <a:solidFill>
               <a:srgbClr val="A5A5A5"/>
             </a:solidFill>
             <a:prstDash val="solid"/>
             <a:miter lim="800000"/>
-            <a:headEnd len="sm" w="sm" type="none"/>
-            <a:tailEnd len="sm" w="sm" type="none"/>
+            <a:headEnd type="none" w="sm" len="sm"/>
+            <a:tailEnd type="none" w="sm" len="sm"/>
           </a:ln>
         </p:spPr>
         <p:txBody>
-          <a:bodyPr anchorCtr="0" anchor="ctr" bIns="45700" lIns="91425" spcFirstLastPara="1" rIns="91425" wrap="square" tIns="45700">
+          <a:bodyPr spcFirstLastPara="1" wrap="square" lIns="91425" tIns="45700" rIns="91425" bIns="45700" anchor="ctr" anchorCtr="0">
             <a:noAutofit/>
           </a:bodyPr>
           <a:lstStyle/>
           <a:p>
-            <a:pPr indent="0" lvl="0" marL="0" marR="0" rtl="0" algn="ctr">
+            <a:pPr marL="0" marR="0" lvl="0" indent="0" algn="ctr" rtl="0">
               <a:lnSpc>
                 <a:spcPct val="100000"/>
               </a:lnSpc>
@@ -14909,10 +15578,7 @@
               <a:buFont typeface="Arial"/>
               <a:buNone/>
             </a:pPr>
-            <a:r>
-              <a:t/>
-            </a:r>
-            <a:endParaRPr b="0" i="0" sz="1800" u="none" cap="none" strike="noStrike">
+            <a:endParaRPr sz="1800" b="0" i="0" u="none" strike="noStrike" cap="none">
               <a:solidFill>
                 <a:schemeClr val="dk1"/>
               </a:solidFill>
@@ -14941,14 +15607,14 @@
             <a:avLst/>
           </a:prstGeom>
           <a:noFill/>
-          <a:ln cap="flat" cmpd="sng" w="9525">
+          <a:ln w="9525" cap="flat" cmpd="sng">
             <a:solidFill>
               <a:schemeClr val="dk1"/>
             </a:solidFill>
             <a:prstDash val="solid"/>
             <a:miter lim="800000"/>
-            <a:headEnd len="sm" w="sm" type="none"/>
-            <a:tailEnd len="sm" w="sm" type="none"/>
+            <a:headEnd type="none" w="sm" len="sm"/>
+            <a:tailEnd type="none" w="sm" len="sm"/>
           </a:ln>
         </p:spPr>
       </p:cxnSp>
@@ -14969,23 +15635,23 @@
           <a:solidFill>
             <a:srgbClr val="B3C6E7"/>
           </a:solidFill>
-          <a:ln cap="flat" cmpd="sng" w="12700">
+          <a:ln w="12700" cap="flat" cmpd="sng">
             <a:solidFill>
               <a:srgbClr val="7030A0"/>
             </a:solidFill>
             <a:prstDash val="solid"/>
             <a:miter lim="800000"/>
-            <a:headEnd len="sm" w="sm" type="none"/>
-            <a:tailEnd len="sm" w="sm" type="none"/>
+            <a:headEnd type="none" w="sm" len="sm"/>
+            <a:tailEnd type="none" w="sm" len="sm"/>
           </a:ln>
         </p:spPr>
         <p:txBody>
-          <a:bodyPr anchorCtr="0" anchor="ctr" bIns="45700" lIns="91425" spcFirstLastPara="1" rIns="91425" wrap="square" tIns="45700">
+          <a:bodyPr spcFirstLastPara="1" wrap="square" lIns="91425" tIns="45700" rIns="91425" bIns="45700" anchor="ctr" anchorCtr="0">
             <a:noAutofit/>
           </a:bodyPr>
           <a:lstStyle/>
           <a:p>
-            <a:pPr indent="0" lvl="0" marL="0" marR="0" rtl="0" algn="ctr">
+            <a:pPr marL="0" marR="0" lvl="0" indent="0" algn="ctr" rtl="0">
               <a:lnSpc>
                 <a:spcPct val="100000"/>
               </a:lnSpc>
@@ -15003,7 +15669,7 @@
               <a:buNone/>
             </a:pPr>
             <a:r>
-              <a:rPr b="0" i="0" lang="pt-BR" sz="1800" u="none" cap="none" strike="noStrike">
+              <a:rPr lang="pt-BR" sz="1800" b="0" i="0" u="none" strike="noStrike" cap="none">
                 <a:solidFill>
                   <a:schemeClr val="dk1"/>
                 </a:solidFill>
@@ -15014,7 +15680,7 @@
               </a:rPr>
               <a:t>cliente</a:t>
             </a:r>
-            <a:endParaRPr b="0" i="0" sz="1400" u="none" cap="none" strike="noStrike">
+            <a:endParaRPr sz="1400" b="0" i="0" u="none" strike="noStrike" cap="none">
               <a:solidFill>
                 <a:srgbClr val="000000"/>
               </a:solidFill>
@@ -15046,12 +15712,12 @@
           </a:ln>
         </p:spPr>
         <p:txBody>
-          <a:bodyPr anchorCtr="0" anchor="t" bIns="45700" lIns="91425" spcFirstLastPara="1" rIns="91425" wrap="square" tIns="45700">
+          <a:bodyPr spcFirstLastPara="1" wrap="square" lIns="91425" tIns="45700" rIns="91425" bIns="45700" anchor="t" anchorCtr="0">
             <a:spAutoFit/>
           </a:bodyPr>
           <a:lstStyle/>
           <a:p>
-            <a:pPr indent="0" lvl="0" marL="0" marR="0" rtl="0" algn="l">
+            <a:pPr marL="0" marR="0" lvl="0" indent="0" algn="l" rtl="0">
               <a:lnSpc>
                 <a:spcPct val="100000"/>
               </a:lnSpc>
@@ -15069,7 +15735,7 @@
               <a:buNone/>
             </a:pPr>
             <a:r>
-              <a:rPr b="0" i="0" lang="pt-BR" sz="2000" u="none" cap="none" strike="noStrike">
+              <a:rPr lang="pt-BR" sz="2000" b="0" i="0" u="none" strike="noStrike" cap="none">
                 <a:solidFill>
                   <a:schemeClr val="dk1"/>
                 </a:solidFill>
@@ -15080,7 +15746,7 @@
               </a:rPr>
               <a:t>Salão de beleza </a:t>
             </a:r>
-            <a:endParaRPr b="0" i="0" sz="1800" u="none" cap="none" strike="noStrike">
+            <a:endParaRPr sz="1800" b="0" i="0" u="none" strike="noStrike" cap="none">
               <a:solidFill>
                 <a:schemeClr val="dk1"/>
               </a:solidFill>
@@ -15112,12 +15778,12 @@
           </a:ln>
         </p:spPr>
         <p:txBody>
-          <a:bodyPr anchorCtr="0" anchor="t" bIns="45700" lIns="91425" spcFirstLastPara="1" rIns="91425" wrap="square" tIns="45700">
+          <a:bodyPr spcFirstLastPara="1" wrap="square" lIns="91425" tIns="45700" rIns="91425" bIns="45700" anchor="t" anchorCtr="0">
             <a:spAutoFit/>
           </a:bodyPr>
           <a:lstStyle/>
           <a:p>
-            <a:pPr indent="0" lvl="0" marL="0" marR="0" rtl="0" algn="l">
+            <a:pPr marL="0" marR="0" lvl="0" indent="0" algn="l" rtl="0">
               <a:lnSpc>
                 <a:spcPct val="100000"/>
               </a:lnSpc>
@@ -15135,7 +15801,7 @@
               <a:buNone/>
             </a:pPr>
             <a:r>
-              <a:rPr b="1" i="0" lang="pt-BR" sz="3600" u="none" cap="none" strike="noStrike">
+              <a:rPr lang="pt-BR" sz="3600" b="1" i="0" u="none" strike="noStrike" cap="none">
                 <a:solidFill>
                   <a:schemeClr val="dk1"/>
                 </a:solidFill>
@@ -15147,7 +15813,7 @@
               <a:t>Contexto de </a:t>
             </a:r>
             <a:r>
-              <a:rPr b="1" lang="pt-BR" sz="3600">
+              <a:rPr lang="pt-BR" sz="3600" b="1">
                 <a:solidFill>
                   <a:schemeClr val="dk1"/>
                 </a:solidFill>
@@ -15158,7 +15824,7 @@
               </a:rPr>
               <a:t>negócio</a:t>
             </a:r>
-            <a:endParaRPr b="1" i="0" sz="1800" u="none" cap="none" strike="noStrike">
+            <a:endParaRPr sz="1800" b="1" i="0" u="none" strike="noStrike" cap="none">
               <a:solidFill>
                 <a:schemeClr val="dk1"/>
               </a:solidFill>
@@ -15190,12 +15856,12 @@
           </a:ln>
         </p:spPr>
         <p:txBody>
-          <a:bodyPr anchorCtr="0" anchor="t" bIns="45700" lIns="91425" spcFirstLastPara="1" rIns="91425" wrap="square" tIns="45700">
+          <a:bodyPr spcFirstLastPara="1" wrap="square" lIns="91425" tIns="45700" rIns="91425" bIns="45700" anchor="t" anchorCtr="0">
             <a:spAutoFit/>
           </a:bodyPr>
           <a:lstStyle/>
           <a:p>
-            <a:pPr indent="-342900" lvl="0" marL="342900" marR="0" rtl="0" algn="l">
+            <a:pPr marL="342900" marR="0" lvl="0" indent="-342900" algn="l" rtl="0">
               <a:lnSpc>
                 <a:spcPct val="100000"/>
               </a:lnSpc>
@@ -15213,7 +15879,7 @@
               <a:buAutoNum type="arabicPeriod"/>
             </a:pPr>
             <a:r>
-              <a:rPr b="0" i="0" lang="pt-BR" sz="1600" u="none" cap="none" strike="noStrike">
+              <a:rPr lang="pt-BR" sz="1600" b="0" i="0" u="none" strike="noStrike" cap="none">
                 <a:solidFill>
                   <a:schemeClr val="dk1"/>
                 </a:solidFill>
@@ -15227,7 +15893,7 @@
             <a:endParaRPr/>
           </a:p>
           <a:p>
-            <a:pPr indent="-342900" lvl="0" marL="342900" marR="0" rtl="0" algn="l">
+            <a:pPr marL="342900" marR="0" lvl="0" indent="-342900" algn="l" rtl="0">
               <a:lnSpc>
                 <a:spcPct val="100000"/>
               </a:lnSpc>
@@ -15245,7 +15911,7 @@
               <a:buAutoNum type="arabicPeriod"/>
             </a:pPr>
             <a:r>
-              <a:rPr b="0" i="0" lang="pt-BR" sz="1600" u="none" cap="none" strike="noStrike">
+              <a:rPr lang="pt-BR" sz="1600" b="0" i="0" u="none" strike="noStrike" cap="none">
                 <a:solidFill>
                   <a:schemeClr val="dk1"/>
                 </a:solidFill>
@@ -15259,7 +15925,7 @@
             <a:endParaRPr/>
           </a:p>
           <a:p>
-            <a:pPr indent="0" lvl="0" marL="0" marR="0" rtl="0" algn="l">
+            <a:pPr marL="0" marR="0" lvl="0" indent="0" algn="l" rtl="0">
               <a:lnSpc>
                 <a:spcPct val="100000"/>
               </a:lnSpc>
@@ -15271,10 +15937,7 @@
               </a:spcAft>
               <a:buNone/>
             </a:pPr>
-            <a:r>
-              <a:t/>
-            </a:r>
-            <a:endParaRPr b="0" i="0" sz="1400" u="none" cap="none" strike="noStrike">
+            <a:endParaRPr sz="1400" b="0" i="0" u="none" strike="noStrike" cap="none">
               <a:solidFill>
                 <a:srgbClr val="000000"/>
               </a:solidFill>
@@ -15285,7 +15948,7 @@
             </a:endParaRPr>
           </a:p>
           <a:p>
-            <a:pPr indent="-241300" lvl="0" marL="342900" marR="0" rtl="0" algn="l">
+            <a:pPr marL="342900" marR="0" lvl="0" indent="-241300" algn="l" rtl="0">
               <a:lnSpc>
                 <a:spcPct val="100000"/>
               </a:lnSpc>
@@ -15302,10 +15965,7 @@
               <a:buFont typeface="Calibri"/>
               <a:buNone/>
             </a:pPr>
-            <a:r>
-              <a:t/>
-            </a:r>
-            <a:endParaRPr b="0" i="0" sz="1600" u="none" cap="none" strike="noStrike">
+            <a:endParaRPr sz="1600" b="0" i="0" u="none" strike="noStrike" cap="none">
               <a:solidFill>
                 <a:schemeClr val="dk1"/>
               </a:solidFill>
@@ -15316,7 +15976,7 @@
             </a:endParaRPr>
           </a:p>
           <a:p>
-            <a:pPr indent="-241300" lvl="0" marL="342900" marR="0" rtl="0" algn="l">
+            <a:pPr marL="342900" marR="0" lvl="0" indent="-241300" algn="l" rtl="0">
               <a:lnSpc>
                 <a:spcPct val="100000"/>
               </a:lnSpc>
@@ -15333,10 +15993,7 @@
               <a:buFont typeface="Calibri"/>
               <a:buNone/>
             </a:pPr>
-            <a:r>
-              <a:t/>
-            </a:r>
-            <a:endParaRPr b="0" i="0" sz="1600" u="none" cap="none" strike="noStrike">
+            <a:endParaRPr sz="1600" b="0" i="0" u="none" strike="noStrike" cap="none">
               <a:solidFill>
                 <a:schemeClr val="dk1"/>
               </a:solidFill>
@@ -15347,7 +16004,7 @@
             </a:endParaRPr>
           </a:p>
           <a:p>
-            <a:pPr indent="0" lvl="0" marL="0" marR="0" rtl="0" algn="l">
+            <a:pPr marL="0" marR="0" lvl="0" indent="0" algn="l" rtl="0">
               <a:lnSpc>
                 <a:spcPct val="100000"/>
               </a:lnSpc>
@@ -15364,10 +16021,7 @@
               <a:buFont typeface="Arial"/>
               <a:buNone/>
             </a:pPr>
-            <a:r>
-              <a:t/>
-            </a:r>
-            <a:endParaRPr b="0" i="0" sz="1800" u="none" cap="none" strike="noStrike">
+            <a:endParaRPr sz="1800" b="0" i="0" u="none" strike="noStrike" cap="none">
               <a:solidFill>
                 <a:schemeClr val="dk1"/>
               </a:solidFill>
@@ -15378,7 +16032,7 @@
             </a:endParaRPr>
           </a:p>
           <a:p>
-            <a:pPr indent="-228600" lvl="0" marL="342900" marR="0" rtl="0" algn="l">
+            <a:pPr marL="342900" marR="0" lvl="0" indent="-228600" algn="l" rtl="0">
               <a:lnSpc>
                 <a:spcPct val="100000"/>
               </a:lnSpc>
@@ -15395,10 +16049,7 @@
               <a:buFont typeface="Calibri"/>
               <a:buNone/>
             </a:pPr>
-            <a:r>
-              <a:t/>
-            </a:r>
-            <a:endParaRPr b="0" i="0" sz="1800" u="none" cap="none" strike="noStrike">
+            <a:endParaRPr sz="1800" b="0" i="0" u="none" strike="noStrike" cap="none">
               <a:solidFill>
                 <a:schemeClr val="dk1"/>
               </a:solidFill>
@@ -15418,12 +16069,12 @@
 </p:sld>
 </file>
 
-<file path=ppt/slides/slide3.xml><?xml version="1.0" encoding="utf-8"?>
-<p:sld xmlns:a="http://schemas.openxmlformats.org/drawingml/2006/main" xmlns:r="http://schemas.openxmlformats.org/officeDocument/2006/relationships" xmlns:mc="http://schemas.openxmlformats.org/markup-compatibility/2006" xmlns:mv="urn:schemas-microsoft-com:mac:vml" xmlns:p="http://schemas.openxmlformats.org/presentationml/2006/main" xmlns:c="http://schemas.openxmlformats.org/drawingml/2006/chart" xmlns:dgm="http://schemas.openxmlformats.org/drawingml/2006/diagram" xmlns:o="urn:schemas-microsoft-com:office:office" xmlns:v="urn:schemas-microsoft-com:vml" xmlns:pvml="urn:schemas-microsoft-com:office:powerpoint" xmlns:com="http://schemas.openxmlformats.org/drawingml/2006/compatibility" xmlns:p14="http://schemas.microsoft.com/office/powerpoint/2010/main" xmlns:p15="http://schemas.microsoft.com/office/powerpoint/2012/main" xmlns:ahyp="http://schemas.microsoft.com/office/drawing/2018/hyperlinkcolor">
+<file path=ppt/slides/slide4.xml><?xml version="1.0" encoding="utf-8"?>
+<p:sld xmlns:a="http://schemas.openxmlformats.org/drawingml/2006/main" xmlns:r="http://schemas.openxmlformats.org/officeDocument/2006/relationships" xmlns:p="http://schemas.openxmlformats.org/presentationml/2006/main">
   <p:cSld>
     <p:spTree>
       <p:nvGrpSpPr>
-        <p:cNvPr id="99" name="Shape 99"/>
+        <p:cNvPr id="1" name="Shape 99"/>
         <p:cNvGrpSpPr/>
         <p:nvPr/>
       </p:nvGrpSpPr>
@@ -15448,29 +16099,29 @@
           </a:xfrm>
           <a:prstGeom prst="roundRect">
             <a:avLst>
-              <a:gd fmla="val 16667" name="adj"/>
+              <a:gd name="adj" fmla="val 16667"/>
             </a:avLst>
           </a:prstGeom>
           <a:solidFill>
             <a:srgbClr val="F2F2F2"/>
           </a:solidFill>
-          <a:ln cap="flat" cmpd="sng" w="12700">
+          <a:ln w="12700" cap="flat" cmpd="sng">
             <a:solidFill>
               <a:srgbClr val="A5A5A5"/>
             </a:solidFill>
             <a:prstDash val="solid"/>
             <a:miter lim="800000"/>
-            <a:headEnd len="sm" w="sm" type="none"/>
-            <a:tailEnd len="sm" w="sm" type="none"/>
+            <a:headEnd type="none" w="sm" len="sm"/>
+            <a:tailEnd type="none" w="sm" len="sm"/>
           </a:ln>
         </p:spPr>
         <p:txBody>
-          <a:bodyPr anchorCtr="0" anchor="ctr" bIns="45700" lIns="91425" spcFirstLastPara="1" rIns="91425" wrap="square" tIns="45700">
+          <a:bodyPr spcFirstLastPara="1" wrap="square" lIns="91425" tIns="45700" rIns="91425" bIns="45700" anchor="ctr" anchorCtr="0">
             <a:noAutofit/>
           </a:bodyPr>
           <a:lstStyle/>
           <a:p>
-            <a:pPr indent="0" lvl="0" marL="0" marR="0" rtl="0" algn="ctr">
+            <a:pPr marL="0" marR="0" lvl="0" indent="0" algn="ctr" rtl="0">
               <a:lnSpc>
                 <a:spcPct val="100000"/>
               </a:lnSpc>
@@ -15487,10 +16138,7 @@
               <a:buFont typeface="Arial"/>
               <a:buNone/>
             </a:pPr>
-            <a:r>
-              <a:t/>
-            </a:r>
-            <a:endParaRPr b="0" i="0" sz="1800" u="none" cap="none" strike="noStrike">
+            <a:endParaRPr sz="1800" b="0" i="0" u="none" strike="noStrike" cap="none">
               <a:solidFill>
                 <a:schemeClr val="dk1"/>
               </a:solidFill>
@@ -15517,14 +16165,14 @@
             <a:avLst/>
           </a:prstGeom>
           <a:noFill/>
-          <a:ln cap="flat" cmpd="sng" w="9525">
+          <a:ln w="9525" cap="flat" cmpd="sng">
             <a:solidFill>
               <a:schemeClr val="dk1"/>
             </a:solidFill>
             <a:prstDash val="solid"/>
             <a:miter lim="800000"/>
-            <a:headEnd len="sm" w="sm" type="none"/>
-            <a:tailEnd len="sm" w="sm" type="none"/>
+            <a:headEnd type="none" w="sm" len="sm"/>
+            <a:tailEnd type="none" w="sm" len="sm"/>
           </a:ln>
         </p:spPr>
       </p:cxnSp>
@@ -15545,23 +16193,23 @@
           <a:solidFill>
             <a:srgbClr val="B3C6E7"/>
           </a:solidFill>
-          <a:ln cap="flat" cmpd="sng" w="12700">
+          <a:ln w="12700" cap="flat" cmpd="sng">
             <a:solidFill>
               <a:srgbClr val="7030A0"/>
             </a:solidFill>
             <a:prstDash val="solid"/>
             <a:miter lim="800000"/>
-            <a:headEnd len="sm" w="sm" type="none"/>
-            <a:tailEnd len="sm" w="sm" type="none"/>
+            <a:headEnd type="none" w="sm" len="sm"/>
+            <a:tailEnd type="none" w="sm" len="sm"/>
           </a:ln>
         </p:spPr>
         <p:txBody>
-          <a:bodyPr anchorCtr="0" anchor="ctr" bIns="45700" lIns="91425" spcFirstLastPara="1" rIns="91425" wrap="square" tIns="45700">
+          <a:bodyPr spcFirstLastPara="1" wrap="square" lIns="91425" tIns="45700" rIns="91425" bIns="45700" anchor="ctr" anchorCtr="0">
             <a:noAutofit/>
           </a:bodyPr>
           <a:lstStyle/>
           <a:p>
-            <a:pPr indent="0" lvl="0" marL="0" marR="0" rtl="0" algn="ctr">
+            <a:pPr marL="0" marR="0" lvl="0" indent="0" algn="ctr" rtl="0">
               <a:lnSpc>
                 <a:spcPct val="100000"/>
               </a:lnSpc>
@@ -15579,7 +16227,7 @@
               <a:buNone/>
             </a:pPr>
             <a:r>
-              <a:rPr b="0" i="0" lang="pt-BR" sz="1800" u="none" cap="none" strike="noStrike">
+              <a:rPr lang="pt-BR" sz="1800" b="0" i="0" u="none" strike="noStrike" cap="none">
                 <a:solidFill>
                   <a:schemeClr val="dk1"/>
                 </a:solidFill>
@@ -15590,7 +16238,7 @@
               </a:rPr>
               <a:t>cliente</a:t>
             </a:r>
-            <a:endParaRPr b="0" i="0" sz="1400" u="none" cap="none" strike="noStrike">
+            <a:endParaRPr sz="1400" b="0" i="0" u="none" strike="noStrike" cap="none">
               <a:solidFill>
                 <a:srgbClr val="000000"/>
               </a:solidFill>
@@ -15622,12 +16270,12 @@
           </a:ln>
         </p:spPr>
         <p:txBody>
-          <a:bodyPr anchorCtr="0" anchor="t" bIns="45700" lIns="91425" spcFirstLastPara="1" rIns="91425" wrap="square" tIns="45700">
+          <a:bodyPr spcFirstLastPara="1" wrap="square" lIns="91425" tIns="45700" rIns="91425" bIns="45700" anchor="t" anchorCtr="0">
             <a:spAutoFit/>
           </a:bodyPr>
           <a:lstStyle/>
           <a:p>
-            <a:pPr indent="0" lvl="0" marL="0" marR="0" rtl="0" algn="l">
+            <a:pPr marL="0" marR="0" lvl="0" indent="0" algn="l" rtl="0">
               <a:lnSpc>
                 <a:spcPct val="100000"/>
               </a:lnSpc>
@@ -15645,7 +16293,7 @@
               <a:buNone/>
             </a:pPr>
             <a:r>
-              <a:rPr b="0" i="0" lang="pt-BR" sz="1800" u="none" cap="none" strike="noStrike">
+              <a:rPr lang="pt-BR" sz="1800" b="0" i="0" u="none" strike="noStrike" cap="none">
                 <a:solidFill>
                   <a:schemeClr val="dk1"/>
                 </a:solidFill>
@@ -15656,7 +16304,7 @@
               </a:rPr>
               <a:t>Salão</a:t>
             </a:r>
-            <a:endParaRPr b="0" i="0" sz="1400" u="none" cap="none" strike="noStrike">
+            <a:endParaRPr sz="1400" b="0" i="0" u="none" strike="noStrike" cap="none">
               <a:solidFill>
                 <a:srgbClr val="000000"/>
               </a:solidFill>
@@ -15681,29 +16329,29 @@
           </a:xfrm>
           <a:prstGeom prst="cube">
             <a:avLst>
-              <a:gd fmla="val 25000" name="adj"/>
+              <a:gd name="adj" fmla="val 25000"/>
             </a:avLst>
           </a:prstGeom>
           <a:solidFill>
             <a:srgbClr val="FEE599"/>
           </a:solidFill>
-          <a:ln cap="flat" cmpd="sng" w="12700">
+          <a:ln w="12700" cap="flat" cmpd="sng">
             <a:solidFill>
               <a:srgbClr val="FEE599"/>
             </a:solidFill>
             <a:prstDash val="solid"/>
             <a:miter lim="800000"/>
-            <a:headEnd len="sm" w="sm" type="none"/>
-            <a:tailEnd len="sm" w="sm" type="none"/>
+            <a:headEnd type="none" w="sm" len="sm"/>
+            <a:tailEnd type="none" w="sm" len="sm"/>
           </a:ln>
         </p:spPr>
         <p:txBody>
-          <a:bodyPr anchorCtr="0" anchor="ctr" bIns="45700" lIns="91425" spcFirstLastPara="1" rIns="91425" wrap="square" tIns="45700">
+          <a:bodyPr spcFirstLastPara="1" wrap="square" lIns="91425" tIns="45700" rIns="91425" bIns="45700" anchor="ctr" anchorCtr="0">
             <a:noAutofit/>
           </a:bodyPr>
           <a:lstStyle/>
           <a:p>
-            <a:pPr indent="0" lvl="0" marL="0" marR="0" rtl="0" algn="ctr">
+            <a:pPr marL="0" marR="0" lvl="0" indent="0" algn="ctr" rtl="0">
               <a:lnSpc>
                 <a:spcPct val="100000"/>
               </a:lnSpc>
@@ -15720,10 +16368,7 @@
               <a:buFont typeface="Arial"/>
               <a:buNone/>
             </a:pPr>
-            <a:r>
-              <a:t/>
-            </a:r>
-            <a:endParaRPr b="0" i="0" sz="1800" u="none" cap="none" strike="noStrike">
+            <a:endParaRPr sz="1800" b="0" i="0" u="none" strike="noStrike" cap="none">
               <a:solidFill>
                 <a:schemeClr val="dk1"/>
               </a:solidFill>
@@ -15734,7 +16379,7 @@
             </a:endParaRPr>
           </a:p>
           <a:p>
-            <a:pPr indent="0" lvl="0" marL="0" marR="0" rtl="0" algn="ctr">
+            <a:pPr marL="0" marR="0" lvl="0" indent="0" algn="ctr" rtl="0">
               <a:lnSpc>
                 <a:spcPct val="100000"/>
               </a:lnSpc>
@@ -15752,7 +16397,7 @@
               <a:buNone/>
             </a:pPr>
             <a:r>
-              <a:rPr b="0" i="0" lang="pt-BR" sz="1800" u="none" cap="none" strike="noStrike">
+              <a:rPr lang="pt-BR" sz="1800" b="0" i="0" u="none" strike="noStrike" cap="none">
                 <a:solidFill>
                   <a:schemeClr val="dk1"/>
                 </a:solidFill>
@@ -15763,7 +16408,7 @@
               </a:rPr>
               <a:t>Recepção</a:t>
             </a:r>
-            <a:endParaRPr b="0" i="0" sz="1400" u="none" cap="none" strike="noStrike">
+            <a:endParaRPr sz="1400" b="0" i="0" u="none" strike="noStrike" cap="none">
               <a:solidFill>
                 <a:srgbClr val="000000"/>
               </a:solidFill>
@@ -15774,7 +16419,7 @@
             </a:endParaRPr>
           </a:p>
           <a:p>
-            <a:pPr indent="0" lvl="0" marL="0" marR="0" rtl="0" algn="ctr">
+            <a:pPr marL="0" marR="0" lvl="0" indent="0" algn="ctr" rtl="0">
               <a:lnSpc>
                 <a:spcPct val="100000"/>
               </a:lnSpc>
@@ -15792,7 +16437,7 @@
               <a:buNone/>
             </a:pPr>
             <a:r>
-              <a:rPr b="0" i="0" lang="pt-BR" sz="1800" u="none" cap="none" strike="noStrike">
+              <a:rPr lang="pt-BR" sz="1800" b="0" i="0" u="none" strike="noStrike" cap="none">
                 <a:solidFill>
                   <a:schemeClr val="dk1"/>
                 </a:solidFill>
@@ -15803,7 +16448,7 @@
               </a:rPr>
               <a:t>(nó operacional)</a:t>
             </a:r>
-            <a:endParaRPr b="0" i="0" sz="1400" u="none" cap="none" strike="noStrike">
+            <a:endParaRPr sz="1400" b="0" i="0" u="none" strike="noStrike" cap="none">
               <a:solidFill>
                 <a:srgbClr val="000000"/>
               </a:solidFill>
@@ -15814,7 +16459,7 @@
             </a:endParaRPr>
           </a:p>
           <a:p>
-            <a:pPr indent="0" lvl="0" marL="0" marR="0" rtl="0" algn="ctr">
+            <a:pPr marL="0" marR="0" lvl="0" indent="0" algn="ctr" rtl="0">
               <a:lnSpc>
                 <a:spcPct val="100000"/>
               </a:lnSpc>
@@ -15831,10 +16476,7 @@
               <a:buFont typeface="Arial"/>
               <a:buNone/>
             </a:pPr>
-            <a:r>
-              <a:t/>
-            </a:r>
-            <a:endParaRPr b="0" i="0" sz="1800" u="none" cap="none" strike="noStrike">
+            <a:endParaRPr sz="1800" b="0" i="0" u="none" strike="noStrike" cap="none">
               <a:solidFill>
                 <a:schemeClr val="lt1"/>
               </a:solidFill>
@@ -15859,29 +16501,29 @@
           </a:xfrm>
           <a:prstGeom prst="cube">
             <a:avLst>
-              <a:gd fmla="val 25000" name="adj"/>
+              <a:gd name="adj" fmla="val 25000"/>
             </a:avLst>
           </a:prstGeom>
           <a:solidFill>
             <a:srgbClr val="8296B0"/>
           </a:solidFill>
-          <a:ln cap="flat" cmpd="sng" w="12700">
+          <a:ln w="12700" cap="flat" cmpd="sng">
             <a:solidFill>
               <a:srgbClr val="FEE599"/>
             </a:solidFill>
             <a:prstDash val="solid"/>
             <a:miter lim="800000"/>
-            <a:headEnd len="sm" w="sm" type="none"/>
-            <a:tailEnd len="sm" w="sm" type="none"/>
+            <a:headEnd type="none" w="sm" len="sm"/>
+            <a:tailEnd type="none" w="sm" len="sm"/>
           </a:ln>
         </p:spPr>
         <p:txBody>
-          <a:bodyPr anchorCtr="0" anchor="ctr" bIns="45700" lIns="91425" spcFirstLastPara="1" rIns="91425" wrap="square" tIns="45700">
+          <a:bodyPr spcFirstLastPara="1" wrap="square" lIns="91425" tIns="45700" rIns="91425" bIns="45700" anchor="ctr" anchorCtr="0">
             <a:noAutofit/>
           </a:bodyPr>
           <a:lstStyle/>
           <a:p>
-            <a:pPr indent="0" lvl="0" marL="0" marR="0" rtl="0" algn="ctr">
+            <a:pPr marL="0" marR="0" lvl="0" indent="0" algn="ctr" rtl="0">
               <a:lnSpc>
                 <a:spcPct val="100000"/>
               </a:lnSpc>
@@ -15899,7 +16541,7 @@
               <a:buNone/>
             </a:pPr>
             <a:r>
-              <a:rPr b="0" i="0" lang="pt-BR" sz="1600" u="none" cap="none" strike="noStrike">
+              <a:rPr lang="pt-BR" sz="1600" b="0" i="0" u="none" strike="noStrike" cap="none">
                 <a:solidFill>
                   <a:schemeClr val="dk1"/>
                 </a:solidFill>
@@ -15910,7 +16552,7 @@
               </a:rPr>
               <a:t>Tratar agendamento</a:t>
             </a:r>
-            <a:endParaRPr b="0" i="0" sz="1400" u="none" cap="none" strike="noStrike">
+            <a:endParaRPr sz="1400" b="0" i="0" u="none" strike="noStrike" cap="none">
               <a:solidFill>
                 <a:srgbClr val="000000"/>
               </a:solidFill>
@@ -15937,14 +16579,14 @@
             <a:avLst/>
           </a:prstGeom>
           <a:noFill/>
-          <a:ln cap="flat" cmpd="sng" w="9525">
+          <a:ln w="9525" cap="flat" cmpd="sng">
             <a:solidFill>
               <a:schemeClr val="accent1"/>
             </a:solidFill>
             <a:prstDash val="solid"/>
             <a:miter lim="800000"/>
-            <a:headEnd len="sm" w="sm" type="none"/>
-            <a:tailEnd len="sm" w="sm" type="none"/>
+            <a:headEnd type="none" w="sm" len="sm"/>
+            <a:tailEnd type="none" w="sm" len="sm"/>
           </a:ln>
         </p:spPr>
       </p:cxnSp>
@@ -15968,12 +16610,12 @@
           </a:ln>
         </p:spPr>
         <p:txBody>
-          <a:bodyPr anchorCtr="0" anchor="t" bIns="45700" lIns="91425" spcFirstLastPara="1" rIns="91425" wrap="square" tIns="45700">
+          <a:bodyPr spcFirstLastPara="1" wrap="square" lIns="91425" tIns="45700" rIns="91425" bIns="45700" anchor="t" anchorCtr="0">
             <a:spAutoFit/>
           </a:bodyPr>
           <a:lstStyle/>
           <a:p>
-            <a:pPr indent="0" lvl="0" marL="0" marR="0" rtl="0" algn="l">
+            <a:pPr marL="0" marR="0" lvl="0" indent="0" algn="l" rtl="0">
               <a:lnSpc>
                 <a:spcPct val="100000"/>
               </a:lnSpc>
@@ -15991,7 +16633,7 @@
               <a:buNone/>
             </a:pPr>
             <a:r>
-              <a:rPr b="1" i="0" lang="pt-BR" sz="3600" u="none" cap="none" strike="noStrike">
+              <a:rPr lang="pt-BR" sz="3600" b="1" i="0" u="none" strike="noStrike" cap="none">
                 <a:solidFill>
                   <a:schemeClr val="dk1"/>
                 </a:solidFill>
@@ -16002,7 +16644,7 @@
               </a:rPr>
               <a:t>Cenário: Efetuar agendamento </a:t>
             </a:r>
-            <a:endParaRPr b="1" i="0" sz="1800" u="none" cap="none" strike="noStrike">
+            <a:endParaRPr sz="1800" b="1" i="0" u="none" strike="noStrike" cap="none">
               <a:solidFill>
                 <a:schemeClr val="dk1"/>
               </a:solidFill>
@@ -16022,12 +16664,12 @@
 </p:sld>
 </file>
 
-<file path=ppt/slides/slide4.xml><?xml version="1.0" encoding="utf-8"?>
-<p:sld xmlns:a="http://schemas.openxmlformats.org/drawingml/2006/main" xmlns:r="http://schemas.openxmlformats.org/officeDocument/2006/relationships" xmlns:mc="http://schemas.openxmlformats.org/markup-compatibility/2006" xmlns:mv="urn:schemas-microsoft-com:mac:vml" xmlns:p="http://schemas.openxmlformats.org/presentationml/2006/main" xmlns:c="http://schemas.openxmlformats.org/drawingml/2006/chart" xmlns:dgm="http://schemas.openxmlformats.org/drawingml/2006/diagram" xmlns:o="urn:schemas-microsoft-com:office:office" xmlns:v="urn:schemas-microsoft-com:vml" xmlns:pvml="urn:schemas-microsoft-com:office:powerpoint" xmlns:com="http://schemas.openxmlformats.org/drawingml/2006/compatibility" xmlns:p14="http://schemas.microsoft.com/office/powerpoint/2010/main" xmlns:p15="http://schemas.microsoft.com/office/powerpoint/2012/main" xmlns:ahyp="http://schemas.microsoft.com/office/drawing/2018/hyperlinkcolor">
+<file path=ppt/slides/slide5.xml><?xml version="1.0" encoding="utf-8"?>
+<p:sld xmlns:a="http://schemas.openxmlformats.org/drawingml/2006/main" xmlns:r="http://schemas.openxmlformats.org/officeDocument/2006/relationships" xmlns:p="http://schemas.openxmlformats.org/presentationml/2006/main">
   <p:cSld>
     <p:spTree>
       <p:nvGrpSpPr>
-        <p:cNvPr id="111" name="Shape 111"/>
+        <p:cNvPr id="1" name="Shape 111"/>
         <p:cNvGrpSpPr/>
         <p:nvPr/>
       </p:nvGrpSpPr>
@@ -16052,29 +16694,29 @@
           </a:xfrm>
           <a:prstGeom prst="roundRect">
             <a:avLst>
-              <a:gd fmla="val 16667" name="adj"/>
+              <a:gd name="adj" fmla="val 16667"/>
             </a:avLst>
           </a:prstGeom>
           <a:solidFill>
             <a:srgbClr val="F2F2F2"/>
           </a:solidFill>
-          <a:ln cap="flat" cmpd="sng" w="12700">
+          <a:ln w="12700" cap="flat" cmpd="sng">
             <a:solidFill>
               <a:srgbClr val="A5A5A5"/>
             </a:solidFill>
             <a:prstDash val="solid"/>
             <a:miter lim="800000"/>
-            <a:headEnd len="sm" w="sm" type="none"/>
-            <a:tailEnd len="sm" w="sm" type="none"/>
+            <a:headEnd type="none" w="sm" len="sm"/>
+            <a:tailEnd type="none" w="sm" len="sm"/>
           </a:ln>
         </p:spPr>
         <p:txBody>
-          <a:bodyPr anchorCtr="0" anchor="ctr" bIns="45700" lIns="91425" spcFirstLastPara="1" rIns="91425" wrap="square" tIns="45700">
+          <a:bodyPr spcFirstLastPara="1" wrap="square" lIns="91425" tIns="45700" rIns="91425" bIns="45700" anchor="ctr" anchorCtr="0">
             <a:noAutofit/>
           </a:bodyPr>
           <a:lstStyle/>
           <a:p>
-            <a:pPr indent="0" lvl="0" marL="0" marR="0" rtl="0" algn="ctr">
+            <a:pPr marL="0" marR="0" lvl="0" indent="0" algn="ctr" rtl="0">
               <a:lnSpc>
                 <a:spcPct val="100000"/>
               </a:lnSpc>
@@ -16091,10 +16733,7 @@
               <a:buFont typeface="Arial"/>
               <a:buNone/>
             </a:pPr>
-            <a:r>
-              <a:t/>
-            </a:r>
-            <a:endParaRPr b="0" i="0" sz="1800" u="none" cap="none" strike="noStrike">
+            <a:endParaRPr sz="1800" b="0" i="0" u="none" strike="noStrike" cap="none">
               <a:solidFill>
                 <a:schemeClr val="dk1"/>
               </a:solidFill>
@@ -16121,14 +16760,14 @@
             <a:avLst/>
           </a:prstGeom>
           <a:noFill/>
-          <a:ln cap="flat" cmpd="sng" w="9525">
+          <a:ln w="9525" cap="flat" cmpd="sng">
             <a:solidFill>
               <a:schemeClr val="dk1"/>
             </a:solidFill>
             <a:prstDash val="solid"/>
             <a:miter lim="800000"/>
-            <a:headEnd len="sm" w="sm" type="none"/>
-            <a:tailEnd len="sm" w="sm" type="none"/>
+            <a:headEnd type="none" w="sm" len="sm"/>
+            <a:tailEnd type="none" w="sm" len="sm"/>
           </a:ln>
         </p:spPr>
       </p:cxnSp>
@@ -16149,23 +16788,23 @@
           <a:solidFill>
             <a:srgbClr val="B3C6E7"/>
           </a:solidFill>
-          <a:ln cap="flat" cmpd="sng" w="12700">
+          <a:ln w="12700" cap="flat" cmpd="sng">
             <a:solidFill>
               <a:srgbClr val="7030A0"/>
             </a:solidFill>
             <a:prstDash val="solid"/>
             <a:miter lim="800000"/>
-            <a:headEnd len="sm" w="sm" type="none"/>
-            <a:tailEnd len="sm" w="sm" type="none"/>
+            <a:headEnd type="none" w="sm" len="sm"/>
+            <a:tailEnd type="none" w="sm" len="sm"/>
           </a:ln>
         </p:spPr>
         <p:txBody>
-          <a:bodyPr anchorCtr="0" anchor="ctr" bIns="45700" lIns="91425" spcFirstLastPara="1" rIns="91425" wrap="square" tIns="45700">
+          <a:bodyPr spcFirstLastPara="1" wrap="square" lIns="91425" tIns="45700" rIns="91425" bIns="45700" anchor="ctr" anchorCtr="0">
             <a:noAutofit/>
           </a:bodyPr>
           <a:lstStyle/>
           <a:p>
-            <a:pPr indent="0" lvl="0" marL="0" marR="0" rtl="0" algn="ctr">
+            <a:pPr marL="0" marR="0" lvl="0" indent="0" algn="ctr" rtl="0">
               <a:lnSpc>
                 <a:spcPct val="100000"/>
               </a:lnSpc>
@@ -16183,7 +16822,7 @@
               <a:buNone/>
             </a:pPr>
             <a:r>
-              <a:rPr b="0" i="0" lang="pt-BR" sz="1800" u="none" cap="none" strike="noStrike">
+              <a:rPr lang="pt-BR" sz="1800" b="0" i="0" u="none" strike="noStrike" cap="none">
                 <a:solidFill>
                   <a:schemeClr val="dk1"/>
                 </a:solidFill>
@@ -16194,7 +16833,7 @@
               </a:rPr>
               <a:t>cliente</a:t>
             </a:r>
-            <a:endParaRPr b="0" i="0" sz="1400" u="none" cap="none" strike="noStrike">
+            <a:endParaRPr sz="1400" b="0" i="0" u="none" strike="noStrike" cap="none">
               <a:solidFill>
                 <a:srgbClr val="000000"/>
               </a:solidFill>
@@ -16226,12 +16865,12 @@
           </a:ln>
         </p:spPr>
         <p:txBody>
-          <a:bodyPr anchorCtr="0" anchor="t" bIns="45700" lIns="91425" spcFirstLastPara="1" rIns="91425" wrap="square" tIns="45700">
+          <a:bodyPr spcFirstLastPara="1" wrap="square" lIns="91425" tIns="45700" rIns="91425" bIns="45700" anchor="t" anchorCtr="0">
             <a:spAutoFit/>
           </a:bodyPr>
           <a:lstStyle/>
           <a:p>
-            <a:pPr indent="0" lvl="0" marL="0" marR="0" rtl="0" algn="l">
+            <a:pPr marL="0" marR="0" lvl="0" indent="0" algn="l" rtl="0">
               <a:lnSpc>
                 <a:spcPct val="100000"/>
               </a:lnSpc>
@@ -16249,7 +16888,7 @@
               <a:buNone/>
             </a:pPr>
             <a:r>
-              <a:rPr b="0" i="0" lang="pt-BR" sz="1800" u="none" cap="none" strike="noStrike">
+              <a:rPr lang="pt-BR" sz="1800" b="0" i="0" u="none" strike="noStrike" cap="none">
                 <a:solidFill>
                   <a:schemeClr val="dk1"/>
                 </a:solidFill>
@@ -16260,7 +16899,7 @@
               </a:rPr>
               <a:t>Salão</a:t>
             </a:r>
-            <a:endParaRPr b="0" i="0" sz="1400" u="none" cap="none" strike="noStrike">
+            <a:endParaRPr sz="1400" b="0" i="0" u="none" strike="noStrike" cap="none">
               <a:solidFill>
                 <a:srgbClr val="000000"/>
               </a:solidFill>
@@ -16285,29 +16924,29 @@
           </a:xfrm>
           <a:prstGeom prst="cube">
             <a:avLst>
-              <a:gd fmla="val 25000" name="adj"/>
+              <a:gd name="adj" fmla="val 25000"/>
             </a:avLst>
           </a:prstGeom>
           <a:solidFill>
             <a:srgbClr val="FEE599"/>
           </a:solidFill>
-          <a:ln cap="flat" cmpd="sng" w="12700">
+          <a:ln w="12700" cap="flat" cmpd="sng">
             <a:solidFill>
               <a:srgbClr val="FEE599"/>
             </a:solidFill>
             <a:prstDash val="solid"/>
             <a:miter lim="800000"/>
-            <a:headEnd len="sm" w="sm" type="none"/>
-            <a:tailEnd len="sm" w="sm" type="none"/>
+            <a:headEnd type="none" w="sm" len="sm"/>
+            <a:tailEnd type="none" w="sm" len="sm"/>
           </a:ln>
         </p:spPr>
         <p:txBody>
-          <a:bodyPr anchorCtr="0" anchor="ctr" bIns="45700" lIns="91425" spcFirstLastPara="1" rIns="91425" wrap="square" tIns="45700">
+          <a:bodyPr spcFirstLastPara="1" wrap="square" lIns="91425" tIns="45700" rIns="91425" bIns="45700" anchor="ctr" anchorCtr="0">
             <a:noAutofit/>
           </a:bodyPr>
           <a:lstStyle/>
           <a:p>
-            <a:pPr indent="0" lvl="0" marL="0" marR="0" rtl="0" algn="ctr">
+            <a:pPr marL="0" marR="0" lvl="0" indent="0" algn="ctr" rtl="0">
               <a:lnSpc>
                 <a:spcPct val="100000"/>
               </a:lnSpc>
@@ -16324,10 +16963,7 @@
               <a:buFont typeface="Arial"/>
               <a:buNone/>
             </a:pPr>
-            <a:r>
-              <a:t/>
-            </a:r>
-            <a:endParaRPr b="0" i="0" sz="1800" u="none" cap="none" strike="noStrike">
+            <a:endParaRPr sz="1800" b="0" i="0" u="none" strike="noStrike" cap="none">
               <a:solidFill>
                 <a:schemeClr val="dk1"/>
               </a:solidFill>
@@ -16338,7 +16974,7 @@
             </a:endParaRPr>
           </a:p>
           <a:p>
-            <a:pPr indent="0" lvl="0" marL="0" marR="0" rtl="0" algn="ctr">
+            <a:pPr marL="0" marR="0" lvl="0" indent="0" algn="ctr" rtl="0">
               <a:lnSpc>
                 <a:spcPct val="100000"/>
               </a:lnSpc>
@@ -16356,7 +16992,7 @@
               <a:buNone/>
             </a:pPr>
             <a:r>
-              <a:rPr b="0" i="0" lang="pt-BR" sz="1800" u="none" cap="none" strike="noStrike">
+              <a:rPr lang="pt-BR" sz="1800" b="0" i="0" u="none" strike="noStrike" cap="none">
                 <a:solidFill>
                   <a:schemeClr val="dk1"/>
                 </a:solidFill>
@@ -16367,7 +17003,7 @@
               </a:rPr>
               <a:t>Atendimento</a:t>
             </a:r>
-            <a:endParaRPr b="0" i="0" sz="1400" u="none" cap="none" strike="noStrike">
+            <a:endParaRPr sz="1400" b="0" i="0" u="none" strike="noStrike" cap="none">
               <a:solidFill>
                 <a:srgbClr val="000000"/>
               </a:solidFill>
@@ -16378,7 +17014,7 @@
             </a:endParaRPr>
           </a:p>
           <a:p>
-            <a:pPr indent="0" lvl="0" marL="0" marR="0" rtl="0" algn="ctr">
+            <a:pPr marL="0" marR="0" lvl="0" indent="0" algn="ctr" rtl="0">
               <a:lnSpc>
                 <a:spcPct val="100000"/>
               </a:lnSpc>
@@ -16396,7 +17032,7 @@
               <a:buNone/>
             </a:pPr>
             <a:r>
-              <a:rPr b="0" i="0" lang="pt-BR" sz="1800" u="none" cap="none" strike="noStrike">
+              <a:rPr lang="pt-BR" sz="1800" b="0" i="0" u="none" strike="noStrike" cap="none">
                 <a:solidFill>
                   <a:schemeClr val="dk1"/>
                 </a:solidFill>
@@ -16407,7 +17043,7 @@
               </a:rPr>
               <a:t>(nó operacional)</a:t>
             </a:r>
-            <a:endParaRPr b="0" i="0" sz="1400" u="none" cap="none" strike="noStrike">
+            <a:endParaRPr sz="1400" b="0" i="0" u="none" strike="noStrike" cap="none">
               <a:solidFill>
                 <a:srgbClr val="000000"/>
               </a:solidFill>
@@ -16418,7 +17054,7 @@
             </a:endParaRPr>
           </a:p>
           <a:p>
-            <a:pPr indent="0" lvl="0" marL="0" marR="0" rtl="0" algn="ctr">
+            <a:pPr marL="0" marR="0" lvl="0" indent="0" algn="ctr" rtl="0">
               <a:lnSpc>
                 <a:spcPct val="100000"/>
               </a:lnSpc>
@@ -16435,10 +17071,7 @@
               <a:buFont typeface="Arial"/>
               <a:buNone/>
             </a:pPr>
-            <a:r>
-              <a:t/>
-            </a:r>
-            <a:endParaRPr b="0" i="0" sz="1800" u="none" cap="none" strike="noStrike">
+            <a:endParaRPr sz="1800" b="0" i="0" u="none" strike="noStrike" cap="none">
               <a:solidFill>
                 <a:schemeClr val="lt1"/>
               </a:solidFill>
@@ -16463,29 +17096,29 @@
           </a:xfrm>
           <a:prstGeom prst="cube">
             <a:avLst>
-              <a:gd fmla="val 25000" name="adj"/>
+              <a:gd name="adj" fmla="val 25000"/>
             </a:avLst>
           </a:prstGeom>
           <a:solidFill>
             <a:srgbClr val="8296B0"/>
           </a:solidFill>
-          <a:ln cap="flat" cmpd="sng" w="12700">
+          <a:ln w="12700" cap="flat" cmpd="sng">
             <a:solidFill>
               <a:srgbClr val="FEE599"/>
             </a:solidFill>
             <a:prstDash val="solid"/>
             <a:miter lim="800000"/>
-            <a:headEnd len="sm" w="sm" type="none"/>
-            <a:tailEnd len="sm" w="sm" type="none"/>
+            <a:headEnd type="none" w="sm" len="sm"/>
+            <a:tailEnd type="none" w="sm" len="sm"/>
           </a:ln>
         </p:spPr>
         <p:txBody>
-          <a:bodyPr anchorCtr="0" anchor="ctr" bIns="45700" lIns="91425" spcFirstLastPara="1" rIns="91425" wrap="square" tIns="45700">
+          <a:bodyPr spcFirstLastPara="1" wrap="square" lIns="91425" tIns="45700" rIns="91425" bIns="45700" anchor="ctr" anchorCtr="0">
             <a:noAutofit/>
           </a:bodyPr>
           <a:lstStyle/>
           <a:p>
-            <a:pPr indent="0" lvl="0" marL="0" marR="0" rtl="0" algn="ctr">
+            <a:pPr marL="0" marR="0" lvl="0" indent="0" algn="ctr" rtl="0">
               <a:lnSpc>
                 <a:spcPct val="100000"/>
               </a:lnSpc>
@@ -16503,7 +17136,7 @@
               <a:buNone/>
             </a:pPr>
             <a:r>
-              <a:rPr b="0" i="0" lang="pt-BR" sz="1600" u="none" cap="none" strike="noStrike">
+              <a:rPr lang="pt-BR" sz="1600" b="0" i="0" u="none" strike="noStrike" cap="none">
                 <a:solidFill>
                   <a:schemeClr val="dk1"/>
                 </a:solidFill>
@@ -16514,7 +17147,7 @@
               </a:rPr>
               <a:t>Realizar atendimento</a:t>
             </a:r>
-            <a:endParaRPr b="0" i="0" sz="1400" u="none" cap="none" strike="noStrike">
+            <a:endParaRPr sz="1400" b="0" i="0" u="none" strike="noStrike" cap="none">
               <a:solidFill>
                 <a:srgbClr val="000000"/>
               </a:solidFill>
@@ -16541,14 +17174,14 @@
             <a:avLst/>
           </a:prstGeom>
           <a:noFill/>
-          <a:ln cap="flat" cmpd="sng" w="9525">
+          <a:ln w="9525" cap="flat" cmpd="sng">
             <a:solidFill>
               <a:schemeClr val="accent1"/>
             </a:solidFill>
             <a:prstDash val="solid"/>
             <a:miter lim="800000"/>
-            <a:headEnd len="sm" w="sm" type="none"/>
-            <a:tailEnd len="sm" w="sm" type="none"/>
+            <a:headEnd type="none" w="sm" len="sm"/>
+            <a:tailEnd type="none" w="sm" len="sm"/>
           </a:ln>
         </p:spPr>
       </p:cxnSp>
@@ -16572,12 +17205,12 @@
           </a:ln>
         </p:spPr>
         <p:txBody>
-          <a:bodyPr anchorCtr="0" anchor="t" bIns="45700" lIns="91425" spcFirstLastPara="1" rIns="91425" wrap="square" tIns="45700">
+          <a:bodyPr spcFirstLastPara="1" wrap="square" lIns="91425" tIns="45700" rIns="91425" bIns="45700" anchor="t" anchorCtr="0">
             <a:spAutoFit/>
           </a:bodyPr>
           <a:lstStyle/>
           <a:p>
-            <a:pPr indent="0" lvl="0" marL="0" marR="0" rtl="0" algn="l">
+            <a:pPr marL="0" marR="0" lvl="0" indent="0" algn="l" rtl="0">
               <a:lnSpc>
                 <a:spcPct val="100000"/>
               </a:lnSpc>
@@ -16595,7 +17228,7 @@
               <a:buNone/>
             </a:pPr>
             <a:r>
-              <a:rPr b="1" i="0" lang="pt-BR" sz="3600" u="none" cap="none" strike="noStrike">
+              <a:rPr lang="pt-BR" sz="3600" b="1" i="0" u="none" strike="noStrike" cap="none">
                 <a:solidFill>
                   <a:schemeClr val="dk1"/>
                 </a:solidFill>
@@ -16607,7 +17240,7 @@
               <a:t>Cenário: </a:t>
             </a:r>
             <a:r>
-              <a:rPr b="1" lang="pt-BR" sz="3600">
+              <a:rPr lang="pt-BR" sz="3600" b="1">
                 <a:solidFill>
                   <a:schemeClr val="dk1"/>
                 </a:solidFill>
@@ -16618,7 +17251,7 @@
               </a:rPr>
               <a:t>Receber atendimento</a:t>
             </a:r>
-            <a:endParaRPr b="1" i="0" sz="1800" u="none" cap="none" strike="noStrike">
+            <a:endParaRPr sz="1800" b="1" i="0" u="none" strike="noStrike" cap="none">
               <a:solidFill>
                 <a:schemeClr val="dk1"/>
               </a:solidFill>
@@ -16639,7 +17272,7 @@
 </file>
 
 <file path=ppt/theme/theme1.xml><?xml version="1.0" encoding="utf-8"?>
-<a:theme xmlns:a="http://schemas.openxmlformats.org/drawingml/2006/main" xmlns:r="http://schemas.openxmlformats.org/officeDocument/2006/relationships" name="Tema do Office">
+<a:theme xmlns:a="http://schemas.openxmlformats.org/drawingml/2006/main" name="Tema do Office">
   <a:themeElements>
     <a:clrScheme name="Office">
       <a:dk1>
@@ -16914,11 +17547,13 @@
       </a:bgFillStyleLst>
     </a:fmtScheme>
   </a:themeElements>
+  <a:objectDefaults/>
+  <a:extraClrSchemeLst/>
 </a:theme>
 </file>
 
 <file path=ppt/theme/theme2.xml><?xml version="1.0" encoding="utf-8"?>
-<a:theme xmlns:a="http://schemas.openxmlformats.org/drawingml/2006/main" xmlns:r="http://schemas.openxmlformats.org/officeDocument/2006/relationships">
+<a:theme xmlns:a="http://schemas.openxmlformats.org/drawingml/2006/main">
   <a:themeElements>
     <a:clrScheme name="Default">
       <a:dk1>
@@ -17193,5 +17828,7 @@
       </a:bgFillStyleLst>
     </a:fmtScheme>
   </a:themeElements>
+  <a:objectDefaults/>
+  <a:extraClrSchemeLst/>
 </a:theme>
 </file>
--- a/15 - Arquitetura de Negócio para cada Cenário.pptx
+++ b/15 - Arquitetura de Negócio para cada Cenário.pptx
@@ -9,9 +9,9 @@
   </p:notesMasterIdLst>
   <p:sldIdLst>
     <p:sldId id="256" r:id="rId2"/>
-    <p:sldId id="260" r:id="rId3"/>
-    <p:sldId id="257" r:id="rId4"/>
-    <p:sldId id="258" r:id="rId5"/>
+    <p:sldId id="257" r:id="rId3"/>
+    <p:sldId id="258" r:id="rId4"/>
+    <p:sldId id="261" r:id="rId5"/>
     <p:sldId id="259" r:id="rId6"/>
   </p:sldIdLst>
   <p:sldSz cx="12192000" cy="6858000"/>
@@ -245,6 +245,11 @@
       </a:defRPr>
     </a:lvl9pPr>
   </p:defaultTextStyle>
+  <p:extLst>
+    <p:ext uri="{EFAFB233-063F-42B5-8137-9DF3F51BA10A}">
+      <p15:sldGuideLst xmlns:p15="http://schemas.microsoft.com/office/powerpoint/2012/main"/>
+    </p:ext>
+  </p:extLst>
 </p:presentation>
 </file>
 
@@ -252,17 +257,132 @@
 <pc:chgInfo xmlns:a="http://schemas.openxmlformats.org/drawingml/2006/main" xmlns:r="http://schemas.openxmlformats.org/officeDocument/2006/relationships" xmlns:ac="http://schemas.microsoft.com/office/drawing/2013/main/command" xmlns:pc="http://schemas.microsoft.com/office/powerpoint/2013/main/command">
   <pc:docChgLst>
     <pc:chgData name="Vinícius Dias" userId="24d7ff5522ff08d3" providerId="LiveId" clId="{2624315E-07C4-4874-8816-038B675EDCC4}"/>
-    <pc:docChg chg="addSld">
-      <pc:chgData name="Vinícius Dias" userId="24d7ff5522ff08d3" providerId="LiveId" clId="{2624315E-07C4-4874-8816-038B675EDCC4}" dt="2021-03-19T00:29:43.016" v="0" actId="2890"/>
+    <pc:docChg chg="undo custSel addSld delSld modSld">
+      <pc:chgData name="Vinícius Dias" userId="24d7ff5522ff08d3" providerId="LiveId" clId="{2624315E-07C4-4874-8816-038B675EDCC4}" dt="2021-04-09T00:00:04.308" v="142" actId="113"/>
       <pc:docMkLst>
         <pc:docMk/>
       </pc:docMkLst>
-      <pc:sldChg chg="add">
-        <pc:chgData name="Vinícius Dias" userId="24d7ff5522ff08d3" providerId="LiveId" clId="{2624315E-07C4-4874-8816-038B675EDCC4}" dt="2021-03-19T00:29:43.016" v="0" actId="2890"/>
+      <pc:sldChg chg="modSp mod">
+        <pc:chgData name="Vinícius Dias" userId="24d7ff5522ff08d3" providerId="LiveId" clId="{2624315E-07C4-4874-8816-038B675EDCC4}" dt="2021-04-08T23:58:12.639" v="132" actId="27636"/>
+        <pc:sldMkLst>
+          <pc:docMk/>
+          <pc:sldMk cId="0" sldId="256"/>
+        </pc:sldMkLst>
+        <pc:spChg chg="mod">
+          <ac:chgData name="Vinícius Dias" userId="24d7ff5522ff08d3" providerId="LiveId" clId="{2624315E-07C4-4874-8816-038B675EDCC4}" dt="2021-04-08T23:58:12.639" v="132" actId="27636"/>
+          <ac:spMkLst>
+            <pc:docMk/>
+            <pc:sldMk cId="0" sldId="256"/>
+            <ac:spMk id="84" creationId="{00000000-0000-0000-0000-000000000000}"/>
+          </ac:spMkLst>
+        </pc:spChg>
+      </pc:sldChg>
+      <pc:sldChg chg="modSp mod">
+        <pc:chgData name="Vinícius Dias" userId="24d7ff5522ff08d3" providerId="LiveId" clId="{2624315E-07C4-4874-8816-038B675EDCC4}" dt="2021-04-08T23:59:50.032" v="139" actId="20577"/>
+        <pc:sldMkLst>
+          <pc:docMk/>
+          <pc:sldMk cId="0" sldId="257"/>
+        </pc:sldMkLst>
+        <pc:spChg chg="mod">
+          <ac:chgData name="Vinícius Dias" userId="24d7ff5522ff08d3" providerId="LiveId" clId="{2624315E-07C4-4874-8816-038B675EDCC4}" dt="2021-04-08T23:59:05.682" v="137" actId="20577"/>
+          <ac:spMkLst>
+            <pc:docMk/>
+            <pc:sldMk cId="0" sldId="257"/>
+            <ac:spMk id="94" creationId="{00000000-0000-0000-0000-000000000000}"/>
+          </ac:spMkLst>
+        </pc:spChg>
+        <pc:spChg chg="mod">
+          <ac:chgData name="Vinícius Dias" userId="24d7ff5522ff08d3" providerId="LiveId" clId="{2624315E-07C4-4874-8816-038B675EDCC4}" dt="2021-04-08T23:59:50.032" v="139" actId="20577"/>
+          <ac:spMkLst>
+            <pc:docMk/>
+            <pc:sldMk cId="0" sldId="257"/>
+            <ac:spMk id="95" creationId="{00000000-0000-0000-0000-000000000000}"/>
+          </ac:spMkLst>
+        </pc:spChg>
+      </pc:sldChg>
+      <pc:sldChg chg="modSp mod">
+        <pc:chgData name="Vinícius Dias" userId="24d7ff5522ff08d3" providerId="LiveId" clId="{2624315E-07C4-4874-8816-038B675EDCC4}" dt="2021-04-08T23:51:25.754" v="57" actId="113"/>
+        <pc:sldMkLst>
+          <pc:docMk/>
+          <pc:sldMk cId="0" sldId="258"/>
+        </pc:sldMkLst>
+        <pc:spChg chg="mod">
+          <ac:chgData name="Vinícius Dias" userId="24d7ff5522ff08d3" providerId="LiveId" clId="{2624315E-07C4-4874-8816-038B675EDCC4}" dt="2021-04-08T23:51:25.754" v="57" actId="113"/>
+          <ac:spMkLst>
+            <pc:docMk/>
+            <pc:sldMk cId="0" sldId="258"/>
+            <ac:spMk id="107" creationId="{00000000-0000-0000-0000-000000000000}"/>
+          </ac:spMkLst>
+        </pc:spChg>
+      </pc:sldChg>
+      <pc:sldChg chg="modSp mod">
+        <pc:chgData name="Vinícius Dias" userId="24d7ff5522ff08d3" providerId="LiveId" clId="{2624315E-07C4-4874-8816-038B675EDCC4}" dt="2021-04-09T00:00:04.308" v="142" actId="113"/>
+        <pc:sldMkLst>
+          <pc:docMk/>
+          <pc:sldMk cId="0" sldId="259"/>
+        </pc:sldMkLst>
+        <pc:spChg chg="mod">
+          <ac:chgData name="Vinícius Dias" userId="24d7ff5522ff08d3" providerId="LiveId" clId="{2624315E-07C4-4874-8816-038B675EDCC4}" dt="2021-04-08T23:52:15.487" v="118" actId="20577"/>
+          <ac:spMkLst>
+            <pc:docMk/>
+            <pc:sldMk cId="0" sldId="259"/>
+            <ac:spMk id="116" creationId="{00000000-0000-0000-0000-000000000000}"/>
+          </ac:spMkLst>
+        </pc:spChg>
+        <pc:spChg chg="mod">
+          <ac:chgData name="Vinícius Dias" userId="24d7ff5522ff08d3" providerId="LiveId" clId="{2624315E-07C4-4874-8816-038B675EDCC4}" dt="2021-04-08T23:52:10.258" v="110" actId="20577"/>
+          <ac:spMkLst>
+            <pc:docMk/>
+            <pc:sldMk cId="0" sldId="259"/>
+            <ac:spMk id="117" creationId="{00000000-0000-0000-0000-000000000000}"/>
+          </ac:spMkLst>
+        </pc:spChg>
+        <pc:spChg chg="mod">
+          <ac:chgData name="Vinícius Dias" userId="24d7ff5522ff08d3" providerId="LiveId" clId="{2624315E-07C4-4874-8816-038B675EDCC4}" dt="2021-04-09T00:00:04.308" v="142" actId="113"/>
+          <ac:spMkLst>
+            <pc:docMk/>
+            <pc:sldMk cId="0" sldId="259"/>
+            <ac:spMk id="119" creationId="{00000000-0000-0000-0000-000000000000}"/>
+          </ac:spMkLst>
+        </pc:spChg>
+      </pc:sldChg>
+      <pc:sldChg chg="add del">
+        <pc:chgData name="Vinícius Dias" userId="24d7ff5522ff08d3" providerId="LiveId" clId="{2624315E-07C4-4874-8816-038B675EDCC4}" dt="2021-04-08T23:55:09.936" v="119" actId="47"/>
         <pc:sldMkLst>
           <pc:docMk/>
           <pc:sldMk cId="3643686155" sldId="260"/>
         </pc:sldMkLst>
+      </pc:sldChg>
+      <pc:sldChg chg="modSp add mod">
+        <pc:chgData name="Vinícius Dias" userId="24d7ff5522ff08d3" providerId="LiveId" clId="{2624315E-07C4-4874-8816-038B675EDCC4}" dt="2021-04-08T23:59:54.982" v="141" actId="20577"/>
+        <pc:sldMkLst>
+          <pc:docMk/>
+          <pc:sldMk cId="835078843" sldId="261"/>
+        </pc:sldMkLst>
+        <pc:spChg chg="mod">
+          <ac:chgData name="Vinícius Dias" userId="24d7ff5522ff08d3" providerId="LiveId" clId="{2624315E-07C4-4874-8816-038B675EDCC4}" dt="2021-04-08T23:51:45.651" v="85" actId="20577"/>
+          <ac:spMkLst>
+            <pc:docMk/>
+            <pc:sldMk cId="835078843" sldId="261"/>
+            <ac:spMk id="104" creationId="{00000000-0000-0000-0000-000000000000}"/>
+          </ac:spMkLst>
+        </pc:spChg>
+        <pc:spChg chg="mod">
+          <ac:chgData name="Vinícius Dias" userId="24d7ff5522ff08d3" providerId="LiveId" clId="{2624315E-07C4-4874-8816-038B675EDCC4}" dt="2021-04-08T23:51:35.764" v="80" actId="20577"/>
+          <ac:spMkLst>
+            <pc:docMk/>
+            <pc:sldMk cId="835078843" sldId="261"/>
+            <ac:spMk id="105" creationId="{00000000-0000-0000-0000-000000000000}"/>
+          </ac:spMkLst>
+        </pc:spChg>
+        <pc:spChg chg="mod">
+          <ac:chgData name="Vinícius Dias" userId="24d7ff5522ff08d3" providerId="LiveId" clId="{2624315E-07C4-4874-8816-038B675EDCC4}" dt="2021-04-08T23:59:54.982" v="141" actId="20577"/>
+          <ac:spMkLst>
+            <pc:docMk/>
+            <pc:sldMk cId="835078843" sldId="261"/>
+            <ac:spMk id="107" creationId="{00000000-0000-0000-0000-000000000000}"/>
+          </ac:spMkLst>
+        </pc:spChg>
       </pc:sldChg>
     </pc:docChg>
   </pc:docChgLst>
@@ -975,7 +1095,7 @@
   <p:cSld>
     <p:spTree>
       <p:nvGrpSpPr>
-        <p:cNvPr id="1" name="Shape 80"/>
+        <p:cNvPr id="1" name="Shape 86"/>
         <p:cNvGrpSpPr/>
         <p:nvPr/>
       </p:nvGrpSpPr>
@@ -989,7 +1109,7 @@
       </p:grpSpPr>
       <p:sp>
         <p:nvSpPr>
-          <p:cNvPr id="81" name="Google Shape;81;p1:notes"/>
+          <p:cNvPr id="87" name="Google Shape;87;p2:notes"/>
           <p:cNvSpPr txBox="1">
             <a:spLocks noGrp="1"/>
           </p:cNvSpPr>
@@ -1035,7 +1155,7 @@
       </p:sp>
       <p:sp>
         <p:nvSpPr>
-          <p:cNvPr id="82" name="Google Shape;82;p1:notes"/>
+          <p:cNvPr id="88" name="Google Shape;88;p2:notes"/>
           <p:cNvSpPr>
             <a:spLocks noGrp="1" noRot="1" noChangeAspect="1"/>
           </p:cNvSpPr>
@@ -1085,11 +1205,6 @@
         </p:spPr>
       </p:sp>
     </p:spTree>
-    <p:extLst>
-      <p:ext uri="{BB962C8B-B14F-4D97-AF65-F5344CB8AC3E}">
-        <p14:creationId xmlns:p14="http://schemas.microsoft.com/office/powerpoint/2010/main" val="1703244223"/>
-      </p:ext>
-    </p:extLst>
   </p:cSld>
   <p:clrMapOvr>
     <a:masterClrMapping/>
@@ -1102,7 +1217,7 @@
   <p:cSld>
     <p:spTree>
       <p:nvGrpSpPr>
-        <p:cNvPr id="1" name="Shape 86"/>
+        <p:cNvPr id="1" name="Shape 96"/>
         <p:cNvGrpSpPr/>
         <p:nvPr/>
       </p:nvGrpSpPr>
@@ -1116,7 +1231,7 @@
       </p:grpSpPr>
       <p:sp>
         <p:nvSpPr>
-          <p:cNvPr id="87" name="Google Shape;87;p2:notes"/>
+          <p:cNvPr id="97" name="Google Shape;97;p3:notes"/>
           <p:cNvSpPr txBox="1">
             <a:spLocks noGrp="1"/>
           </p:cNvSpPr>
@@ -1162,7 +1277,7 @@
       </p:sp>
       <p:sp>
         <p:nvSpPr>
-          <p:cNvPr id="88" name="Google Shape;88;p2:notes"/>
+          <p:cNvPr id="98" name="Google Shape;98;p3:notes"/>
           <p:cNvSpPr>
             <a:spLocks noGrp="1" noRot="1" noChangeAspect="1"/>
           </p:cNvSpPr>
@@ -1334,6 +1449,11 @@
         </p:spPr>
       </p:sp>
     </p:spTree>
+    <p:extLst>
+      <p:ext uri="{BB962C8B-B14F-4D97-AF65-F5344CB8AC3E}">
+        <p14:creationId xmlns:p14="http://schemas.microsoft.com/office/powerpoint/2010/main" val="3443928937"/>
+      </p:ext>
+    </p:extLst>
   </p:cSld>
   <p:clrMapOvr>
     <a:masterClrMapping/>
@@ -15049,10 +15169,10 @@
               <a:buChar char="•"/>
             </a:pPr>
             <a:r>
-              <a:rPr lang="pt-BR"/>
+              <a:rPr lang="pt-BR" dirty="0"/>
               <a:t>Deseja-se mapear os processos de um Salão de Beleza.</a:t>
             </a:r>
-            <a:endParaRPr/>
+            <a:endParaRPr dirty="0"/>
           </a:p>
           <a:p>
             <a:pPr marL="457200" lvl="0" indent="-366395" algn="l" rtl="0">
@@ -15066,10 +15186,10 @@
               <a:buChar char="•"/>
             </a:pPr>
             <a:r>
-              <a:rPr lang="pt-BR"/>
+              <a:rPr lang="pt-BR" dirty="0"/>
               <a:t>Quando um cliente entra em contato com o estabelecimento, ele solicita um agendamento de horário para realizar algum procedimento estético fornecido pelo salão.</a:t>
             </a:r>
-            <a:endParaRPr/>
+            <a:endParaRPr dirty="0"/>
           </a:p>
           <a:p>
             <a:pPr marL="457200" lvl="0" indent="-366395" algn="l" rtl="0">
@@ -15083,10 +15203,10 @@
               <a:buChar char="•"/>
             </a:pPr>
             <a:r>
-              <a:rPr lang="pt-BR"/>
+              <a:rPr lang="pt-BR" dirty="0"/>
               <a:t>O atendente pergunta qual procedimento o cliente gostaria de fazer e após a resposta do cliente, verifica no catálogo se o serviço consta na lista de serviços realizados pelo estabelecimento. Se o procedimento estiver na lista ele informa o valor do serviço. Se não, informa o cliente que o procedimento não é realizado pelo salão.</a:t>
             </a:r>
-            <a:endParaRPr/>
+            <a:endParaRPr dirty="0"/>
           </a:p>
           <a:p>
             <a:pPr marL="457200" lvl="0" indent="-366395" algn="l" rtl="0">
@@ -15100,10 +15220,10 @@
               <a:buChar char="•"/>
             </a:pPr>
             <a:r>
-              <a:rPr lang="pt-BR"/>
-              <a:t> Se o cliente aceitar o valor, o atendente irá verificar se há horários vagos na agenda e retornará uma resposta ao cliente. </a:t>
+              <a:rPr lang="pt-BR" dirty="0"/>
+              <a:t>Se o cliente aceitar o valor, o atendente irá verificar se há horários vagos na agenda e retornará uma resposta ao cliente. </a:t>
             </a:r>
-            <a:endParaRPr/>
+            <a:endParaRPr dirty="0"/>
           </a:p>
           <a:p>
             <a:pPr marL="457200" lvl="0" indent="-366395" algn="l" rtl="0">
@@ -15117,10 +15237,10 @@
               <a:buChar char="•"/>
             </a:pPr>
             <a:r>
-              <a:rPr lang="pt-BR"/>
+              <a:rPr lang="pt-BR" dirty="0"/>
               <a:t>Se houver um horário disponível e consentimento entre o cliente e o estabelecimento sobre o horário, será feita uma reserva para uma data e horário específicos. Se não, o processo é finalizado.</a:t>
             </a:r>
-            <a:endParaRPr/>
+            <a:endParaRPr dirty="0"/>
           </a:p>
           <a:p>
             <a:pPr marL="457200" lvl="0" indent="-366395" algn="l" rtl="0">
@@ -15134,13 +15254,26 @@
               <a:buChar char="•"/>
             </a:pPr>
             <a:r>
-              <a:rPr lang="pt-BR"/>
+              <a:rPr lang="pt-BR" dirty="0"/>
               <a:t>Após o agendamento, o cliente receberá um comprovante de agendamento e irá até o local na data combinada para realizar seu procedimento agendado.</a:t>
             </a:r>
-            <a:endParaRPr/>
+            <a:endParaRPr dirty="0"/>
           </a:p>
           <a:p>
-            <a:pPr marL="457200" lvl="0" indent="-317182" algn="l" rtl="0">
+            <a:pPr marL="597218" indent="-457200">
+              <a:buSzPct val="64285"/>
+            </a:pPr>
+            <a:r>
+              <a:rPr lang="pt-BR" dirty="0"/>
+              <a:t>Após a realização do serviço, o cliente se dirige a recepção e efetua o pagamento.</a:t>
+            </a:r>
+            <a:endParaRPr dirty="0"/>
+          </a:p>
+          <a:p>
+            <a:pPr marL="228600" lvl="0" indent="-139382" algn="l" rtl="0">
+              <a:lnSpc>
+                <a:spcPct val="90000"/>
+              </a:lnSpc>
               <a:spcBef>
                 <a:spcPts val="1000"/>
               </a:spcBef>
@@ -15150,27 +15283,7 @@
               <a:buSzPct val="64285"/>
               <a:buChar char="•"/>
             </a:pPr>
-            <a:r>
-              <a:rPr lang="pt-BR"/>
-              <a:t>Após a realização do serviço, o cliente se dirige a recepção e efetua o pagamento.</a:t>
-            </a:r>
-            <a:endParaRPr/>
-          </a:p>
-          <a:p>
-            <a:pPr marL="228600" lvl="0" indent="-139382" algn="l" rtl="0">
-              <a:lnSpc>
-                <a:spcPct val="90000"/>
-              </a:lnSpc>
-              <a:spcBef>
-                <a:spcPts val="1000"/>
-              </a:spcBef>
-              <a:spcAft>
-                <a:spcPts val="0"/>
-              </a:spcAft>
-              <a:buSzPct val="64285"/>
-              <a:buChar char="•"/>
-            </a:pPr>
-            <a:endParaRPr/>
+            <a:endParaRPr dirty="0"/>
           </a:p>
         </p:txBody>
       </p:sp>
@@ -15217,7 +15330,7 @@
               <a:buNone/>
             </a:pPr>
             <a:r>
-              <a:rPr lang="pt-BR" sz="2800" b="0" i="0" u="none" strike="noStrike" cap="none">
+              <a:rPr lang="pt-BR" sz="2800" b="0" i="0" u="none" strike="noStrike" cap="none" dirty="0">
                 <a:solidFill>
                   <a:schemeClr val="dk1"/>
                 </a:solidFill>
@@ -15228,7 +15341,7 @@
               </a:rPr>
               <a:t>Agendamento – Salão de Beleza</a:t>
             </a:r>
-            <a:endParaRPr sz="1400" b="0" i="0" u="none" strike="noStrike" cap="none">
+            <a:endParaRPr sz="1400" b="0" i="0" u="none" strike="noStrike" cap="none" dirty="0">
               <a:solidFill>
                 <a:srgbClr val="000000"/>
               </a:solidFill>
@@ -15249,267 +15362,6 @@
 </file>
 
 <file path=ppt/slides/slide2.xml><?xml version="1.0" encoding="utf-8"?>
-<p:sld xmlns:a="http://schemas.openxmlformats.org/drawingml/2006/main" xmlns:r="http://schemas.openxmlformats.org/officeDocument/2006/relationships" xmlns:p="http://schemas.openxmlformats.org/presentationml/2006/main">
-  <p:cSld>
-    <p:spTree>
-      <p:nvGrpSpPr>
-        <p:cNvPr id="1" name="Shape 83"/>
-        <p:cNvGrpSpPr/>
-        <p:nvPr/>
-      </p:nvGrpSpPr>
-      <p:grpSpPr>
-        <a:xfrm>
-          <a:off x="0" y="0"/>
-          <a:ext cx="0" cy="0"/>
-          <a:chOff x="0" y="0"/>
-          <a:chExt cx="0" cy="0"/>
-        </a:xfrm>
-      </p:grpSpPr>
-      <p:sp>
-        <p:nvSpPr>
-          <p:cNvPr id="84" name="Google Shape;84;p13"/>
-          <p:cNvSpPr txBox="1">
-            <a:spLocks noGrp="1"/>
-          </p:cNvSpPr>
-          <p:nvPr>
-            <p:ph type="body" idx="1"/>
-          </p:nvPr>
-        </p:nvSpPr>
-        <p:spPr>
-          <a:xfrm>
-            <a:off x="838200" y="1431342"/>
-            <a:ext cx="10515600" cy="5296628"/>
-          </a:xfrm>
-          <a:prstGeom prst="rect">
-            <a:avLst/>
-          </a:prstGeom>
-          <a:noFill/>
-          <a:ln>
-            <a:noFill/>
-          </a:ln>
-        </p:spPr>
-        <p:txBody>
-          <a:bodyPr spcFirstLastPara="1" wrap="square" lIns="91425" tIns="45700" rIns="91425" bIns="45700" anchor="t" anchorCtr="0">
-            <a:normAutofit fontScale="77500" lnSpcReduction="20000"/>
-          </a:bodyPr>
-          <a:lstStyle/>
-          <a:p>
-            <a:pPr marL="457200" lvl="0" indent="-366395" algn="l" rtl="0">
-              <a:spcBef>
-                <a:spcPts val="0"/>
-              </a:spcBef>
-              <a:spcAft>
-                <a:spcPts val="0"/>
-              </a:spcAft>
-              <a:buSzPct val="100000"/>
-              <a:buChar char="•"/>
-            </a:pPr>
-            <a:r>
-              <a:rPr lang="pt-BR"/>
-              <a:t>Deseja-se mapear os processos de um Salão de Beleza.</a:t>
-            </a:r>
-            <a:endParaRPr/>
-          </a:p>
-          <a:p>
-            <a:pPr marL="457200" lvl="0" indent="-366395" algn="l" rtl="0">
-              <a:spcBef>
-                <a:spcPts val="1000"/>
-              </a:spcBef>
-              <a:spcAft>
-                <a:spcPts val="0"/>
-              </a:spcAft>
-              <a:buSzPct val="100000"/>
-              <a:buChar char="•"/>
-            </a:pPr>
-            <a:r>
-              <a:rPr lang="pt-BR"/>
-              <a:t>Quando um cliente entra em contato com o estabelecimento, ele solicita um agendamento de horário para realizar algum procedimento estético fornecido pelo salão.</a:t>
-            </a:r>
-            <a:endParaRPr/>
-          </a:p>
-          <a:p>
-            <a:pPr marL="457200" lvl="0" indent="-366395" algn="l" rtl="0">
-              <a:spcBef>
-                <a:spcPts val="1000"/>
-              </a:spcBef>
-              <a:spcAft>
-                <a:spcPts val="0"/>
-              </a:spcAft>
-              <a:buSzPct val="100000"/>
-              <a:buChar char="•"/>
-            </a:pPr>
-            <a:r>
-              <a:rPr lang="pt-BR"/>
-              <a:t>O atendente pergunta qual procedimento o cliente gostaria de fazer e após a resposta do cliente, verifica no catálogo se o serviço consta na lista de serviços realizados pelo estabelecimento. Se o procedimento estiver na lista ele informa o valor do serviço. Se não, informa o cliente que o procedimento não é realizado pelo salão.</a:t>
-            </a:r>
-            <a:endParaRPr/>
-          </a:p>
-          <a:p>
-            <a:pPr marL="457200" lvl="0" indent="-366395" algn="l" rtl="0">
-              <a:spcBef>
-                <a:spcPts val="1000"/>
-              </a:spcBef>
-              <a:spcAft>
-                <a:spcPts val="0"/>
-              </a:spcAft>
-              <a:buSzPct val="100000"/>
-              <a:buChar char="•"/>
-            </a:pPr>
-            <a:r>
-              <a:rPr lang="pt-BR"/>
-              <a:t> Se o cliente aceitar o valor, o atendente irá verificar se há horários vagos na agenda e retornará uma resposta ao cliente. </a:t>
-            </a:r>
-            <a:endParaRPr/>
-          </a:p>
-          <a:p>
-            <a:pPr marL="457200" lvl="0" indent="-366395" algn="l" rtl="0">
-              <a:spcBef>
-                <a:spcPts val="1000"/>
-              </a:spcBef>
-              <a:spcAft>
-                <a:spcPts val="0"/>
-              </a:spcAft>
-              <a:buSzPct val="100000"/>
-              <a:buChar char="•"/>
-            </a:pPr>
-            <a:r>
-              <a:rPr lang="pt-BR"/>
-              <a:t>Se houver um horário disponível e consentimento entre o cliente e o estabelecimento sobre o horário, será feita uma reserva para uma data e horário específicos. Se não, o processo é finalizado.</a:t>
-            </a:r>
-            <a:endParaRPr/>
-          </a:p>
-          <a:p>
-            <a:pPr marL="457200" lvl="0" indent="-366395" algn="l" rtl="0">
-              <a:spcBef>
-                <a:spcPts val="1000"/>
-              </a:spcBef>
-              <a:spcAft>
-                <a:spcPts val="0"/>
-              </a:spcAft>
-              <a:buSzPct val="100000"/>
-              <a:buChar char="•"/>
-            </a:pPr>
-            <a:r>
-              <a:rPr lang="pt-BR"/>
-              <a:t>Após o agendamento, o cliente receberá um comprovante de agendamento e irá até o local na data combinada para realizar seu procedimento agendado.</a:t>
-            </a:r>
-            <a:endParaRPr/>
-          </a:p>
-          <a:p>
-            <a:pPr marL="457200" lvl="0" indent="-317182" algn="l" rtl="0">
-              <a:spcBef>
-                <a:spcPts val="1000"/>
-              </a:spcBef>
-              <a:spcAft>
-                <a:spcPts val="0"/>
-              </a:spcAft>
-              <a:buSzPct val="64285"/>
-              <a:buChar char="•"/>
-            </a:pPr>
-            <a:r>
-              <a:rPr lang="pt-BR"/>
-              <a:t>Após a realização do serviço, o cliente se dirige a recepção e efetua o pagamento.</a:t>
-            </a:r>
-            <a:endParaRPr/>
-          </a:p>
-          <a:p>
-            <a:pPr marL="228600" lvl="0" indent="-139382" algn="l" rtl="0">
-              <a:lnSpc>
-                <a:spcPct val="90000"/>
-              </a:lnSpc>
-              <a:spcBef>
-                <a:spcPts val="1000"/>
-              </a:spcBef>
-              <a:spcAft>
-                <a:spcPts val="0"/>
-              </a:spcAft>
-              <a:buSzPct val="64285"/>
-              <a:buChar char="•"/>
-            </a:pPr>
-            <a:endParaRPr/>
-          </a:p>
-        </p:txBody>
-      </p:sp>
-      <p:sp>
-        <p:nvSpPr>
-          <p:cNvPr id="85" name="Google Shape;85;p13"/>
-          <p:cNvSpPr txBox="1"/>
-          <p:nvPr/>
-        </p:nvSpPr>
-        <p:spPr>
-          <a:xfrm>
-            <a:off x="520817" y="423645"/>
-            <a:ext cx="10515600" cy="834704"/>
-          </a:xfrm>
-          <a:prstGeom prst="rect">
-            <a:avLst/>
-          </a:prstGeom>
-          <a:noFill/>
-          <a:ln>
-            <a:noFill/>
-          </a:ln>
-        </p:spPr>
-        <p:txBody>
-          <a:bodyPr spcFirstLastPara="1" wrap="square" lIns="91425" tIns="45700" rIns="91425" bIns="45700" anchor="t" anchorCtr="0">
-            <a:normAutofit/>
-          </a:bodyPr>
-          <a:lstStyle/>
-          <a:p>
-            <a:pPr marL="0" marR="0" lvl="0" indent="0" algn="ctr" rtl="0">
-              <a:lnSpc>
-                <a:spcPct val="90000"/>
-              </a:lnSpc>
-              <a:spcBef>
-                <a:spcPts val="0"/>
-              </a:spcBef>
-              <a:spcAft>
-                <a:spcPts val="0"/>
-              </a:spcAft>
-              <a:buClr>
-                <a:schemeClr val="dk1"/>
-              </a:buClr>
-              <a:buSzPts val="2800"/>
-              <a:buFont typeface="Arial"/>
-              <a:buNone/>
-            </a:pPr>
-            <a:r>
-              <a:rPr lang="pt-BR" sz="2800" b="0" i="0" u="none" strike="noStrike" cap="none">
-                <a:solidFill>
-                  <a:schemeClr val="dk1"/>
-                </a:solidFill>
-                <a:latin typeface="Calibri"/>
-                <a:ea typeface="Calibri"/>
-                <a:cs typeface="Calibri"/>
-                <a:sym typeface="Calibri"/>
-              </a:rPr>
-              <a:t>Agendamento – Salão de Beleza</a:t>
-            </a:r>
-            <a:endParaRPr sz="1400" b="0" i="0" u="none" strike="noStrike" cap="none">
-              <a:solidFill>
-                <a:srgbClr val="000000"/>
-              </a:solidFill>
-              <a:latin typeface="Arial"/>
-              <a:ea typeface="Arial"/>
-              <a:cs typeface="Arial"/>
-              <a:sym typeface="Arial"/>
-            </a:endParaRPr>
-          </a:p>
-        </p:txBody>
-      </p:sp>
-    </p:spTree>
-    <p:extLst>
-      <p:ext uri="{BB962C8B-B14F-4D97-AF65-F5344CB8AC3E}">
-        <p14:creationId xmlns:p14="http://schemas.microsoft.com/office/powerpoint/2010/main" val="3643686155"/>
-      </p:ext>
-    </p:extLst>
-  </p:cSld>
-  <p:clrMapOvr>
-    <a:masterClrMapping/>
-  </p:clrMapOvr>
-</p:sld>
-</file>
-
-<file path=ppt/slides/slide3.xml><?xml version="1.0" encoding="utf-8"?>
 <p:sld xmlns:a="http://schemas.openxmlformats.org/drawingml/2006/main" xmlns:r="http://schemas.openxmlformats.org/officeDocument/2006/relationships" xmlns:p="http://schemas.openxmlformats.org/presentationml/2006/main">
   <p:cSld>
     <p:spTree>
@@ -15801,7 +15653,7 @@
               <a:buNone/>
             </a:pPr>
             <a:r>
-              <a:rPr lang="pt-BR" sz="3600" b="1" i="0" u="none" strike="noStrike" cap="none">
+              <a:rPr lang="pt-BR" sz="3600" b="1" i="0" u="none" strike="noStrike" cap="none" dirty="0">
                 <a:solidFill>
                   <a:schemeClr val="dk1"/>
                 </a:solidFill>
@@ -15813,7 +15665,7 @@
               <a:t>Contexto de </a:t>
             </a:r>
             <a:r>
-              <a:rPr lang="pt-BR" sz="3600" b="1">
+              <a:rPr lang="pt-BR" sz="3600" b="1" dirty="0">
                 <a:solidFill>
                   <a:schemeClr val="dk1"/>
                 </a:solidFill>
@@ -15824,7 +15676,7 @@
               </a:rPr>
               <a:t>negócio</a:t>
             </a:r>
-            <a:endParaRPr sz="1800" b="1" i="0" u="none" strike="noStrike" cap="none">
+            <a:endParaRPr sz="1800" b="1" i="0" u="none" strike="noStrike" cap="none" dirty="0">
               <a:solidFill>
                 <a:schemeClr val="dk1"/>
               </a:solidFill>
@@ -15844,8 +15696,8 @@
         </p:nvSpPr>
         <p:spPr>
           <a:xfrm>
-            <a:off x="3252731" y="2552245"/>
-            <a:ext cx="3461400" cy="1846619"/>
+            <a:off x="3288242" y="2303068"/>
+            <a:ext cx="3461400" cy="2092840"/>
           </a:xfrm>
           <a:prstGeom prst="rect">
             <a:avLst/>
@@ -15879,7 +15731,7 @@
               <a:buAutoNum type="arabicPeriod"/>
             </a:pPr>
             <a:r>
-              <a:rPr lang="pt-BR" sz="1600" b="0" i="0" u="none" strike="noStrike" cap="none">
+              <a:rPr lang="pt-BR" sz="1600" b="0" i="0" u="none" strike="noStrike" cap="none" dirty="0">
                 <a:solidFill>
                   <a:schemeClr val="dk1"/>
                 </a:solidFill>
@@ -15890,7 +15742,6 @@
               </a:rPr>
               <a:t>Efetuar agendamento</a:t>
             </a:r>
-            <a:endParaRPr/>
           </a:p>
           <a:p>
             <a:pPr marL="342900" marR="0" lvl="0" indent="-342900" algn="l" rtl="0">
@@ -15911,18 +15762,48 @@
               <a:buAutoNum type="arabicPeriod"/>
             </a:pPr>
             <a:r>
-              <a:rPr lang="pt-BR" sz="1600" b="0" i="0" u="none" strike="noStrike" cap="none">
+              <a:rPr lang="pt-BR" sz="1600" dirty="0">
                 <a:solidFill>
                   <a:schemeClr val="dk1"/>
                 </a:solidFill>
                 <a:latin typeface="Calibri"/>
-                <a:ea typeface="Calibri"/>
                 <a:cs typeface="Calibri"/>
                 <a:sym typeface="Calibri"/>
               </a:rPr>
-              <a:t>Receber atendimento</a:t>
+              <a:t>Realização do Serviço</a:t>
             </a:r>
-            <a:endParaRPr/>
+            <a:endParaRPr dirty="0"/>
+          </a:p>
+          <a:p>
+            <a:pPr marL="342900" marR="0" lvl="0" indent="-342900" algn="l" rtl="0">
+              <a:lnSpc>
+                <a:spcPct val="100000"/>
+              </a:lnSpc>
+              <a:spcBef>
+                <a:spcPts val="0"/>
+              </a:spcBef>
+              <a:spcAft>
+                <a:spcPts val="0"/>
+              </a:spcAft>
+              <a:buClr>
+                <a:schemeClr val="dk1"/>
+              </a:buClr>
+              <a:buSzPts val="1600"/>
+              <a:buFont typeface="Calibri"/>
+              <a:buAutoNum type="arabicPeriod"/>
+            </a:pPr>
+            <a:r>
+              <a:rPr lang="pt-BR" sz="1600" dirty="0">
+                <a:solidFill>
+                  <a:schemeClr val="dk1"/>
+                </a:solidFill>
+                <a:latin typeface="Calibri"/>
+                <a:cs typeface="Calibri"/>
+                <a:sym typeface="Calibri"/>
+              </a:rPr>
+              <a:t>Pagamento</a:t>
+            </a:r>
+            <a:endParaRPr dirty="0"/>
           </a:p>
           <a:p>
             <a:pPr marL="0" marR="0" lvl="0" indent="0" algn="l" rtl="0">
@@ -15937,7 +15818,7 @@
               </a:spcAft>
               <a:buNone/>
             </a:pPr>
-            <a:endParaRPr sz="1400" b="0" i="0" u="none" strike="noStrike" cap="none">
+            <a:endParaRPr sz="1400" b="0" i="0" u="none" strike="noStrike" cap="none" dirty="0">
               <a:solidFill>
                 <a:srgbClr val="000000"/>
               </a:solidFill>
@@ -15965,7 +15846,7 @@
               <a:buFont typeface="Calibri"/>
               <a:buNone/>
             </a:pPr>
-            <a:endParaRPr sz="1600" b="0" i="0" u="none" strike="noStrike" cap="none">
+            <a:endParaRPr sz="1600" b="0" i="0" u="none" strike="noStrike" cap="none" dirty="0">
               <a:solidFill>
                 <a:schemeClr val="dk1"/>
               </a:solidFill>
@@ -15993,7 +15874,7 @@
               <a:buFont typeface="Calibri"/>
               <a:buNone/>
             </a:pPr>
-            <a:endParaRPr sz="1600" b="0" i="0" u="none" strike="noStrike" cap="none">
+            <a:endParaRPr sz="1600" b="0" i="0" u="none" strike="noStrike" cap="none" dirty="0">
               <a:solidFill>
                 <a:schemeClr val="dk1"/>
               </a:solidFill>
@@ -16021,7 +15902,7 @@
               <a:buFont typeface="Arial"/>
               <a:buNone/>
             </a:pPr>
-            <a:endParaRPr sz="1800" b="0" i="0" u="none" strike="noStrike" cap="none">
+            <a:endParaRPr sz="1800" b="0" i="0" u="none" strike="noStrike" cap="none" dirty="0">
               <a:solidFill>
                 <a:schemeClr val="dk1"/>
               </a:solidFill>
@@ -16049,7 +15930,7 @@
               <a:buFont typeface="Calibri"/>
               <a:buNone/>
             </a:pPr>
-            <a:endParaRPr sz="1800" b="0" i="0" u="none" strike="noStrike" cap="none">
+            <a:endParaRPr sz="1800" b="0" i="0" u="none" strike="noStrike" cap="none" dirty="0">
               <a:solidFill>
                 <a:schemeClr val="dk1"/>
               </a:solidFill>
@@ -16069,7 +15950,7 @@
 </p:sld>
 </file>
 
-<file path=ppt/slides/slide4.xml><?xml version="1.0" encoding="utf-8"?>
+<file path=ppt/slides/slide3.xml><?xml version="1.0" encoding="utf-8"?>
 <p:sld xmlns:a="http://schemas.openxmlformats.org/drawingml/2006/main" xmlns:r="http://schemas.openxmlformats.org/officeDocument/2006/relationships" xmlns:p="http://schemas.openxmlformats.org/presentationml/2006/main">
   <p:cSld>
     <p:spTree>
@@ -16633,7 +16514,7 @@
               <a:buNone/>
             </a:pPr>
             <a:r>
-              <a:rPr lang="pt-BR" sz="3600" b="1" i="0" u="none" strike="noStrike" cap="none">
+              <a:rPr lang="pt-BR" sz="3600" b="1" i="0" u="none" strike="noStrike" cap="none" dirty="0">
                 <a:solidFill>
                   <a:schemeClr val="dk1"/>
                 </a:solidFill>
@@ -16642,9 +16523,21 @@
                 <a:cs typeface="Calibri"/>
                 <a:sym typeface="Calibri"/>
               </a:rPr>
-              <a:t>Cenário: Efetuar agendamento </a:t>
+              <a:t>Cenário: </a:t>
             </a:r>
-            <a:endParaRPr sz="1800" b="1" i="0" u="none" strike="noStrike" cap="none">
+            <a:r>
+              <a:rPr lang="pt-BR" sz="3600" i="0" u="none" strike="noStrike" cap="none" dirty="0">
+                <a:solidFill>
+                  <a:schemeClr val="dk1"/>
+                </a:solidFill>
+                <a:latin typeface="Calibri"/>
+                <a:ea typeface="Calibri"/>
+                <a:cs typeface="Calibri"/>
+                <a:sym typeface="Calibri"/>
+              </a:rPr>
+              <a:t>Efetuar agendamento </a:t>
+            </a:r>
+            <a:endParaRPr sz="1800" i="0" u="none" strike="noStrike" cap="none" dirty="0">
               <a:solidFill>
                 <a:schemeClr val="dk1"/>
               </a:solidFill>
@@ -16657,6 +16550,623 @@
         </p:txBody>
       </p:sp>
     </p:spTree>
+  </p:cSld>
+  <p:clrMapOvr>
+    <a:masterClrMapping/>
+  </p:clrMapOvr>
+</p:sld>
+</file>
+
+<file path=ppt/slides/slide4.xml><?xml version="1.0" encoding="utf-8"?>
+<p:sld xmlns:a="http://schemas.openxmlformats.org/drawingml/2006/main" xmlns:r="http://schemas.openxmlformats.org/officeDocument/2006/relationships" xmlns:p="http://schemas.openxmlformats.org/presentationml/2006/main">
+  <p:cSld>
+    <p:spTree>
+      <p:nvGrpSpPr>
+        <p:cNvPr id="1" name="Shape 99"/>
+        <p:cNvGrpSpPr/>
+        <p:nvPr/>
+      </p:nvGrpSpPr>
+      <p:grpSpPr>
+        <a:xfrm>
+          <a:off x="0" y="0"/>
+          <a:ext cx="0" cy="0"/>
+          <a:chOff x="0" y="0"/>
+          <a:chExt cx="0" cy="0"/>
+        </a:xfrm>
+      </p:grpSpPr>
+      <p:sp>
+        <p:nvSpPr>
+          <p:cNvPr id="100" name="Google Shape;100;p15"/>
+          <p:cNvSpPr/>
+          <p:nvPr/>
+        </p:nvSpPr>
+        <p:spPr>
+          <a:xfrm>
+            <a:off x="6618001" y="331306"/>
+            <a:ext cx="5088836" cy="6036364"/>
+          </a:xfrm>
+          <a:prstGeom prst="roundRect">
+            <a:avLst>
+              <a:gd name="adj" fmla="val 16667"/>
+            </a:avLst>
+          </a:prstGeom>
+          <a:solidFill>
+            <a:srgbClr val="F2F2F2"/>
+          </a:solidFill>
+          <a:ln w="12700" cap="flat" cmpd="sng">
+            <a:solidFill>
+              <a:srgbClr val="A5A5A5"/>
+            </a:solidFill>
+            <a:prstDash val="solid"/>
+            <a:miter lim="800000"/>
+            <a:headEnd type="none" w="sm" len="sm"/>
+            <a:tailEnd type="none" w="sm" len="sm"/>
+          </a:ln>
+        </p:spPr>
+        <p:txBody>
+          <a:bodyPr spcFirstLastPara="1" wrap="square" lIns="91425" tIns="45700" rIns="91425" bIns="45700" anchor="ctr" anchorCtr="0">
+            <a:noAutofit/>
+          </a:bodyPr>
+          <a:lstStyle/>
+          <a:p>
+            <a:pPr marL="0" marR="0" lvl="0" indent="0" algn="ctr" rtl="0">
+              <a:lnSpc>
+                <a:spcPct val="100000"/>
+              </a:lnSpc>
+              <a:spcBef>
+                <a:spcPts val="0"/>
+              </a:spcBef>
+              <a:spcAft>
+                <a:spcPts val="0"/>
+              </a:spcAft>
+              <a:buClr>
+                <a:srgbClr val="000000"/>
+              </a:buClr>
+              <a:buSzPts val="1800"/>
+              <a:buFont typeface="Arial"/>
+              <a:buNone/>
+            </a:pPr>
+            <a:endParaRPr sz="1800" b="0" i="0" u="none" strike="noStrike" cap="none">
+              <a:solidFill>
+                <a:schemeClr val="dk1"/>
+              </a:solidFill>
+              <a:latin typeface="Calibri"/>
+              <a:ea typeface="Calibri"/>
+              <a:cs typeface="Calibri"/>
+              <a:sym typeface="Calibri"/>
+            </a:endParaRPr>
+          </a:p>
+        </p:txBody>
+      </p:sp>
+      <p:cxnSp>
+        <p:nvCxnSpPr>
+          <p:cNvPr id="101" name="Google Shape;101;p15"/>
+          <p:cNvCxnSpPr/>
+          <p:nvPr/>
+        </p:nvCxnSpPr>
+        <p:spPr>
+          <a:xfrm flipH="1">
+            <a:off x="3273286" y="1944756"/>
+            <a:ext cx="4386470" cy="1"/>
+          </a:xfrm>
+          <a:prstGeom prst="straightConnector1">
+            <a:avLst/>
+          </a:prstGeom>
+          <a:noFill/>
+          <a:ln w="9525" cap="flat" cmpd="sng">
+            <a:solidFill>
+              <a:schemeClr val="dk1"/>
+            </a:solidFill>
+            <a:prstDash val="solid"/>
+            <a:miter lim="800000"/>
+            <a:headEnd type="none" w="sm" len="sm"/>
+            <a:tailEnd type="none" w="sm" len="sm"/>
+          </a:ln>
+        </p:spPr>
+      </p:cxnSp>
+      <p:sp>
+        <p:nvSpPr>
+          <p:cNvPr id="102" name="Google Shape;102;p15"/>
+          <p:cNvSpPr/>
+          <p:nvPr/>
+        </p:nvSpPr>
+        <p:spPr>
+          <a:xfrm>
+            <a:off x="1537251" y="1308652"/>
+            <a:ext cx="1736035" cy="1272209"/>
+          </a:xfrm>
+          <a:prstGeom prst="rect">
+            <a:avLst/>
+          </a:prstGeom>
+          <a:solidFill>
+            <a:srgbClr val="B3C6E7"/>
+          </a:solidFill>
+          <a:ln w="12700" cap="flat" cmpd="sng">
+            <a:solidFill>
+              <a:srgbClr val="7030A0"/>
+            </a:solidFill>
+            <a:prstDash val="solid"/>
+            <a:miter lim="800000"/>
+            <a:headEnd type="none" w="sm" len="sm"/>
+            <a:tailEnd type="none" w="sm" len="sm"/>
+          </a:ln>
+        </p:spPr>
+        <p:txBody>
+          <a:bodyPr spcFirstLastPara="1" wrap="square" lIns="91425" tIns="45700" rIns="91425" bIns="45700" anchor="ctr" anchorCtr="0">
+            <a:noAutofit/>
+          </a:bodyPr>
+          <a:lstStyle/>
+          <a:p>
+            <a:pPr marL="0" marR="0" lvl="0" indent="0" algn="ctr" rtl="0">
+              <a:lnSpc>
+                <a:spcPct val="100000"/>
+              </a:lnSpc>
+              <a:spcBef>
+                <a:spcPts val="0"/>
+              </a:spcBef>
+              <a:spcAft>
+                <a:spcPts val="0"/>
+              </a:spcAft>
+              <a:buClr>
+                <a:srgbClr val="000000"/>
+              </a:buClr>
+              <a:buSzPts val="1800"/>
+              <a:buFont typeface="Arial"/>
+              <a:buNone/>
+            </a:pPr>
+            <a:r>
+              <a:rPr lang="pt-BR" sz="1800" b="0" i="0" u="none" strike="noStrike" cap="none">
+                <a:solidFill>
+                  <a:schemeClr val="dk1"/>
+                </a:solidFill>
+                <a:latin typeface="Calibri"/>
+                <a:ea typeface="Calibri"/>
+                <a:cs typeface="Calibri"/>
+                <a:sym typeface="Calibri"/>
+              </a:rPr>
+              <a:t>cliente</a:t>
+            </a:r>
+            <a:endParaRPr sz="1400" b="0" i="0" u="none" strike="noStrike" cap="none">
+              <a:solidFill>
+                <a:srgbClr val="000000"/>
+              </a:solidFill>
+              <a:latin typeface="Arial"/>
+              <a:ea typeface="Arial"/>
+              <a:cs typeface="Arial"/>
+              <a:sym typeface="Arial"/>
+            </a:endParaRPr>
+          </a:p>
+        </p:txBody>
+      </p:sp>
+      <p:sp>
+        <p:nvSpPr>
+          <p:cNvPr id="103" name="Google Shape;103;p15"/>
+          <p:cNvSpPr txBox="1"/>
+          <p:nvPr/>
+        </p:nvSpPr>
+        <p:spPr>
+          <a:xfrm>
+            <a:off x="8499810" y="410818"/>
+            <a:ext cx="1669774" cy="369332"/>
+          </a:xfrm>
+          <a:prstGeom prst="rect">
+            <a:avLst/>
+          </a:prstGeom>
+          <a:noFill/>
+          <a:ln>
+            <a:noFill/>
+          </a:ln>
+        </p:spPr>
+        <p:txBody>
+          <a:bodyPr spcFirstLastPara="1" wrap="square" lIns="91425" tIns="45700" rIns="91425" bIns="45700" anchor="t" anchorCtr="0">
+            <a:spAutoFit/>
+          </a:bodyPr>
+          <a:lstStyle/>
+          <a:p>
+            <a:pPr marL="0" marR="0" lvl="0" indent="0" algn="l" rtl="0">
+              <a:lnSpc>
+                <a:spcPct val="100000"/>
+              </a:lnSpc>
+              <a:spcBef>
+                <a:spcPts val="0"/>
+              </a:spcBef>
+              <a:spcAft>
+                <a:spcPts val="0"/>
+              </a:spcAft>
+              <a:buClr>
+                <a:srgbClr val="000000"/>
+              </a:buClr>
+              <a:buSzPts val="1800"/>
+              <a:buFont typeface="Arial"/>
+              <a:buNone/>
+            </a:pPr>
+            <a:r>
+              <a:rPr lang="pt-BR" sz="1800" b="0" i="0" u="none" strike="noStrike" cap="none">
+                <a:solidFill>
+                  <a:schemeClr val="dk1"/>
+                </a:solidFill>
+                <a:latin typeface="Calibri"/>
+                <a:ea typeface="Calibri"/>
+                <a:cs typeface="Calibri"/>
+                <a:sym typeface="Calibri"/>
+              </a:rPr>
+              <a:t>Salão</a:t>
+            </a:r>
+            <a:endParaRPr sz="1400" b="0" i="0" u="none" strike="noStrike" cap="none">
+              <a:solidFill>
+                <a:srgbClr val="000000"/>
+              </a:solidFill>
+              <a:latin typeface="Arial"/>
+              <a:ea typeface="Arial"/>
+              <a:cs typeface="Arial"/>
+              <a:sym typeface="Arial"/>
+            </a:endParaRPr>
+          </a:p>
+        </p:txBody>
+      </p:sp>
+      <p:sp>
+        <p:nvSpPr>
+          <p:cNvPr id="104" name="Google Shape;104;p15"/>
+          <p:cNvSpPr/>
+          <p:nvPr/>
+        </p:nvSpPr>
+        <p:spPr>
+          <a:xfrm>
+            <a:off x="7659756" y="1308652"/>
+            <a:ext cx="3273287" cy="1368288"/>
+          </a:xfrm>
+          <a:prstGeom prst="cube">
+            <a:avLst>
+              <a:gd name="adj" fmla="val 25000"/>
+            </a:avLst>
+          </a:prstGeom>
+          <a:solidFill>
+            <a:srgbClr val="FEE599"/>
+          </a:solidFill>
+          <a:ln w="12700" cap="flat" cmpd="sng">
+            <a:solidFill>
+              <a:srgbClr val="FEE599"/>
+            </a:solidFill>
+            <a:prstDash val="solid"/>
+            <a:miter lim="800000"/>
+            <a:headEnd type="none" w="sm" len="sm"/>
+            <a:tailEnd type="none" w="sm" len="sm"/>
+          </a:ln>
+        </p:spPr>
+        <p:txBody>
+          <a:bodyPr spcFirstLastPara="1" wrap="square" lIns="91425" tIns="45700" rIns="91425" bIns="45700" anchor="ctr" anchorCtr="0">
+            <a:noAutofit/>
+          </a:bodyPr>
+          <a:lstStyle/>
+          <a:p>
+            <a:pPr marL="0" marR="0" lvl="0" indent="0" algn="ctr" rtl="0">
+              <a:lnSpc>
+                <a:spcPct val="100000"/>
+              </a:lnSpc>
+              <a:spcBef>
+                <a:spcPts val="0"/>
+              </a:spcBef>
+              <a:spcAft>
+                <a:spcPts val="0"/>
+              </a:spcAft>
+              <a:buClr>
+                <a:srgbClr val="000000"/>
+              </a:buClr>
+              <a:buSzPts val="1800"/>
+              <a:buFont typeface="Arial"/>
+              <a:buNone/>
+            </a:pPr>
+            <a:endParaRPr sz="1800" b="0" i="0" u="none" strike="noStrike" cap="none" dirty="0">
+              <a:solidFill>
+                <a:schemeClr val="dk1"/>
+              </a:solidFill>
+              <a:latin typeface="Calibri"/>
+              <a:ea typeface="Calibri"/>
+              <a:cs typeface="Calibri"/>
+              <a:sym typeface="Calibri"/>
+            </a:endParaRPr>
+          </a:p>
+          <a:p>
+            <a:pPr marL="0" marR="0" lvl="0" indent="0" algn="ctr" rtl="0">
+              <a:lnSpc>
+                <a:spcPct val="100000"/>
+              </a:lnSpc>
+              <a:spcBef>
+                <a:spcPts val="0"/>
+              </a:spcBef>
+              <a:spcAft>
+                <a:spcPts val="0"/>
+              </a:spcAft>
+              <a:buClr>
+                <a:srgbClr val="000000"/>
+              </a:buClr>
+              <a:buSzPts val="1800"/>
+              <a:buFont typeface="Arial"/>
+              <a:buNone/>
+            </a:pPr>
+            <a:r>
+              <a:rPr lang="pt-BR" sz="1800" b="0" i="0" u="none" strike="noStrike" cap="none" dirty="0">
+                <a:solidFill>
+                  <a:schemeClr val="dk1"/>
+                </a:solidFill>
+                <a:latin typeface="Calibri"/>
+                <a:ea typeface="Calibri"/>
+                <a:cs typeface="Calibri"/>
+                <a:sym typeface="Calibri"/>
+              </a:rPr>
+              <a:t>Corte</a:t>
+            </a:r>
+            <a:endParaRPr sz="1400" b="0" i="0" u="none" strike="noStrike" cap="none" dirty="0">
+              <a:solidFill>
+                <a:srgbClr val="000000"/>
+              </a:solidFill>
+              <a:latin typeface="Arial"/>
+              <a:ea typeface="Arial"/>
+              <a:cs typeface="Arial"/>
+              <a:sym typeface="Arial"/>
+            </a:endParaRPr>
+          </a:p>
+          <a:p>
+            <a:pPr marL="0" marR="0" lvl="0" indent="0" algn="ctr" rtl="0">
+              <a:lnSpc>
+                <a:spcPct val="100000"/>
+              </a:lnSpc>
+              <a:spcBef>
+                <a:spcPts val="0"/>
+              </a:spcBef>
+              <a:spcAft>
+                <a:spcPts val="0"/>
+              </a:spcAft>
+              <a:buClr>
+                <a:srgbClr val="000000"/>
+              </a:buClr>
+              <a:buSzPts val="1800"/>
+              <a:buFont typeface="Arial"/>
+              <a:buNone/>
+            </a:pPr>
+            <a:r>
+              <a:rPr lang="pt-BR" sz="1800" b="0" i="0" u="none" strike="noStrike" cap="none" dirty="0">
+                <a:solidFill>
+                  <a:schemeClr val="dk1"/>
+                </a:solidFill>
+                <a:latin typeface="Calibri"/>
+                <a:ea typeface="Calibri"/>
+                <a:cs typeface="Calibri"/>
+                <a:sym typeface="Calibri"/>
+              </a:rPr>
+              <a:t>(nó operacional)</a:t>
+            </a:r>
+            <a:endParaRPr sz="1400" b="0" i="0" u="none" strike="noStrike" cap="none" dirty="0">
+              <a:solidFill>
+                <a:srgbClr val="000000"/>
+              </a:solidFill>
+              <a:latin typeface="Arial"/>
+              <a:ea typeface="Arial"/>
+              <a:cs typeface="Arial"/>
+              <a:sym typeface="Arial"/>
+            </a:endParaRPr>
+          </a:p>
+          <a:p>
+            <a:pPr marL="0" marR="0" lvl="0" indent="0" algn="ctr" rtl="0">
+              <a:lnSpc>
+                <a:spcPct val="100000"/>
+              </a:lnSpc>
+              <a:spcBef>
+                <a:spcPts val="0"/>
+              </a:spcBef>
+              <a:spcAft>
+                <a:spcPts val="0"/>
+              </a:spcAft>
+              <a:buClr>
+                <a:srgbClr val="000000"/>
+              </a:buClr>
+              <a:buSzPts val="1800"/>
+              <a:buFont typeface="Arial"/>
+              <a:buNone/>
+            </a:pPr>
+            <a:endParaRPr sz="1800" b="0" i="0" u="none" strike="noStrike" cap="none" dirty="0">
+              <a:solidFill>
+                <a:schemeClr val="lt1"/>
+              </a:solidFill>
+              <a:latin typeface="Calibri"/>
+              <a:ea typeface="Calibri"/>
+              <a:cs typeface="Calibri"/>
+              <a:sym typeface="Calibri"/>
+            </a:endParaRPr>
+          </a:p>
+        </p:txBody>
+      </p:sp>
+      <p:sp>
+        <p:nvSpPr>
+          <p:cNvPr id="105" name="Google Shape;105;p15"/>
+          <p:cNvSpPr/>
+          <p:nvPr/>
+        </p:nvSpPr>
+        <p:spPr>
+          <a:xfrm>
+            <a:off x="7487478" y="3103598"/>
+            <a:ext cx="3008244" cy="1368289"/>
+          </a:xfrm>
+          <a:prstGeom prst="cube">
+            <a:avLst>
+              <a:gd name="adj" fmla="val 25000"/>
+            </a:avLst>
+          </a:prstGeom>
+          <a:solidFill>
+            <a:srgbClr val="8296B0"/>
+          </a:solidFill>
+          <a:ln w="12700" cap="flat" cmpd="sng">
+            <a:solidFill>
+              <a:srgbClr val="FEE599"/>
+            </a:solidFill>
+            <a:prstDash val="solid"/>
+            <a:miter lim="800000"/>
+            <a:headEnd type="none" w="sm" len="sm"/>
+            <a:tailEnd type="none" w="sm" len="sm"/>
+          </a:ln>
+        </p:spPr>
+        <p:txBody>
+          <a:bodyPr spcFirstLastPara="1" wrap="square" lIns="91425" tIns="45700" rIns="91425" bIns="45700" anchor="ctr" anchorCtr="0">
+            <a:noAutofit/>
+          </a:bodyPr>
+          <a:lstStyle/>
+          <a:p>
+            <a:pPr marL="0" marR="0" lvl="0" indent="0" algn="ctr" rtl="0">
+              <a:lnSpc>
+                <a:spcPct val="100000"/>
+              </a:lnSpc>
+              <a:spcBef>
+                <a:spcPts val="0"/>
+              </a:spcBef>
+              <a:spcAft>
+                <a:spcPts val="0"/>
+              </a:spcAft>
+              <a:buClr>
+                <a:srgbClr val="000000"/>
+              </a:buClr>
+              <a:buSzPts val="1600"/>
+              <a:buFont typeface="Arial"/>
+              <a:buNone/>
+            </a:pPr>
+            <a:r>
+              <a:rPr lang="pt-BR" sz="1600" b="0" i="0" u="none" strike="noStrike" cap="none" dirty="0">
+                <a:solidFill>
+                  <a:schemeClr val="dk1"/>
+                </a:solidFill>
+                <a:latin typeface="Calibri"/>
+                <a:ea typeface="Calibri"/>
+                <a:cs typeface="Calibri"/>
+                <a:sym typeface="Calibri"/>
+              </a:rPr>
+              <a:t>Tratar realização do serviço</a:t>
+            </a:r>
+            <a:endParaRPr sz="1400" b="0" i="0" u="none" strike="noStrike" cap="none" dirty="0">
+              <a:solidFill>
+                <a:srgbClr val="000000"/>
+              </a:solidFill>
+              <a:latin typeface="Arial"/>
+              <a:ea typeface="Arial"/>
+              <a:cs typeface="Arial"/>
+              <a:sym typeface="Arial"/>
+            </a:endParaRPr>
+          </a:p>
+        </p:txBody>
+      </p:sp>
+      <p:cxnSp>
+        <p:nvCxnSpPr>
+          <p:cNvPr id="106" name="Google Shape;106;p15"/>
+          <p:cNvCxnSpPr/>
+          <p:nvPr/>
+        </p:nvCxnSpPr>
+        <p:spPr>
+          <a:xfrm>
+            <a:off x="8878956" y="2676940"/>
+            <a:ext cx="0" cy="528502"/>
+          </a:xfrm>
+          <a:prstGeom prst="straightConnector1">
+            <a:avLst/>
+          </a:prstGeom>
+          <a:noFill/>
+          <a:ln w="9525" cap="flat" cmpd="sng">
+            <a:solidFill>
+              <a:schemeClr val="accent1"/>
+            </a:solidFill>
+            <a:prstDash val="solid"/>
+            <a:miter lim="800000"/>
+            <a:headEnd type="none" w="sm" len="sm"/>
+            <a:tailEnd type="none" w="sm" len="sm"/>
+          </a:ln>
+        </p:spPr>
+      </p:cxnSp>
+      <p:sp>
+        <p:nvSpPr>
+          <p:cNvPr id="107" name="Google Shape;107;p15"/>
+          <p:cNvSpPr txBox="1"/>
+          <p:nvPr/>
+        </p:nvSpPr>
+        <p:spPr>
+          <a:xfrm>
+            <a:off x="344554" y="79982"/>
+            <a:ext cx="6273300" cy="923289"/>
+          </a:xfrm>
+          <a:prstGeom prst="rect">
+            <a:avLst/>
+          </a:prstGeom>
+          <a:noFill/>
+          <a:ln>
+            <a:noFill/>
+          </a:ln>
+        </p:spPr>
+        <p:txBody>
+          <a:bodyPr spcFirstLastPara="1" wrap="square" lIns="91425" tIns="45700" rIns="91425" bIns="45700" anchor="t" anchorCtr="0">
+            <a:spAutoFit/>
+          </a:bodyPr>
+          <a:lstStyle/>
+          <a:p>
+            <a:pPr>
+              <a:buSzPts val="3600"/>
+            </a:pPr>
+            <a:r>
+              <a:rPr lang="pt-BR" sz="3600" b="1" i="0" u="none" strike="noStrike" cap="none" dirty="0">
+                <a:solidFill>
+                  <a:schemeClr val="dk1"/>
+                </a:solidFill>
+                <a:latin typeface="Calibri"/>
+                <a:ea typeface="Calibri"/>
+                <a:cs typeface="Calibri"/>
+                <a:sym typeface="Calibri"/>
+              </a:rPr>
+              <a:t>Cenário: </a:t>
+            </a:r>
+            <a:r>
+              <a:rPr lang="pt-BR" sz="3600" dirty="0">
+                <a:solidFill>
+                  <a:schemeClr val="dk1"/>
+                </a:solidFill>
+                <a:latin typeface="Calibri"/>
+                <a:cs typeface="Calibri"/>
+                <a:sym typeface="Calibri"/>
+              </a:rPr>
+              <a:t>Realização do Serviço</a:t>
+            </a:r>
+            <a:endParaRPr lang="pt-BR" sz="3600" dirty="0"/>
+          </a:p>
+          <a:p>
+            <a:pPr marL="0" marR="0" lvl="0" indent="0" algn="l" rtl="0">
+              <a:lnSpc>
+                <a:spcPct val="100000"/>
+              </a:lnSpc>
+              <a:spcBef>
+                <a:spcPts val="0"/>
+              </a:spcBef>
+              <a:spcAft>
+                <a:spcPts val="0"/>
+              </a:spcAft>
+              <a:buClr>
+                <a:srgbClr val="000000"/>
+              </a:buClr>
+              <a:buSzPts val="3600"/>
+              <a:buFont typeface="Arial"/>
+              <a:buNone/>
+            </a:pPr>
+            <a:endParaRPr sz="1800" b="1" i="0" u="none" strike="noStrike" cap="none" dirty="0">
+              <a:solidFill>
+                <a:schemeClr val="dk1"/>
+              </a:solidFill>
+              <a:latin typeface="Calibri"/>
+              <a:ea typeface="Calibri"/>
+              <a:cs typeface="Calibri"/>
+              <a:sym typeface="Calibri"/>
+            </a:endParaRPr>
+          </a:p>
+        </p:txBody>
+      </p:sp>
+    </p:spTree>
+    <p:extLst>
+      <p:ext uri="{BB962C8B-B14F-4D97-AF65-F5344CB8AC3E}">
+        <p14:creationId xmlns:p14="http://schemas.microsoft.com/office/powerpoint/2010/main" val="835078843"/>
+      </p:ext>
+    </p:extLst>
   </p:cSld>
   <p:clrMapOvr>
     <a:masterClrMapping/>
@@ -16963,7 +17473,7 @@
               <a:buFont typeface="Arial"/>
               <a:buNone/>
             </a:pPr>
-            <a:endParaRPr sz="1800" b="0" i="0" u="none" strike="noStrike" cap="none">
+            <a:endParaRPr sz="1800" b="0" i="0" u="none" strike="noStrike" cap="none" dirty="0">
               <a:solidFill>
                 <a:schemeClr val="dk1"/>
               </a:solidFill>
@@ -16992,7 +17502,7 @@
               <a:buNone/>
             </a:pPr>
             <a:r>
-              <a:rPr lang="pt-BR" sz="1800" b="0" i="0" u="none" strike="noStrike" cap="none">
+              <a:rPr lang="pt-BR" sz="1800" b="0" i="0" u="none" strike="noStrike" cap="none" dirty="0">
                 <a:solidFill>
                   <a:schemeClr val="dk1"/>
                 </a:solidFill>
@@ -17001,9 +17511,9 @@
                 <a:cs typeface="Calibri"/>
                 <a:sym typeface="Calibri"/>
               </a:rPr>
-              <a:t>Atendimento</a:t>
+              <a:t>Recepção</a:t>
             </a:r>
-            <a:endParaRPr sz="1400" b="0" i="0" u="none" strike="noStrike" cap="none">
+            <a:endParaRPr sz="1400" b="0" i="0" u="none" strike="noStrike" cap="none" dirty="0">
               <a:solidFill>
                 <a:srgbClr val="000000"/>
               </a:solidFill>
@@ -17032,7 +17542,7 @@
               <a:buNone/>
             </a:pPr>
             <a:r>
-              <a:rPr lang="pt-BR" sz="1800" b="0" i="0" u="none" strike="noStrike" cap="none">
+              <a:rPr lang="pt-BR" sz="1800" b="0" i="0" u="none" strike="noStrike" cap="none" dirty="0">
                 <a:solidFill>
                   <a:schemeClr val="dk1"/>
                 </a:solidFill>
@@ -17043,7 +17553,7 @@
               </a:rPr>
               <a:t>(nó operacional)</a:t>
             </a:r>
-            <a:endParaRPr sz="1400" b="0" i="0" u="none" strike="noStrike" cap="none">
+            <a:endParaRPr sz="1400" b="0" i="0" u="none" strike="noStrike" cap="none" dirty="0">
               <a:solidFill>
                 <a:srgbClr val="000000"/>
               </a:solidFill>
@@ -17071,7 +17581,7 @@
               <a:buFont typeface="Arial"/>
               <a:buNone/>
             </a:pPr>
-            <a:endParaRPr sz="1800" b="0" i="0" u="none" strike="noStrike" cap="none">
+            <a:endParaRPr sz="1800" b="0" i="0" u="none" strike="noStrike" cap="none" dirty="0">
               <a:solidFill>
                 <a:schemeClr val="lt1"/>
               </a:solidFill>
@@ -17136,7 +17646,7 @@
               <a:buNone/>
             </a:pPr>
             <a:r>
-              <a:rPr lang="pt-BR" sz="1600" b="0" i="0" u="none" strike="noStrike" cap="none">
+              <a:rPr lang="pt-BR" sz="1600" b="0" i="0" u="none" strike="noStrike" cap="none" dirty="0">
                 <a:solidFill>
                   <a:schemeClr val="dk1"/>
                 </a:solidFill>
@@ -17145,9 +17655,9 @@
                 <a:cs typeface="Calibri"/>
                 <a:sym typeface="Calibri"/>
               </a:rPr>
-              <a:t>Realizar atendimento</a:t>
+              <a:t>Tratar pagamento</a:t>
             </a:r>
-            <a:endParaRPr sz="1400" b="0" i="0" u="none" strike="noStrike" cap="none">
+            <a:endParaRPr sz="1400" b="0" i="0" u="none" strike="noStrike" cap="none" dirty="0">
               <a:solidFill>
                 <a:srgbClr val="000000"/>
               </a:solidFill>
@@ -17228,7 +17738,7 @@
               <a:buNone/>
             </a:pPr>
             <a:r>
-              <a:rPr lang="pt-BR" sz="3600" b="1" i="0" u="none" strike="noStrike" cap="none">
+              <a:rPr lang="pt-BR" sz="3600" b="1" i="0" u="none" strike="noStrike" cap="none" dirty="0">
                 <a:solidFill>
                   <a:schemeClr val="dk1"/>
                 </a:solidFill>
@@ -17240,7 +17750,7 @@
               <a:t>Cenário: </a:t>
             </a:r>
             <a:r>
-              <a:rPr lang="pt-BR" sz="3600" b="1">
+              <a:rPr lang="pt-BR" sz="3600" dirty="0">
                 <a:solidFill>
                   <a:schemeClr val="dk1"/>
                 </a:solidFill>
@@ -17249,9 +17759,9 @@
                 <a:cs typeface="Calibri"/>
                 <a:sym typeface="Calibri"/>
               </a:rPr>
-              <a:t>Receber atendimento</a:t>
+              <a:t>Pagamento</a:t>
             </a:r>
-            <a:endParaRPr sz="1800" b="1" i="0" u="none" strike="noStrike" cap="none">
+            <a:endParaRPr sz="1800" i="0" u="none" strike="noStrike" cap="none" dirty="0">
               <a:solidFill>
                 <a:schemeClr val="dk1"/>
               </a:solidFill>

--- a/15 - Arquitetura de Negócio para cada Cenário.pptx
+++ b/15 - Arquitetura de Negócio para cada Cenário.pptx
@@ -251,6 +251,129 @@
     </p:ext>
   </p:extLst>
 </p:presentation>
+</file>
+
+<file path=ppt/changesInfos/changesInfo1.xml><?xml version="1.0" encoding="utf-8"?>
+<pc:chgInfo xmlns:a="http://schemas.openxmlformats.org/drawingml/2006/main" xmlns:r="http://schemas.openxmlformats.org/officeDocument/2006/relationships" xmlns:ac="http://schemas.microsoft.com/office/drawing/2013/main/command" xmlns:pc="http://schemas.microsoft.com/office/powerpoint/2013/main/command">
+  <pc:docChgLst>
+    <pc:chgData name="Vinícius Dias" userId="24d7ff5522ff08d3" providerId="LiveId" clId="{92585E56-7312-4C3A-89B6-0DDFAE6DA114}"/>
+    <pc:docChg chg="undo custSel modSld">
+      <pc:chgData name="Vinícius Dias" userId="24d7ff5522ff08d3" providerId="LiveId" clId="{92585E56-7312-4C3A-89B6-0DDFAE6DA114}" dt="2021-05-03T23:32:33.919" v="124" actId="20577"/>
+      <pc:docMkLst>
+        <pc:docMk/>
+      </pc:docMkLst>
+      <pc:sldChg chg="modSp mod">
+        <pc:chgData name="Vinícius Dias" userId="24d7ff5522ff08d3" providerId="LiveId" clId="{92585E56-7312-4C3A-89B6-0DDFAE6DA114}" dt="2021-04-29T23:07:40.307" v="88" actId="20577"/>
+        <pc:sldMkLst>
+          <pc:docMk/>
+          <pc:sldMk cId="0" sldId="258"/>
+        </pc:sldMkLst>
+        <pc:spChg chg="mod">
+          <ac:chgData name="Vinícius Dias" userId="24d7ff5522ff08d3" providerId="LiveId" clId="{92585E56-7312-4C3A-89B6-0DDFAE6DA114}" dt="2021-04-29T23:07:40.307" v="88" actId="20577"/>
+          <ac:spMkLst>
+            <pc:docMk/>
+            <pc:sldMk cId="0" sldId="258"/>
+            <ac:spMk id="105" creationId="{00000000-0000-0000-0000-000000000000}"/>
+          </ac:spMkLst>
+        </pc:spChg>
+      </pc:sldChg>
+      <pc:sldChg chg="modSp mod">
+        <pc:chgData name="Vinícius Dias" userId="24d7ff5522ff08d3" providerId="LiveId" clId="{92585E56-7312-4C3A-89B6-0DDFAE6DA114}" dt="2021-04-29T23:27:35.552" v="107" actId="313"/>
+        <pc:sldMkLst>
+          <pc:docMk/>
+          <pc:sldMk cId="0" sldId="259"/>
+        </pc:sldMkLst>
+        <pc:spChg chg="mod">
+          <ac:chgData name="Vinícius Dias" userId="24d7ff5522ff08d3" providerId="LiveId" clId="{92585E56-7312-4C3A-89B6-0DDFAE6DA114}" dt="2021-04-29T23:27:35.552" v="107" actId="313"/>
+          <ac:spMkLst>
+            <pc:docMk/>
+            <pc:sldMk cId="0" sldId="259"/>
+            <ac:spMk id="117" creationId="{00000000-0000-0000-0000-000000000000}"/>
+          </ac:spMkLst>
+        </pc:spChg>
+      </pc:sldChg>
+      <pc:sldChg chg="addSp modSp mod">
+        <pc:chgData name="Vinícius Dias" userId="24d7ff5522ff08d3" providerId="LiveId" clId="{92585E56-7312-4C3A-89B6-0DDFAE6DA114}" dt="2021-05-03T23:32:33.919" v="124" actId="20577"/>
+        <pc:sldMkLst>
+          <pc:docMk/>
+          <pc:sldMk cId="835078843" sldId="261"/>
+        </pc:sldMkLst>
+        <pc:spChg chg="add mod">
+          <ac:chgData name="Vinícius Dias" userId="24d7ff5522ff08d3" providerId="LiveId" clId="{92585E56-7312-4C3A-89B6-0DDFAE6DA114}" dt="2021-04-29T23:05:48.027" v="8" actId="1076"/>
+          <ac:spMkLst>
+            <pc:docMk/>
+            <pc:sldMk cId="835078843" sldId="261"/>
+            <ac:spMk id="10" creationId="{6C904595-F168-4DD2-8B5E-6D6E0417004F}"/>
+          </ac:spMkLst>
+        </pc:spChg>
+        <pc:spChg chg="add mod">
+          <ac:chgData name="Vinícius Dias" userId="24d7ff5522ff08d3" providerId="LiveId" clId="{92585E56-7312-4C3A-89B6-0DDFAE6DA114}" dt="2021-05-03T23:29:28.507" v="114" actId="1076"/>
+          <ac:spMkLst>
+            <pc:docMk/>
+            <pc:sldMk cId="835078843" sldId="261"/>
+            <ac:spMk id="11" creationId="{F4D19496-A855-4B9F-B12F-E120B2743D75}"/>
+          </ac:spMkLst>
+        </pc:spChg>
+        <pc:spChg chg="mod">
+          <ac:chgData name="Vinícius Dias" userId="24d7ff5522ff08d3" providerId="LiveId" clId="{92585E56-7312-4C3A-89B6-0DDFAE6DA114}" dt="2021-04-29T23:05:40.017" v="5" actId="14100"/>
+          <ac:spMkLst>
+            <pc:docMk/>
+            <pc:sldMk cId="835078843" sldId="261"/>
+            <ac:spMk id="100" creationId="{00000000-0000-0000-0000-000000000000}"/>
+          </ac:spMkLst>
+        </pc:spChg>
+        <pc:spChg chg="mod">
+          <ac:chgData name="Vinícius Dias" userId="24d7ff5522ff08d3" providerId="LiveId" clId="{92585E56-7312-4C3A-89B6-0DDFAE6DA114}" dt="2021-05-03T23:28:54.123" v="108" actId="1076"/>
+          <ac:spMkLst>
+            <pc:docMk/>
+            <pc:sldMk cId="835078843" sldId="261"/>
+            <ac:spMk id="103" creationId="{00000000-0000-0000-0000-000000000000}"/>
+          </ac:spMkLst>
+        </pc:spChg>
+        <pc:spChg chg="mod">
+          <ac:chgData name="Vinícius Dias" userId="24d7ff5522ff08d3" providerId="LiveId" clId="{92585E56-7312-4C3A-89B6-0DDFAE6DA114}" dt="2021-04-29T23:08:10.049" v="102" actId="1076"/>
+          <ac:spMkLst>
+            <pc:docMk/>
+            <pc:sldMk cId="835078843" sldId="261"/>
+            <ac:spMk id="104" creationId="{00000000-0000-0000-0000-000000000000}"/>
+          </ac:spMkLst>
+        </pc:spChg>
+        <pc:spChg chg="mod">
+          <ac:chgData name="Vinícius Dias" userId="24d7ff5522ff08d3" providerId="LiveId" clId="{92585E56-7312-4C3A-89B6-0DDFAE6DA114}" dt="2021-05-03T23:32:33.919" v="124" actId="20577"/>
+          <ac:spMkLst>
+            <pc:docMk/>
+            <pc:sldMk cId="835078843" sldId="261"/>
+            <ac:spMk id="105" creationId="{00000000-0000-0000-0000-000000000000}"/>
+          </ac:spMkLst>
+        </pc:spChg>
+        <pc:cxnChg chg="add mod">
+          <ac:chgData name="Vinícius Dias" userId="24d7ff5522ff08d3" providerId="LiveId" clId="{92585E56-7312-4C3A-89B6-0DDFAE6DA114}" dt="2021-05-03T23:29:51.188" v="117" actId="14100"/>
+          <ac:cxnSpMkLst>
+            <pc:docMk/>
+            <pc:sldMk cId="835078843" sldId="261"/>
+            <ac:cxnSpMk id="12" creationId="{5B2BA318-284A-4554-8D90-B2EDAE768722}"/>
+          </ac:cxnSpMkLst>
+        </pc:cxnChg>
+        <pc:cxnChg chg="add mod">
+          <ac:chgData name="Vinícius Dias" userId="24d7ff5522ff08d3" providerId="LiveId" clId="{92585E56-7312-4C3A-89B6-0DDFAE6DA114}" dt="2021-05-03T23:29:44.748" v="115" actId="14100"/>
+          <ac:cxnSpMkLst>
+            <pc:docMk/>
+            <pc:sldMk cId="835078843" sldId="261"/>
+            <ac:cxnSpMk id="19" creationId="{2C08C83F-5166-47AD-ABDE-332BF8B76E65}"/>
+          </ac:cxnSpMkLst>
+        </pc:cxnChg>
+        <pc:cxnChg chg="mod">
+          <ac:chgData name="Vinícius Dias" userId="24d7ff5522ff08d3" providerId="LiveId" clId="{92585E56-7312-4C3A-89B6-0DDFAE6DA114}" dt="2021-04-29T23:06:38.850" v="25" actId="14100"/>
+          <ac:cxnSpMkLst>
+            <pc:docMk/>
+            <pc:sldMk cId="835078843" sldId="261"/>
+            <ac:cxnSpMk id="106" creationId="{00000000-0000-0000-0000-000000000000}"/>
+          </ac:cxnSpMkLst>
+        </pc:cxnChg>
+      </pc:sldChg>
+    </pc:docChg>
+  </pc:docChgLst>
+</pc:chgInfo>
 </file>
 
 <file path=ppt/notesMasters/notesMaster1.xml><?xml version="1.0" encoding="utf-8"?>
@@ -16213,7 +16336,7 @@
               <a:buNone/>
             </a:pPr>
             <a:r>
-              <a:rPr lang="pt-BR" sz="1600" b="0" i="0" u="none" strike="noStrike" cap="none">
+              <a:rPr lang="pt-BR" sz="1600" b="0" i="0" u="none" strike="noStrike" cap="none" dirty="0">
                 <a:solidFill>
                   <a:schemeClr val="dk1"/>
                 </a:solidFill>
@@ -16222,9 +16345,33 @@
                 <a:cs typeface="Calibri"/>
                 <a:sym typeface="Calibri"/>
               </a:rPr>
-              <a:t>Tratar agendamento</a:t>
+              <a:t>Realizar </a:t>
             </a:r>
-            <a:endParaRPr sz="1400" b="0" i="0" u="none" strike="noStrike" cap="none">
+            <a:r>
+              <a:rPr lang="pt-BR" sz="1600" dirty="0">
+                <a:solidFill>
+                  <a:schemeClr val="dk1"/>
+                </a:solidFill>
+                <a:latin typeface="Calibri"/>
+                <a:ea typeface="Calibri"/>
+                <a:cs typeface="Calibri"/>
+                <a:sym typeface="Calibri"/>
+              </a:rPr>
+              <a:t>A</a:t>
+            </a:r>
+            <a:r>
+              <a:rPr lang="pt-BR" sz="1600" b="0" i="0" u="none" strike="noStrike" cap="none" dirty="0">
+                <a:solidFill>
+                  <a:schemeClr val="dk1"/>
+                </a:solidFill>
+                <a:latin typeface="Calibri"/>
+                <a:ea typeface="Calibri"/>
+                <a:cs typeface="Calibri"/>
+                <a:sym typeface="Calibri"/>
+              </a:rPr>
+              <a:t>gendamento</a:t>
+            </a:r>
+            <a:endParaRPr sz="1400" b="0" i="0" u="none" strike="noStrike" cap="none" dirty="0">
               <a:solidFill>
                 <a:srgbClr val="000000"/>
               </a:solidFill>
@@ -16373,8 +16520,8 @@
         </p:nvSpPr>
         <p:spPr>
           <a:xfrm>
-            <a:off x="6618001" y="331306"/>
-            <a:ext cx="5088836" cy="6036364"/>
+            <a:off x="4429957" y="761296"/>
+            <a:ext cx="7276880" cy="5606374"/>
           </a:xfrm>
           <a:prstGeom prst="roundRect">
             <a:avLst>
@@ -16537,7 +16684,7 @@
         </p:nvSpPr>
         <p:spPr>
           <a:xfrm>
-            <a:off x="8499810" y="391964"/>
+            <a:off x="7492571" y="755705"/>
             <a:ext cx="1669774" cy="369332"/>
           </a:xfrm>
           <a:prstGeom prst="rect">
@@ -16603,7 +16750,7 @@
         </p:nvSpPr>
         <p:spPr>
           <a:xfrm>
-            <a:off x="7659756" y="1308652"/>
+            <a:off x="4624075" y="1371100"/>
             <a:ext cx="3273287" cy="1368288"/>
           </a:xfrm>
           <a:prstGeom prst="cube">
@@ -16685,7 +16832,7 @@
                 <a:cs typeface="Calibri"/>
                 <a:sym typeface="Calibri"/>
               </a:rPr>
-              <a:t>Corte</a:t>
+              <a:t>Recepção</a:t>
             </a:r>
             <a:endParaRPr sz="1400" b="0" i="0" u="none" strike="noStrike" cap="none" dirty="0">
               <a:solidFill>
@@ -16775,7 +16922,7 @@
         </p:nvSpPr>
         <p:spPr>
           <a:xfrm>
-            <a:off x="7487478" y="3103598"/>
+            <a:off x="8084098" y="3208718"/>
             <a:ext cx="3008244" cy="1368289"/>
           </a:xfrm>
           <a:prstGeom prst="cube">
@@ -16820,7 +16967,7 @@
               <a:buNone/>
             </a:pPr>
             <a:r>
-              <a:rPr lang="pt-BR" sz="1600" b="0" i="0" u="none" strike="noStrike" cap="none" dirty="0">
+              <a:rPr lang="pt-BR" sz="1600" dirty="0">
                 <a:solidFill>
                   <a:schemeClr val="dk1"/>
                 </a:solidFill>
@@ -16829,7 +16976,19 @@
                 <a:cs typeface="Calibri"/>
                 <a:sym typeface="Calibri"/>
               </a:rPr>
-              <a:t>Tratar realização do atendimento</a:t>
+              <a:t>R</a:t>
+            </a:r>
+            <a:r>
+              <a:rPr lang="pt-BR" sz="1600" b="0" i="0" u="none" strike="noStrike" cap="none" dirty="0">
+                <a:solidFill>
+                  <a:schemeClr val="dk1"/>
+                </a:solidFill>
+                <a:latin typeface="Calibri"/>
+                <a:ea typeface="Calibri"/>
+                <a:cs typeface="Calibri"/>
+                <a:sym typeface="Calibri"/>
+              </a:rPr>
+              <a:t>ealizar serviço</a:t>
             </a:r>
             <a:endParaRPr sz="1400" b="0" i="0" u="none" strike="noStrike" cap="none" dirty="0">
               <a:solidFill>
@@ -16846,13 +17005,16 @@
       <p:cxnSp>
         <p:nvCxnSpPr>
           <p:cNvPr id="106" name="Google Shape;106;p15"/>
-          <p:cNvCxnSpPr/>
+          <p:cNvCxnSpPr>
+            <a:cxnSpLocks/>
+            <a:stCxn id="10" idx="3"/>
+          </p:cNvCxnSpPr>
           <p:nvPr/>
         </p:nvCxnSpPr>
         <p:spPr>
           <a:xfrm>
-            <a:off x="8878956" y="2676940"/>
-            <a:ext cx="0" cy="528502"/>
+            <a:off x="9534005" y="2628900"/>
+            <a:ext cx="0" cy="579818"/>
           </a:xfrm>
           <a:prstGeom prst="straightConnector1">
             <a:avLst/>
@@ -16953,6 +17115,336 @@
           </a:p>
         </p:txBody>
       </p:sp>
+      <p:sp>
+        <p:nvSpPr>
+          <p:cNvPr id="10" name="Google Shape;104;p15">
+            <a:extLst>
+              <a:ext uri="{FF2B5EF4-FFF2-40B4-BE49-F238E27FC236}">
+                <a16:creationId xmlns:a16="http://schemas.microsoft.com/office/drawing/2014/main" id="{6C904595-F168-4DD2-8B5E-6D6E0417004F}"/>
+              </a:ext>
+            </a:extLst>
+          </p:cNvPr>
+          <p:cNvSpPr/>
+          <p:nvPr/>
+        </p:nvSpPr>
+        <p:spPr>
+          <a:xfrm>
+            <a:off x="8068397" y="1260612"/>
+            <a:ext cx="3273287" cy="1368288"/>
+          </a:xfrm>
+          <a:prstGeom prst="cube">
+            <a:avLst>
+              <a:gd name="adj" fmla="val 25000"/>
+            </a:avLst>
+          </a:prstGeom>
+          <a:solidFill>
+            <a:srgbClr val="FEE599"/>
+          </a:solidFill>
+          <a:ln w="12700" cap="flat" cmpd="sng">
+            <a:solidFill>
+              <a:srgbClr val="FEE599"/>
+            </a:solidFill>
+            <a:prstDash val="solid"/>
+            <a:miter lim="800000"/>
+            <a:headEnd type="none" w="sm" len="sm"/>
+            <a:tailEnd type="none" w="sm" len="sm"/>
+          </a:ln>
+        </p:spPr>
+        <p:txBody>
+          <a:bodyPr spcFirstLastPara="1" wrap="square" lIns="91425" tIns="45700" rIns="91425" bIns="45700" anchor="ctr" anchorCtr="0">
+            <a:noAutofit/>
+          </a:bodyPr>
+          <a:lstStyle/>
+          <a:p>
+            <a:pPr marL="0" marR="0" lvl="0" indent="0" algn="ctr" rtl="0">
+              <a:lnSpc>
+                <a:spcPct val="100000"/>
+              </a:lnSpc>
+              <a:spcBef>
+                <a:spcPts val="0"/>
+              </a:spcBef>
+              <a:spcAft>
+                <a:spcPts val="0"/>
+              </a:spcAft>
+              <a:buClr>
+                <a:srgbClr val="000000"/>
+              </a:buClr>
+              <a:buSzPts val="1800"/>
+              <a:buFont typeface="Arial"/>
+              <a:buNone/>
+            </a:pPr>
+            <a:endParaRPr sz="1800" b="0" i="0" u="none" strike="noStrike" cap="none" dirty="0">
+              <a:solidFill>
+                <a:schemeClr val="dk1"/>
+              </a:solidFill>
+              <a:latin typeface="Calibri"/>
+              <a:ea typeface="Calibri"/>
+              <a:cs typeface="Calibri"/>
+              <a:sym typeface="Calibri"/>
+            </a:endParaRPr>
+          </a:p>
+          <a:p>
+            <a:pPr marL="0" marR="0" lvl="0" indent="0" algn="ctr" rtl="0">
+              <a:lnSpc>
+                <a:spcPct val="100000"/>
+              </a:lnSpc>
+              <a:spcBef>
+                <a:spcPts val="0"/>
+              </a:spcBef>
+              <a:spcAft>
+                <a:spcPts val="0"/>
+              </a:spcAft>
+              <a:buClr>
+                <a:srgbClr val="000000"/>
+              </a:buClr>
+              <a:buSzPts val="1800"/>
+              <a:buFont typeface="Arial"/>
+              <a:buNone/>
+            </a:pPr>
+            <a:r>
+              <a:rPr lang="pt-BR" sz="1800" b="0" i="0" u="none" strike="noStrike" cap="none" dirty="0">
+                <a:solidFill>
+                  <a:schemeClr val="dk1"/>
+                </a:solidFill>
+                <a:latin typeface="Calibri"/>
+                <a:ea typeface="Calibri"/>
+                <a:cs typeface="Calibri"/>
+                <a:sym typeface="Calibri"/>
+              </a:rPr>
+              <a:t>Corte</a:t>
+            </a:r>
+            <a:endParaRPr sz="1400" b="0" i="0" u="none" strike="noStrike" cap="none" dirty="0">
+              <a:solidFill>
+                <a:srgbClr val="000000"/>
+              </a:solidFill>
+              <a:latin typeface="Arial"/>
+              <a:ea typeface="Arial"/>
+              <a:cs typeface="Arial"/>
+              <a:sym typeface="Arial"/>
+            </a:endParaRPr>
+          </a:p>
+          <a:p>
+            <a:pPr marL="0" marR="0" lvl="0" indent="0" algn="ctr" rtl="0">
+              <a:lnSpc>
+                <a:spcPct val="100000"/>
+              </a:lnSpc>
+              <a:spcBef>
+                <a:spcPts val="0"/>
+              </a:spcBef>
+              <a:spcAft>
+                <a:spcPts val="0"/>
+              </a:spcAft>
+              <a:buClr>
+                <a:srgbClr val="000000"/>
+              </a:buClr>
+              <a:buSzPts val="1800"/>
+              <a:buFont typeface="Arial"/>
+              <a:buNone/>
+            </a:pPr>
+            <a:r>
+              <a:rPr lang="pt-BR" sz="1800" b="0" i="0" u="none" strike="noStrike" cap="none" dirty="0">
+                <a:solidFill>
+                  <a:schemeClr val="dk1"/>
+                </a:solidFill>
+                <a:latin typeface="Calibri"/>
+                <a:ea typeface="Calibri"/>
+                <a:cs typeface="Calibri"/>
+                <a:sym typeface="Calibri"/>
+              </a:rPr>
+              <a:t>(nó operacional)</a:t>
+            </a:r>
+            <a:endParaRPr sz="1400" b="0" i="0" u="none" strike="noStrike" cap="none" dirty="0">
+              <a:solidFill>
+                <a:srgbClr val="000000"/>
+              </a:solidFill>
+              <a:latin typeface="Arial"/>
+              <a:ea typeface="Arial"/>
+              <a:cs typeface="Arial"/>
+              <a:sym typeface="Arial"/>
+            </a:endParaRPr>
+          </a:p>
+          <a:p>
+            <a:pPr marL="0" marR="0" lvl="0" indent="0" algn="ctr" rtl="0">
+              <a:lnSpc>
+                <a:spcPct val="100000"/>
+              </a:lnSpc>
+              <a:spcBef>
+                <a:spcPts val="0"/>
+              </a:spcBef>
+              <a:spcAft>
+                <a:spcPts val="0"/>
+              </a:spcAft>
+              <a:buClr>
+                <a:srgbClr val="000000"/>
+              </a:buClr>
+              <a:buSzPts val="1800"/>
+              <a:buFont typeface="Arial"/>
+              <a:buNone/>
+            </a:pPr>
+            <a:endParaRPr sz="1800" b="0" i="0" u="none" strike="noStrike" cap="none" dirty="0">
+              <a:solidFill>
+                <a:schemeClr val="lt1"/>
+              </a:solidFill>
+              <a:latin typeface="Calibri"/>
+              <a:ea typeface="Calibri"/>
+              <a:cs typeface="Calibri"/>
+              <a:sym typeface="Calibri"/>
+            </a:endParaRPr>
+          </a:p>
+        </p:txBody>
+      </p:sp>
+      <p:sp>
+        <p:nvSpPr>
+          <p:cNvPr id="11" name="Google Shape;105;p15">
+            <a:extLst>
+              <a:ext uri="{FF2B5EF4-FFF2-40B4-BE49-F238E27FC236}">
+                <a16:creationId xmlns:a16="http://schemas.microsoft.com/office/drawing/2014/main" id="{F4D19496-A855-4B9F-B12F-E120B2743D75}"/>
+              </a:ext>
+            </a:extLst>
+          </p:cNvPr>
+          <p:cNvSpPr/>
+          <p:nvPr/>
+        </p:nvSpPr>
+        <p:spPr>
+          <a:xfrm>
+            <a:off x="4624075" y="3208718"/>
+            <a:ext cx="3008244" cy="1368289"/>
+          </a:xfrm>
+          <a:prstGeom prst="cube">
+            <a:avLst>
+              <a:gd name="adj" fmla="val 25000"/>
+            </a:avLst>
+          </a:prstGeom>
+          <a:solidFill>
+            <a:srgbClr val="8296B0"/>
+          </a:solidFill>
+          <a:ln w="12700" cap="flat" cmpd="sng">
+            <a:solidFill>
+              <a:srgbClr val="FEE599"/>
+            </a:solidFill>
+            <a:prstDash val="solid"/>
+            <a:miter lim="800000"/>
+            <a:headEnd type="none" w="sm" len="sm"/>
+            <a:tailEnd type="none" w="sm" len="sm"/>
+          </a:ln>
+        </p:spPr>
+        <p:txBody>
+          <a:bodyPr spcFirstLastPara="1" wrap="square" lIns="91425" tIns="45700" rIns="91425" bIns="45700" anchor="ctr" anchorCtr="0">
+            <a:noAutofit/>
+          </a:bodyPr>
+          <a:lstStyle/>
+          <a:p>
+            <a:pPr marL="0" marR="0" lvl="0" indent="0" algn="ctr" rtl="0">
+              <a:lnSpc>
+                <a:spcPct val="100000"/>
+              </a:lnSpc>
+              <a:spcBef>
+                <a:spcPts val="0"/>
+              </a:spcBef>
+              <a:spcAft>
+                <a:spcPts val="0"/>
+              </a:spcAft>
+              <a:buClr>
+                <a:srgbClr val="000000"/>
+              </a:buClr>
+              <a:buSzPts val="1600"/>
+              <a:buFont typeface="Arial"/>
+              <a:buNone/>
+            </a:pPr>
+            <a:r>
+              <a:rPr lang="pt-BR" sz="1600" b="0" i="0" u="none" strike="noStrike" cap="none" dirty="0">
+                <a:solidFill>
+                  <a:schemeClr val="dk1"/>
+                </a:solidFill>
+                <a:latin typeface="Calibri"/>
+                <a:ea typeface="Calibri"/>
+                <a:cs typeface="Calibri"/>
+                <a:sym typeface="Calibri"/>
+              </a:rPr>
+              <a:t>Recepcionar Cliente</a:t>
+            </a:r>
+            <a:endParaRPr sz="1400" b="0" i="0" u="none" strike="noStrike" cap="none" dirty="0">
+              <a:solidFill>
+                <a:srgbClr val="000000"/>
+              </a:solidFill>
+              <a:latin typeface="Arial"/>
+              <a:ea typeface="Arial"/>
+              <a:cs typeface="Arial"/>
+              <a:sym typeface="Arial"/>
+            </a:endParaRPr>
+          </a:p>
+        </p:txBody>
+      </p:sp>
+      <p:cxnSp>
+        <p:nvCxnSpPr>
+          <p:cNvPr id="12" name="Google Shape;106;p15">
+            <a:extLst>
+              <a:ext uri="{FF2B5EF4-FFF2-40B4-BE49-F238E27FC236}">
+                <a16:creationId xmlns:a16="http://schemas.microsoft.com/office/drawing/2014/main" id="{5B2BA318-284A-4554-8D90-B2EDAE768722}"/>
+              </a:ext>
+            </a:extLst>
+          </p:cNvPr>
+          <p:cNvCxnSpPr>
+            <a:cxnSpLocks/>
+            <a:stCxn id="104" idx="3"/>
+          </p:cNvCxnSpPr>
+          <p:nvPr/>
+        </p:nvCxnSpPr>
+        <p:spPr>
+          <a:xfrm>
+            <a:off x="6089683" y="2739388"/>
+            <a:ext cx="6317" cy="469330"/>
+          </a:xfrm>
+          <a:prstGeom prst="straightConnector1">
+            <a:avLst/>
+          </a:prstGeom>
+          <a:noFill/>
+          <a:ln w="9525" cap="flat" cmpd="sng">
+            <a:solidFill>
+              <a:schemeClr val="accent1"/>
+            </a:solidFill>
+            <a:prstDash val="solid"/>
+            <a:miter lim="800000"/>
+            <a:headEnd type="none" w="sm" len="sm"/>
+            <a:tailEnd type="none" w="sm" len="sm"/>
+          </a:ln>
+        </p:spPr>
+      </p:cxnSp>
+      <p:cxnSp>
+        <p:nvCxnSpPr>
+          <p:cNvPr id="19" name="Google Shape;101;p15">
+            <a:extLst>
+              <a:ext uri="{FF2B5EF4-FFF2-40B4-BE49-F238E27FC236}">
+                <a16:creationId xmlns:a16="http://schemas.microsoft.com/office/drawing/2014/main" id="{2C08C83F-5166-47AD-ABDE-332BF8B76E65}"/>
+              </a:ext>
+            </a:extLst>
+          </p:cNvPr>
+          <p:cNvCxnSpPr>
+            <a:cxnSpLocks/>
+            <a:endCxn id="104" idx="5"/>
+          </p:cNvCxnSpPr>
+          <p:nvPr/>
+        </p:nvCxnSpPr>
+        <p:spPr>
+          <a:xfrm flipH="1">
+            <a:off x="7897362" y="1884208"/>
+            <a:ext cx="171035" cy="0"/>
+          </a:xfrm>
+          <a:prstGeom prst="straightConnector1">
+            <a:avLst/>
+          </a:prstGeom>
+          <a:noFill/>
+          <a:ln w="9525" cap="flat" cmpd="sng">
+            <a:solidFill>
+              <a:schemeClr val="dk1"/>
+            </a:solidFill>
+            <a:prstDash val="solid"/>
+            <a:miter lim="800000"/>
+            <a:headEnd type="none" w="sm" len="sm"/>
+            <a:tailEnd type="none" w="sm" len="sm"/>
+          </a:ln>
+        </p:spPr>
+      </p:cxnSp>
     </p:spTree>
     <p:extLst>
       <p:ext uri="{BB962C8B-B14F-4D97-AF65-F5344CB8AC3E}">
@@ -17438,7 +17930,7 @@
               <a:buNone/>
             </a:pPr>
             <a:r>
-              <a:rPr lang="pt-BR" sz="1600" b="0" i="0" u="none" strike="noStrike" cap="none" dirty="0">
+              <a:rPr lang="pt-BR" sz="1600" dirty="0">
                 <a:solidFill>
                   <a:schemeClr val="dk1"/>
                 </a:solidFill>
@@ -17447,8 +17939,17 @@
                 <a:cs typeface="Calibri"/>
                 <a:sym typeface="Calibri"/>
               </a:rPr>
-              <a:t>Tratar finalização do atendimento</a:t>
+              <a:t>Finalizar atendimento</a:t>
             </a:r>
+            <a:endParaRPr lang="pt-BR" sz="1600" b="0" i="0" u="none" strike="noStrike" cap="none" dirty="0">
+              <a:solidFill>
+                <a:schemeClr val="dk1"/>
+              </a:solidFill>
+              <a:latin typeface="Calibri"/>
+              <a:ea typeface="Calibri"/>
+              <a:cs typeface="Calibri"/>
+              <a:sym typeface="Calibri"/>
+            </a:endParaRPr>
           </a:p>
         </p:txBody>
       </p:sp>

--- a/15 - Arquitetura de Negócio para cada Cenário.pptx
+++ b/15 - Arquitetura de Negócio para cada Cenário.pptx
@@ -11,8 +11,8 @@
     <p:sldId id="256" r:id="rId2"/>
     <p:sldId id="257" r:id="rId3"/>
     <p:sldId id="258" r:id="rId4"/>
-    <p:sldId id="261" r:id="rId5"/>
-    <p:sldId id="259" r:id="rId6"/>
+    <p:sldId id="262" r:id="rId5"/>
+    <p:sldId id="261" r:id="rId6"/>
   </p:sldIdLst>
   <p:sldSz cx="12192000" cy="6858000"/>
   <p:notesSz cx="6858000" cy="9144000"/>
@@ -373,6 +373,46 @@
       </pc:sldChg>
     </pc:docChg>
   </pc:docChgLst>
+  <pc:docChgLst>
+    <pc:chgData name="Vinícius Dias" userId="24d7ff5522ff08d3" providerId="LiveId" clId="{FD87627A-7E0F-4B52-81F0-6AD04CC7BC7D}"/>
+    <pc:docChg chg="modSld sldOrd">
+      <pc:chgData name="Vinícius Dias" userId="24d7ff5522ff08d3" providerId="LiveId" clId="{FD87627A-7E0F-4B52-81F0-6AD04CC7BC7D}" dt="2021-05-20T04:55:30.111" v="1"/>
+      <pc:docMkLst>
+        <pc:docMk/>
+      </pc:docMkLst>
+      <pc:sldChg chg="ord">
+        <pc:chgData name="Vinícius Dias" userId="24d7ff5522ff08d3" providerId="LiveId" clId="{FD87627A-7E0F-4B52-81F0-6AD04CC7BC7D}" dt="2021-05-20T04:55:30.111" v="1"/>
+        <pc:sldMkLst>
+          <pc:docMk/>
+          <pc:sldMk cId="2366448737" sldId="262"/>
+        </pc:sldMkLst>
+      </pc:sldChg>
+    </pc:docChg>
+  </pc:docChgLst>
+  <pc:docChgLst>
+    <pc:chgData name="Vinícius Dias" userId="24d7ff5522ff08d3" providerId="LiveId" clId="{DACF36A1-CD5A-4DB0-A4E2-C8BFCB48CEAA}"/>
+    <pc:docChg chg="modSld">
+      <pc:chgData name="Vinícius Dias" userId="24d7ff5522ff08d3" providerId="LiveId" clId="{DACF36A1-CD5A-4DB0-A4E2-C8BFCB48CEAA}" dt="2021-05-20T04:49:40.080" v="0" actId="113"/>
+      <pc:docMkLst>
+        <pc:docMk/>
+      </pc:docMkLst>
+      <pc:sldChg chg="modSp mod">
+        <pc:chgData name="Vinícius Dias" userId="24d7ff5522ff08d3" providerId="LiveId" clId="{DACF36A1-CD5A-4DB0-A4E2-C8BFCB48CEAA}" dt="2021-05-20T04:49:40.080" v="0" actId="113"/>
+        <pc:sldMkLst>
+          <pc:docMk/>
+          <pc:sldMk cId="2366448737" sldId="262"/>
+        </pc:sldMkLst>
+        <pc:spChg chg="mod">
+          <ac:chgData name="Vinícius Dias" userId="24d7ff5522ff08d3" providerId="LiveId" clId="{DACF36A1-CD5A-4DB0-A4E2-C8BFCB48CEAA}" dt="2021-05-20T04:49:40.080" v="0" actId="113"/>
+          <ac:spMkLst>
+            <pc:docMk/>
+            <pc:sldMk cId="2366448737" sldId="262"/>
+            <ac:spMk id="107" creationId="{00000000-0000-0000-0000-000000000000}"/>
+          </ac:spMkLst>
+        </pc:spChg>
+      </pc:sldChg>
+    </pc:docChg>
+  </pc:docChgLst>
 </pc:chgInfo>
 </file>
 
@@ -1438,7 +1478,7 @@
     </p:spTree>
     <p:extLst>
       <p:ext uri="{BB962C8B-B14F-4D97-AF65-F5344CB8AC3E}">
-        <p14:creationId xmlns:p14="http://schemas.microsoft.com/office/powerpoint/2010/main" val="3443928937"/>
+        <p14:creationId xmlns:p14="http://schemas.microsoft.com/office/powerpoint/2010/main" val="673990533"/>
       </p:ext>
     </p:extLst>
   </p:cSld>
@@ -1453,7 +1493,7 @@
   <p:cSld>
     <p:spTree>
       <p:nvGrpSpPr>
-        <p:cNvPr id="1" name="Shape 108"/>
+        <p:cNvPr id="1" name="Shape 96"/>
         <p:cNvGrpSpPr/>
         <p:nvPr/>
       </p:nvGrpSpPr>
@@ -1467,7 +1507,7 @@
       </p:grpSpPr>
       <p:sp>
         <p:nvSpPr>
-          <p:cNvPr id="109" name="Google Shape;109;p4:notes"/>
+          <p:cNvPr id="97" name="Google Shape;97;p3:notes"/>
           <p:cNvSpPr txBox="1">
             <a:spLocks noGrp="1"/>
           </p:cNvSpPr>
@@ -1513,7 +1553,7 @@
       </p:sp>
       <p:sp>
         <p:nvSpPr>
-          <p:cNvPr id="110" name="Google Shape;110;p4:notes"/>
+          <p:cNvPr id="98" name="Google Shape;98;p3:notes"/>
           <p:cNvSpPr>
             <a:spLocks noGrp="1" noRot="1" noChangeAspect="1"/>
           </p:cNvSpPr>
@@ -1563,6 +1603,11 @@
         </p:spPr>
       </p:sp>
     </p:spTree>
+    <p:extLst>
+      <p:ext uri="{BB962C8B-B14F-4D97-AF65-F5344CB8AC3E}">
+        <p14:creationId xmlns:p14="http://schemas.microsoft.com/office/powerpoint/2010/main" val="3443928937"/>
+      </p:ext>
+    </p:extLst>
   </p:cSld>
   <p:clrMapOvr>
     <a:masterClrMapping/>
@@ -15610,7 +15655,7 @@
         </p:nvSpPr>
         <p:spPr>
           <a:xfrm>
-            <a:off x="3288242" y="2303068"/>
+            <a:off x="3386716" y="2303068"/>
             <a:ext cx="3461400" cy="2092840"/>
           </a:xfrm>
           <a:prstGeom prst="rect">
@@ -15686,7 +15731,6 @@
               </a:rPr>
               <a:t>Realizar atendimento</a:t>
             </a:r>
-            <a:endParaRPr dirty="0"/>
           </a:p>
           <a:p>
             <a:pPr marL="342900" marR="0" lvl="0" indent="-342900" algn="l" rtl="0">
@@ -15715,7 +15759,7 @@
                 <a:cs typeface="Calibri"/>
                 <a:sym typeface="Calibri"/>
               </a:rPr>
-              <a:t>Finalizar atendimento</a:t>
+              <a:t>Cancelar agendamento</a:t>
             </a:r>
             <a:endParaRPr dirty="0"/>
           </a:p>
@@ -16520,8 +16564,8 @@
         </p:nvSpPr>
         <p:spPr>
           <a:xfrm>
-            <a:off x="4429957" y="761296"/>
-            <a:ext cx="7276880" cy="5606374"/>
+            <a:off x="6618001" y="331306"/>
+            <a:ext cx="5088836" cy="6036364"/>
           </a:xfrm>
           <a:prstGeom prst="roundRect">
             <a:avLst>
@@ -16684,7 +16728,7 @@
         </p:nvSpPr>
         <p:spPr>
           <a:xfrm>
-            <a:off x="7492571" y="755705"/>
+            <a:off x="8499810" y="410818"/>
             <a:ext cx="1669774" cy="369332"/>
           </a:xfrm>
           <a:prstGeom prst="rect">
@@ -16750,7 +16794,7 @@
         </p:nvSpPr>
         <p:spPr>
           <a:xfrm>
-            <a:off x="4624075" y="1371100"/>
+            <a:off x="7659756" y="1308652"/>
             <a:ext cx="3273287" cy="1368288"/>
           </a:xfrm>
           <a:prstGeom prst="cube">
@@ -16922,8 +16966,682 @@
         </p:nvSpPr>
         <p:spPr>
           <a:xfrm>
+            <a:off x="7487376" y="3154015"/>
+            <a:ext cx="3008244" cy="1368289"/>
+          </a:xfrm>
+          <a:prstGeom prst="cube">
+            <a:avLst>
+              <a:gd name="adj" fmla="val 25000"/>
+            </a:avLst>
+          </a:prstGeom>
+          <a:solidFill>
+            <a:srgbClr val="8296B0"/>
+          </a:solidFill>
+          <a:ln w="12700" cap="flat" cmpd="sng">
+            <a:solidFill>
+              <a:srgbClr val="FEE599"/>
+            </a:solidFill>
+            <a:prstDash val="solid"/>
+            <a:miter lim="800000"/>
+            <a:headEnd type="none" w="sm" len="sm"/>
+            <a:tailEnd type="none" w="sm" len="sm"/>
+          </a:ln>
+        </p:spPr>
+        <p:txBody>
+          <a:bodyPr spcFirstLastPara="1" wrap="square" lIns="91425" tIns="45700" rIns="91425" bIns="45700" anchor="ctr" anchorCtr="0">
+            <a:noAutofit/>
+          </a:bodyPr>
+          <a:lstStyle/>
+          <a:p>
+            <a:pPr marL="0" marR="0" lvl="0" indent="0" algn="ctr" rtl="0">
+              <a:lnSpc>
+                <a:spcPct val="100000"/>
+              </a:lnSpc>
+              <a:spcBef>
+                <a:spcPts val="0"/>
+              </a:spcBef>
+              <a:spcAft>
+                <a:spcPts val="0"/>
+              </a:spcAft>
+              <a:buClr>
+                <a:srgbClr val="000000"/>
+              </a:buClr>
+              <a:buSzPts val="1600"/>
+              <a:buFont typeface="Arial"/>
+              <a:buNone/>
+            </a:pPr>
+            <a:r>
+              <a:rPr lang="pt-BR" sz="1600" dirty="0">
+                <a:solidFill>
+                  <a:schemeClr val="dk1"/>
+                </a:solidFill>
+                <a:latin typeface="Calibri"/>
+                <a:ea typeface="Calibri"/>
+                <a:cs typeface="Calibri"/>
+                <a:sym typeface="Calibri"/>
+              </a:rPr>
+              <a:t>Cancelar</a:t>
+            </a:r>
+            <a:r>
+              <a:rPr lang="pt-BR" sz="1600" b="0" i="0" u="none" strike="noStrike" cap="none" dirty="0">
+                <a:solidFill>
+                  <a:schemeClr val="dk1"/>
+                </a:solidFill>
+                <a:latin typeface="Calibri"/>
+                <a:ea typeface="Calibri"/>
+                <a:cs typeface="Calibri"/>
+                <a:sym typeface="Calibri"/>
+              </a:rPr>
+              <a:t> </a:t>
+            </a:r>
+            <a:r>
+              <a:rPr lang="pt-BR" sz="1600" dirty="0">
+                <a:solidFill>
+                  <a:schemeClr val="dk1"/>
+                </a:solidFill>
+                <a:latin typeface="Calibri"/>
+                <a:ea typeface="Calibri"/>
+                <a:cs typeface="Calibri"/>
+                <a:sym typeface="Calibri"/>
+              </a:rPr>
+              <a:t>A</a:t>
+            </a:r>
+            <a:r>
+              <a:rPr lang="pt-BR" sz="1600" b="0" i="0" u="none" strike="noStrike" cap="none" dirty="0">
+                <a:solidFill>
+                  <a:schemeClr val="dk1"/>
+                </a:solidFill>
+                <a:latin typeface="Calibri"/>
+                <a:ea typeface="Calibri"/>
+                <a:cs typeface="Calibri"/>
+                <a:sym typeface="Calibri"/>
+              </a:rPr>
+              <a:t>gendamento</a:t>
+            </a:r>
+            <a:endParaRPr sz="1400" b="0" i="0" u="none" strike="noStrike" cap="none" dirty="0">
+              <a:solidFill>
+                <a:srgbClr val="000000"/>
+              </a:solidFill>
+              <a:latin typeface="Arial"/>
+              <a:ea typeface="Arial"/>
+              <a:cs typeface="Arial"/>
+              <a:sym typeface="Arial"/>
+            </a:endParaRPr>
+          </a:p>
+        </p:txBody>
+      </p:sp>
+      <p:cxnSp>
+        <p:nvCxnSpPr>
+          <p:cNvPr id="106" name="Google Shape;106;p15"/>
+          <p:cNvCxnSpPr/>
+          <p:nvPr/>
+        </p:nvCxnSpPr>
+        <p:spPr>
+          <a:xfrm>
+            <a:off x="8878956" y="2676940"/>
+            <a:ext cx="0" cy="528502"/>
+          </a:xfrm>
+          <a:prstGeom prst="straightConnector1">
+            <a:avLst/>
+          </a:prstGeom>
+          <a:noFill/>
+          <a:ln w="9525" cap="flat" cmpd="sng">
+            <a:solidFill>
+              <a:schemeClr val="accent1"/>
+            </a:solidFill>
+            <a:prstDash val="solid"/>
+            <a:miter lim="800000"/>
+            <a:headEnd type="none" w="sm" len="sm"/>
+            <a:tailEnd type="none" w="sm" len="sm"/>
+          </a:ln>
+        </p:spPr>
+      </p:cxnSp>
+      <p:sp>
+        <p:nvSpPr>
+          <p:cNvPr id="107" name="Google Shape;107;p15"/>
+          <p:cNvSpPr txBox="1"/>
+          <p:nvPr/>
+        </p:nvSpPr>
+        <p:spPr>
+          <a:xfrm>
+            <a:off x="344554" y="79982"/>
+            <a:ext cx="6273300" cy="646500"/>
+          </a:xfrm>
+          <a:prstGeom prst="rect">
+            <a:avLst/>
+          </a:prstGeom>
+          <a:noFill/>
+          <a:ln>
+            <a:noFill/>
+          </a:ln>
+        </p:spPr>
+        <p:txBody>
+          <a:bodyPr spcFirstLastPara="1" wrap="square" lIns="91425" tIns="45700" rIns="91425" bIns="45700" anchor="t" anchorCtr="0">
+            <a:spAutoFit/>
+          </a:bodyPr>
+          <a:lstStyle/>
+          <a:p>
+            <a:pPr marL="0" marR="0" lvl="0" indent="0" algn="l" rtl="0">
+              <a:lnSpc>
+                <a:spcPct val="100000"/>
+              </a:lnSpc>
+              <a:spcBef>
+                <a:spcPts val="0"/>
+              </a:spcBef>
+              <a:spcAft>
+                <a:spcPts val="0"/>
+              </a:spcAft>
+              <a:buClr>
+                <a:srgbClr val="000000"/>
+              </a:buClr>
+              <a:buSzPts val="3600"/>
+              <a:buFont typeface="Arial"/>
+              <a:buNone/>
+            </a:pPr>
+            <a:r>
+              <a:rPr lang="pt-BR" sz="3600" b="1" i="0" u="none" strike="noStrike" cap="none" dirty="0">
+                <a:solidFill>
+                  <a:schemeClr val="dk1"/>
+                </a:solidFill>
+                <a:latin typeface="Calibri"/>
+                <a:ea typeface="Calibri"/>
+                <a:cs typeface="Calibri"/>
+                <a:sym typeface="Calibri"/>
+              </a:rPr>
+              <a:t>Cenário: </a:t>
+            </a:r>
+            <a:r>
+              <a:rPr lang="pt-BR" sz="3600" dirty="0">
+                <a:solidFill>
+                  <a:schemeClr val="dk1"/>
+                </a:solidFill>
+                <a:latin typeface="Calibri"/>
+                <a:ea typeface="Calibri"/>
+                <a:cs typeface="Calibri"/>
+                <a:sym typeface="Calibri"/>
+              </a:rPr>
+              <a:t>Cancelar agendamento</a:t>
+            </a:r>
+            <a:r>
+              <a:rPr lang="pt-BR" sz="3600" i="0" u="none" strike="noStrike" cap="none" dirty="0">
+                <a:solidFill>
+                  <a:schemeClr val="dk1"/>
+                </a:solidFill>
+                <a:latin typeface="Calibri"/>
+                <a:ea typeface="Calibri"/>
+                <a:cs typeface="Calibri"/>
+                <a:sym typeface="Calibri"/>
+              </a:rPr>
+              <a:t> </a:t>
+            </a:r>
+            <a:endParaRPr sz="1800" i="0" u="none" strike="noStrike" cap="none" dirty="0">
+              <a:solidFill>
+                <a:schemeClr val="dk1"/>
+              </a:solidFill>
+              <a:latin typeface="Calibri"/>
+              <a:ea typeface="Calibri"/>
+              <a:cs typeface="Calibri"/>
+              <a:sym typeface="Calibri"/>
+            </a:endParaRPr>
+          </a:p>
+        </p:txBody>
+      </p:sp>
+    </p:spTree>
+    <p:extLst>
+      <p:ext uri="{BB962C8B-B14F-4D97-AF65-F5344CB8AC3E}">
+        <p14:creationId xmlns:p14="http://schemas.microsoft.com/office/powerpoint/2010/main" val="2366448737"/>
+      </p:ext>
+    </p:extLst>
+  </p:cSld>
+  <p:clrMapOvr>
+    <a:masterClrMapping/>
+  </p:clrMapOvr>
+</p:sld>
+</file>
+
+<file path=ppt/slides/slide5.xml><?xml version="1.0" encoding="utf-8"?>
+<p:sld xmlns:a="http://schemas.openxmlformats.org/drawingml/2006/main" xmlns:r="http://schemas.openxmlformats.org/officeDocument/2006/relationships" xmlns:p="http://schemas.openxmlformats.org/presentationml/2006/main">
+  <p:cSld>
+    <p:spTree>
+      <p:nvGrpSpPr>
+        <p:cNvPr id="1" name="Shape 99"/>
+        <p:cNvGrpSpPr/>
+        <p:nvPr/>
+      </p:nvGrpSpPr>
+      <p:grpSpPr>
+        <a:xfrm>
+          <a:off x="0" y="0"/>
+          <a:ext cx="0" cy="0"/>
+          <a:chOff x="0" y="0"/>
+          <a:chExt cx="0" cy="0"/>
+        </a:xfrm>
+      </p:grpSpPr>
+      <p:sp>
+        <p:nvSpPr>
+          <p:cNvPr id="100" name="Google Shape;100;p15"/>
+          <p:cNvSpPr/>
+          <p:nvPr/>
+        </p:nvSpPr>
+        <p:spPr>
+          <a:xfrm>
+            <a:off x="2433711" y="755705"/>
+            <a:ext cx="9273126" cy="5606374"/>
+          </a:xfrm>
+          <a:prstGeom prst="roundRect">
+            <a:avLst>
+              <a:gd name="adj" fmla="val 16667"/>
+            </a:avLst>
+          </a:prstGeom>
+          <a:solidFill>
+            <a:srgbClr val="F2F2F2"/>
+          </a:solidFill>
+          <a:ln w="12700" cap="flat" cmpd="sng">
+            <a:solidFill>
+              <a:srgbClr val="A5A5A5"/>
+            </a:solidFill>
+            <a:prstDash val="solid"/>
+            <a:miter lim="800000"/>
+            <a:headEnd type="none" w="sm" len="sm"/>
+            <a:tailEnd type="none" w="sm" len="sm"/>
+          </a:ln>
+        </p:spPr>
+        <p:txBody>
+          <a:bodyPr spcFirstLastPara="1" wrap="square" lIns="91425" tIns="45700" rIns="91425" bIns="45700" anchor="ctr" anchorCtr="0">
+            <a:noAutofit/>
+          </a:bodyPr>
+          <a:lstStyle/>
+          <a:p>
+            <a:pPr marL="0" marR="0" lvl="0" indent="0" algn="ctr" rtl="0">
+              <a:lnSpc>
+                <a:spcPct val="100000"/>
+              </a:lnSpc>
+              <a:spcBef>
+                <a:spcPts val="0"/>
+              </a:spcBef>
+              <a:spcAft>
+                <a:spcPts val="0"/>
+              </a:spcAft>
+              <a:buClr>
+                <a:srgbClr val="000000"/>
+              </a:buClr>
+              <a:buSzPts val="1800"/>
+              <a:buFont typeface="Arial"/>
+              <a:buNone/>
+            </a:pPr>
+            <a:endParaRPr sz="1800" b="0" i="0" u="none" strike="noStrike" cap="none">
+              <a:solidFill>
+                <a:schemeClr val="dk1"/>
+              </a:solidFill>
+              <a:latin typeface="Calibri"/>
+              <a:ea typeface="Calibri"/>
+              <a:cs typeface="Calibri"/>
+              <a:sym typeface="Calibri"/>
+            </a:endParaRPr>
+          </a:p>
+        </p:txBody>
+      </p:sp>
+      <p:cxnSp>
+        <p:nvCxnSpPr>
+          <p:cNvPr id="101" name="Google Shape;101;p15"/>
+          <p:cNvCxnSpPr>
+            <a:cxnSpLocks/>
+          </p:cNvCxnSpPr>
+          <p:nvPr/>
+        </p:nvCxnSpPr>
+        <p:spPr>
+          <a:xfrm flipH="1">
+            <a:off x="2221198" y="1990094"/>
+            <a:ext cx="5862900" cy="0"/>
+          </a:xfrm>
+          <a:prstGeom prst="straightConnector1">
+            <a:avLst/>
+          </a:prstGeom>
+          <a:noFill/>
+          <a:ln w="9525" cap="flat" cmpd="sng">
+            <a:solidFill>
+              <a:schemeClr val="dk1"/>
+            </a:solidFill>
+            <a:prstDash val="solid"/>
+            <a:miter lim="800000"/>
+            <a:headEnd type="none" w="sm" len="sm"/>
+            <a:tailEnd type="none" w="sm" len="sm"/>
+          </a:ln>
+        </p:spPr>
+      </p:cxnSp>
+      <p:sp>
+        <p:nvSpPr>
+          <p:cNvPr id="102" name="Google Shape;102;p15"/>
+          <p:cNvSpPr/>
+          <p:nvPr/>
+        </p:nvSpPr>
+        <p:spPr>
+          <a:xfrm>
+            <a:off x="485163" y="1249334"/>
+            <a:ext cx="1736035" cy="1272209"/>
+          </a:xfrm>
+          <a:prstGeom prst="rect">
+            <a:avLst/>
+          </a:prstGeom>
+          <a:solidFill>
+            <a:srgbClr val="B3C6E7"/>
+          </a:solidFill>
+          <a:ln w="12700" cap="flat" cmpd="sng">
+            <a:solidFill>
+              <a:srgbClr val="7030A0"/>
+            </a:solidFill>
+            <a:prstDash val="solid"/>
+            <a:miter lim="800000"/>
+            <a:headEnd type="none" w="sm" len="sm"/>
+            <a:tailEnd type="none" w="sm" len="sm"/>
+          </a:ln>
+        </p:spPr>
+        <p:txBody>
+          <a:bodyPr spcFirstLastPara="1" wrap="square" lIns="91425" tIns="45700" rIns="91425" bIns="45700" anchor="ctr" anchorCtr="0">
+            <a:noAutofit/>
+          </a:bodyPr>
+          <a:lstStyle/>
+          <a:p>
+            <a:pPr marL="0" marR="0" lvl="0" indent="0" algn="ctr" rtl="0">
+              <a:lnSpc>
+                <a:spcPct val="100000"/>
+              </a:lnSpc>
+              <a:spcBef>
+                <a:spcPts val="0"/>
+              </a:spcBef>
+              <a:spcAft>
+                <a:spcPts val="0"/>
+              </a:spcAft>
+              <a:buClr>
+                <a:srgbClr val="000000"/>
+              </a:buClr>
+              <a:buSzPts val="1800"/>
+              <a:buFont typeface="Arial"/>
+              <a:buNone/>
+            </a:pPr>
+            <a:r>
+              <a:rPr lang="pt-BR" sz="1800" i="0" u="none" strike="noStrike" cap="none" dirty="0">
+                <a:solidFill>
+                  <a:schemeClr val="dk1"/>
+                </a:solidFill>
+                <a:latin typeface="Calibri"/>
+                <a:ea typeface="Calibri"/>
+                <a:cs typeface="Calibri"/>
+                <a:sym typeface="Calibri"/>
+              </a:rPr>
+              <a:t>clien</a:t>
+            </a:r>
+            <a:r>
+              <a:rPr lang="pt-BR" sz="1800" b="0" i="0" u="none" strike="noStrike" cap="none" dirty="0">
+                <a:solidFill>
+                  <a:schemeClr val="dk1"/>
+                </a:solidFill>
+                <a:latin typeface="Calibri"/>
+                <a:ea typeface="Calibri"/>
+                <a:cs typeface="Calibri"/>
+                <a:sym typeface="Calibri"/>
+              </a:rPr>
+              <a:t>te</a:t>
+            </a:r>
+            <a:endParaRPr sz="1400" b="0" i="0" u="none" strike="noStrike" cap="none" dirty="0">
+              <a:solidFill>
+                <a:srgbClr val="000000"/>
+              </a:solidFill>
+              <a:latin typeface="Arial"/>
+              <a:ea typeface="Arial"/>
+              <a:cs typeface="Arial"/>
+              <a:sym typeface="Arial"/>
+            </a:endParaRPr>
+          </a:p>
+        </p:txBody>
+      </p:sp>
+      <p:sp>
+        <p:nvSpPr>
+          <p:cNvPr id="103" name="Google Shape;103;p15"/>
+          <p:cNvSpPr txBox="1"/>
+          <p:nvPr/>
+        </p:nvSpPr>
+        <p:spPr>
+          <a:xfrm>
+            <a:off x="7492571" y="755705"/>
+            <a:ext cx="1669774" cy="369332"/>
+          </a:xfrm>
+          <a:prstGeom prst="rect">
+            <a:avLst/>
+          </a:prstGeom>
+          <a:noFill/>
+          <a:ln>
+            <a:noFill/>
+          </a:ln>
+        </p:spPr>
+        <p:txBody>
+          <a:bodyPr spcFirstLastPara="1" wrap="square" lIns="91425" tIns="45700" rIns="91425" bIns="45700" anchor="t" anchorCtr="0">
+            <a:spAutoFit/>
+          </a:bodyPr>
+          <a:lstStyle/>
+          <a:p>
+            <a:pPr marL="0" marR="0" lvl="0" indent="0" algn="l" rtl="0">
+              <a:lnSpc>
+                <a:spcPct val="100000"/>
+              </a:lnSpc>
+              <a:spcBef>
+                <a:spcPts val="0"/>
+              </a:spcBef>
+              <a:spcAft>
+                <a:spcPts val="0"/>
+              </a:spcAft>
+              <a:buClr>
+                <a:srgbClr val="000000"/>
+              </a:buClr>
+              <a:buSzPts val="1800"/>
+              <a:buFont typeface="Arial"/>
+              <a:buNone/>
+            </a:pPr>
+            <a:r>
+              <a:rPr lang="pt-BR" sz="1800" b="0" i="0" u="none" strike="noStrike" cap="none" dirty="0">
+                <a:solidFill>
+                  <a:schemeClr val="dk1"/>
+                </a:solidFill>
+                <a:latin typeface="Calibri"/>
+                <a:ea typeface="Calibri"/>
+                <a:cs typeface="Calibri"/>
+                <a:sym typeface="Calibri"/>
+              </a:rPr>
+              <a:t>Barbearia</a:t>
+            </a:r>
+            <a:endParaRPr sz="1400" b="0" i="0" u="none" strike="noStrike" cap="none" dirty="0">
+              <a:solidFill>
+                <a:srgbClr val="000000"/>
+              </a:solidFill>
+              <a:latin typeface="Arial"/>
+              <a:ea typeface="Arial"/>
+              <a:cs typeface="Arial"/>
+              <a:sym typeface="Arial"/>
+            </a:endParaRPr>
+          </a:p>
+        </p:txBody>
+      </p:sp>
+      <p:sp>
+        <p:nvSpPr>
+          <p:cNvPr id="104" name="Google Shape;104;p15"/>
+          <p:cNvSpPr/>
+          <p:nvPr/>
+        </p:nvSpPr>
+        <p:spPr>
+          <a:xfrm>
+            <a:off x="2932402" y="1359928"/>
+            <a:ext cx="3273287" cy="1368288"/>
+          </a:xfrm>
+          <a:prstGeom prst="cube">
+            <a:avLst>
+              <a:gd name="adj" fmla="val 25000"/>
+            </a:avLst>
+          </a:prstGeom>
+          <a:solidFill>
+            <a:srgbClr val="FEE599"/>
+          </a:solidFill>
+          <a:ln w="12700" cap="flat" cmpd="sng">
+            <a:solidFill>
+              <a:srgbClr val="FEE599"/>
+            </a:solidFill>
+            <a:prstDash val="solid"/>
+            <a:miter lim="800000"/>
+            <a:headEnd type="none" w="sm" len="sm"/>
+            <a:tailEnd type="none" w="sm" len="sm"/>
+          </a:ln>
+        </p:spPr>
+        <p:txBody>
+          <a:bodyPr spcFirstLastPara="1" wrap="square" lIns="91425" tIns="45700" rIns="91425" bIns="45700" anchor="ctr" anchorCtr="0">
+            <a:noAutofit/>
+          </a:bodyPr>
+          <a:lstStyle/>
+          <a:p>
+            <a:pPr marL="0" marR="0" lvl="0" indent="0" algn="ctr" rtl="0">
+              <a:lnSpc>
+                <a:spcPct val="100000"/>
+              </a:lnSpc>
+              <a:spcBef>
+                <a:spcPts val="0"/>
+              </a:spcBef>
+              <a:spcAft>
+                <a:spcPts val="0"/>
+              </a:spcAft>
+              <a:buClr>
+                <a:srgbClr val="000000"/>
+              </a:buClr>
+              <a:buSzPts val="1800"/>
+              <a:buFont typeface="Arial"/>
+              <a:buNone/>
+            </a:pPr>
+            <a:endParaRPr sz="1800" b="0" i="0" u="none" strike="noStrike" cap="none" dirty="0">
+              <a:solidFill>
+                <a:schemeClr val="dk1"/>
+              </a:solidFill>
+              <a:latin typeface="Calibri"/>
+              <a:ea typeface="Calibri"/>
+              <a:cs typeface="Calibri"/>
+              <a:sym typeface="Calibri"/>
+            </a:endParaRPr>
+          </a:p>
+          <a:p>
+            <a:pPr marL="0" marR="0" lvl="0" indent="0" algn="ctr" rtl="0">
+              <a:lnSpc>
+                <a:spcPct val="100000"/>
+              </a:lnSpc>
+              <a:spcBef>
+                <a:spcPts val="0"/>
+              </a:spcBef>
+              <a:spcAft>
+                <a:spcPts val="0"/>
+              </a:spcAft>
+              <a:buClr>
+                <a:srgbClr val="000000"/>
+              </a:buClr>
+              <a:buSzPts val="1800"/>
+              <a:buFont typeface="Arial"/>
+              <a:buNone/>
+            </a:pPr>
+            <a:r>
+              <a:rPr lang="pt-BR" sz="1800" b="0" i="0" u="none" strike="noStrike" cap="none" dirty="0">
+                <a:solidFill>
+                  <a:schemeClr val="dk1"/>
+                </a:solidFill>
+                <a:latin typeface="Calibri"/>
+                <a:ea typeface="Calibri"/>
+                <a:cs typeface="Calibri"/>
+                <a:sym typeface="Calibri"/>
+              </a:rPr>
+              <a:t>Recepção</a:t>
+            </a:r>
+            <a:endParaRPr sz="1400" b="0" i="0" u="none" strike="noStrike" cap="none" dirty="0">
+              <a:solidFill>
+                <a:srgbClr val="000000"/>
+              </a:solidFill>
+              <a:latin typeface="Arial"/>
+              <a:ea typeface="Arial"/>
+              <a:cs typeface="Arial"/>
+              <a:sym typeface="Arial"/>
+            </a:endParaRPr>
+          </a:p>
+          <a:p>
+            <a:pPr marL="0" marR="0" lvl="0" indent="0" algn="ctr" rtl="0">
+              <a:lnSpc>
+                <a:spcPct val="100000"/>
+              </a:lnSpc>
+              <a:spcBef>
+                <a:spcPts val="0"/>
+              </a:spcBef>
+              <a:spcAft>
+                <a:spcPts val="0"/>
+              </a:spcAft>
+              <a:buClr>
+                <a:srgbClr val="000000"/>
+              </a:buClr>
+              <a:buSzPts val="1800"/>
+              <a:buFont typeface="Arial"/>
+              <a:buNone/>
+            </a:pPr>
+            <a:r>
+              <a:rPr lang="pt-BR" sz="1800" b="0" i="0" u="none" strike="noStrike" cap="none" dirty="0">
+                <a:solidFill>
+                  <a:schemeClr val="dk1"/>
+                </a:solidFill>
+                <a:latin typeface="Calibri"/>
+                <a:ea typeface="Calibri"/>
+                <a:cs typeface="Calibri"/>
+                <a:sym typeface="Calibri"/>
+              </a:rPr>
+              <a:t>(nó operacional)</a:t>
+            </a:r>
+            <a:endParaRPr sz="1400" b="0" i="0" u="none" strike="noStrike" cap="none" dirty="0">
+              <a:solidFill>
+                <a:srgbClr val="000000"/>
+              </a:solidFill>
+              <a:latin typeface="Arial"/>
+              <a:ea typeface="Arial"/>
+              <a:cs typeface="Arial"/>
+              <a:sym typeface="Arial"/>
+            </a:endParaRPr>
+          </a:p>
+          <a:p>
+            <a:pPr marL="0" marR="0" lvl="0" indent="0" algn="ctr" rtl="0">
+              <a:lnSpc>
+                <a:spcPct val="100000"/>
+              </a:lnSpc>
+              <a:spcBef>
+                <a:spcPts val="0"/>
+              </a:spcBef>
+              <a:spcAft>
+                <a:spcPts val="0"/>
+              </a:spcAft>
+              <a:buClr>
+                <a:srgbClr val="000000"/>
+              </a:buClr>
+              <a:buSzPts val="1800"/>
+              <a:buFont typeface="Arial"/>
+              <a:buNone/>
+            </a:pPr>
+            <a:endParaRPr sz="1800" b="0" i="0" u="none" strike="noStrike" cap="none" dirty="0">
+              <a:solidFill>
+                <a:schemeClr val="lt1"/>
+              </a:solidFill>
+              <a:latin typeface="Calibri"/>
+              <a:ea typeface="Calibri"/>
+              <a:cs typeface="Calibri"/>
+              <a:sym typeface="Calibri"/>
+            </a:endParaRPr>
+          </a:p>
+        </p:txBody>
+      </p:sp>
+      <p:sp>
+        <p:nvSpPr>
+          <p:cNvPr id="105" name="Google Shape;105;p15"/>
+          <p:cNvSpPr/>
+          <p:nvPr/>
+        </p:nvSpPr>
+        <p:spPr>
+          <a:xfrm>
             <a:off x="8084098" y="3208718"/>
-            <a:ext cx="3008244" cy="1368289"/>
+            <a:ext cx="2318851" cy="1368289"/>
           </a:xfrm>
           <a:prstGeom prst="cube">
             <a:avLst>
@@ -17307,8 +18025,8 @@
         </p:nvSpPr>
         <p:spPr>
           <a:xfrm>
-            <a:off x="4624075" y="3208718"/>
-            <a:ext cx="3008244" cy="1368289"/>
+            <a:off x="2567056" y="3176858"/>
+            <a:ext cx="2318851" cy="1368289"/>
           </a:xfrm>
           <a:prstGeom prst="cube">
             <a:avLst>
@@ -17386,14 +18104,13 @@
           </p:cNvPr>
           <p:cNvCxnSpPr>
             <a:cxnSpLocks/>
-            <a:stCxn id="104" idx="3"/>
           </p:cNvCxnSpPr>
           <p:nvPr/>
         </p:nvCxnSpPr>
         <p:spPr>
           <a:xfrm>
-            <a:off x="6089683" y="2739388"/>
-            <a:ext cx="6317" cy="469330"/>
+            <a:off x="4721567" y="2728216"/>
+            <a:ext cx="0" cy="354688"/>
           </a:xfrm>
           <a:prstGeom prst="straightConnector1">
             <a:avLst/>
@@ -17421,134 +18138,15 @@
           </p:cNvPr>
           <p:cNvCxnSpPr>
             <a:cxnSpLocks/>
+            <a:stCxn id="104" idx="5"/>
             <a:endCxn id="104" idx="5"/>
           </p:cNvCxnSpPr>
           <p:nvPr/>
         </p:nvCxnSpPr>
         <p:spPr>
-          <a:xfrm flipH="1">
-            <a:off x="7897362" y="1884208"/>
-            <a:ext cx="171035" cy="0"/>
-          </a:xfrm>
-          <a:prstGeom prst="straightConnector1">
-            <a:avLst/>
-          </a:prstGeom>
-          <a:noFill/>
-          <a:ln w="9525" cap="flat" cmpd="sng">
-            <a:solidFill>
-              <a:schemeClr val="dk1"/>
-            </a:solidFill>
-            <a:prstDash val="solid"/>
-            <a:miter lim="800000"/>
-            <a:headEnd type="none" w="sm" len="sm"/>
-            <a:tailEnd type="none" w="sm" len="sm"/>
-          </a:ln>
-        </p:spPr>
-      </p:cxnSp>
-    </p:spTree>
-    <p:extLst>
-      <p:ext uri="{BB962C8B-B14F-4D97-AF65-F5344CB8AC3E}">
-        <p14:creationId xmlns:p14="http://schemas.microsoft.com/office/powerpoint/2010/main" val="835078843"/>
-      </p:ext>
-    </p:extLst>
-  </p:cSld>
-  <p:clrMapOvr>
-    <a:masterClrMapping/>
-  </p:clrMapOvr>
-</p:sld>
-</file>
-
-<file path=ppt/slides/slide5.xml><?xml version="1.0" encoding="utf-8"?>
-<p:sld xmlns:a="http://schemas.openxmlformats.org/drawingml/2006/main" xmlns:r="http://schemas.openxmlformats.org/officeDocument/2006/relationships" xmlns:p="http://schemas.openxmlformats.org/presentationml/2006/main">
-  <p:cSld>
-    <p:spTree>
-      <p:nvGrpSpPr>
-        <p:cNvPr id="1" name="Shape 111"/>
-        <p:cNvGrpSpPr/>
-        <p:nvPr/>
-      </p:nvGrpSpPr>
-      <p:grpSpPr>
-        <a:xfrm>
-          <a:off x="0" y="0"/>
-          <a:ext cx="0" cy="0"/>
-          <a:chOff x="0" y="0"/>
-          <a:chExt cx="0" cy="0"/>
-        </a:xfrm>
-      </p:grpSpPr>
-      <p:sp>
-        <p:nvSpPr>
-          <p:cNvPr id="112" name="Google Shape;112;p16"/>
-          <p:cNvSpPr/>
-          <p:nvPr/>
-        </p:nvSpPr>
-        <p:spPr>
           <a:xfrm>
-            <a:off x="6618001" y="331306"/>
-            <a:ext cx="5088836" cy="6036364"/>
-          </a:xfrm>
-          <a:prstGeom prst="roundRect">
-            <a:avLst>
-              <a:gd name="adj" fmla="val 16667"/>
-            </a:avLst>
-          </a:prstGeom>
-          <a:solidFill>
-            <a:srgbClr val="F2F2F2"/>
-          </a:solidFill>
-          <a:ln w="12700" cap="flat" cmpd="sng">
-            <a:solidFill>
-              <a:srgbClr val="A5A5A5"/>
-            </a:solidFill>
-            <a:prstDash val="solid"/>
-            <a:miter lim="800000"/>
-            <a:headEnd type="none" w="sm" len="sm"/>
-            <a:tailEnd type="none" w="sm" len="sm"/>
-          </a:ln>
-        </p:spPr>
-        <p:txBody>
-          <a:bodyPr spcFirstLastPara="1" wrap="square" lIns="91425" tIns="45700" rIns="91425" bIns="45700" anchor="ctr" anchorCtr="0">
-            <a:noAutofit/>
-          </a:bodyPr>
-          <a:lstStyle/>
-          <a:p>
-            <a:pPr marL="0" marR="0" lvl="0" indent="0" algn="ctr" rtl="0">
-              <a:lnSpc>
-                <a:spcPct val="100000"/>
-              </a:lnSpc>
-              <a:spcBef>
-                <a:spcPts val="0"/>
-              </a:spcBef>
-              <a:spcAft>
-                <a:spcPts val="0"/>
-              </a:spcAft>
-              <a:buClr>
-                <a:srgbClr val="000000"/>
-              </a:buClr>
-              <a:buSzPts val="1800"/>
-              <a:buFont typeface="Arial"/>
-              <a:buNone/>
-            </a:pPr>
-            <a:endParaRPr sz="1800" b="0" i="0" u="none" strike="noStrike" cap="none">
-              <a:solidFill>
-                <a:schemeClr val="dk1"/>
-              </a:solidFill>
-              <a:latin typeface="Calibri"/>
-              <a:ea typeface="Calibri"/>
-              <a:cs typeface="Calibri"/>
-              <a:sym typeface="Calibri"/>
-            </a:endParaRPr>
-          </a:p>
-        </p:txBody>
-      </p:sp>
-      <p:cxnSp>
-        <p:nvCxnSpPr>
-          <p:cNvPr id="113" name="Google Shape;113;p16"/>
-          <p:cNvCxnSpPr/>
-          <p:nvPr/>
-        </p:nvCxnSpPr>
-        <p:spPr>
-          <a:xfrm flipH="1">
-            <a:off x="3273286" y="1944756"/>
-            <a:ext cx="4386470" cy="1"/>
+            <a:off x="6205689" y="1873036"/>
+            <a:ext cx="0" cy="0"/>
           </a:xfrm>
           <a:prstGeom prst="straightConnector1">
             <a:avLst/>
@@ -17567,326 +18165,20 @@
       </p:cxnSp>
       <p:sp>
         <p:nvSpPr>
-          <p:cNvPr id="114" name="Google Shape;114;p16"/>
+          <p:cNvPr id="23" name="Google Shape;117;p16">
+            <a:extLst>
+              <a:ext uri="{FF2B5EF4-FFF2-40B4-BE49-F238E27FC236}">
+                <a16:creationId xmlns:a16="http://schemas.microsoft.com/office/drawing/2014/main" id="{E43CA256-D82B-4D2A-A089-69F9BEF04B38}"/>
+              </a:ext>
+            </a:extLst>
+          </p:cNvPr>
           <p:cNvSpPr/>
           <p:nvPr/>
         </p:nvSpPr>
         <p:spPr>
           <a:xfrm>
-            <a:off x="1537251" y="1308652"/>
-            <a:ext cx="1736035" cy="1272209"/>
-          </a:xfrm>
-          <a:prstGeom prst="rect">
-            <a:avLst/>
-          </a:prstGeom>
-          <a:solidFill>
-            <a:srgbClr val="B3C6E7"/>
-          </a:solidFill>
-          <a:ln w="12700" cap="flat" cmpd="sng">
-            <a:solidFill>
-              <a:srgbClr val="7030A0"/>
-            </a:solidFill>
-            <a:prstDash val="solid"/>
-            <a:miter lim="800000"/>
-            <a:headEnd type="none" w="sm" len="sm"/>
-            <a:tailEnd type="none" w="sm" len="sm"/>
-          </a:ln>
-        </p:spPr>
-        <p:txBody>
-          <a:bodyPr spcFirstLastPara="1" wrap="square" lIns="91425" tIns="45700" rIns="91425" bIns="45700" anchor="ctr" anchorCtr="0">
-            <a:noAutofit/>
-          </a:bodyPr>
-          <a:lstStyle/>
-          <a:p>
-            <a:pPr marL="0" marR="0" lvl="0" indent="0" algn="ctr" rtl="0">
-              <a:lnSpc>
-                <a:spcPct val="100000"/>
-              </a:lnSpc>
-              <a:spcBef>
-                <a:spcPts val="0"/>
-              </a:spcBef>
-              <a:spcAft>
-                <a:spcPts val="0"/>
-              </a:spcAft>
-              <a:buClr>
-                <a:srgbClr val="000000"/>
-              </a:buClr>
-              <a:buSzPts val="1800"/>
-              <a:buFont typeface="Arial"/>
-              <a:buNone/>
-            </a:pPr>
-            <a:r>
-              <a:rPr lang="pt-BR" sz="1800" b="0" i="0" u="none" strike="noStrike" cap="none">
-                <a:solidFill>
-                  <a:schemeClr val="dk1"/>
-                </a:solidFill>
-                <a:latin typeface="Calibri"/>
-                <a:ea typeface="Calibri"/>
-                <a:cs typeface="Calibri"/>
-                <a:sym typeface="Calibri"/>
-              </a:rPr>
-              <a:t>cliente</a:t>
-            </a:r>
-            <a:endParaRPr sz="1400" b="0" i="0" u="none" strike="noStrike" cap="none">
-              <a:solidFill>
-                <a:srgbClr val="000000"/>
-              </a:solidFill>
-              <a:latin typeface="Arial"/>
-              <a:ea typeface="Arial"/>
-              <a:cs typeface="Arial"/>
-              <a:sym typeface="Arial"/>
-            </a:endParaRPr>
-          </a:p>
-        </p:txBody>
-      </p:sp>
-      <p:sp>
-        <p:nvSpPr>
-          <p:cNvPr id="115" name="Google Shape;115;p16"/>
-          <p:cNvSpPr txBox="1"/>
-          <p:nvPr/>
-        </p:nvSpPr>
-        <p:spPr>
-          <a:xfrm>
-            <a:off x="8499810" y="410818"/>
-            <a:ext cx="1669774" cy="369332"/>
-          </a:xfrm>
-          <a:prstGeom prst="rect">
-            <a:avLst/>
-          </a:prstGeom>
-          <a:noFill/>
-          <a:ln>
-            <a:noFill/>
-          </a:ln>
-        </p:spPr>
-        <p:txBody>
-          <a:bodyPr spcFirstLastPara="1" wrap="square" lIns="91425" tIns="45700" rIns="91425" bIns="45700" anchor="t" anchorCtr="0">
-            <a:spAutoFit/>
-          </a:bodyPr>
-          <a:lstStyle/>
-          <a:p>
-            <a:pPr marL="0" marR="0" lvl="0" indent="0" algn="l" rtl="0">
-              <a:lnSpc>
-                <a:spcPct val="100000"/>
-              </a:lnSpc>
-              <a:spcBef>
-                <a:spcPts val="0"/>
-              </a:spcBef>
-              <a:spcAft>
-                <a:spcPts val="0"/>
-              </a:spcAft>
-              <a:buClr>
-                <a:srgbClr val="000000"/>
-              </a:buClr>
-              <a:buSzPts val="1800"/>
-              <a:buFont typeface="Arial"/>
-              <a:buNone/>
-            </a:pPr>
-            <a:r>
-              <a:rPr lang="pt-BR" sz="1800" b="0" i="0" u="none" strike="noStrike" cap="none" dirty="0">
-                <a:solidFill>
-                  <a:schemeClr val="dk1"/>
-                </a:solidFill>
-                <a:latin typeface="Calibri"/>
-                <a:ea typeface="Calibri"/>
-                <a:cs typeface="Calibri"/>
-                <a:sym typeface="Calibri"/>
-              </a:rPr>
-              <a:t>Barbearia</a:t>
-            </a:r>
-            <a:endParaRPr sz="1400" b="0" i="0" u="none" strike="noStrike" cap="none" dirty="0">
-              <a:solidFill>
-                <a:srgbClr val="000000"/>
-              </a:solidFill>
-              <a:latin typeface="Arial"/>
-              <a:ea typeface="Arial"/>
-              <a:cs typeface="Arial"/>
-              <a:sym typeface="Arial"/>
-            </a:endParaRPr>
-          </a:p>
-        </p:txBody>
-      </p:sp>
-      <p:sp>
-        <p:nvSpPr>
-          <p:cNvPr id="116" name="Google Shape;116;p16"/>
-          <p:cNvSpPr/>
-          <p:nvPr/>
-        </p:nvSpPr>
-        <p:spPr>
-          <a:xfrm>
-            <a:off x="7659756" y="1308652"/>
-            <a:ext cx="3273287" cy="1368288"/>
-          </a:xfrm>
-          <a:prstGeom prst="cube">
-            <a:avLst>
-              <a:gd name="adj" fmla="val 25000"/>
-            </a:avLst>
-          </a:prstGeom>
-          <a:solidFill>
-            <a:srgbClr val="FEE599"/>
-          </a:solidFill>
-          <a:ln w="12700" cap="flat" cmpd="sng">
-            <a:solidFill>
-              <a:srgbClr val="FEE599"/>
-            </a:solidFill>
-            <a:prstDash val="solid"/>
-            <a:miter lim="800000"/>
-            <a:headEnd type="none" w="sm" len="sm"/>
-            <a:tailEnd type="none" w="sm" len="sm"/>
-          </a:ln>
-        </p:spPr>
-        <p:txBody>
-          <a:bodyPr spcFirstLastPara="1" wrap="square" lIns="91425" tIns="45700" rIns="91425" bIns="45700" anchor="ctr" anchorCtr="0">
-            <a:noAutofit/>
-          </a:bodyPr>
-          <a:lstStyle/>
-          <a:p>
-            <a:pPr marL="0" marR="0" lvl="0" indent="0" algn="ctr" rtl="0">
-              <a:lnSpc>
-                <a:spcPct val="100000"/>
-              </a:lnSpc>
-              <a:spcBef>
-                <a:spcPts val="0"/>
-              </a:spcBef>
-              <a:spcAft>
-                <a:spcPts val="0"/>
-              </a:spcAft>
-              <a:buClr>
-                <a:srgbClr val="000000"/>
-              </a:buClr>
-              <a:buSzPts val="1800"/>
-              <a:buFont typeface="Arial"/>
-              <a:buNone/>
-            </a:pPr>
-            <a:endParaRPr sz="1800" b="0" i="0" u="none" strike="noStrike" cap="none" dirty="0">
-              <a:solidFill>
-                <a:schemeClr val="dk1"/>
-              </a:solidFill>
-              <a:latin typeface="Calibri"/>
-              <a:ea typeface="Calibri"/>
-              <a:cs typeface="Calibri"/>
-              <a:sym typeface="Calibri"/>
-            </a:endParaRPr>
-          </a:p>
-          <a:p>
-            <a:pPr marL="0" marR="0" lvl="0" indent="0" algn="ctr" rtl="0">
-              <a:lnSpc>
-                <a:spcPct val="100000"/>
-              </a:lnSpc>
-              <a:spcBef>
-                <a:spcPts val="0"/>
-              </a:spcBef>
-              <a:spcAft>
-                <a:spcPts val="0"/>
-              </a:spcAft>
-              <a:buClr>
-                <a:srgbClr val="000000"/>
-              </a:buClr>
-              <a:buSzPts val="1800"/>
-              <a:buFont typeface="Arial"/>
-              <a:buNone/>
-            </a:pPr>
-            <a:r>
-              <a:rPr lang="pt-BR" sz="1800" b="0" i="0" u="none" strike="noStrike" cap="none" dirty="0">
-                <a:solidFill>
-                  <a:schemeClr val="dk1"/>
-                </a:solidFill>
-                <a:latin typeface="Calibri"/>
-                <a:ea typeface="Calibri"/>
-                <a:cs typeface="Calibri"/>
-                <a:sym typeface="Calibri"/>
-              </a:rPr>
-              <a:t>Recepção</a:t>
-            </a:r>
-            <a:endParaRPr sz="1400" b="0" i="0" u="none" strike="noStrike" cap="none" dirty="0">
-              <a:solidFill>
-                <a:srgbClr val="000000"/>
-              </a:solidFill>
-              <a:latin typeface="Arial"/>
-              <a:ea typeface="Arial"/>
-              <a:cs typeface="Arial"/>
-              <a:sym typeface="Arial"/>
-            </a:endParaRPr>
-          </a:p>
-          <a:p>
-            <a:pPr marL="0" marR="0" lvl="0" indent="0" algn="ctr" rtl="0">
-              <a:lnSpc>
-                <a:spcPct val="100000"/>
-              </a:lnSpc>
-              <a:spcBef>
-                <a:spcPts val="0"/>
-              </a:spcBef>
-              <a:spcAft>
-                <a:spcPts val="0"/>
-              </a:spcAft>
-              <a:buClr>
-                <a:srgbClr val="000000"/>
-              </a:buClr>
-              <a:buSzPts val="1800"/>
-              <a:buFont typeface="Arial"/>
-              <a:buNone/>
-            </a:pPr>
-            <a:r>
-              <a:rPr lang="pt-BR" sz="1800" b="0" i="0" u="none" strike="noStrike" cap="none" dirty="0">
-                <a:solidFill>
-                  <a:schemeClr val="dk1"/>
-                </a:solidFill>
-                <a:latin typeface="Calibri"/>
-                <a:ea typeface="Calibri"/>
-                <a:cs typeface="Calibri"/>
-                <a:sym typeface="Calibri"/>
-              </a:rPr>
-              <a:t>(nó operacional)</a:t>
-            </a:r>
-            <a:endParaRPr sz="1400" b="0" i="0" u="none" strike="noStrike" cap="none" dirty="0">
-              <a:solidFill>
-                <a:srgbClr val="000000"/>
-              </a:solidFill>
-              <a:latin typeface="Arial"/>
-              <a:ea typeface="Arial"/>
-              <a:cs typeface="Arial"/>
-              <a:sym typeface="Arial"/>
-            </a:endParaRPr>
-          </a:p>
-          <a:p>
-            <a:pPr marL="0" marR="0" lvl="0" indent="0" algn="ctr" rtl="0">
-              <a:lnSpc>
-                <a:spcPct val="100000"/>
-              </a:lnSpc>
-              <a:spcBef>
-                <a:spcPts val="0"/>
-              </a:spcBef>
-              <a:spcAft>
-                <a:spcPts val="0"/>
-              </a:spcAft>
-              <a:buClr>
-                <a:srgbClr val="000000"/>
-              </a:buClr>
-              <a:buSzPts val="1800"/>
-              <a:buFont typeface="Arial"/>
-              <a:buNone/>
-            </a:pPr>
-            <a:endParaRPr sz="1800" b="0" i="0" u="none" strike="noStrike" cap="none" dirty="0">
-              <a:solidFill>
-                <a:schemeClr val="lt1"/>
-              </a:solidFill>
-              <a:latin typeface="Calibri"/>
-              <a:ea typeface="Calibri"/>
-              <a:cs typeface="Calibri"/>
-              <a:sym typeface="Calibri"/>
-            </a:endParaRPr>
-          </a:p>
-        </p:txBody>
-      </p:sp>
-      <p:sp>
-        <p:nvSpPr>
-          <p:cNvPr id="117" name="Google Shape;117;p16"/>
-          <p:cNvSpPr/>
-          <p:nvPr/>
-        </p:nvSpPr>
-        <p:spPr>
-          <a:xfrm>
-            <a:off x="7487478" y="3103598"/>
-            <a:ext cx="3008244" cy="1368289"/>
+            <a:off x="4983111" y="3168802"/>
+            <a:ext cx="2318851" cy="1368289"/>
           </a:xfrm>
           <a:prstGeom prst="cube">
             <a:avLst>
@@ -17955,109 +18247,160 @@
       </p:sp>
       <p:cxnSp>
         <p:nvCxnSpPr>
-          <p:cNvPr id="118" name="Google Shape;118;p16"/>
+          <p:cNvPr id="16" name="Conector reto 15">
+            <a:extLst>
+              <a:ext uri="{FF2B5EF4-FFF2-40B4-BE49-F238E27FC236}">
+                <a16:creationId xmlns:a16="http://schemas.microsoft.com/office/drawing/2014/main" id="{C22AEC4B-CED4-481F-BB22-ABE9CD909854}"/>
+              </a:ext>
+            </a:extLst>
+          </p:cNvPr>
+          <p:cNvCxnSpPr>
+            <a:cxnSpLocks/>
+          </p:cNvCxnSpPr>
+          <p:nvPr/>
+        </p:nvCxnSpPr>
+        <p:spPr>
+          <a:xfrm>
+            <a:off x="4721567" y="3082904"/>
+            <a:ext cx="919578" cy="0"/>
+          </a:xfrm>
+          <a:prstGeom prst="line">
+            <a:avLst/>
+          </a:prstGeom>
+        </p:spPr>
+        <p:style>
+          <a:lnRef idx="1">
+            <a:schemeClr val="accent1"/>
+          </a:lnRef>
+          <a:fillRef idx="0">
+            <a:schemeClr val="accent1"/>
+          </a:fillRef>
+          <a:effectRef idx="0">
+            <a:schemeClr val="accent1"/>
+          </a:effectRef>
+          <a:fontRef idx="minor">
+            <a:schemeClr val="tx1"/>
+          </a:fontRef>
+        </p:style>
+      </p:cxnSp>
+      <p:cxnSp>
+        <p:nvCxnSpPr>
+          <p:cNvPr id="22" name="Conector reto 21">
+            <a:extLst>
+              <a:ext uri="{FF2B5EF4-FFF2-40B4-BE49-F238E27FC236}">
+                <a16:creationId xmlns:a16="http://schemas.microsoft.com/office/drawing/2014/main" id="{B9B3698C-4C1F-46E1-88E8-9230CD989B3C}"/>
+              </a:ext>
+            </a:extLst>
+          </p:cNvPr>
           <p:cNvCxnSpPr/>
           <p:nvPr/>
         </p:nvCxnSpPr>
         <p:spPr>
           <a:xfrm>
-            <a:off x="8878956" y="2676940"/>
-            <a:ext cx="0" cy="528502"/>
+            <a:off x="4206240" y="3082904"/>
+            <a:ext cx="515327" cy="0"/>
           </a:xfrm>
-          <a:prstGeom prst="straightConnector1">
+          <a:prstGeom prst="line">
             <a:avLst/>
           </a:prstGeom>
-          <a:noFill/>
-          <a:ln w="9525" cap="flat" cmpd="sng">
-            <a:solidFill>
-              <a:schemeClr val="accent1"/>
-            </a:solidFill>
-            <a:prstDash val="solid"/>
-            <a:miter lim="800000"/>
-            <a:headEnd type="none" w="sm" len="sm"/>
-            <a:tailEnd type="none" w="sm" len="sm"/>
-          </a:ln>
         </p:spPr>
+        <p:style>
+          <a:lnRef idx="1">
+            <a:schemeClr val="accent1"/>
+          </a:lnRef>
+          <a:fillRef idx="0">
+            <a:schemeClr val="accent1"/>
+          </a:fillRef>
+          <a:effectRef idx="0">
+            <a:schemeClr val="accent1"/>
+          </a:effectRef>
+          <a:fontRef idx="minor">
+            <a:schemeClr val="tx1"/>
+          </a:fontRef>
+        </p:style>
       </p:cxnSp>
-      <p:sp>
-        <p:nvSpPr>
-          <p:cNvPr id="119" name="Google Shape;119;p16"/>
-          <p:cNvSpPr txBox="1"/>
+      <p:cxnSp>
+        <p:nvCxnSpPr>
+          <p:cNvPr id="26" name="Conector reto 25">
+            <a:extLst>
+              <a:ext uri="{FF2B5EF4-FFF2-40B4-BE49-F238E27FC236}">
+                <a16:creationId xmlns:a16="http://schemas.microsoft.com/office/drawing/2014/main" id="{B4855FF4-9EC2-46E6-B4FC-D78A4FD29051}"/>
+              </a:ext>
+            </a:extLst>
+          </p:cNvPr>
+          <p:cNvCxnSpPr>
+            <a:cxnSpLocks/>
+          </p:cNvCxnSpPr>
           <p:nvPr/>
-        </p:nvSpPr>
+        </p:nvCxnSpPr>
         <p:spPr>
           <a:xfrm>
-            <a:off x="344554" y="79982"/>
-            <a:ext cx="6273300" cy="646500"/>
+            <a:off x="4206240" y="3082904"/>
+            <a:ext cx="0" cy="346096"/>
           </a:xfrm>
-          <a:prstGeom prst="rect">
+          <a:prstGeom prst="line">
             <a:avLst/>
           </a:prstGeom>
-          <a:noFill/>
-          <a:ln>
-            <a:noFill/>
-          </a:ln>
         </p:spPr>
-        <p:txBody>
-          <a:bodyPr spcFirstLastPara="1" wrap="square" lIns="91425" tIns="45700" rIns="91425" bIns="45700" anchor="t" anchorCtr="0">
-            <a:spAutoFit/>
-          </a:bodyPr>
-          <a:lstStyle/>
-          <a:p>
-            <a:pPr marL="0" marR="0" lvl="0" indent="0" algn="l" rtl="0">
-              <a:lnSpc>
-                <a:spcPct val="100000"/>
-              </a:lnSpc>
-              <a:spcBef>
-                <a:spcPts val="0"/>
-              </a:spcBef>
-              <a:spcAft>
-                <a:spcPts val="0"/>
-              </a:spcAft>
-              <a:buClr>
-                <a:srgbClr val="000000"/>
-              </a:buClr>
-              <a:buSzPts val="3600"/>
-              <a:buFont typeface="Arial"/>
-              <a:buNone/>
-            </a:pPr>
-            <a:r>
-              <a:rPr lang="pt-BR" sz="3600" b="1" i="0" u="none" strike="noStrike" cap="none" dirty="0">
-                <a:solidFill>
-                  <a:schemeClr val="dk1"/>
-                </a:solidFill>
-                <a:latin typeface="Calibri"/>
-                <a:ea typeface="Calibri"/>
-                <a:cs typeface="Calibri"/>
-                <a:sym typeface="Calibri"/>
-              </a:rPr>
-              <a:t>Cenário: </a:t>
-            </a:r>
-            <a:r>
-              <a:rPr lang="pt-BR" sz="3600" dirty="0">
-                <a:solidFill>
-                  <a:schemeClr val="dk1"/>
-                </a:solidFill>
-                <a:latin typeface="Calibri"/>
-                <a:ea typeface="Calibri"/>
-                <a:cs typeface="Calibri"/>
-                <a:sym typeface="Calibri"/>
-              </a:rPr>
-              <a:t>Finalizar atendimento</a:t>
-            </a:r>
-            <a:endParaRPr sz="1800" i="0" u="none" strike="noStrike" cap="none" dirty="0">
-              <a:solidFill>
-                <a:schemeClr val="dk1"/>
-              </a:solidFill>
-              <a:latin typeface="Calibri"/>
-              <a:ea typeface="Calibri"/>
-              <a:cs typeface="Calibri"/>
-              <a:sym typeface="Calibri"/>
-            </a:endParaRPr>
-          </a:p>
-        </p:txBody>
-      </p:sp>
+        <p:style>
+          <a:lnRef idx="1">
+            <a:schemeClr val="accent1"/>
+          </a:lnRef>
+          <a:fillRef idx="0">
+            <a:schemeClr val="accent1"/>
+          </a:fillRef>
+          <a:effectRef idx="0">
+            <a:schemeClr val="accent1"/>
+          </a:effectRef>
+          <a:fontRef idx="minor">
+            <a:schemeClr val="tx1"/>
+          </a:fontRef>
+        </p:style>
+      </p:cxnSp>
+      <p:cxnSp>
+        <p:nvCxnSpPr>
+          <p:cNvPr id="28" name="Conector reto 27">
+            <a:extLst>
+              <a:ext uri="{FF2B5EF4-FFF2-40B4-BE49-F238E27FC236}">
+                <a16:creationId xmlns:a16="http://schemas.microsoft.com/office/drawing/2014/main" id="{A6CC9A9F-AFB4-4D20-939B-AAE129CB6AC3}"/>
+              </a:ext>
+            </a:extLst>
+          </p:cNvPr>
+          <p:cNvCxnSpPr>
+            <a:cxnSpLocks/>
+          </p:cNvCxnSpPr>
+          <p:nvPr/>
+        </p:nvCxnSpPr>
+        <p:spPr>
+          <a:xfrm>
+            <a:off x="5641145" y="3082904"/>
+            <a:ext cx="0" cy="346096"/>
+          </a:xfrm>
+          <a:prstGeom prst="line">
+            <a:avLst/>
+          </a:prstGeom>
+        </p:spPr>
+        <p:style>
+          <a:lnRef idx="1">
+            <a:schemeClr val="accent1"/>
+          </a:lnRef>
+          <a:fillRef idx="0">
+            <a:schemeClr val="accent1"/>
+          </a:fillRef>
+          <a:effectRef idx="0">
+            <a:schemeClr val="accent1"/>
+          </a:effectRef>
+          <a:fontRef idx="minor">
+            <a:schemeClr val="tx1"/>
+          </a:fontRef>
+        </p:style>
+      </p:cxnSp>
     </p:spTree>
+    <p:extLst>
+      <p:ext uri="{BB962C8B-B14F-4D97-AF65-F5344CB8AC3E}">
+        <p14:creationId xmlns:p14="http://schemas.microsoft.com/office/powerpoint/2010/main" val="835078843"/>
+      </p:ext>
+    </p:extLst>
   </p:cSld>
   <p:clrMapOvr>
     <a:masterClrMapping/>
